--- a/analysis/Zaroukian-AHFE-presentation.PPTX
+++ b/analysis/Zaroukian-AHFE-presentation.PPTX
@@ -8,18 +8,30 @@
     <p:sldMasterId id="2147484232" r:id="rId7"/>
   </p:sldMasterIdLst>
   <p:notesMasterIdLst>
-    <p:notesMasterId r:id="rId14"/>
+    <p:notesMasterId r:id="rId26"/>
   </p:notesMasterIdLst>
   <p:handoutMasterIdLst>
-    <p:handoutMasterId r:id="rId15"/>
+    <p:handoutMasterId r:id="rId27"/>
   </p:handoutMasterIdLst>
   <p:sldIdLst>
     <p:sldId id="299" r:id="rId8"/>
     <p:sldId id="300" r:id="rId9"/>
-    <p:sldId id="301" r:id="rId10"/>
-    <p:sldId id="295" r:id="rId11"/>
-    <p:sldId id="302" r:id="rId12"/>
-    <p:sldId id="272" r:id="rId13"/>
+    <p:sldId id="304" r:id="rId10"/>
+    <p:sldId id="305" r:id="rId11"/>
+    <p:sldId id="308" r:id="rId12"/>
+    <p:sldId id="309" r:id="rId13"/>
+    <p:sldId id="313" r:id="rId14"/>
+    <p:sldId id="311" r:id="rId15"/>
+    <p:sldId id="312" r:id="rId16"/>
+    <p:sldId id="310" r:id="rId17"/>
+    <p:sldId id="306" r:id="rId18"/>
+    <p:sldId id="307" r:id="rId19"/>
+    <p:sldId id="314" r:id="rId20"/>
+    <p:sldId id="301" r:id="rId21"/>
+    <p:sldId id="295" r:id="rId22"/>
+    <p:sldId id="303" r:id="rId23"/>
+    <p:sldId id="302" r:id="rId24"/>
+    <p:sldId id="272" r:id="rId25"/>
   </p:sldIdLst>
   <p:sldSz cx="9144000" cy="6858000" type="screen4x3"/>
   <p:notesSz cx="7010400" cy="9296400"/>
@@ -252,7 +264,7 @@
             <a:fld id="{BD16C31D-1C22-F84A-A7B5-6952EF1AE403}" type="datetimeFigureOut">
               <a:rPr lang="en-US" altLang="en-US"/>
               <a:pPr/>
-              <a:t>1/23/2019</a:t>
+              <a:t>4/25/2019</a:t>
             </a:fld>
             <a:endParaRPr lang="en-US" altLang="en-US"/>
           </a:p>
@@ -440,7 +452,7 @@
             <a:fld id="{A438D594-1B45-0D47-8F23-AED13F1D19BA}" type="datetimeFigureOut">
               <a:rPr lang="en-US" altLang="en-US"/>
               <a:pPr/>
-              <a:t>1/23/2019</a:t>
+              <a:t>4/25/2019</a:t>
             </a:fld>
             <a:endParaRPr lang="en-US" altLang="en-US"/>
           </a:p>
@@ -11723,7 +11735,7 @@
 </p:sld>
 </file>
 
-<file path=ppt/slides/slide2.xml><?xml version="1.0" encoding="utf-8"?>
+<file path=ppt/slides/slide10.xml><?xml version="1.0" encoding="utf-8"?>
 <p:sld xmlns:a="http://schemas.openxmlformats.org/drawingml/2006/main" xmlns:r="http://schemas.openxmlformats.org/officeDocument/2006/relationships" xmlns:p="http://schemas.openxmlformats.org/presentationml/2006/main">
   <p:cSld>
     <p:spTree>
@@ -11742,12 +11754,12 @@
       </p:grpSpPr>
       <p:sp>
         <p:nvSpPr>
-          <p:cNvPr id="2" name="Text Placeholder 1"/>
+          <p:cNvPr id="2" name="Content Placeholder 1"/>
           <p:cNvSpPr>
             <a:spLocks noGrp="1"/>
           </p:cNvSpPr>
           <p:nvPr>
-            <p:ph type="body" sz="quarter" idx="17"/>
+            <p:ph idx="1"/>
           </p:nvPr>
         </p:nvSpPr>
         <p:spPr/>
@@ -11755,13 +11767,346 @@
           <a:bodyPr/>
           <a:lstStyle/>
           <a:p>
+            <a:endParaRPr lang="en-US"/>
+          </a:p>
+        </p:txBody>
+      </p:sp>
+      <p:sp>
+        <p:nvSpPr>
+          <p:cNvPr id="3" name="Title 2"/>
+          <p:cNvSpPr>
+            <a:spLocks noGrp="1"/>
+          </p:cNvSpPr>
+          <p:nvPr>
+            <p:ph type="title"/>
+          </p:nvPr>
+        </p:nvSpPr>
+        <p:spPr/>
+        <p:txBody>
+          <a:bodyPr/>
+          <a:lstStyle/>
+          <a:p>
+            <a:endParaRPr lang="en-US"/>
+          </a:p>
+        </p:txBody>
+      </p:sp>
+      <p:pic>
+        <p:nvPicPr>
+          <p:cNvPr id="4" name="Picture 3"/>
+          <p:cNvPicPr>
+            <a:picLocks noChangeAspect="1"/>
+          </p:cNvPicPr>
+          <p:nvPr/>
+        </p:nvPicPr>
+        <p:blipFill>
+          <a:blip r:embed="rId2"/>
+          <a:stretch>
+            <a:fillRect/>
+          </a:stretch>
+        </p:blipFill>
+        <p:spPr>
+          <a:xfrm>
+            <a:off x="340335" y="1452621"/>
+            <a:ext cx="7955280" cy="4938653"/>
+          </a:xfrm>
+          <a:prstGeom prst="rect">
+            <a:avLst/>
+          </a:prstGeom>
+        </p:spPr>
+      </p:pic>
+    </p:spTree>
+    <p:extLst>
+      <p:ext uri="{BB962C8B-B14F-4D97-AF65-F5344CB8AC3E}">
+        <p14:creationId xmlns:p14="http://schemas.microsoft.com/office/powerpoint/2010/main" val="1849869696"/>
+      </p:ext>
+    </p:extLst>
+  </p:cSld>
+  <p:clrMapOvr>
+    <a:masterClrMapping/>
+  </p:clrMapOvr>
+</p:sld>
+</file>
+
+<file path=ppt/slides/slide11.xml><?xml version="1.0" encoding="utf-8"?>
+<p:sld xmlns:a="http://schemas.openxmlformats.org/drawingml/2006/main" xmlns:r="http://schemas.openxmlformats.org/officeDocument/2006/relationships" xmlns:p="http://schemas.openxmlformats.org/presentationml/2006/main">
+  <p:cSld>
+    <p:spTree>
+      <p:nvGrpSpPr>
+        <p:cNvPr id="1" name=""/>
+        <p:cNvGrpSpPr/>
+        <p:nvPr/>
+      </p:nvGrpSpPr>
+      <p:grpSpPr>
+        <a:xfrm>
+          <a:off x="0" y="0"/>
+          <a:ext cx="0" cy="0"/>
+          <a:chOff x="0" y="0"/>
+          <a:chExt cx="0" cy="0"/>
+        </a:xfrm>
+      </p:grpSpPr>
+      <p:sp>
+        <p:nvSpPr>
+          <p:cNvPr id="2" name="Content Placeholder 1"/>
+          <p:cNvSpPr>
+            <a:spLocks noGrp="1"/>
+          </p:cNvSpPr>
+          <p:nvPr>
+            <p:ph idx="1"/>
+          </p:nvPr>
+        </p:nvSpPr>
+        <p:spPr/>
+        <p:txBody>
+          <a:bodyPr/>
+          <a:lstStyle/>
+          <a:p>
             <a:r>
               <a:rPr lang="en-US" dirty="0"/>
-              <a:t>DD MMM </a:t>
-            </a:r>
+              <a:t>In a second experiment, the markup was hand-generated to be as relevant and accurate as possible to find conditions under which markup improves performance. This experiment showed no significant difference between performance with and without markup, but a significant majority of participants preferred working with markup to without. Further, preference for markup showed a fairly strong correlation with participants’ ratings of their own trust in automation. </a:t>
+            </a:r>
+          </a:p>
+        </p:txBody>
+      </p:sp>
+      <p:sp>
+        <p:nvSpPr>
+          <p:cNvPr id="3" name="Title 2"/>
+          <p:cNvSpPr>
+            <a:spLocks noGrp="1"/>
+          </p:cNvSpPr>
+          <p:nvPr>
+            <p:ph type="title"/>
+          </p:nvPr>
+        </p:nvSpPr>
+        <p:spPr/>
+        <p:txBody>
+          <a:bodyPr/>
+          <a:lstStyle/>
+          <a:p>
             <a:r>
               <a:rPr lang="en-US" dirty="0" smtClean="0"/>
-              <a:t>YYYY</a:t>
+              <a:t>Experiment 2</a:t>
+            </a:r>
+            <a:endParaRPr lang="en-US" dirty="0"/>
+          </a:p>
+        </p:txBody>
+      </p:sp>
+    </p:spTree>
+    <p:extLst>
+      <p:ext uri="{BB962C8B-B14F-4D97-AF65-F5344CB8AC3E}">
+        <p14:creationId xmlns:p14="http://schemas.microsoft.com/office/powerpoint/2010/main" val="3121818243"/>
+      </p:ext>
+    </p:extLst>
+  </p:cSld>
+  <p:clrMapOvr>
+    <a:masterClrMapping/>
+  </p:clrMapOvr>
+</p:sld>
+</file>
+
+<file path=ppt/slides/slide12.xml><?xml version="1.0" encoding="utf-8"?>
+<p:sld xmlns:a="http://schemas.openxmlformats.org/drawingml/2006/main" xmlns:r="http://schemas.openxmlformats.org/officeDocument/2006/relationships" xmlns:p="http://schemas.openxmlformats.org/presentationml/2006/main">
+  <p:cSld>
+    <p:spTree>
+      <p:nvGrpSpPr>
+        <p:cNvPr id="1" name=""/>
+        <p:cNvGrpSpPr/>
+        <p:nvPr/>
+      </p:nvGrpSpPr>
+      <p:grpSpPr>
+        <a:xfrm>
+          <a:off x="0" y="0"/>
+          <a:ext cx="0" cy="0"/>
+          <a:chOff x="0" y="0"/>
+          <a:chExt cx="0" cy="0"/>
+        </a:xfrm>
+      </p:grpSpPr>
+      <p:pic>
+        <p:nvPicPr>
+          <p:cNvPr id="6" name="Content Placeholder 5"/>
+          <p:cNvPicPr>
+            <a:picLocks noGrp="1" noChangeAspect="1"/>
+          </p:cNvPicPr>
+          <p:nvPr>
+            <p:ph idx="1"/>
+          </p:nvPr>
+        </p:nvPicPr>
+        <p:blipFill>
+          <a:blip r:embed="rId2">
+            <a:extLst>
+              <a:ext uri="{28A0092B-C50C-407E-A947-70E740481C1C}">
+                <a14:useLocalDpi xmlns:a14="http://schemas.microsoft.com/office/drawing/2010/main" val="0"/>
+              </a:ext>
+            </a:extLst>
+          </a:blip>
+          <a:stretch>
+            <a:fillRect/>
+          </a:stretch>
+        </p:blipFill>
+        <p:spPr>
+          <a:xfrm>
+            <a:off x="1704181" y="1900237"/>
+            <a:ext cx="5572125" cy="3371850"/>
+          </a:xfrm>
+        </p:spPr>
+      </p:pic>
+      <p:sp>
+        <p:nvSpPr>
+          <p:cNvPr id="3" name="Title 2"/>
+          <p:cNvSpPr>
+            <a:spLocks noGrp="1"/>
+          </p:cNvSpPr>
+          <p:nvPr>
+            <p:ph type="title"/>
+          </p:nvPr>
+        </p:nvSpPr>
+        <p:spPr/>
+        <p:txBody>
+          <a:bodyPr/>
+          <a:lstStyle/>
+          <a:p>
+            <a:endParaRPr lang="en-US"/>
+          </a:p>
+        </p:txBody>
+      </p:sp>
+    </p:spTree>
+    <p:extLst>
+      <p:ext uri="{BB962C8B-B14F-4D97-AF65-F5344CB8AC3E}">
+        <p14:creationId xmlns:p14="http://schemas.microsoft.com/office/powerpoint/2010/main" val="4241295422"/>
+      </p:ext>
+    </p:extLst>
+  </p:cSld>
+  <p:clrMapOvr>
+    <a:masterClrMapping/>
+  </p:clrMapOvr>
+</p:sld>
+</file>
+
+<file path=ppt/slides/slide13.xml><?xml version="1.0" encoding="utf-8"?>
+<p:sld xmlns:a="http://schemas.openxmlformats.org/drawingml/2006/main" xmlns:r="http://schemas.openxmlformats.org/officeDocument/2006/relationships" xmlns:p="http://schemas.openxmlformats.org/presentationml/2006/main">
+  <p:cSld>
+    <p:spTree>
+      <p:nvGrpSpPr>
+        <p:cNvPr id="1" name=""/>
+        <p:cNvGrpSpPr/>
+        <p:nvPr/>
+      </p:nvGrpSpPr>
+      <p:grpSpPr>
+        <a:xfrm>
+          <a:off x="0" y="0"/>
+          <a:ext cx="0" cy="0"/>
+          <a:chOff x="0" y="0"/>
+          <a:chExt cx="0" cy="0"/>
+        </a:xfrm>
+      </p:grpSpPr>
+      <p:sp>
+        <p:nvSpPr>
+          <p:cNvPr id="2" name="Content Placeholder 1"/>
+          <p:cNvSpPr>
+            <a:spLocks noGrp="1"/>
+          </p:cNvSpPr>
+          <p:nvPr>
+            <p:ph idx="1"/>
+          </p:nvPr>
+        </p:nvSpPr>
+        <p:spPr/>
+        <p:txBody>
+          <a:bodyPr/>
+          <a:lstStyle/>
+          <a:p>
+            <a:endParaRPr lang="en-US"/>
+          </a:p>
+        </p:txBody>
+      </p:sp>
+      <p:sp>
+        <p:nvSpPr>
+          <p:cNvPr id="3" name="Title 2"/>
+          <p:cNvSpPr>
+            <a:spLocks noGrp="1"/>
+          </p:cNvSpPr>
+          <p:nvPr>
+            <p:ph type="title"/>
+          </p:nvPr>
+        </p:nvSpPr>
+        <p:spPr/>
+        <p:txBody>
+          <a:bodyPr/>
+          <a:lstStyle/>
+          <a:p>
+            <a:endParaRPr lang="en-US"/>
+          </a:p>
+        </p:txBody>
+      </p:sp>
+      <p:pic>
+        <p:nvPicPr>
+          <p:cNvPr id="4" name="Picture 3"/>
+          <p:cNvPicPr>
+            <a:picLocks noChangeAspect="1"/>
+          </p:cNvPicPr>
+          <p:nvPr/>
+        </p:nvPicPr>
+        <p:blipFill>
+          <a:blip r:embed="rId2"/>
+          <a:stretch>
+            <a:fillRect/>
+          </a:stretch>
+        </p:blipFill>
+        <p:spPr>
+          <a:xfrm>
+            <a:off x="1031632" y="1528069"/>
+            <a:ext cx="5999761" cy="4116185"/>
+          </a:xfrm>
+          <a:prstGeom prst="rect">
+            <a:avLst/>
+          </a:prstGeom>
+        </p:spPr>
+      </p:pic>
+    </p:spTree>
+    <p:extLst>
+      <p:ext uri="{BB962C8B-B14F-4D97-AF65-F5344CB8AC3E}">
+        <p14:creationId xmlns:p14="http://schemas.microsoft.com/office/powerpoint/2010/main" val="2448217926"/>
+      </p:ext>
+    </p:extLst>
+  </p:cSld>
+  <p:clrMapOvr>
+    <a:masterClrMapping/>
+  </p:clrMapOvr>
+</p:sld>
+</file>
+
+<file path=ppt/slides/slide14.xml><?xml version="1.0" encoding="utf-8"?>
+<p:sld xmlns:a="http://schemas.openxmlformats.org/drawingml/2006/main" xmlns:r="http://schemas.openxmlformats.org/officeDocument/2006/relationships" xmlns:p="http://schemas.openxmlformats.org/presentationml/2006/main">
+  <p:cSld>
+    <p:spTree>
+      <p:nvGrpSpPr>
+        <p:cNvPr id="1" name=""/>
+        <p:cNvGrpSpPr/>
+        <p:nvPr/>
+      </p:nvGrpSpPr>
+      <p:grpSpPr>
+        <a:xfrm>
+          <a:off x="0" y="0"/>
+          <a:ext cx="0" cy="0"/>
+          <a:chOff x="0" y="0"/>
+          <a:chExt cx="0" cy="0"/>
+        </a:xfrm>
+      </p:grpSpPr>
+      <p:sp>
+        <p:nvSpPr>
+          <p:cNvPr id="2" name="Title 1"/>
+          <p:cNvSpPr>
+            <a:spLocks noGrp="1"/>
+          </p:cNvSpPr>
+          <p:nvPr>
+            <p:ph type="title"/>
+          </p:nvPr>
+        </p:nvSpPr>
+        <p:spPr/>
+        <p:txBody>
+          <a:bodyPr/>
+          <a:lstStyle/>
+          <a:p>
+            <a:r>
+              <a:rPr lang="en-US" dirty="0" smtClean="0"/>
+              <a:t>SECTION TITLE GOES HERE</a:t>
             </a:r>
             <a:endParaRPr lang="en-US" dirty="0"/>
           </a:p>
@@ -11784,20 +12129,57 @@
           <a:p>
             <a:r>
               <a:rPr lang="en-US" dirty="0" smtClean="0"/>
-              <a:t>SUBTITLE GOES HERE</a:t>
+              <a:t>SECTION SUBTITLE GOES HERE</a:t>
             </a:r>
             <a:endParaRPr lang="en-US" dirty="0"/>
           </a:p>
         </p:txBody>
       </p:sp>
-      <p:sp>
-        <p:nvSpPr>
-          <p:cNvPr id="4" name="Text Placeholder 3"/>
+    </p:spTree>
+    <p:extLst>
+      <p:ext uri="{BB962C8B-B14F-4D97-AF65-F5344CB8AC3E}">
+        <p14:creationId xmlns:p14="http://schemas.microsoft.com/office/powerpoint/2010/main" val="189557537"/>
+      </p:ext>
+    </p:extLst>
+  </p:cSld>
+  <p:clrMapOvr>
+    <a:masterClrMapping/>
+  </p:clrMapOvr>
+  <p:timing>
+    <p:tnLst>
+      <p:par>
+        <p:cTn id="1" dur="indefinite" restart="never" nodeType="tmRoot"/>
+      </p:par>
+    </p:tnLst>
+  </p:timing>
+</p:sld>
+</file>
+
+<file path=ppt/slides/slide15.xml><?xml version="1.0" encoding="utf-8"?>
+<p:sld xmlns:a="http://schemas.openxmlformats.org/drawingml/2006/main" xmlns:r="http://schemas.openxmlformats.org/officeDocument/2006/relationships" xmlns:p="http://schemas.openxmlformats.org/presentationml/2006/main">
+  <p:cSld>
+    <p:spTree>
+      <p:nvGrpSpPr>
+        <p:cNvPr id="1" name=""/>
+        <p:cNvGrpSpPr/>
+        <p:nvPr/>
+      </p:nvGrpSpPr>
+      <p:grpSpPr>
+        <a:xfrm>
+          <a:off x="0" y="0"/>
+          <a:ext cx="0" cy="0"/>
+          <a:chOff x="0" y="0"/>
+          <a:chExt cx="0" cy="0"/>
+        </a:xfrm>
+      </p:grpSpPr>
+      <p:sp>
+        <p:nvSpPr>
+          <p:cNvPr id="4" name="Content Placeholder 3"/>
           <p:cNvSpPr>
             <a:spLocks noGrp="1"/>
           </p:cNvSpPr>
           <p:nvPr>
-            <p:ph type="body" sz="quarter" idx="13"/>
+            <p:ph idx="1"/>
           </p:nvPr>
         </p:nvSpPr>
         <p:spPr/>
@@ -11805,23 +12187,65 @@
           <a:bodyPr/>
           <a:lstStyle/>
           <a:p>
-            <a:pPr marL="0" indent="0"/>
+            <a:pPr lvl="0"/>
+            <a:r>
+              <a:rPr lang="en-US" dirty="0"/>
+              <a:t>First level bullet</a:t>
+            </a:r>
+          </a:p>
+          <a:p>
+            <a:pPr lvl="1"/>
+            <a:r>
+              <a:rPr lang="en-US" dirty="0"/>
+              <a:t>Second level bullet</a:t>
+            </a:r>
+          </a:p>
+          <a:p>
+            <a:pPr lvl="2"/>
+            <a:r>
+              <a:rPr lang="en-US" dirty="0"/>
+              <a:t>Third level </a:t>
+            </a:r>
             <a:r>
               <a:rPr lang="en-US" dirty="0" smtClean="0"/>
-              <a:t>Name of Presenter</a:t>
-            </a:r>
-            <a:endParaRPr lang="en-US" dirty="0"/>
-          </a:p>
-        </p:txBody>
-      </p:sp>
-      <p:sp>
-        <p:nvSpPr>
-          <p:cNvPr id="5" name="Text Placeholder 4"/>
+              <a:t>bullet</a:t>
+            </a:r>
+          </a:p>
+          <a:p>
+            <a:pPr lvl="0"/>
+            <a:r>
+              <a:rPr lang="en-US" dirty="0"/>
+              <a:t>First level bullet</a:t>
+            </a:r>
+          </a:p>
+          <a:p>
+            <a:pPr lvl="1"/>
+            <a:r>
+              <a:rPr lang="en-US" dirty="0"/>
+              <a:t>Second level bullet</a:t>
+            </a:r>
+          </a:p>
+          <a:p>
+            <a:pPr lvl="2"/>
+            <a:r>
+              <a:rPr lang="en-US" dirty="0"/>
+              <a:t>Third level </a:t>
+            </a:r>
+            <a:r>
+              <a:rPr lang="en-US" dirty="0" smtClean="0"/>
+              <a:t>bullet</a:t>
+            </a:r>
+          </a:p>
+        </p:txBody>
+      </p:sp>
+      <p:sp>
+        <p:nvSpPr>
+          <p:cNvPr id="3" name="Title 2"/>
           <p:cNvSpPr>
             <a:spLocks noGrp="1"/>
           </p:cNvSpPr>
           <p:nvPr>
-            <p:ph type="body" sz="quarter" idx="14"/>
+            <p:ph type="title"/>
           </p:nvPr>
         </p:nvSpPr>
         <p:spPr/>
@@ -11829,23 +12253,63 @@
           <a:bodyPr/>
           <a:lstStyle/>
           <a:p>
-            <a:pPr marL="0" indent="0"/>
+            <a:r>
+              <a:rPr lang="en-US" dirty="0"/>
+              <a:t>SLIDE TITLE GOES </a:t>
+            </a:r>
             <a:r>
               <a:rPr lang="en-US" dirty="0" smtClean="0"/>
-              <a:t>Rank/Title of Presenter</a:t>
+              <a:t>HERE</a:t>
             </a:r>
             <a:endParaRPr lang="en-US" dirty="0"/>
           </a:p>
         </p:txBody>
       </p:sp>
-      <p:sp>
-        <p:nvSpPr>
-          <p:cNvPr id="6" name="Text Placeholder 5"/>
+    </p:spTree>
+    <p:extLst>
+      <p:ext uri="{BB962C8B-B14F-4D97-AF65-F5344CB8AC3E}">
+        <p14:creationId xmlns:p14="http://schemas.microsoft.com/office/powerpoint/2010/main" val="7909613"/>
+      </p:ext>
+    </p:extLst>
+  </p:cSld>
+  <p:clrMapOvr>
+    <a:masterClrMapping/>
+  </p:clrMapOvr>
+  <p:timing>
+    <p:tnLst>
+      <p:par>
+        <p:cTn id="1" dur="indefinite" restart="never" nodeType="tmRoot"/>
+      </p:par>
+    </p:tnLst>
+  </p:timing>
+</p:sld>
+</file>
+
+<file path=ppt/slides/slide16.xml><?xml version="1.0" encoding="utf-8"?>
+<p:sld xmlns:a="http://schemas.openxmlformats.org/drawingml/2006/main" xmlns:r="http://schemas.openxmlformats.org/officeDocument/2006/relationships" xmlns:p="http://schemas.openxmlformats.org/presentationml/2006/main">
+  <p:cSld>
+    <p:spTree>
+      <p:nvGrpSpPr>
+        <p:cNvPr id="1" name=""/>
+        <p:cNvGrpSpPr/>
+        <p:nvPr/>
+      </p:nvGrpSpPr>
+      <p:grpSpPr>
+        <a:xfrm>
+          <a:off x="0" y="0"/>
+          <a:ext cx="0" cy="0"/>
+          <a:chOff x="0" y="0"/>
+          <a:chExt cx="0" cy="0"/>
+        </a:xfrm>
+      </p:grpSpPr>
+      <p:sp>
+        <p:nvSpPr>
+          <p:cNvPr id="4" name="Content Placeholder 3"/>
           <p:cNvSpPr>
             <a:spLocks noGrp="1"/>
           </p:cNvSpPr>
           <p:nvPr>
-            <p:ph type="body" sz="quarter" idx="15"/>
+            <p:ph idx="1"/>
           </p:nvPr>
         </p:nvSpPr>
         <p:spPr/>
@@ -11853,23 +12317,107 @@
           <a:bodyPr/>
           <a:lstStyle/>
           <a:p>
-            <a:pPr marL="0" indent="0"/>
             <a:r>
               <a:rPr lang="en-US" dirty="0" smtClean="0"/>
-              <a:t>Organization of Presenter</a:t>
+              <a:t>From AHFE submissions website </a:t>
+            </a:r>
+          </a:p>
+          <a:p>
+            <a:pPr lvl="1"/>
+            <a:r>
+              <a:rPr lang="en-US" dirty="0" smtClean="0"/>
+              <a:t>In </a:t>
+            </a:r>
+            <a:r>
+              <a:rPr lang="en-US" dirty="0"/>
+              <a:t>general, the duration of each presentation should last </a:t>
+            </a:r>
+            <a:r>
+              <a:rPr lang="en-US" b="1" dirty="0"/>
+              <a:t>15 min </a:t>
+            </a:r>
+            <a:r>
+              <a:rPr lang="en-US" dirty="0"/>
+              <a:t>with 2 min for discussion. The session chairs may, at their discretion, increase the time allocation to each presenter. Prepare and bring your presentation file saved in Microsoft PowerPoint (.</a:t>
+            </a:r>
+            <a:r>
+              <a:rPr lang="en-US" dirty="0" err="1"/>
+              <a:t>ppt</a:t>
+            </a:r>
+            <a:r>
+              <a:rPr lang="en-US" dirty="0"/>
+              <a:t>), (.</a:t>
+            </a:r>
+            <a:r>
+              <a:rPr lang="en-US" dirty="0" err="1"/>
+              <a:t>pptx</a:t>
+            </a:r>
+            <a:r>
+              <a:rPr lang="en-US" dirty="0"/>
+              <a:t>) file format. Internet access will NOT be available in the meeting rooms</a:t>
+            </a:r>
+            <a:r>
+              <a:rPr lang="en-US" dirty="0" smtClean="0"/>
+              <a:t>.</a:t>
             </a:r>
             <a:endParaRPr lang="en-US" dirty="0"/>
           </a:p>
-        </p:txBody>
-      </p:sp>
-      <p:sp>
-        <p:nvSpPr>
-          <p:cNvPr id="7" name="Text Placeholder 6"/>
+          <a:p>
+            <a:pPr lvl="1"/>
+            <a:r>
+              <a:rPr lang="en-US" dirty="0" smtClean="0"/>
+              <a:t>Check </a:t>
+            </a:r>
+            <a:r>
+              <a:rPr lang="en-US" dirty="0"/>
+              <a:t>in at the Session Room, preferably 30-45 minutes before your session, to submit/upload your files and to preview your presentation. If checking in the day of your session, please arrive by at least 4 hours prior to the start of your session (this refers to the session start time, not the presentation start time). Each room is equipped with a laptop PC and a projection system</a:t>
+            </a:r>
+            <a:r>
+              <a:rPr lang="en-US" dirty="0" smtClean="0"/>
+              <a:t>.</a:t>
+            </a:r>
+            <a:endParaRPr lang="en-US" dirty="0"/>
+          </a:p>
+          <a:p>
+            <a:pPr lvl="1"/>
+            <a:r>
+              <a:rPr lang="en-US" dirty="0" smtClean="0"/>
+              <a:t>Session </a:t>
+            </a:r>
+            <a:r>
+              <a:rPr lang="en-US" dirty="0"/>
+              <a:t>chairs or support team will be available to assist with the upload of your files and provide the opportunity to preview and/or edit the presentation, as necessary</a:t>
+            </a:r>
+            <a:r>
+              <a:rPr lang="en-US" dirty="0" smtClean="0"/>
+              <a:t>.</a:t>
+            </a:r>
+            <a:endParaRPr lang="en-US" dirty="0"/>
+          </a:p>
+          <a:p>
+            <a:pPr lvl="1"/>
+            <a:r>
+              <a:rPr lang="en-US" dirty="0" smtClean="0"/>
+              <a:t>Bring </a:t>
+            </a:r>
+            <a:r>
+              <a:rPr lang="en-US" dirty="0"/>
+              <a:t>a Backup: Be sure to bring a backup copy of your presentation with you to the meeting. Please note, the Final Program may be changed due to speakers attendance, etc.</a:t>
+            </a:r>
+          </a:p>
+          <a:p>
+            <a:endParaRPr lang="en-US" dirty="0"/>
+          </a:p>
+        </p:txBody>
+      </p:sp>
+      <p:sp>
+        <p:nvSpPr>
+          <p:cNvPr id="3" name="Title 2"/>
           <p:cNvSpPr>
             <a:spLocks noGrp="1"/>
           </p:cNvSpPr>
           <p:nvPr>
-            <p:ph type="body" sz="quarter" idx="18"/>
+            <p:ph type="title"/>
           </p:nvPr>
         </p:nvSpPr>
         <p:spPr/>
@@ -11877,10 +12425,9 @@
           <a:bodyPr/>
           <a:lstStyle/>
           <a:p>
-            <a:pPr marL="0" indent="0"/>
             <a:r>
               <a:rPr lang="en-US" dirty="0"/>
-              <a:t>DISTRIBUTION STATEMENT GOES </a:t>
+              <a:t>SLIDE TITLE GOES </a:t>
             </a:r>
             <a:r>
               <a:rPr lang="en-US" dirty="0" smtClean="0"/>
@@ -11890,16 +12437,372 @@
           </a:p>
         </p:txBody>
       </p:sp>
-      <p:sp>
-        <p:nvSpPr>
-          <p:cNvPr id="8" name="Rectangle 7"/>
+    </p:spTree>
+    <p:extLst>
+      <p:ext uri="{BB962C8B-B14F-4D97-AF65-F5344CB8AC3E}">
+        <p14:creationId xmlns:p14="http://schemas.microsoft.com/office/powerpoint/2010/main" val="3534031518"/>
+      </p:ext>
+    </p:extLst>
+  </p:cSld>
+  <p:clrMapOvr>
+    <a:masterClrMapping/>
+  </p:clrMapOvr>
+  <p:timing>
+    <p:tnLst>
+      <p:par>
+        <p:cTn id="1" dur="indefinite" restart="never" nodeType="tmRoot"/>
+      </p:par>
+    </p:tnLst>
+  </p:timing>
+</p:sld>
+</file>
+
+<file path=ppt/slides/slide17.xml><?xml version="1.0" encoding="utf-8"?>
+<p:sld xmlns:a="http://schemas.openxmlformats.org/drawingml/2006/main" xmlns:r="http://schemas.openxmlformats.org/officeDocument/2006/relationships" xmlns:p="http://schemas.openxmlformats.org/presentationml/2006/main">
+  <p:cSld>
+    <p:spTree>
+      <p:nvGrpSpPr>
+        <p:cNvPr id="1" name=""/>
+        <p:cNvGrpSpPr/>
+        <p:nvPr/>
+      </p:nvGrpSpPr>
+      <p:grpSpPr>
+        <a:xfrm>
+          <a:off x="0" y="0"/>
+          <a:ext cx="0" cy="0"/>
+          <a:chOff x="0" y="0"/>
+          <a:chExt cx="0" cy="0"/>
+        </a:xfrm>
+      </p:grpSpPr>
+      <p:sp>
+        <p:nvSpPr>
+          <p:cNvPr id="2" name="Title 1"/>
+          <p:cNvSpPr>
+            <a:spLocks noGrp="1"/>
+          </p:cNvSpPr>
+          <p:nvPr>
+            <p:ph type="title"/>
+          </p:nvPr>
+        </p:nvSpPr>
+        <p:spPr>
+          <a:prstGeom prst="rect">
+            <a:avLst/>
+          </a:prstGeom>
+        </p:spPr>
+        <p:txBody>
+          <a:bodyPr/>
+          <a:lstStyle/>
+          <a:p>
+            <a:r>
+              <a:rPr lang="en-US" dirty="0"/>
+              <a:t>SLIDE TITLE GOES </a:t>
+            </a:r>
+            <a:r>
+              <a:rPr lang="en-US" dirty="0" smtClean="0"/>
+              <a:t>HERE </a:t>
+            </a:r>
+            <a:endParaRPr lang="en-US" dirty="0"/>
+          </a:p>
+        </p:txBody>
+      </p:sp>
+    </p:spTree>
+    <p:extLst>
+      <p:ext uri="{BB962C8B-B14F-4D97-AF65-F5344CB8AC3E}">
+        <p14:creationId xmlns:p14="http://schemas.microsoft.com/office/powerpoint/2010/main" val="3722983382"/>
+      </p:ext>
+    </p:extLst>
+  </p:cSld>
+  <p:clrMapOvr>
+    <a:masterClrMapping/>
+  </p:clrMapOvr>
+  <p:timing>
+    <p:tnLst>
+      <p:par>
+        <p:cTn id="1" dur="indefinite" restart="never" nodeType="tmRoot"/>
+      </p:par>
+    </p:tnLst>
+  </p:timing>
+</p:sld>
+</file>
+
+<file path=ppt/slides/slide18.xml><?xml version="1.0" encoding="utf-8"?>
+<p:sld xmlns:a="http://schemas.openxmlformats.org/drawingml/2006/main" xmlns:r="http://schemas.openxmlformats.org/officeDocument/2006/relationships" xmlns:p="http://schemas.openxmlformats.org/presentationml/2006/main">
+  <p:cSld>
+    <p:spTree>
+      <p:nvGrpSpPr>
+        <p:cNvPr id="1" name=""/>
+        <p:cNvGrpSpPr/>
+        <p:nvPr/>
+      </p:nvGrpSpPr>
+      <p:grpSpPr>
+        <a:xfrm>
+          <a:off x="0" y="0"/>
+          <a:ext cx="0" cy="0"/>
+          <a:chOff x="0" y="0"/>
+          <a:chExt cx="0" cy="0"/>
+        </a:xfrm>
+      </p:grpSpPr>
+      <p:sp>
+        <p:nvSpPr>
+          <p:cNvPr id="28674" name="Content Placeholder 4"/>
+          <p:cNvSpPr txBox="1">
+            <a:spLocks/>
+          </p:cNvSpPr>
+          <p:nvPr/>
+        </p:nvSpPr>
+        <p:spPr bwMode="auto">
+          <a:xfrm>
+            <a:off x="327025" y="1704975"/>
+            <a:ext cx="3152775" cy="3498850"/>
+          </a:xfrm>
+          <a:prstGeom prst="rect">
+            <a:avLst/>
+          </a:prstGeom>
+          <a:noFill/>
+          <a:ln>
+            <a:noFill/>
+          </a:ln>
+          <a:extLst>
+            <a:ext uri="{909E8E84-426E-40DD-AFC4-6F175D3DCCD1}">
+              <a14:hiddenFill xmlns:a14="http://schemas.microsoft.com/office/drawing/2010/main">
+                <a:solidFill>
+                  <a:srgbClr val="FFFFFF"/>
+                </a:solidFill>
+              </a14:hiddenFill>
+            </a:ext>
+            <a:ext uri="{91240B29-F687-4F45-9708-019B960494DF}">
+              <a14:hiddenLine xmlns:a14="http://schemas.microsoft.com/office/drawing/2010/main" w="9525">
+                <a:solidFill>
+                  <a:srgbClr val="000000"/>
+                </a:solidFill>
+                <a:miter lim="800000"/>
+                <a:headEnd/>
+                <a:tailEnd/>
+              </a14:hiddenLine>
+            </a:ext>
+          </a:extLst>
+        </p:spPr>
+        <p:txBody>
+          <a:bodyPr/>
+          <a:lstStyle>
+            <a:lvl1pPr eaLnBrk="0" hangingPunct="0">
+              <a:defRPr sz="2400">
+                <a:solidFill>
+                  <a:schemeClr val="tx1"/>
+                </a:solidFill>
+                <a:latin typeface="Arial" charset="0"/>
+                <a:ea typeface="ＭＳ Ｐゴシック" charset="-128"/>
+              </a:defRPr>
+            </a:lvl1pPr>
+            <a:lvl2pPr marL="742950" indent="-285750" eaLnBrk="0" hangingPunct="0">
+              <a:defRPr sz="2400">
+                <a:solidFill>
+                  <a:schemeClr val="tx1"/>
+                </a:solidFill>
+                <a:latin typeface="Arial" charset="0"/>
+                <a:ea typeface="ＭＳ Ｐゴシック" charset="-128"/>
+              </a:defRPr>
+            </a:lvl2pPr>
+            <a:lvl3pPr marL="1143000" indent="-228600" eaLnBrk="0" hangingPunct="0">
+              <a:defRPr sz="2400">
+                <a:solidFill>
+                  <a:schemeClr val="tx1"/>
+                </a:solidFill>
+                <a:latin typeface="Arial" charset="0"/>
+                <a:ea typeface="ＭＳ Ｐゴシック" charset="-128"/>
+              </a:defRPr>
+            </a:lvl3pPr>
+            <a:lvl4pPr marL="1600200" indent="-228600" eaLnBrk="0" hangingPunct="0">
+              <a:defRPr sz="2400">
+                <a:solidFill>
+                  <a:schemeClr val="tx1"/>
+                </a:solidFill>
+                <a:latin typeface="Arial" charset="0"/>
+                <a:ea typeface="ＭＳ Ｐゴシック" charset="-128"/>
+              </a:defRPr>
+            </a:lvl4pPr>
+            <a:lvl5pPr marL="2057400" indent="-228600" eaLnBrk="0" hangingPunct="0">
+              <a:defRPr sz="2400">
+                <a:solidFill>
+                  <a:schemeClr val="tx1"/>
+                </a:solidFill>
+                <a:latin typeface="Arial" charset="0"/>
+                <a:ea typeface="ＭＳ Ｐゴシック" charset="-128"/>
+              </a:defRPr>
+            </a:lvl5pPr>
+            <a:lvl6pPr marL="2514600" indent="-228600" eaLnBrk="0" fontAlgn="base" hangingPunct="0">
+              <a:spcBef>
+                <a:spcPct val="0"/>
+              </a:spcBef>
+              <a:spcAft>
+                <a:spcPct val="0"/>
+              </a:spcAft>
+              <a:defRPr sz="2400">
+                <a:solidFill>
+                  <a:schemeClr val="tx1"/>
+                </a:solidFill>
+                <a:latin typeface="Arial" charset="0"/>
+                <a:ea typeface="ＭＳ Ｐゴシック" charset="-128"/>
+              </a:defRPr>
+            </a:lvl6pPr>
+            <a:lvl7pPr marL="2971800" indent="-228600" eaLnBrk="0" fontAlgn="base" hangingPunct="0">
+              <a:spcBef>
+                <a:spcPct val="0"/>
+              </a:spcBef>
+              <a:spcAft>
+                <a:spcPct val="0"/>
+              </a:spcAft>
+              <a:defRPr sz="2400">
+                <a:solidFill>
+                  <a:schemeClr val="tx1"/>
+                </a:solidFill>
+                <a:latin typeface="Arial" charset="0"/>
+                <a:ea typeface="ＭＳ Ｐゴシック" charset="-128"/>
+              </a:defRPr>
+            </a:lvl7pPr>
+            <a:lvl8pPr marL="3429000" indent="-228600" eaLnBrk="0" fontAlgn="base" hangingPunct="0">
+              <a:spcBef>
+                <a:spcPct val="0"/>
+              </a:spcBef>
+              <a:spcAft>
+                <a:spcPct val="0"/>
+              </a:spcAft>
+              <a:defRPr sz="2400">
+                <a:solidFill>
+                  <a:schemeClr val="tx1"/>
+                </a:solidFill>
+                <a:latin typeface="Arial" charset="0"/>
+                <a:ea typeface="ＭＳ Ｐゴシック" charset="-128"/>
+              </a:defRPr>
+            </a:lvl8pPr>
+            <a:lvl9pPr marL="3886200" indent="-228600" eaLnBrk="0" fontAlgn="base" hangingPunct="0">
+              <a:spcBef>
+                <a:spcPct val="0"/>
+              </a:spcBef>
+              <a:spcAft>
+                <a:spcPct val="0"/>
+              </a:spcAft>
+              <a:defRPr sz="2400">
+                <a:solidFill>
+                  <a:schemeClr val="tx1"/>
+                </a:solidFill>
+                <a:latin typeface="Arial" charset="0"/>
+                <a:ea typeface="ＭＳ Ｐゴシック" charset="-128"/>
+              </a:defRPr>
+            </a:lvl9pPr>
+          </a:lstStyle>
+          <a:p>
+            <a:pPr eaLnBrk="1" hangingPunct="1">
+              <a:spcBef>
+                <a:spcPct val="20000"/>
+              </a:spcBef>
+              <a:buFont typeface="Arial" charset="0"/>
+              <a:buNone/>
+            </a:pPr>
+            <a:r>
+              <a:rPr lang="en-US" altLang="en-US" sz="2200" dirty="0"/>
+              <a:t>Each template has </a:t>
+            </a:r>
+            <a:r>
+              <a:rPr lang="en-US" altLang="en-US" sz="2200" dirty="0" smtClean="0"/>
+              <a:t>it</a:t>
+            </a:r>
+            <a:r>
+              <a:rPr lang="en-US" altLang="ja-JP" sz="2200" dirty="0" smtClean="0"/>
+              <a:t>s </a:t>
+            </a:r>
+            <a:r>
+              <a:rPr lang="en-US" altLang="ja-JP" sz="2200" dirty="0"/>
+              <a:t>own color palette. It is the top row of colors under the </a:t>
+            </a:r>
+            <a:r>
+              <a:rPr lang="ja-JP" altLang="en-US" sz="2200" dirty="0"/>
+              <a:t>“</a:t>
+            </a:r>
+            <a:r>
+              <a:rPr lang="en-US" altLang="ja-JP" sz="2200" dirty="0"/>
+              <a:t>Font Color,</a:t>
+            </a:r>
+            <a:r>
+              <a:rPr lang="ja-JP" altLang="en-US" sz="2200" dirty="0"/>
+              <a:t>”</a:t>
+            </a:r>
+            <a:r>
+              <a:rPr lang="en-US" altLang="ja-JP" sz="2200" dirty="0"/>
+              <a:t> </a:t>
+            </a:r>
+            <a:r>
+              <a:rPr lang="ja-JP" altLang="en-US" sz="2200" dirty="0"/>
+              <a:t>“</a:t>
+            </a:r>
+            <a:r>
+              <a:rPr lang="en-US" altLang="ja-JP" sz="2200" dirty="0"/>
+              <a:t>Shape Fill</a:t>
+            </a:r>
+            <a:r>
+              <a:rPr lang="ja-JP" altLang="en-US" sz="2200" dirty="0"/>
+              <a:t>”</a:t>
+            </a:r>
+            <a:r>
+              <a:rPr lang="en-US" altLang="ja-JP" sz="2200" dirty="0"/>
+              <a:t> and </a:t>
+            </a:r>
+            <a:r>
+              <a:rPr lang="ja-JP" altLang="en-US" sz="2200" dirty="0"/>
+              <a:t>“</a:t>
+            </a:r>
+            <a:r>
+              <a:rPr lang="en-US" altLang="ja-JP" sz="2200" dirty="0"/>
+              <a:t>Shape Outline</a:t>
+            </a:r>
+            <a:r>
+              <a:rPr lang="ja-JP" altLang="en-US" sz="2200" dirty="0" smtClean="0"/>
+              <a:t>”</a:t>
+            </a:r>
+            <a:r>
+              <a:rPr lang="en-US" altLang="ja-JP" sz="2200" dirty="0"/>
+              <a:t> </a:t>
+            </a:r>
+            <a:r>
+              <a:rPr lang="en-US" altLang="ja-JP" sz="2200" dirty="0" smtClean="0"/>
+              <a:t>menus</a:t>
+            </a:r>
+            <a:endParaRPr lang="en-US" altLang="en-US" sz="2200" dirty="0"/>
+          </a:p>
+        </p:txBody>
+      </p:sp>
+      <p:sp>
+        <p:nvSpPr>
+          <p:cNvPr id="2" name="Title 1"/>
+          <p:cNvSpPr>
+            <a:spLocks noGrp="1"/>
+          </p:cNvSpPr>
+          <p:nvPr>
+            <p:ph type="title"/>
+          </p:nvPr>
+        </p:nvSpPr>
+        <p:spPr/>
+        <p:txBody>
+          <a:bodyPr/>
+          <a:lstStyle/>
+          <a:p>
+            <a:r>
+              <a:rPr lang="en-US" dirty="0"/>
+              <a:t>Color Palette</a:t>
+            </a:r>
+          </a:p>
+        </p:txBody>
+      </p:sp>
+      <p:sp>
+        <p:nvSpPr>
+          <p:cNvPr id="18" name="Rectangle 17"/>
           <p:cNvSpPr/>
           <p:nvPr/>
         </p:nvSpPr>
         <p:spPr>
-          <a:xfrm rot="20700000">
-            <a:off x="2686692" y="2508455"/>
-            <a:ext cx="3770616" cy="1237613"/>
+          <a:xfrm>
+            <a:off x="568325" y="4494213"/>
+            <a:ext cx="557213" cy="558800"/>
           </a:xfrm>
           <a:prstGeom prst="rect">
             <a:avLst/>
@@ -11907,10 +12810,53 @@
           <a:solidFill>
             <a:schemeClr val="bg1"/>
           </a:solidFill>
-          <a:ln w="57150">
-            <a:solidFill>
-              <a:srgbClr val="C00000"/>
-            </a:solidFill>
+        </p:spPr>
+        <p:style>
+          <a:lnRef idx="2">
+            <a:schemeClr val="accent1">
+              <a:shade val="50000"/>
+            </a:schemeClr>
+          </a:lnRef>
+          <a:fillRef idx="1">
+            <a:schemeClr val="accent1"/>
+          </a:fillRef>
+          <a:effectRef idx="0">
+            <a:schemeClr val="accent1"/>
+          </a:effectRef>
+          <a:fontRef idx="minor">
+            <a:schemeClr val="lt1"/>
+          </a:fontRef>
+        </p:style>
+        <p:txBody>
+          <a:bodyPr anchor="ctr"/>
+          <a:lstStyle/>
+          <a:p>
+            <a:pPr algn="ctr">
+              <a:defRPr/>
+            </a:pPr>
+            <a:endParaRPr lang="en-US" sz="1800" dirty="0"/>
+          </a:p>
+        </p:txBody>
+      </p:sp>
+      <p:sp>
+        <p:nvSpPr>
+          <p:cNvPr id="19" name="Rectangle 18"/>
+          <p:cNvSpPr/>
+          <p:nvPr/>
+        </p:nvSpPr>
+        <p:spPr>
+          <a:xfrm>
+            <a:off x="1289050" y="4494213"/>
+            <a:ext cx="557213" cy="558800"/>
+          </a:xfrm>
+          <a:prstGeom prst="rect">
+            <a:avLst/>
+          </a:prstGeom>
+          <a:solidFill>
+            <a:schemeClr val="tx1"/>
+          </a:solidFill>
+          <a:ln>
+            <a:noFill/>
           </a:ln>
         </p:spPr>
         <p:style>
@@ -11930,23 +12876,641 @@
           </a:fontRef>
         </p:style>
         <p:txBody>
-          <a:bodyPr rtlCol="0" anchor="ctr"/>
+          <a:bodyPr anchor="ctr"/>
           <a:lstStyle/>
           <a:p>
-            <a:pPr algn="ctr"/>
-            <a:r>
-              <a:rPr lang="en-US" b="1" dirty="0" smtClean="0">
-                <a:solidFill>
-                  <a:srgbClr val="C00000"/>
-                </a:solidFill>
-              </a:rPr>
-              <a:t>BLACK COVER SLIDE FOR DIGITAL USE ONLY</a:t>
-            </a:r>
-            <a:endParaRPr lang="en-US" b="1" dirty="0">
-              <a:solidFill>
-                <a:srgbClr val="C00000"/>
-              </a:solidFill>
-            </a:endParaRPr>
+            <a:pPr algn="ctr">
+              <a:defRPr/>
+            </a:pPr>
+            <a:endParaRPr lang="en-US" sz="1800" dirty="0"/>
+          </a:p>
+        </p:txBody>
+      </p:sp>
+      <p:sp>
+        <p:nvSpPr>
+          <p:cNvPr id="20" name="Rectangle 19"/>
+          <p:cNvSpPr/>
+          <p:nvPr/>
+        </p:nvSpPr>
+        <p:spPr>
+          <a:xfrm>
+            <a:off x="2009775" y="4494213"/>
+            <a:ext cx="558800" cy="558800"/>
+          </a:xfrm>
+          <a:prstGeom prst="rect">
+            <a:avLst/>
+          </a:prstGeom>
+          <a:solidFill>
+            <a:schemeClr val="bg2"/>
+          </a:solidFill>
+          <a:ln>
+            <a:noFill/>
+          </a:ln>
+        </p:spPr>
+        <p:style>
+          <a:lnRef idx="2">
+            <a:schemeClr val="accent1">
+              <a:shade val="50000"/>
+            </a:schemeClr>
+          </a:lnRef>
+          <a:fillRef idx="1">
+            <a:schemeClr val="accent1"/>
+          </a:fillRef>
+          <a:effectRef idx="0">
+            <a:schemeClr val="accent1"/>
+          </a:effectRef>
+          <a:fontRef idx="minor">
+            <a:schemeClr val="lt1"/>
+          </a:fontRef>
+        </p:style>
+        <p:txBody>
+          <a:bodyPr anchor="ctr"/>
+          <a:lstStyle/>
+          <a:p>
+            <a:pPr algn="ctr">
+              <a:defRPr/>
+            </a:pPr>
+            <a:endParaRPr lang="en-US" sz="1800" dirty="0"/>
+          </a:p>
+        </p:txBody>
+      </p:sp>
+      <p:sp>
+        <p:nvSpPr>
+          <p:cNvPr id="21" name="Rectangle 20"/>
+          <p:cNvSpPr/>
+          <p:nvPr/>
+        </p:nvSpPr>
+        <p:spPr>
+          <a:xfrm>
+            <a:off x="2730500" y="4494213"/>
+            <a:ext cx="558800" cy="558800"/>
+          </a:xfrm>
+          <a:prstGeom prst="rect">
+            <a:avLst/>
+          </a:prstGeom>
+          <a:solidFill>
+            <a:schemeClr val="tx2"/>
+          </a:solidFill>
+          <a:ln>
+            <a:noFill/>
+          </a:ln>
+        </p:spPr>
+        <p:style>
+          <a:lnRef idx="2">
+            <a:schemeClr val="accent1">
+              <a:shade val="50000"/>
+            </a:schemeClr>
+          </a:lnRef>
+          <a:fillRef idx="1">
+            <a:schemeClr val="accent1"/>
+          </a:fillRef>
+          <a:effectRef idx="0">
+            <a:schemeClr val="accent1"/>
+          </a:effectRef>
+          <a:fontRef idx="minor">
+            <a:schemeClr val="lt1"/>
+          </a:fontRef>
+        </p:style>
+        <p:txBody>
+          <a:bodyPr anchor="ctr"/>
+          <a:lstStyle/>
+          <a:p>
+            <a:pPr algn="ctr">
+              <a:defRPr/>
+            </a:pPr>
+            <a:endParaRPr lang="en-US" sz="1800" dirty="0"/>
+          </a:p>
+        </p:txBody>
+      </p:sp>
+      <p:sp>
+        <p:nvSpPr>
+          <p:cNvPr id="22" name="Rectangle 21"/>
+          <p:cNvSpPr/>
+          <p:nvPr/>
+        </p:nvSpPr>
+        <p:spPr>
+          <a:xfrm>
+            <a:off x="3451225" y="4494213"/>
+            <a:ext cx="558800" cy="558800"/>
+          </a:xfrm>
+          <a:prstGeom prst="rect">
+            <a:avLst/>
+          </a:prstGeom>
+          <a:ln>
+            <a:noFill/>
+          </a:ln>
+        </p:spPr>
+        <p:style>
+          <a:lnRef idx="2">
+            <a:schemeClr val="accent1">
+              <a:shade val="50000"/>
+            </a:schemeClr>
+          </a:lnRef>
+          <a:fillRef idx="1">
+            <a:schemeClr val="accent1"/>
+          </a:fillRef>
+          <a:effectRef idx="0">
+            <a:schemeClr val="accent1"/>
+          </a:effectRef>
+          <a:fontRef idx="minor">
+            <a:schemeClr val="lt1"/>
+          </a:fontRef>
+        </p:style>
+        <p:txBody>
+          <a:bodyPr anchor="ctr"/>
+          <a:lstStyle/>
+          <a:p>
+            <a:pPr algn="ctr">
+              <a:defRPr/>
+            </a:pPr>
+            <a:endParaRPr lang="en-US" sz="1800" dirty="0"/>
+          </a:p>
+        </p:txBody>
+      </p:sp>
+      <p:sp>
+        <p:nvSpPr>
+          <p:cNvPr id="23" name="Rectangle 22"/>
+          <p:cNvSpPr/>
+          <p:nvPr/>
+        </p:nvSpPr>
+        <p:spPr>
+          <a:xfrm>
+            <a:off x="4171950" y="4494213"/>
+            <a:ext cx="558800" cy="558800"/>
+          </a:xfrm>
+          <a:prstGeom prst="rect">
+            <a:avLst/>
+          </a:prstGeom>
+          <a:solidFill>
+            <a:schemeClr val="accent2"/>
+          </a:solidFill>
+          <a:ln>
+            <a:noFill/>
+          </a:ln>
+        </p:spPr>
+        <p:style>
+          <a:lnRef idx="2">
+            <a:schemeClr val="accent1">
+              <a:shade val="50000"/>
+            </a:schemeClr>
+          </a:lnRef>
+          <a:fillRef idx="1">
+            <a:schemeClr val="accent1"/>
+          </a:fillRef>
+          <a:effectRef idx="0">
+            <a:schemeClr val="accent1"/>
+          </a:effectRef>
+          <a:fontRef idx="minor">
+            <a:schemeClr val="lt1"/>
+          </a:fontRef>
+        </p:style>
+        <p:txBody>
+          <a:bodyPr anchor="ctr"/>
+          <a:lstStyle/>
+          <a:p>
+            <a:pPr algn="ctr">
+              <a:defRPr/>
+            </a:pPr>
+            <a:endParaRPr lang="en-US" sz="1800" dirty="0"/>
+          </a:p>
+        </p:txBody>
+      </p:sp>
+      <p:sp>
+        <p:nvSpPr>
+          <p:cNvPr id="24" name="Rectangle 23"/>
+          <p:cNvSpPr/>
+          <p:nvPr/>
+        </p:nvSpPr>
+        <p:spPr>
+          <a:xfrm>
+            <a:off x="4892675" y="4494213"/>
+            <a:ext cx="558800" cy="558800"/>
+          </a:xfrm>
+          <a:prstGeom prst="rect">
+            <a:avLst/>
+          </a:prstGeom>
+          <a:solidFill>
+            <a:schemeClr val="accent3"/>
+          </a:solidFill>
+          <a:ln>
+            <a:noFill/>
+          </a:ln>
+        </p:spPr>
+        <p:style>
+          <a:lnRef idx="2">
+            <a:schemeClr val="accent1">
+              <a:shade val="50000"/>
+            </a:schemeClr>
+          </a:lnRef>
+          <a:fillRef idx="1">
+            <a:schemeClr val="accent1"/>
+          </a:fillRef>
+          <a:effectRef idx="0">
+            <a:schemeClr val="accent1"/>
+          </a:effectRef>
+          <a:fontRef idx="minor">
+            <a:schemeClr val="lt1"/>
+          </a:fontRef>
+        </p:style>
+        <p:txBody>
+          <a:bodyPr anchor="ctr"/>
+          <a:lstStyle/>
+          <a:p>
+            <a:pPr algn="ctr">
+              <a:defRPr/>
+            </a:pPr>
+            <a:endParaRPr lang="en-US" sz="1800" dirty="0"/>
+          </a:p>
+        </p:txBody>
+      </p:sp>
+      <p:sp>
+        <p:nvSpPr>
+          <p:cNvPr id="25" name="Rectangle 24"/>
+          <p:cNvSpPr/>
+          <p:nvPr/>
+        </p:nvSpPr>
+        <p:spPr>
+          <a:xfrm>
+            <a:off x="5613400" y="4494213"/>
+            <a:ext cx="558800" cy="558800"/>
+          </a:xfrm>
+          <a:prstGeom prst="rect">
+            <a:avLst/>
+          </a:prstGeom>
+          <a:solidFill>
+            <a:schemeClr val="accent4"/>
+          </a:solidFill>
+          <a:ln>
+            <a:noFill/>
+          </a:ln>
+        </p:spPr>
+        <p:style>
+          <a:lnRef idx="2">
+            <a:schemeClr val="accent1">
+              <a:shade val="50000"/>
+            </a:schemeClr>
+          </a:lnRef>
+          <a:fillRef idx="1">
+            <a:schemeClr val="accent1"/>
+          </a:fillRef>
+          <a:effectRef idx="0">
+            <a:schemeClr val="accent1"/>
+          </a:effectRef>
+          <a:fontRef idx="minor">
+            <a:schemeClr val="lt1"/>
+          </a:fontRef>
+        </p:style>
+        <p:txBody>
+          <a:bodyPr anchor="ctr"/>
+          <a:lstStyle/>
+          <a:p>
+            <a:pPr algn="ctr">
+              <a:defRPr/>
+            </a:pPr>
+            <a:endParaRPr lang="en-US" sz="1800" dirty="0"/>
+          </a:p>
+        </p:txBody>
+      </p:sp>
+      <p:sp>
+        <p:nvSpPr>
+          <p:cNvPr id="26" name="Rectangle 25"/>
+          <p:cNvSpPr/>
+          <p:nvPr/>
+        </p:nvSpPr>
+        <p:spPr>
+          <a:xfrm>
+            <a:off x="6334125" y="4494213"/>
+            <a:ext cx="558800" cy="558800"/>
+          </a:xfrm>
+          <a:prstGeom prst="rect">
+            <a:avLst/>
+          </a:prstGeom>
+          <a:solidFill>
+            <a:schemeClr val="accent5"/>
+          </a:solidFill>
+          <a:ln>
+            <a:noFill/>
+          </a:ln>
+        </p:spPr>
+        <p:style>
+          <a:lnRef idx="2">
+            <a:schemeClr val="accent1">
+              <a:shade val="50000"/>
+            </a:schemeClr>
+          </a:lnRef>
+          <a:fillRef idx="1">
+            <a:schemeClr val="accent1"/>
+          </a:fillRef>
+          <a:effectRef idx="0">
+            <a:schemeClr val="accent1"/>
+          </a:effectRef>
+          <a:fontRef idx="minor">
+            <a:schemeClr val="lt1"/>
+          </a:fontRef>
+        </p:style>
+        <p:txBody>
+          <a:bodyPr anchor="ctr"/>
+          <a:lstStyle/>
+          <a:p>
+            <a:pPr algn="ctr">
+              <a:defRPr/>
+            </a:pPr>
+            <a:endParaRPr lang="en-US" sz="1800" dirty="0"/>
+          </a:p>
+        </p:txBody>
+      </p:sp>
+      <p:sp>
+        <p:nvSpPr>
+          <p:cNvPr id="27" name="Rectangle 26"/>
+          <p:cNvSpPr/>
+          <p:nvPr/>
+        </p:nvSpPr>
+        <p:spPr>
+          <a:xfrm>
+            <a:off x="7054850" y="4494213"/>
+            <a:ext cx="558800" cy="558800"/>
+          </a:xfrm>
+          <a:prstGeom prst="rect">
+            <a:avLst/>
+          </a:prstGeom>
+          <a:solidFill>
+            <a:schemeClr val="accent6"/>
+          </a:solidFill>
+          <a:ln>
+            <a:noFill/>
+          </a:ln>
+        </p:spPr>
+        <p:style>
+          <a:lnRef idx="2">
+            <a:schemeClr val="accent1">
+              <a:shade val="50000"/>
+            </a:schemeClr>
+          </a:lnRef>
+          <a:fillRef idx="1">
+            <a:schemeClr val="accent1"/>
+          </a:fillRef>
+          <a:effectRef idx="0">
+            <a:schemeClr val="accent1"/>
+          </a:effectRef>
+          <a:fontRef idx="minor">
+            <a:schemeClr val="lt1"/>
+          </a:fontRef>
+        </p:style>
+        <p:txBody>
+          <a:bodyPr anchor="ctr"/>
+          <a:lstStyle/>
+          <a:p>
+            <a:pPr algn="ctr">
+              <a:defRPr/>
+            </a:pPr>
+            <a:endParaRPr lang="en-US" sz="1800" dirty="0"/>
+          </a:p>
+        </p:txBody>
+      </p:sp>
+      <p:pic>
+        <p:nvPicPr>
+          <p:cNvPr id="28686" name="Picture 14" descr="x.jpg"/>
+          <p:cNvPicPr>
+            <a:picLocks noChangeAspect="1"/>
+          </p:cNvPicPr>
+          <p:nvPr/>
+        </p:nvPicPr>
+        <p:blipFill>
+          <a:blip r:embed="rId2">
+            <a:extLst>
+              <a:ext uri="{28A0092B-C50C-407E-A947-70E740481C1C}">
+                <a14:useLocalDpi xmlns:a14="http://schemas.microsoft.com/office/drawing/2010/main" val="0"/>
+              </a:ext>
+            </a:extLst>
+          </a:blip>
+          <a:srcRect/>
+          <a:stretch>
+            <a:fillRect/>
+          </a:stretch>
+        </p:blipFill>
+        <p:spPr bwMode="auto">
+          <a:xfrm>
+            <a:off x="3484563" y="1587500"/>
+            <a:ext cx="4565650" cy="2565400"/>
+          </a:xfrm>
+          <a:prstGeom prst="rect">
+            <a:avLst/>
+          </a:prstGeom>
+          <a:noFill/>
+          <a:ln>
+            <a:noFill/>
+          </a:ln>
+          <a:extLst>
+            <a:ext uri="{909E8E84-426E-40DD-AFC4-6F175D3DCCD1}">
+              <a14:hiddenFill xmlns:a14="http://schemas.microsoft.com/office/drawing/2010/main">
+                <a:solidFill>
+                  <a:srgbClr val="FFFFFF"/>
+                </a:solidFill>
+              </a14:hiddenFill>
+            </a:ext>
+            <a:ext uri="{91240B29-F687-4F45-9708-019B960494DF}">
+              <a14:hiddenLine xmlns:a14="http://schemas.microsoft.com/office/drawing/2010/main" w="9525">
+                <a:solidFill>
+                  <a:srgbClr val="000000"/>
+                </a:solidFill>
+                <a:miter lim="800000"/>
+                <a:headEnd/>
+                <a:tailEnd/>
+              </a14:hiddenLine>
+            </a:ext>
+          </a:extLst>
+        </p:spPr>
+      </p:pic>
+    </p:spTree>
+  </p:cSld>
+  <p:clrMapOvr>
+    <a:masterClrMapping/>
+  </p:clrMapOvr>
+  <mc:AlternateContent xmlns:mc="http://schemas.openxmlformats.org/markup-compatibility/2006" xmlns:p14="http://schemas.microsoft.com/office/powerpoint/2010/main">
+    <mc:Choice Requires="p14">
+      <p:transition p14:dur="0"/>
+    </mc:Choice>
+    <mc:Fallback xmlns="">
+      <p:transition/>
+    </mc:Fallback>
+  </mc:AlternateContent>
+  <p:timing>
+    <p:tnLst>
+      <p:par>
+        <p:cTn id="1" dur="indefinite" restart="never" nodeType="tmRoot"/>
+      </p:par>
+    </p:tnLst>
+  </p:timing>
+</p:sld>
+</file>
+
+<file path=ppt/slides/slide2.xml><?xml version="1.0" encoding="utf-8"?>
+<p:sld xmlns:a="http://schemas.openxmlformats.org/drawingml/2006/main" xmlns:r="http://schemas.openxmlformats.org/officeDocument/2006/relationships" xmlns:p="http://schemas.openxmlformats.org/presentationml/2006/main">
+  <p:cSld>
+    <p:spTree>
+      <p:nvGrpSpPr>
+        <p:cNvPr id="1" name=""/>
+        <p:cNvGrpSpPr/>
+        <p:nvPr/>
+      </p:nvGrpSpPr>
+      <p:grpSpPr>
+        <a:xfrm>
+          <a:off x="0" y="0"/>
+          <a:ext cx="0" cy="0"/>
+          <a:chOff x="0" y="0"/>
+          <a:chExt cx="0" cy="0"/>
+        </a:xfrm>
+      </p:grpSpPr>
+      <p:sp>
+        <p:nvSpPr>
+          <p:cNvPr id="2" name="Text Placeholder 1"/>
+          <p:cNvSpPr>
+            <a:spLocks noGrp="1"/>
+          </p:cNvSpPr>
+          <p:nvPr>
+            <p:ph type="body" sz="quarter" idx="17"/>
+          </p:nvPr>
+        </p:nvSpPr>
+        <p:spPr/>
+        <p:txBody>
+          <a:bodyPr/>
+          <a:lstStyle/>
+          <a:p>
+            <a:r>
+              <a:rPr lang="en-US" dirty="0" smtClean="0"/>
+              <a:t>28 JUL 2019</a:t>
+            </a:r>
+            <a:endParaRPr lang="en-US" dirty="0"/>
+          </a:p>
+        </p:txBody>
+      </p:sp>
+      <p:sp>
+        <p:nvSpPr>
+          <p:cNvPr id="3" name="Text Placeholder 2"/>
+          <p:cNvSpPr>
+            <a:spLocks noGrp="1"/>
+          </p:cNvSpPr>
+          <p:nvPr>
+            <p:ph type="body" sz="quarter" idx="12"/>
+          </p:nvPr>
+        </p:nvSpPr>
+        <p:spPr/>
+        <p:txBody>
+          <a:bodyPr/>
+          <a:lstStyle/>
+          <a:p>
+            <a:r>
+              <a:rPr lang="en-US" dirty="0" smtClean="0"/>
+              <a:t>Human </a:t>
+            </a:r>
+            <a:r>
+              <a:rPr lang="en-US" dirty="0"/>
+              <a:t>Interaction with the Output of </a:t>
+            </a:r>
+            <a:r>
+              <a:rPr lang="en-US" dirty="0" smtClean="0"/>
+              <a:t>Information Extraction </a:t>
+            </a:r>
+            <a:r>
+              <a:rPr lang="en-US" dirty="0"/>
+              <a:t>Systems</a:t>
+            </a:r>
+          </a:p>
+        </p:txBody>
+      </p:sp>
+      <p:sp>
+        <p:nvSpPr>
+          <p:cNvPr id="4" name="Text Placeholder 3"/>
+          <p:cNvSpPr>
+            <a:spLocks noGrp="1"/>
+          </p:cNvSpPr>
+          <p:nvPr>
+            <p:ph type="body" sz="quarter" idx="13"/>
+          </p:nvPr>
+        </p:nvSpPr>
+        <p:spPr/>
+        <p:txBody>
+          <a:bodyPr/>
+          <a:lstStyle/>
+          <a:p>
+            <a:pPr marL="0" indent="0"/>
+            <a:r>
+              <a:rPr lang="en-US" dirty="0" smtClean="0"/>
+              <a:t>Erin Zaroukian</a:t>
+            </a:r>
+            <a:endParaRPr lang="en-US" dirty="0"/>
+          </a:p>
+        </p:txBody>
+      </p:sp>
+      <p:sp>
+        <p:nvSpPr>
+          <p:cNvPr id="5" name="Text Placeholder 4"/>
+          <p:cNvSpPr>
+            <a:spLocks noGrp="1"/>
+          </p:cNvSpPr>
+          <p:nvPr>
+            <p:ph type="body" sz="quarter" idx="14"/>
+          </p:nvPr>
+        </p:nvSpPr>
+        <p:spPr/>
+        <p:txBody>
+          <a:bodyPr/>
+          <a:lstStyle/>
+          <a:p>
+            <a:pPr marL="0" indent="0"/>
+            <a:r>
+              <a:rPr lang="en-US" dirty="0" smtClean="0"/>
+              <a:t>Cognitive Scientist</a:t>
+            </a:r>
+            <a:endParaRPr lang="en-US" dirty="0"/>
+          </a:p>
+        </p:txBody>
+      </p:sp>
+      <p:sp>
+        <p:nvSpPr>
+          <p:cNvPr id="6" name="Text Placeholder 5"/>
+          <p:cNvSpPr>
+            <a:spLocks noGrp="1"/>
+          </p:cNvSpPr>
+          <p:nvPr>
+            <p:ph type="body" sz="quarter" idx="15"/>
+          </p:nvPr>
+        </p:nvSpPr>
+        <p:spPr/>
+        <p:txBody>
+          <a:bodyPr/>
+          <a:lstStyle/>
+          <a:p>
+            <a:pPr marL="0" indent="0"/>
+            <a:r>
+              <a:rPr lang="en-US" dirty="0" smtClean="0"/>
+              <a:t>Computational and Information Sciences Directorate</a:t>
+            </a:r>
+            <a:endParaRPr lang="en-US" dirty="0"/>
+          </a:p>
+        </p:txBody>
+      </p:sp>
+      <p:sp>
+        <p:nvSpPr>
+          <p:cNvPr id="7" name="Text Placeholder 6"/>
+          <p:cNvSpPr>
+            <a:spLocks noGrp="1"/>
+          </p:cNvSpPr>
+          <p:nvPr>
+            <p:ph type="body" sz="quarter" idx="18"/>
+          </p:nvPr>
+        </p:nvSpPr>
+        <p:spPr/>
+        <p:txBody>
+          <a:bodyPr/>
+          <a:lstStyle/>
+          <a:p>
+            <a:pPr marL="0" indent="0"/>
+            <a:r>
+              <a:rPr lang="en-US" dirty="0" smtClean="0"/>
+              <a:t>Approved for public release, distribution unlimited</a:t>
+            </a:r>
+            <a:endParaRPr lang="en-US" dirty="0"/>
           </a:p>
         </p:txBody>
       </p:sp>
@@ -11989,7 +13553,133 @@
       </p:grpSpPr>
       <p:sp>
         <p:nvSpPr>
-          <p:cNvPr id="2" name="Title 1"/>
+          <p:cNvPr id="2" name="Content Placeholder 1"/>
+          <p:cNvSpPr>
+            <a:spLocks noGrp="1"/>
+          </p:cNvSpPr>
+          <p:nvPr>
+            <p:ph idx="1"/>
+          </p:nvPr>
+        </p:nvSpPr>
+        <p:spPr/>
+        <p:txBody>
+          <a:bodyPr/>
+          <a:lstStyle/>
+          <a:p>
+            <a:r>
+              <a:rPr lang="en-US" b="0" dirty="0"/>
+              <a:t>Information Extraction (IE) research has made remarkable progress </a:t>
+            </a:r>
+            <a:r>
+              <a:rPr lang="en-US" b="0" dirty="0" smtClean="0"/>
+              <a:t>in Natural </a:t>
+            </a:r>
+            <a:r>
+              <a:rPr lang="en-US" b="0" dirty="0"/>
+              <a:t>Language Processing using intrinsic measures, but little attention </a:t>
+            </a:r>
+            <a:r>
+              <a:rPr lang="en-US" b="0" dirty="0" smtClean="0"/>
+              <a:t>has been </a:t>
+            </a:r>
+            <a:r>
+              <a:rPr lang="en-US" b="0" dirty="0"/>
+              <a:t>paid to human analysts as downstream processors. In one experiment, </a:t>
+            </a:r>
+            <a:r>
+              <a:rPr lang="en-US" b="0" dirty="0" smtClean="0"/>
+              <a:t>when participants </a:t>
+            </a:r>
+            <a:r>
+              <a:rPr lang="en-US" b="0" dirty="0"/>
+              <a:t>were presented text with or without markup from an IE pipeline, </a:t>
+            </a:r>
+            <a:r>
+              <a:rPr lang="en-US" b="0" dirty="0" smtClean="0"/>
+              <a:t>they showed </a:t>
+            </a:r>
+            <a:r>
+              <a:rPr lang="en-US" b="0" dirty="0"/>
+              <a:t>better text comprehension without markup. In a second experiment, </a:t>
+            </a:r>
+            <a:r>
+              <a:rPr lang="en-US" b="0" dirty="0" smtClean="0"/>
+              <a:t>the markup </a:t>
+            </a:r>
+            <a:r>
+              <a:rPr lang="en-US" b="0" dirty="0"/>
+              <a:t>was hand-generated to be as relevant and accurate as possible to </a:t>
+            </a:r>
+            <a:r>
+              <a:rPr lang="en-US" b="0" dirty="0" smtClean="0"/>
+              <a:t>find conditions </a:t>
+            </a:r>
+            <a:r>
+              <a:rPr lang="en-US" b="0" dirty="0"/>
+              <a:t>under which markup improves performance. This experiment </a:t>
+            </a:r>
+            <a:r>
+              <a:rPr lang="en-US" b="0" dirty="0" smtClean="0"/>
+              <a:t>showed no </a:t>
+            </a:r>
+            <a:r>
+              <a:rPr lang="en-US" b="0" dirty="0"/>
+              <a:t>significant difference between performance with and without markup, but </a:t>
+            </a:r>
+            <a:r>
+              <a:rPr lang="en-US" b="0" dirty="0" smtClean="0"/>
+              <a:t>a significant </a:t>
+            </a:r>
+            <a:r>
+              <a:rPr lang="en-US" b="0" dirty="0"/>
+              <a:t>majority of participants preferred working with markup to </a:t>
+            </a:r>
+            <a:r>
+              <a:rPr lang="en-US" b="0" dirty="0" smtClean="0"/>
+              <a:t>without. Further</a:t>
+            </a:r>
+            <a:r>
+              <a:rPr lang="en-US" b="0" dirty="0"/>
+              <a:t>, preference for markup showed a </a:t>
+            </a:r>
+            <a:r>
+              <a:rPr lang="en-US" dirty="0"/>
+              <a:t>fairly strong correlation with </a:t>
+            </a:r>
+            <a:r>
+              <a:rPr lang="en-US" dirty="0" smtClean="0"/>
+              <a:t>participants’ ratings </a:t>
+            </a:r>
+            <a:r>
+              <a:rPr lang="en-US" dirty="0"/>
+              <a:t>of their own trust in automation</a:t>
+            </a:r>
+            <a:r>
+              <a:rPr lang="en-US" b="0" dirty="0"/>
+              <a:t>. These results emphasize the </a:t>
+            </a:r>
+            <a:r>
+              <a:rPr lang="en-US" b="0" dirty="0" smtClean="0"/>
+              <a:t>importance of </a:t>
+            </a:r>
+            <a:r>
+              <a:rPr lang="en-US" b="0" dirty="0"/>
+              <a:t>testing IE systems with actual users and the importance of trust </a:t>
+            </a:r>
+            <a:r>
+              <a:rPr lang="en-US" b="0" dirty="0" smtClean="0"/>
+              <a:t>in automation</a:t>
+            </a:r>
+            <a:r>
+              <a:rPr lang="en-US" b="0" dirty="0"/>
+              <a:t>.</a:t>
+            </a:r>
+          </a:p>
+        </p:txBody>
+      </p:sp>
+      <p:sp>
+        <p:nvSpPr>
+          <p:cNvPr id="3" name="Title 2"/>
           <p:cNvSpPr>
             <a:spLocks noGrp="1"/>
           </p:cNvSpPr>
@@ -12003,31 +13693,8 @@
           <a:lstStyle/>
           <a:p>
             <a:r>
-              <a:rPr lang="en-US" dirty="0" smtClean="0"/>
-              <a:t>SECTION TITLE GOES HERE</a:t>
-            </a:r>
-            <a:endParaRPr lang="en-US" dirty="0"/>
-          </a:p>
-        </p:txBody>
-      </p:sp>
-      <p:sp>
-        <p:nvSpPr>
-          <p:cNvPr id="3" name="Text Placeholder 2"/>
-          <p:cNvSpPr>
-            <a:spLocks noGrp="1"/>
-          </p:cNvSpPr>
-          <p:nvPr>
-            <p:ph type="body" sz="quarter" idx="12"/>
-          </p:nvPr>
-        </p:nvSpPr>
-        <p:spPr/>
-        <p:txBody>
-          <a:bodyPr/>
-          <a:lstStyle/>
-          <a:p>
-            <a:r>
-              <a:rPr lang="en-US" dirty="0" smtClean="0"/>
-              <a:t>SECTION SUBTITLE GOES HERE</a:t>
+              <a:rPr lang="en-US" dirty="0" err="1" smtClean="0"/>
+              <a:t>OVerview</a:t>
             </a:r>
             <a:endParaRPr lang="en-US" dirty="0"/>
           </a:p>
@@ -12036,20 +13703,13 @@
     </p:spTree>
     <p:extLst>
       <p:ext uri="{BB962C8B-B14F-4D97-AF65-F5344CB8AC3E}">
-        <p14:creationId xmlns:p14="http://schemas.microsoft.com/office/powerpoint/2010/main" val="189557537"/>
+        <p14:creationId xmlns:p14="http://schemas.microsoft.com/office/powerpoint/2010/main" val="1160544037"/>
       </p:ext>
     </p:extLst>
   </p:cSld>
   <p:clrMapOvr>
     <a:masterClrMapping/>
   </p:clrMapOvr>
-  <p:timing>
-    <p:tnLst>
-      <p:par>
-        <p:cTn id="1" dur="indefinite" restart="never" nodeType="tmRoot"/>
-      </p:par>
-    </p:tnLst>
-  </p:timing>
 </p:sld>
 </file>
 
@@ -12072,7 +13732,7 @@
       </p:grpSpPr>
       <p:sp>
         <p:nvSpPr>
-          <p:cNvPr id="4" name="Content Placeholder 3"/>
+          <p:cNvPr id="2" name="Content Placeholder 1"/>
           <p:cNvSpPr>
             <a:spLocks noGrp="1"/>
           </p:cNvSpPr>
@@ -12085,55 +13745,10 @@
           <a:bodyPr/>
           <a:lstStyle/>
           <a:p>
-            <a:pPr lvl="0"/>
             <a:r>
               <a:rPr lang="en-US" dirty="0"/>
-              <a:t>First level bullet</a:t>
-            </a:r>
-          </a:p>
-          <a:p>
-            <a:pPr lvl="1"/>
-            <a:r>
-              <a:rPr lang="en-US" dirty="0"/>
-              <a:t>Second level bullet</a:t>
-            </a:r>
-          </a:p>
-          <a:p>
-            <a:pPr lvl="2"/>
-            <a:r>
-              <a:rPr lang="en-US" dirty="0"/>
-              <a:t>Third level </a:t>
-            </a:r>
-            <a:r>
-              <a:rPr lang="en-US" dirty="0" smtClean="0"/>
-              <a:t>bullet</a:t>
-            </a:r>
-          </a:p>
-          <a:p>
-            <a:pPr lvl="0"/>
-            <a:r>
-              <a:rPr lang="en-US" dirty="0"/>
-              <a:t>First level bullet</a:t>
-            </a:r>
-          </a:p>
-          <a:p>
-            <a:pPr lvl="1"/>
-            <a:r>
-              <a:rPr lang="en-US" dirty="0"/>
-              <a:t>Second level bullet</a:t>
-            </a:r>
-          </a:p>
-          <a:p>
-            <a:pPr lvl="2"/>
-            <a:r>
-              <a:rPr lang="en-US" dirty="0"/>
-              <a:t>Third level </a:t>
-            </a:r>
-            <a:r>
-              <a:rPr lang="en-US" dirty="0" smtClean="0"/>
-              <a:t>bullet</a:t>
-            </a:r>
-            <a:endParaRPr lang="en-US" dirty="0"/>
+              <a:t>In one experiment, when participants were presented text with or without markup from an IE pipeline, they showed better text comprehension without markup.</a:t>
+            </a:r>
           </a:p>
         </p:txBody>
       </p:sp>
@@ -12153,12 +13768,8 @@
           <a:lstStyle/>
           <a:p>
             <a:r>
-              <a:rPr lang="en-US" dirty="0"/>
-              <a:t>SLIDE TITLE GOES </a:t>
-            </a:r>
-            <a:r>
               <a:rPr lang="en-US" dirty="0" smtClean="0"/>
-              <a:t>HERE</a:t>
+              <a:t>Experiment 1</a:t>
             </a:r>
             <a:endParaRPr lang="en-US" dirty="0"/>
           </a:p>
@@ -12167,20 +13778,13 @@
     </p:spTree>
     <p:extLst>
       <p:ext uri="{BB962C8B-B14F-4D97-AF65-F5344CB8AC3E}">
-        <p14:creationId xmlns:p14="http://schemas.microsoft.com/office/powerpoint/2010/main" val="7909613"/>
+        <p14:creationId xmlns:p14="http://schemas.microsoft.com/office/powerpoint/2010/main" val="2370557871"/>
       </p:ext>
     </p:extLst>
   </p:cSld>
   <p:clrMapOvr>
     <a:masterClrMapping/>
   </p:clrMapOvr>
-  <p:timing>
-    <p:tnLst>
-      <p:par>
-        <p:cTn id="1" dur="indefinite" restart="never" nodeType="tmRoot"/>
-      </p:par>
-    </p:tnLst>
-  </p:timing>
 </p:sld>
 </file>
 
@@ -12203,7 +13807,37 @@
       </p:grpSpPr>
       <p:sp>
         <p:nvSpPr>
-          <p:cNvPr id="2" name="Title 1"/>
+          <p:cNvPr id="2" name="Content Placeholder 1"/>
+          <p:cNvSpPr>
+            <a:spLocks noGrp="1"/>
+          </p:cNvSpPr>
+          <p:nvPr>
+            <p:ph idx="1"/>
+          </p:nvPr>
+        </p:nvSpPr>
+        <p:spPr/>
+        <p:txBody>
+          <a:bodyPr/>
+          <a:lstStyle/>
+          <a:p>
+            <a:r>
+              <a:rPr lang="en-US" dirty="0" smtClean="0"/>
+              <a:t>ICCRTS slides?</a:t>
+            </a:r>
+          </a:p>
+          <a:p>
+            <a:pPr lvl="1"/>
+            <a:r>
+              <a:rPr lang="en-US" dirty="0" smtClean="0"/>
+              <a:t>At least examples with/without markup and dropdowns</a:t>
+            </a:r>
+            <a:endParaRPr lang="en-US" dirty="0"/>
+          </a:p>
+        </p:txBody>
+      </p:sp>
+      <p:sp>
+        <p:nvSpPr>
+          <p:cNvPr id="3" name="Title 2"/>
           <p:cNvSpPr>
             <a:spLocks noGrp="1"/>
           </p:cNvSpPr>
@@ -12211,44 +13845,173 @@
             <p:ph type="title"/>
           </p:nvPr>
         </p:nvSpPr>
+        <p:spPr/>
+        <p:txBody>
+          <a:bodyPr/>
+          <a:lstStyle/>
+          <a:p>
+            <a:r>
+              <a:rPr lang="en-US" dirty="0" smtClean="0"/>
+              <a:t>Experiment 1 - Procedure</a:t>
+            </a:r>
+            <a:endParaRPr lang="en-US" dirty="0"/>
+          </a:p>
+        </p:txBody>
+      </p:sp>
+      <p:pic>
+        <p:nvPicPr>
+          <p:cNvPr id="5" name="Picture 4"/>
+          <p:cNvPicPr>
+            <a:picLocks noChangeAspect="1"/>
+          </p:cNvPicPr>
+          <p:nvPr/>
+        </p:nvPicPr>
+        <p:blipFill>
+          <a:blip r:embed="rId2">
+            <a:extLst>
+              <a:ext uri="{28A0092B-C50C-407E-A947-70E740481C1C}">
+                <a14:useLocalDpi xmlns:a14="http://schemas.microsoft.com/office/drawing/2010/main" val="0"/>
+              </a:ext>
+            </a:extLst>
+          </a:blip>
+          <a:stretch>
+            <a:fillRect/>
+          </a:stretch>
+        </p:blipFill>
         <p:spPr>
+          <a:xfrm>
+            <a:off x="520335" y="2061069"/>
+            <a:ext cx="3756660" cy="2301240"/>
+          </a:xfrm>
           <a:prstGeom prst="rect">
             <a:avLst/>
           </a:prstGeom>
         </p:spPr>
-        <p:txBody>
-          <a:bodyPr/>
+      </p:pic>
+      <p:pic>
+        <p:nvPicPr>
+          <p:cNvPr id="6" name="Picture 5"/>
+          <p:cNvPicPr>
+            <a:picLocks noChangeAspect="1"/>
+          </p:cNvPicPr>
+          <p:nvPr/>
+        </p:nvPicPr>
+        <p:blipFill>
+          <a:blip r:embed="rId3">
+            <a:extLst>
+              <a:ext uri="{28A0092B-C50C-407E-A947-70E740481C1C}">
+                <a14:useLocalDpi xmlns:a14="http://schemas.microsoft.com/office/drawing/2010/main" val="0"/>
+              </a:ext>
+            </a:extLst>
+          </a:blip>
+          <a:stretch>
+            <a:fillRect/>
+          </a:stretch>
+        </p:blipFill>
+        <p:spPr>
+          <a:xfrm>
+            <a:off x="4911703" y="2061069"/>
+            <a:ext cx="3703320" cy="1859280"/>
+          </a:xfrm>
+          <a:prstGeom prst="rect">
+            <a:avLst/>
+          </a:prstGeom>
+        </p:spPr>
+      </p:pic>
+      <p:sp>
+        <p:nvSpPr>
+          <p:cNvPr id="7" name="TextBox 6"/>
+          <p:cNvSpPr txBox="1"/>
+          <p:nvPr/>
+        </p:nvSpPr>
+        <p:spPr>
+          <a:xfrm rot="5400000">
+            <a:off x="2031342" y="4429678"/>
+            <a:ext cx="492443" cy="461665"/>
+          </a:xfrm>
+          <a:prstGeom prst="rect">
+            <a:avLst/>
+          </a:prstGeom>
+          <a:noFill/>
+        </p:spPr>
+        <p:txBody>
+          <a:bodyPr wrap="none" rtlCol="0">
+            <a:spAutoFit/>
+          </a:bodyPr>
           <a:lstStyle/>
           <a:p>
             <a:r>
-              <a:rPr lang="en-US" dirty="0"/>
-              <a:t>SLIDE TITLE GOES </a:t>
-            </a:r>
-            <a:r>
               <a:rPr lang="en-US" dirty="0" smtClean="0"/>
-              <a:t>HERE </a:t>
+              <a:t>…</a:t>
             </a:r>
             <a:endParaRPr lang="en-US" dirty="0"/>
           </a:p>
         </p:txBody>
       </p:sp>
+      <p:sp>
+        <p:nvSpPr>
+          <p:cNvPr id="8" name="TextBox 7"/>
+          <p:cNvSpPr txBox="1"/>
+          <p:nvPr/>
+        </p:nvSpPr>
+        <p:spPr>
+          <a:xfrm rot="5400000">
+            <a:off x="6517141" y="4429678"/>
+            <a:ext cx="492443" cy="461665"/>
+          </a:xfrm>
+          <a:prstGeom prst="rect">
+            <a:avLst/>
+          </a:prstGeom>
+          <a:noFill/>
+        </p:spPr>
+        <p:txBody>
+          <a:bodyPr wrap="none" rtlCol="0">
+            <a:spAutoFit/>
+          </a:bodyPr>
+          <a:lstStyle/>
+          <a:p>
+            <a:r>
+              <a:rPr lang="en-US" dirty="0" smtClean="0"/>
+              <a:t>…</a:t>
+            </a:r>
+            <a:endParaRPr lang="en-US" dirty="0"/>
+          </a:p>
+        </p:txBody>
+      </p:sp>
+      <p:pic>
+        <p:nvPicPr>
+          <p:cNvPr id="9" name="Picture 8"/>
+          <p:cNvPicPr>
+            <a:picLocks noChangeAspect="1"/>
+          </p:cNvPicPr>
+          <p:nvPr/>
+        </p:nvPicPr>
+        <p:blipFill>
+          <a:blip r:embed="rId4"/>
+          <a:stretch>
+            <a:fillRect/>
+          </a:stretch>
+        </p:blipFill>
+        <p:spPr>
+          <a:xfrm>
+            <a:off x="1841604" y="4953342"/>
+            <a:ext cx="5295900" cy="1653540"/>
+          </a:xfrm>
+          <a:prstGeom prst="rect">
+            <a:avLst/>
+          </a:prstGeom>
+        </p:spPr>
+      </p:pic>
     </p:spTree>
     <p:extLst>
       <p:ext uri="{BB962C8B-B14F-4D97-AF65-F5344CB8AC3E}">
-        <p14:creationId xmlns:p14="http://schemas.microsoft.com/office/powerpoint/2010/main" val="3722983382"/>
+        <p14:creationId xmlns:p14="http://schemas.microsoft.com/office/powerpoint/2010/main" val="1326845734"/>
       </p:ext>
     </p:extLst>
   </p:cSld>
   <p:clrMapOvr>
     <a:masterClrMapping/>
   </p:clrMapOvr>
-  <p:timing>
-    <p:tnLst>
-      <p:par>
-        <p:cTn id="1" dur="indefinite" restart="never" nodeType="tmRoot"/>
-      </p:par>
-    </p:tnLst>
-  </p:timing>
 </p:sld>
 </file>
 
@@ -12271,236 +14034,30 @@
       </p:grpSpPr>
       <p:sp>
         <p:nvSpPr>
-          <p:cNvPr id="28674" name="Content Placeholder 4"/>
-          <p:cNvSpPr txBox="1">
-            <a:spLocks/>
+          <p:cNvPr id="2" name="Content Placeholder 1"/>
+          <p:cNvSpPr>
+            <a:spLocks noGrp="1"/>
           </p:cNvSpPr>
-          <p:nvPr/>
-        </p:nvSpPr>
-        <p:spPr bwMode="auto">
-          <a:xfrm>
-            <a:off x="327025" y="1704975"/>
-            <a:ext cx="3152775" cy="3498850"/>
-          </a:xfrm>
-          <a:prstGeom prst="rect">
-            <a:avLst/>
-          </a:prstGeom>
-          <a:noFill/>
-          <a:ln>
-            <a:noFill/>
-          </a:ln>
-          <a:extLst>
-            <a:ext uri="{909E8E84-426E-40DD-AFC4-6F175D3DCCD1}">
-              <a14:hiddenFill xmlns:a14="http://schemas.microsoft.com/office/drawing/2010/main">
-                <a:solidFill>
-                  <a:srgbClr val="FFFFFF"/>
-                </a:solidFill>
-              </a14:hiddenFill>
-            </a:ext>
-            <a:ext uri="{91240B29-F687-4F45-9708-019B960494DF}">
-              <a14:hiddenLine xmlns:a14="http://schemas.microsoft.com/office/drawing/2010/main" w="9525">
-                <a:solidFill>
-                  <a:srgbClr val="000000"/>
-                </a:solidFill>
-                <a:miter lim="800000"/>
-                <a:headEnd/>
-                <a:tailEnd/>
-              </a14:hiddenLine>
-            </a:ext>
-          </a:extLst>
-        </p:spPr>
+          <p:nvPr>
+            <p:ph idx="1"/>
+          </p:nvPr>
+        </p:nvSpPr>
+        <p:spPr/>
         <p:txBody>
           <a:bodyPr/>
-          <a:lstStyle>
-            <a:lvl1pPr eaLnBrk="0" hangingPunct="0">
-              <a:defRPr sz="2400">
-                <a:solidFill>
-                  <a:schemeClr val="tx1"/>
-                </a:solidFill>
-                <a:latin typeface="Arial" charset="0"/>
-                <a:ea typeface="ＭＳ Ｐゴシック" charset="-128"/>
-              </a:defRPr>
-            </a:lvl1pPr>
-            <a:lvl2pPr marL="742950" indent="-285750" eaLnBrk="0" hangingPunct="0">
-              <a:defRPr sz="2400">
-                <a:solidFill>
-                  <a:schemeClr val="tx1"/>
-                </a:solidFill>
-                <a:latin typeface="Arial" charset="0"/>
-                <a:ea typeface="ＭＳ Ｐゴシック" charset="-128"/>
-              </a:defRPr>
-            </a:lvl2pPr>
-            <a:lvl3pPr marL="1143000" indent="-228600" eaLnBrk="0" hangingPunct="0">
-              <a:defRPr sz="2400">
-                <a:solidFill>
-                  <a:schemeClr val="tx1"/>
-                </a:solidFill>
-                <a:latin typeface="Arial" charset="0"/>
-                <a:ea typeface="ＭＳ Ｐゴシック" charset="-128"/>
-              </a:defRPr>
-            </a:lvl3pPr>
-            <a:lvl4pPr marL="1600200" indent="-228600" eaLnBrk="0" hangingPunct="0">
-              <a:defRPr sz="2400">
-                <a:solidFill>
-                  <a:schemeClr val="tx1"/>
-                </a:solidFill>
-                <a:latin typeface="Arial" charset="0"/>
-                <a:ea typeface="ＭＳ Ｐゴシック" charset="-128"/>
-              </a:defRPr>
-            </a:lvl4pPr>
-            <a:lvl5pPr marL="2057400" indent="-228600" eaLnBrk="0" hangingPunct="0">
-              <a:defRPr sz="2400">
-                <a:solidFill>
-                  <a:schemeClr val="tx1"/>
-                </a:solidFill>
-                <a:latin typeface="Arial" charset="0"/>
-                <a:ea typeface="ＭＳ Ｐゴシック" charset="-128"/>
-              </a:defRPr>
-            </a:lvl5pPr>
-            <a:lvl6pPr marL="2514600" indent="-228600" eaLnBrk="0" fontAlgn="base" hangingPunct="0">
-              <a:spcBef>
-                <a:spcPct val="0"/>
-              </a:spcBef>
-              <a:spcAft>
-                <a:spcPct val="0"/>
-              </a:spcAft>
-              <a:defRPr sz="2400">
-                <a:solidFill>
-                  <a:schemeClr val="tx1"/>
-                </a:solidFill>
-                <a:latin typeface="Arial" charset="0"/>
-                <a:ea typeface="ＭＳ Ｐゴシック" charset="-128"/>
-              </a:defRPr>
-            </a:lvl6pPr>
-            <a:lvl7pPr marL="2971800" indent="-228600" eaLnBrk="0" fontAlgn="base" hangingPunct="0">
-              <a:spcBef>
-                <a:spcPct val="0"/>
-              </a:spcBef>
-              <a:spcAft>
-                <a:spcPct val="0"/>
-              </a:spcAft>
-              <a:defRPr sz="2400">
-                <a:solidFill>
-                  <a:schemeClr val="tx1"/>
-                </a:solidFill>
-                <a:latin typeface="Arial" charset="0"/>
-                <a:ea typeface="ＭＳ Ｐゴシック" charset="-128"/>
-              </a:defRPr>
-            </a:lvl7pPr>
-            <a:lvl8pPr marL="3429000" indent="-228600" eaLnBrk="0" fontAlgn="base" hangingPunct="0">
-              <a:spcBef>
-                <a:spcPct val="0"/>
-              </a:spcBef>
-              <a:spcAft>
-                <a:spcPct val="0"/>
-              </a:spcAft>
-              <a:defRPr sz="2400">
-                <a:solidFill>
-                  <a:schemeClr val="tx1"/>
-                </a:solidFill>
-                <a:latin typeface="Arial" charset="0"/>
-                <a:ea typeface="ＭＳ Ｐゴシック" charset="-128"/>
-              </a:defRPr>
-            </a:lvl8pPr>
-            <a:lvl9pPr marL="3886200" indent="-228600" eaLnBrk="0" fontAlgn="base" hangingPunct="0">
-              <a:spcBef>
-                <a:spcPct val="0"/>
-              </a:spcBef>
-              <a:spcAft>
-                <a:spcPct val="0"/>
-              </a:spcAft>
-              <a:defRPr sz="2400">
-                <a:solidFill>
-                  <a:schemeClr val="tx1"/>
-                </a:solidFill>
-                <a:latin typeface="Arial" charset="0"/>
-                <a:ea typeface="ＭＳ Ｐゴシック" charset="-128"/>
-              </a:defRPr>
-            </a:lvl9pPr>
-          </a:lstStyle>
-          <a:p>
-            <a:pPr eaLnBrk="1" hangingPunct="1">
-              <a:spcBef>
-                <a:spcPct val="20000"/>
-              </a:spcBef>
-              <a:buFont typeface="Arial" charset="0"/>
-              <a:buNone/>
-            </a:pPr>
-            <a:r>
-              <a:rPr lang="en-US" altLang="en-US" sz="2200" dirty="0"/>
-              <a:t>Each template has </a:t>
-            </a:r>
-            <a:r>
-              <a:rPr lang="en-US" altLang="en-US" sz="2200" dirty="0" smtClean="0"/>
-              <a:t>it</a:t>
-            </a:r>
-            <a:r>
-              <a:rPr lang="en-US" altLang="ja-JP" sz="2200" dirty="0" smtClean="0"/>
-              <a:t>s </a:t>
-            </a:r>
-            <a:r>
-              <a:rPr lang="en-US" altLang="ja-JP" sz="2200" dirty="0"/>
-              <a:t>own color palette. It is the top row of colors under the </a:t>
-            </a:r>
-            <a:r>
-              <a:rPr lang="ja-JP" altLang="en-US" sz="2200" dirty="0"/>
-              <a:t>“</a:t>
-            </a:r>
-            <a:r>
-              <a:rPr lang="en-US" altLang="ja-JP" sz="2200" dirty="0"/>
-              <a:t>Font Color,</a:t>
-            </a:r>
-            <a:r>
-              <a:rPr lang="ja-JP" altLang="en-US" sz="2200" dirty="0"/>
-              <a:t>”</a:t>
-            </a:r>
-            <a:r>
-              <a:rPr lang="en-US" altLang="ja-JP" sz="2200" dirty="0"/>
-              <a:t> </a:t>
-            </a:r>
-            <a:r>
-              <a:rPr lang="ja-JP" altLang="en-US" sz="2200" dirty="0"/>
-              <a:t>“</a:t>
-            </a:r>
-            <a:r>
-              <a:rPr lang="en-US" altLang="ja-JP" sz="2200" dirty="0"/>
-              <a:t>Shape Fill</a:t>
-            </a:r>
-            <a:r>
-              <a:rPr lang="ja-JP" altLang="en-US" sz="2200" dirty="0"/>
-              <a:t>”</a:t>
-            </a:r>
-            <a:r>
-              <a:rPr lang="en-US" altLang="ja-JP" sz="2200" dirty="0"/>
-              <a:t> and </a:t>
-            </a:r>
-            <a:r>
-              <a:rPr lang="ja-JP" altLang="en-US" sz="2200" dirty="0"/>
-              <a:t>“</a:t>
-            </a:r>
-            <a:r>
-              <a:rPr lang="en-US" altLang="ja-JP" sz="2200" dirty="0"/>
-              <a:t>Shape Outline</a:t>
-            </a:r>
-            <a:r>
-              <a:rPr lang="ja-JP" altLang="en-US" sz="2200" dirty="0" smtClean="0"/>
-              <a:t>”</a:t>
-            </a:r>
-            <a:r>
-              <a:rPr lang="en-US" altLang="ja-JP" sz="2200" dirty="0"/>
-              <a:t> </a:t>
-            </a:r>
-            <a:r>
-              <a:rPr lang="en-US" altLang="ja-JP" sz="2200" dirty="0" smtClean="0"/>
-              <a:t>menus</a:t>
-            </a:r>
-            <a:endParaRPr lang="en-US" altLang="en-US" sz="2200" dirty="0"/>
-          </a:p>
-        </p:txBody>
-      </p:sp>
-      <p:sp>
-        <p:nvSpPr>
-          <p:cNvPr id="2" name="Title 1"/>
+          <a:lstStyle/>
+          <a:p>
+            <a:r>
+              <a:rPr lang="en-US" dirty="0" smtClean="0"/>
+              <a:t>NASA-TLX</a:t>
+            </a:r>
+            <a:endParaRPr lang="en-US" dirty="0"/>
+          </a:p>
+        </p:txBody>
+      </p:sp>
+      <p:sp>
+        <p:nvSpPr>
+          <p:cNvPr id="3" name="Title 2"/>
           <p:cNvSpPr>
             <a:spLocks noGrp="1"/>
           </p:cNvSpPr>
@@ -12514,560 +14071,323 @@
           <a:lstStyle/>
           <a:p>
             <a:r>
-              <a:rPr lang="en-US" dirty="0"/>
-              <a:t>Color Palette</a:t>
-            </a:r>
-          </a:p>
-        </p:txBody>
-      </p:sp>
-      <p:sp>
-        <p:nvSpPr>
-          <p:cNvPr id="18" name="Rectangle 17"/>
-          <p:cNvSpPr/>
-          <p:nvPr/>
-        </p:nvSpPr>
-        <p:spPr>
-          <a:xfrm>
-            <a:off x="568325" y="4494213"/>
-            <a:ext cx="557213" cy="558800"/>
-          </a:xfrm>
-          <a:prstGeom prst="rect">
-            <a:avLst/>
-          </a:prstGeom>
-          <a:solidFill>
-            <a:schemeClr val="bg1"/>
-          </a:solidFill>
-        </p:spPr>
-        <p:style>
-          <a:lnRef idx="2">
-            <a:schemeClr val="accent1">
-              <a:shade val="50000"/>
-            </a:schemeClr>
-          </a:lnRef>
-          <a:fillRef idx="1">
-            <a:schemeClr val="accent1"/>
-          </a:fillRef>
-          <a:effectRef idx="0">
-            <a:schemeClr val="accent1"/>
-          </a:effectRef>
-          <a:fontRef idx="minor">
-            <a:schemeClr val="lt1"/>
-          </a:fontRef>
-        </p:style>
-        <p:txBody>
-          <a:bodyPr anchor="ctr"/>
+              <a:rPr lang="en-US" dirty="0" smtClean="0"/>
+              <a:t>Experiment 1 - Procedure</a:t>
+            </a:r>
+            <a:endParaRPr lang="en-US" dirty="0"/>
+          </a:p>
+        </p:txBody>
+      </p:sp>
+    </p:spTree>
+    <p:extLst>
+      <p:ext uri="{BB962C8B-B14F-4D97-AF65-F5344CB8AC3E}">
+        <p14:creationId xmlns:p14="http://schemas.microsoft.com/office/powerpoint/2010/main" val="1803272798"/>
+      </p:ext>
+    </p:extLst>
+  </p:cSld>
+  <p:clrMapOvr>
+    <a:masterClrMapping/>
+  </p:clrMapOvr>
+</p:sld>
+</file>
+
+<file path=ppt/slides/slide7.xml><?xml version="1.0" encoding="utf-8"?>
+<p:sld xmlns:a="http://schemas.openxmlformats.org/drawingml/2006/main" xmlns:r="http://schemas.openxmlformats.org/officeDocument/2006/relationships" xmlns:p="http://schemas.openxmlformats.org/presentationml/2006/main">
+  <p:cSld>
+    <p:spTree>
+      <p:nvGrpSpPr>
+        <p:cNvPr id="1" name=""/>
+        <p:cNvGrpSpPr/>
+        <p:nvPr/>
+      </p:nvGrpSpPr>
+      <p:grpSpPr>
+        <a:xfrm>
+          <a:off x="0" y="0"/>
+          <a:ext cx="0" cy="0"/>
+          <a:chOff x="0" y="0"/>
+          <a:chExt cx="0" cy="0"/>
+        </a:xfrm>
+      </p:grpSpPr>
+      <p:sp>
+        <p:nvSpPr>
+          <p:cNvPr id="2" name="Content Placeholder 1"/>
+          <p:cNvSpPr>
+            <a:spLocks noGrp="1"/>
+          </p:cNvSpPr>
+          <p:nvPr>
+            <p:ph idx="1"/>
+          </p:nvPr>
+        </p:nvSpPr>
+        <p:spPr/>
+        <p:txBody>
+          <a:bodyPr/>
           <a:lstStyle/>
           <a:p>
-            <a:pPr algn="ctr">
-              <a:defRPr/>
-            </a:pPr>
-            <a:endParaRPr lang="en-US" sz="1800" dirty="0"/>
-          </a:p>
-        </p:txBody>
-      </p:sp>
-      <p:sp>
-        <p:nvSpPr>
-          <p:cNvPr id="19" name="Rectangle 18"/>
-          <p:cNvSpPr/>
-          <p:nvPr/>
-        </p:nvSpPr>
-        <p:spPr>
-          <a:xfrm>
-            <a:off x="1289050" y="4494213"/>
-            <a:ext cx="557213" cy="558800"/>
-          </a:xfrm>
-          <a:prstGeom prst="rect">
-            <a:avLst/>
-          </a:prstGeom>
-          <a:solidFill>
-            <a:schemeClr val="tx1"/>
-          </a:solidFill>
-          <a:ln>
-            <a:noFill/>
-          </a:ln>
-        </p:spPr>
-        <p:style>
-          <a:lnRef idx="2">
-            <a:schemeClr val="accent1">
-              <a:shade val="50000"/>
-            </a:schemeClr>
-          </a:lnRef>
-          <a:fillRef idx="1">
-            <a:schemeClr val="accent1"/>
-          </a:fillRef>
-          <a:effectRef idx="0">
-            <a:schemeClr val="accent1"/>
-          </a:effectRef>
-          <a:fontRef idx="minor">
-            <a:schemeClr val="lt1"/>
-          </a:fontRef>
-        </p:style>
-        <p:txBody>
-          <a:bodyPr anchor="ctr"/>
+            <a:endParaRPr lang="en-US"/>
+          </a:p>
+        </p:txBody>
+      </p:sp>
+      <p:sp>
+        <p:nvSpPr>
+          <p:cNvPr id="3" name="Title 2"/>
+          <p:cNvSpPr>
+            <a:spLocks noGrp="1"/>
+          </p:cNvSpPr>
+          <p:nvPr>
+            <p:ph type="title"/>
+          </p:nvPr>
+        </p:nvSpPr>
+        <p:spPr/>
+        <p:txBody>
+          <a:bodyPr/>
           <a:lstStyle/>
           <a:p>
-            <a:pPr algn="ctr">
-              <a:defRPr/>
-            </a:pPr>
-            <a:endParaRPr lang="en-US" sz="1800" dirty="0"/>
-          </a:p>
-        </p:txBody>
-      </p:sp>
-      <p:sp>
-        <p:nvSpPr>
-          <p:cNvPr id="20" name="Rectangle 19"/>
-          <p:cNvSpPr/>
-          <p:nvPr/>
-        </p:nvSpPr>
-        <p:spPr>
-          <a:xfrm>
-            <a:off x="2009775" y="4494213"/>
-            <a:ext cx="558800" cy="558800"/>
-          </a:xfrm>
-          <a:prstGeom prst="rect">
-            <a:avLst/>
-          </a:prstGeom>
-          <a:solidFill>
-            <a:schemeClr val="bg2"/>
-          </a:solidFill>
-          <a:ln>
-            <a:noFill/>
-          </a:ln>
-        </p:spPr>
-        <p:style>
-          <a:lnRef idx="2">
-            <a:schemeClr val="accent1">
-              <a:shade val="50000"/>
-            </a:schemeClr>
-          </a:lnRef>
-          <a:fillRef idx="1">
-            <a:schemeClr val="accent1"/>
-          </a:fillRef>
-          <a:effectRef idx="0">
-            <a:schemeClr val="accent1"/>
-          </a:effectRef>
-          <a:fontRef idx="minor">
-            <a:schemeClr val="lt1"/>
-          </a:fontRef>
-        </p:style>
-        <p:txBody>
-          <a:bodyPr anchor="ctr"/>
-          <a:lstStyle/>
-          <a:p>
-            <a:pPr algn="ctr">
-              <a:defRPr/>
-            </a:pPr>
-            <a:endParaRPr lang="en-US" sz="1800" dirty="0"/>
-          </a:p>
-        </p:txBody>
-      </p:sp>
-      <p:sp>
-        <p:nvSpPr>
-          <p:cNvPr id="21" name="Rectangle 20"/>
-          <p:cNvSpPr/>
-          <p:nvPr/>
-        </p:nvSpPr>
-        <p:spPr>
-          <a:xfrm>
-            <a:off x="2730500" y="4494213"/>
-            <a:ext cx="558800" cy="558800"/>
-          </a:xfrm>
-          <a:prstGeom prst="rect">
-            <a:avLst/>
-          </a:prstGeom>
-          <a:solidFill>
-            <a:schemeClr val="tx2"/>
-          </a:solidFill>
-          <a:ln>
-            <a:noFill/>
-          </a:ln>
-        </p:spPr>
-        <p:style>
-          <a:lnRef idx="2">
-            <a:schemeClr val="accent1">
-              <a:shade val="50000"/>
-            </a:schemeClr>
-          </a:lnRef>
-          <a:fillRef idx="1">
-            <a:schemeClr val="accent1"/>
-          </a:fillRef>
-          <a:effectRef idx="0">
-            <a:schemeClr val="accent1"/>
-          </a:effectRef>
-          <a:fontRef idx="minor">
-            <a:schemeClr val="lt1"/>
-          </a:fontRef>
-        </p:style>
-        <p:txBody>
-          <a:bodyPr anchor="ctr"/>
-          <a:lstStyle/>
-          <a:p>
-            <a:pPr algn="ctr">
-              <a:defRPr/>
-            </a:pPr>
-            <a:endParaRPr lang="en-US" sz="1800" dirty="0"/>
-          </a:p>
-        </p:txBody>
-      </p:sp>
-      <p:sp>
-        <p:nvSpPr>
-          <p:cNvPr id="22" name="Rectangle 21"/>
-          <p:cNvSpPr/>
-          <p:nvPr/>
-        </p:nvSpPr>
-        <p:spPr>
-          <a:xfrm>
-            <a:off x="3451225" y="4494213"/>
-            <a:ext cx="558800" cy="558800"/>
-          </a:xfrm>
-          <a:prstGeom prst="rect">
-            <a:avLst/>
-          </a:prstGeom>
-          <a:ln>
-            <a:noFill/>
-          </a:ln>
-        </p:spPr>
-        <p:style>
-          <a:lnRef idx="2">
-            <a:schemeClr val="accent1">
-              <a:shade val="50000"/>
-            </a:schemeClr>
-          </a:lnRef>
-          <a:fillRef idx="1">
-            <a:schemeClr val="accent1"/>
-          </a:fillRef>
-          <a:effectRef idx="0">
-            <a:schemeClr val="accent1"/>
-          </a:effectRef>
-          <a:fontRef idx="minor">
-            <a:schemeClr val="lt1"/>
-          </a:fontRef>
-        </p:style>
-        <p:txBody>
-          <a:bodyPr anchor="ctr"/>
-          <a:lstStyle/>
-          <a:p>
-            <a:pPr algn="ctr">
-              <a:defRPr/>
-            </a:pPr>
-            <a:endParaRPr lang="en-US" sz="1800" dirty="0"/>
-          </a:p>
-        </p:txBody>
-      </p:sp>
-      <p:sp>
-        <p:nvSpPr>
-          <p:cNvPr id="23" name="Rectangle 22"/>
-          <p:cNvSpPr/>
-          <p:nvPr/>
-        </p:nvSpPr>
-        <p:spPr>
-          <a:xfrm>
-            <a:off x="4171950" y="4494213"/>
-            <a:ext cx="558800" cy="558800"/>
-          </a:xfrm>
-          <a:prstGeom prst="rect">
-            <a:avLst/>
-          </a:prstGeom>
-          <a:solidFill>
-            <a:schemeClr val="accent2"/>
-          </a:solidFill>
-          <a:ln>
-            <a:noFill/>
-          </a:ln>
-        </p:spPr>
-        <p:style>
-          <a:lnRef idx="2">
-            <a:schemeClr val="accent1">
-              <a:shade val="50000"/>
-            </a:schemeClr>
-          </a:lnRef>
-          <a:fillRef idx="1">
-            <a:schemeClr val="accent1"/>
-          </a:fillRef>
-          <a:effectRef idx="0">
-            <a:schemeClr val="accent1"/>
-          </a:effectRef>
-          <a:fontRef idx="minor">
-            <a:schemeClr val="lt1"/>
-          </a:fontRef>
-        </p:style>
-        <p:txBody>
-          <a:bodyPr anchor="ctr"/>
-          <a:lstStyle/>
-          <a:p>
-            <a:pPr algn="ctr">
-              <a:defRPr/>
-            </a:pPr>
-            <a:endParaRPr lang="en-US" sz="1800" dirty="0"/>
-          </a:p>
-        </p:txBody>
-      </p:sp>
-      <p:sp>
-        <p:nvSpPr>
-          <p:cNvPr id="24" name="Rectangle 23"/>
-          <p:cNvSpPr/>
-          <p:nvPr/>
-        </p:nvSpPr>
-        <p:spPr>
-          <a:xfrm>
-            <a:off x="4892675" y="4494213"/>
-            <a:ext cx="558800" cy="558800"/>
-          </a:xfrm>
-          <a:prstGeom prst="rect">
-            <a:avLst/>
-          </a:prstGeom>
-          <a:solidFill>
-            <a:schemeClr val="accent3"/>
-          </a:solidFill>
-          <a:ln>
-            <a:noFill/>
-          </a:ln>
-        </p:spPr>
-        <p:style>
-          <a:lnRef idx="2">
-            <a:schemeClr val="accent1">
-              <a:shade val="50000"/>
-            </a:schemeClr>
-          </a:lnRef>
-          <a:fillRef idx="1">
-            <a:schemeClr val="accent1"/>
-          </a:fillRef>
-          <a:effectRef idx="0">
-            <a:schemeClr val="accent1"/>
-          </a:effectRef>
-          <a:fontRef idx="minor">
-            <a:schemeClr val="lt1"/>
-          </a:fontRef>
-        </p:style>
-        <p:txBody>
-          <a:bodyPr anchor="ctr"/>
-          <a:lstStyle/>
-          <a:p>
-            <a:pPr algn="ctr">
-              <a:defRPr/>
-            </a:pPr>
-            <a:endParaRPr lang="en-US" sz="1800" dirty="0"/>
-          </a:p>
-        </p:txBody>
-      </p:sp>
-      <p:sp>
-        <p:nvSpPr>
-          <p:cNvPr id="25" name="Rectangle 24"/>
-          <p:cNvSpPr/>
-          <p:nvPr/>
-        </p:nvSpPr>
-        <p:spPr>
-          <a:xfrm>
-            <a:off x="5613400" y="4494213"/>
-            <a:ext cx="558800" cy="558800"/>
-          </a:xfrm>
-          <a:prstGeom prst="rect">
-            <a:avLst/>
-          </a:prstGeom>
-          <a:solidFill>
-            <a:schemeClr val="accent4"/>
-          </a:solidFill>
-          <a:ln>
-            <a:noFill/>
-          </a:ln>
-        </p:spPr>
-        <p:style>
-          <a:lnRef idx="2">
-            <a:schemeClr val="accent1">
-              <a:shade val="50000"/>
-            </a:schemeClr>
-          </a:lnRef>
-          <a:fillRef idx="1">
-            <a:schemeClr val="accent1"/>
-          </a:fillRef>
-          <a:effectRef idx="0">
-            <a:schemeClr val="accent1"/>
-          </a:effectRef>
-          <a:fontRef idx="minor">
-            <a:schemeClr val="lt1"/>
-          </a:fontRef>
-        </p:style>
-        <p:txBody>
-          <a:bodyPr anchor="ctr"/>
-          <a:lstStyle/>
-          <a:p>
-            <a:pPr algn="ctr">
-              <a:defRPr/>
-            </a:pPr>
-            <a:endParaRPr lang="en-US" sz="1800" dirty="0"/>
-          </a:p>
-        </p:txBody>
-      </p:sp>
-      <p:sp>
-        <p:nvSpPr>
-          <p:cNvPr id="26" name="Rectangle 25"/>
-          <p:cNvSpPr/>
-          <p:nvPr/>
-        </p:nvSpPr>
-        <p:spPr>
-          <a:xfrm>
-            <a:off x="6334125" y="4494213"/>
-            <a:ext cx="558800" cy="558800"/>
-          </a:xfrm>
-          <a:prstGeom prst="rect">
-            <a:avLst/>
-          </a:prstGeom>
-          <a:solidFill>
-            <a:schemeClr val="accent5"/>
-          </a:solidFill>
-          <a:ln>
-            <a:noFill/>
-          </a:ln>
-        </p:spPr>
-        <p:style>
-          <a:lnRef idx="2">
-            <a:schemeClr val="accent1">
-              <a:shade val="50000"/>
-            </a:schemeClr>
-          </a:lnRef>
-          <a:fillRef idx="1">
-            <a:schemeClr val="accent1"/>
-          </a:fillRef>
-          <a:effectRef idx="0">
-            <a:schemeClr val="accent1"/>
-          </a:effectRef>
-          <a:fontRef idx="minor">
-            <a:schemeClr val="lt1"/>
-          </a:fontRef>
-        </p:style>
-        <p:txBody>
-          <a:bodyPr anchor="ctr"/>
-          <a:lstStyle/>
-          <a:p>
-            <a:pPr algn="ctr">
-              <a:defRPr/>
-            </a:pPr>
-            <a:endParaRPr lang="en-US" sz="1800" dirty="0"/>
-          </a:p>
-        </p:txBody>
-      </p:sp>
-      <p:sp>
-        <p:nvSpPr>
-          <p:cNvPr id="27" name="Rectangle 26"/>
-          <p:cNvSpPr/>
-          <p:nvPr/>
-        </p:nvSpPr>
-        <p:spPr>
-          <a:xfrm>
-            <a:off x="7054850" y="4494213"/>
-            <a:ext cx="558800" cy="558800"/>
-          </a:xfrm>
-          <a:prstGeom prst="rect">
-            <a:avLst/>
-          </a:prstGeom>
-          <a:solidFill>
-            <a:schemeClr val="accent6"/>
-          </a:solidFill>
-          <a:ln>
-            <a:noFill/>
-          </a:ln>
-        </p:spPr>
-        <p:style>
-          <a:lnRef idx="2">
-            <a:schemeClr val="accent1">
-              <a:shade val="50000"/>
-            </a:schemeClr>
-          </a:lnRef>
-          <a:fillRef idx="1">
-            <a:schemeClr val="accent1"/>
-          </a:fillRef>
-          <a:effectRef idx="0">
-            <a:schemeClr val="accent1"/>
-          </a:effectRef>
-          <a:fontRef idx="minor">
-            <a:schemeClr val="lt1"/>
-          </a:fontRef>
-        </p:style>
-        <p:txBody>
-          <a:bodyPr anchor="ctr"/>
-          <a:lstStyle/>
-          <a:p>
-            <a:pPr algn="ctr">
-              <a:defRPr/>
-            </a:pPr>
-            <a:endParaRPr lang="en-US" sz="1800" dirty="0"/>
+            <a:endParaRPr lang="en-US"/>
           </a:p>
         </p:txBody>
       </p:sp>
       <p:pic>
         <p:nvPicPr>
-          <p:cNvPr id="28686" name="Picture 14" descr="x.jpg"/>
+          <p:cNvPr id="4" name="Picture 3"/>
           <p:cNvPicPr>
             <a:picLocks noChangeAspect="1"/>
           </p:cNvPicPr>
           <p:nvPr/>
         </p:nvPicPr>
         <p:blipFill>
-          <a:blip r:embed="rId2">
-            <a:extLst>
-              <a:ext uri="{28A0092B-C50C-407E-A947-70E740481C1C}">
-                <a14:useLocalDpi xmlns:a14="http://schemas.microsoft.com/office/drawing/2010/main" val="0"/>
-              </a:ext>
-            </a:extLst>
-          </a:blip>
-          <a:srcRect/>
+          <a:blip r:embed="rId2"/>
           <a:stretch>
             <a:fillRect/>
           </a:stretch>
         </p:blipFill>
-        <p:spPr bwMode="auto">
+        <p:spPr>
           <a:xfrm>
-            <a:off x="3484563" y="1587500"/>
-            <a:ext cx="4565650" cy="2565400"/>
+            <a:off x="867517" y="1510987"/>
+            <a:ext cx="6321863" cy="4150350"/>
           </a:xfrm>
           <a:prstGeom prst="rect">
             <a:avLst/>
           </a:prstGeom>
-          <a:noFill/>
-          <a:ln>
-            <a:noFill/>
-          </a:ln>
-          <a:extLst>
-            <a:ext uri="{909E8E84-426E-40DD-AFC4-6F175D3DCCD1}">
-              <a14:hiddenFill xmlns:a14="http://schemas.microsoft.com/office/drawing/2010/main">
-                <a:solidFill>
-                  <a:srgbClr val="FFFFFF"/>
-                </a:solidFill>
-              </a14:hiddenFill>
-            </a:ext>
-            <a:ext uri="{91240B29-F687-4F45-9708-019B960494DF}">
-              <a14:hiddenLine xmlns:a14="http://schemas.microsoft.com/office/drawing/2010/main" w="9525">
-                <a:solidFill>
-                  <a:srgbClr val="000000"/>
-                </a:solidFill>
-                <a:miter lim="800000"/>
-                <a:headEnd/>
-                <a:tailEnd/>
-              </a14:hiddenLine>
-            </a:ext>
-          </a:extLst>
         </p:spPr>
       </p:pic>
     </p:spTree>
+    <p:extLst>
+      <p:ext uri="{BB962C8B-B14F-4D97-AF65-F5344CB8AC3E}">
+        <p14:creationId xmlns:p14="http://schemas.microsoft.com/office/powerpoint/2010/main" val="1178209726"/>
+      </p:ext>
+    </p:extLst>
   </p:cSld>
   <p:clrMapOvr>
     <a:masterClrMapping/>
   </p:clrMapOvr>
-  <mc:AlternateContent xmlns:mc="http://schemas.openxmlformats.org/markup-compatibility/2006" xmlns:p14="http://schemas.microsoft.com/office/powerpoint/2010/main">
-    <mc:Choice Requires="p14">
-      <p:transition p14:dur="0"/>
-    </mc:Choice>
-    <mc:Fallback xmlns="">
-      <p:transition/>
-    </mc:Fallback>
-  </mc:AlternateContent>
-  <p:timing>
-    <p:tnLst>
-      <p:par>
-        <p:cTn id="1" dur="indefinite" restart="never" nodeType="tmRoot"/>
-      </p:par>
-    </p:tnLst>
-  </p:timing>
+</p:sld>
+</file>
+
+<file path=ppt/slides/slide8.xml><?xml version="1.0" encoding="utf-8"?>
+<p:sld xmlns:a="http://schemas.openxmlformats.org/drawingml/2006/main" xmlns:r="http://schemas.openxmlformats.org/officeDocument/2006/relationships" xmlns:p="http://schemas.openxmlformats.org/presentationml/2006/main">
+  <p:cSld>
+    <p:spTree>
+      <p:nvGrpSpPr>
+        <p:cNvPr id="1" name=""/>
+        <p:cNvGrpSpPr/>
+        <p:nvPr/>
+      </p:nvGrpSpPr>
+      <p:grpSpPr>
+        <a:xfrm>
+          <a:off x="0" y="0"/>
+          <a:ext cx="0" cy="0"/>
+          <a:chOff x="0" y="0"/>
+          <a:chExt cx="0" cy="0"/>
+        </a:xfrm>
+      </p:grpSpPr>
+      <p:sp>
+        <p:nvSpPr>
+          <p:cNvPr id="2" name="Content Placeholder 1"/>
+          <p:cNvSpPr>
+            <a:spLocks noGrp="1"/>
+          </p:cNvSpPr>
+          <p:nvPr>
+            <p:ph idx="1"/>
+          </p:nvPr>
+        </p:nvSpPr>
+        <p:spPr/>
+        <p:txBody>
+          <a:bodyPr/>
+          <a:lstStyle/>
+          <a:p>
+            <a:endParaRPr lang="en-US"/>
+          </a:p>
+        </p:txBody>
+      </p:sp>
+      <p:sp>
+        <p:nvSpPr>
+          <p:cNvPr id="3" name="Title 2"/>
+          <p:cNvSpPr>
+            <a:spLocks noGrp="1"/>
+          </p:cNvSpPr>
+          <p:nvPr>
+            <p:ph type="title"/>
+          </p:nvPr>
+        </p:nvSpPr>
+        <p:spPr/>
+        <p:txBody>
+          <a:bodyPr/>
+          <a:lstStyle/>
+          <a:p>
+            <a:endParaRPr lang="en-US"/>
+          </a:p>
+        </p:txBody>
+      </p:sp>
+      <p:pic>
+        <p:nvPicPr>
+          <p:cNvPr id="4" name="Picture 3"/>
+          <p:cNvPicPr>
+            <a:picLocks noChangeAspect="1"/>
+          </p:cNvPicPr>
+          <p:nvPr/>
+        </p:nvPicPr>
+        <p:blipFill>
+          <a:blip r:embed="rId2"/>
+          <a:stretch>
+            <a:fillRect/>
+          </a:stretch>
+        </p:blipFill>
+        <p:spPr>
+          <a:xfrm>
+            <a:off x="670819" y="1970578"/>
+            <a:ext cx="3148013" cy="4300538"/>
+          </a:xfrm>
+          <a:prstGeom prst="rect">
+            <a:avLst/>
+          </a:prstGeom>
+        </p:spPr>
+      </p:pic>
+      <p:pic>
+        <p:nvPicPr>
+          <p:cNvPr id="5" name="Picture 4"/>
+          <p:cNvPicPr>
+            <a:picLocks noChangeAspect="1"/>
+          </p:cNvPicPr>
+          <p:nvPr/>
+        </p:nvPicPr>
+        <p:blipFill>
+          <a:blip r:embed="rId3"/>
+          <a:stretch>
+            <a:fillRect/>
+          </a:stretch>
+        </p:blipFill>
+        <p:spPr>
+          <a:xfrm>
+            <a:off x="5010967" y="1970578"/>
+            <a:ext cx="3162300" cy="4305300"/>
+          </a:xfrm>
+          <a:prstGeom prst="rect">
+            <a:avLst/>
+          </a:prstGeom>
+        </p:spPr>
+      </p:pic>
+    </p:spTree>
+    <p:extLst>
+      <p:ext uri="{BB962C8B-B14F-4D97-AF65-F5344CB8AC3E}">
+        <p14:creationId xmlns:p14="http://schemas.microsoft.com/office/powerpoint/2010/main" val="471111184"/>
+      </p:ext>
+    </p:extLst>
+  </p:cSld>
+  <p:clrMapOvr>
+    <a:masterClrMapping/>
+  </p:clrMapOvr>
+</p:sld>
+</file>
+
+<file path=ppt/slides/slide9.xml><?xml version="1.0" encoding="utf-8"?>
+<p:sld xmlns:a="http://schemas.openxmlformats.org/drawingml/2006/main" xmlns:r="http://schemas.openxmlformats.org/officeDocument/2006/relationships" xmlns:p="http://schemas.openxmlformats.org/presentationml/2006/main">
+  <p:cSld>
+    <p:spTree>
+      <p:nvGrpSpPr>
+        <p:cNvPr id="1" name=""/>
+        <p:cNvGrpSpPr/>
+        <p:nvPr/>
+      </p:nvGrpSpPr>
+      <p:grpSpPr>
+        <a:xfrm>
+          <a:off x="0" y="0"/>
+          <a:ext cx="0" cy="0"/>
+          <a:chOff x="0" y="0"/>
+          <a:chExt cx="0" cy="0"/>
+        </a:xfrm>
+      </p:grpSpPr>
+      <p:sp>
+        <p:nvSpPr>
+          <p:cNvPr id="2" name="Content Placeholder 1"/>
+          <p:cNvSpPr>
+            <a:spLocks noGrp="1"/>
+          </p:cNvSpPr>
+          <p:nvPr>
+            <p:ph idx="1"/>
+          </p:nvPr>
+        </p:nvSpPr>
+        <p:spPr/>
+        <p:txBody>
+          <a:bodyPr/>
+          <a:lstStyle/>
+          <a:p>
+            <a:endParaRPr lang="en-US"/>
+          </a:p>
+        </p:txBody>
+      </p:sp>
+      <p:sp>
+        <p:nvSpPr>
+          <p:cNvPr id="3" name="Title 2"/>
+          <p:cNvSpPr>
+            <a:spLocks noGrp="1"/>
+          </p:cNvSpPr>
+          <p:nvPr>
+            <p:ph type="title"/>
+          </p:nvPr>
+        </p:nvSpPr>
+        <p:spPr/>
+        <p:txBody>
+          <a:bodyPr/>
+          <a:lstStyle/>
+          <a:p>
+            <a:endParaRPr lang="en-US"/>
+          </a:p>
+        </p:txBody>
+      </p:sp>
+      <p:pic>
+        <p:nvPicPr>
+          <p:cNvPr id="4" name="Picture 3"/>
+          <p:cNvPicPr>
+            <a:picLocks noChangeAspect="1"/>
+          </p:cNvPicPr>
+          <p:nvPr/>
+        </p:nvPicPr>
+        <p:blipFill>
+          <a:blip r:embed="rId2"/>
+          <a:stretch>
+            <a:fillRect/>
+          </a:stretch>
+        </p:blipFill>
+        <p:spPr>
+          <a:xfrm>
+            <a:off x="557090" y="1031639"/>
+            <a:ext cx="5303520" cy="5389900"/>
+          </a:xfrm>
+          <a:prstGeom prst="rect">
+            <a:avLst/>
+          </a:prstGeom>
+        </p:spPr>
+      </p:pic>
+    </p:spTree>
+    <p:extLst>
+      <p:ext uri="{BB962C8B-B14F-4D97-AF65-F5344CB8AC3E}">
+        <p14:creationId xmlns:p14="http://schemas.microsoft.com/office/powerpoint/2010/main" val="3758908549"/>
+      </p:ext>
+    </p:extLst>
+  </p:cSld>
+  <p:clrMapOvr>
+    <a:masterClrMapping/>
+  </p:clrMapOvr>
 </p:sld>
 </file>
 
@@ -15104,13 +16424,41 @@
 </file>
 
 <file path=customXml/itemProps1.xml><?xml version="1.0" encoding="utf-8"?>
-<ds:datastoreItem xmlns:ds="http://schemas.openxmlformats.org/officeDocument/2006/customXml" ds:itemID="{07CB1D6C-4708-4946-9D73-8E1A5A223D41}"/>
+<ds:datastoreItem xmlns:ds="http://schemas.openxmlformats.org/officeDocument/2006/customXml" ds:itemID="{07CB1D6C-4708-4946-9D73-8E1A5A223D41}">
+  <ds:schemaRefs>
+    <ds:schemaRef ds:uri="http://schemas.microsoft.com/office/2006/metadata/contentType"/>
+    <ds:schemaRef ds:uri="http://schemas.microsoft.com/office/2006/metadata/properties/metaAttributes"/>
+    <ds:schemaRef ds:uri="http://www.w3.org/2001/XMLSchema"/>
+    <ds:schemaRef ds:uri="http://schemas.microsoft.com/office/2006/metadata/properties"/>
+    <ds:schemaRef ds:uri="http://schemas.microsoft.com/sharepoint/v3"/>
+    <ds:schemaRef ds:uri="2c061caa-ac96-4ed1-b74a-abb1169dd94c"/>
+    <ds:schemaRef ds:uri="8acc76ce-4927-4c10-947a-54b615abcc3a"/>
+    <ds:schemaRef ds:uri="http://schemas.microsoft.com/office/2006/documentManagement/types"/>
+    <ds:schemaRef ds:uri="http://schemas.microsoft.com/office/infopath/2007/PartnerControls"/>
+    <ds:schemaRef ds:uri="http://schemas.openxmlformats.org/package/2006/metadata/core-properties"/>
+    <ds:schemaRef ds:uri="http://purl.org/dc/elements/1.1/"/>
+    <ds:schemaRef ds:uri="http://purl.org/dc/terms/"/>
+    <ds:schemaRef ds:uri="http://schemas.microsoft.com/internal/obd"/>
+  </ds:schemaRefs>
+</ds:datastoreItem>
 </file>
 
 <file path=customXml/itemProps2.xml><?xml version="1.0" encoding="utf-8"?>
-<ds:datastoreItem xmlns:ds="http://schemas.openxmlformats.org/officeDocument/2006/customXml" ds:itemID="{18FEFD74-9FBC-4157-8802-AFD8EC757C9F}"/>
+<ds:datastoreItem xmlns:ds="http://schemas.openxmlformats.org/officeDocument/2006/customXml" ds:itemID="{18FEFD74-9FBC-4157-8802-AFD8EC757C9F}">
+  <ds:schemaRefs>
+    <ds:schemaRef ds:uri="http://schemas.microsoft.com/office/2006/metadata/properties"/>
+    <ds:schemaRef ds:uri="http://schemas.microsoft.com/office/infopath/2007/PartnerControls"/>
+    <ds:schemaRef ds:uri="http://schemas.microsoft.com/sharepoint/v3"/>
+    <ds:schemaRef ds:uri="8acc76ce-4927-4c10-947a-54b615abcc3a"/>
+    <ds:schemaRef ds:uri="2c061caa-ac96-4ed1-b74a-abb1169dd94c"/>
+  </ds:schemaRefs>
+</ds:datastoreItem>
 </file>
 
 <file path=customXml/itemProps3.xml><?xml version="1.0" encoding="utf-8"?>
-<ds:datastoreItem xmlns:ds="http://schemas.openxmlformats.org/officeDocument/2006/customXml" ds:itemID="{613FA5FF-2111-4E01-9BF6-3626FF06C57A}"/>
+<ds:datastoreItem xmlns:ds="http://schemas.openxmlformats.org/officeDocument/2006/customXml" ds:itemID="{613FA5FF-2111-4E01-9BF6-3626FF06C57A}">
+  <ds:schemaRefs>
+    <ds:schemaRef ds:uri="http://schemas.microsoft.com/sharepoint/v3/contenttype/forms"/>
+  </ds:schemaRefs>
+</ds:datastoreItem>
 </file>
--- a/analysis/Zaroukian-AHFE-presentation.PPTX
+++ b/analysis/Zaroukian-AHFE-presentation.PPTX
@@ -8,30 +8,32 @@
     <p:sldMasterId id="2147484232" r:id="rId7"/>
   </p:sldMasterIdLst>
   <p:notesMasterIdLst>
-    <p:notesMasterId r:id="rId26"/>
+    <p:notesMasterId r:id="rId28"/>
   </p:notesMasterIdLst>
   <p:handoutMasterIdLst>
-    <p:handoutMasterId r:id="rId27"/>
+    <p:handoutMasterId r:id="rId29"/>
   </p:handoutMasterIdLst>
   <p:sldIdLst>
-    <p:sldId id="299" r:id="rId8"/>
-    <p:sldId id="300" r:id="rId9"/>
-    <p:sldId id="304" r:id="rId10"/>
-    <p:sldId id="305" r:id="rId11"/>
-    <p:sldId id="308" r:id="rId12"/>
-    <p:sldId id="309" r:id="rId13"/>
-    <p:sldId id="313" r:id="rId14"/>
-    <p:sldId id="311" r:id="rId15"/>
-    <p:sldId id="312" r:id="rId16"/>
-    <p:sldId id="310" r:id="rId17"/>
-    <p:sldId id="306" r:id="rId18"/>
-    <p:sldId id="307" r:id="rId19"/>
-    <p:sldId id="314" r:id="rId20"/>
-    <p:sldId id="301" r:id="rId21"/>
-    <p:sldId id="295" r:id="rId22"/>
-    <p:sldId id="303" r:id="rId23"/>
-    <p:sldId id="302" r:id="rId24"/>
-    <p:sldId id="272" r:id="rId25"/>
+    <p:sldId id="300" r:id="rId8"/>
+    <p:sldId id="304" r:id="rId9"/>
+    <p:sldId id="321" r:id="rId10"/>
+    <p:sldId id="316" r:id="rId11"/>
+    <p:sldId id="319" r:id="rId12"/>
+    <p:sldId id="308" r:id="rId13"/>
+    <p:sldId id="309" r:id="rId14"/>
+    <p:sldId id="313" r:id="rId15"/>
+    <p:sldId id="301" r:id="rId16"/>
+    <p:sldId id="320" r:id="rId17"/>
+    <p:sldId id="311" r:id="rId18"/>
+    <p:sldId id="312" r:id="rId19"/>
+    <p:sldId id="310" r:id="rId20"/>
+    <p:sldId id="314" r:id="rId21"/>
+    <p:sldId id="317" r:id="rId22"/>
+    <p:sldId id="318" r:id="rId23"/>
+    <p:sldId id="295" r:id="rId24"/>
+    <p:sldId id="303" r:id="rId25"/>
+    <p:sldId id="302" r:id="rId26"/>
+    <p:sldId id="272" r:id="rId27"/>
   </p:sldIdLst>
   <p:sldSz cx="9144000" cy="6858000" type="screen4x3"/>
   <p:notesSz cx="7010400" cy="9296400"/>
@@ -264,7 +266,7 @@
             <a:fld id="{BD16C31D-1C22-F84A-A7B5-6952EF1AE403}" type="datetimeFigureOut">
               <a:rPr lang="en-US" altLang="en-US"/>
               <a:pPr/>
-              <a:t>4/25/2019</a:t>
+              <a:t>7/18/2019</a:t>
             </a:fld>
             <a:endParaRPr lang="en-US" altLang="en-US"/>
           </a:p>
@@ -452,7 +454,7 @@
             <a:fld id="{A438D594-1B45-0D47-8F23-AED13F1D19BA}" type="datetimeFigureOut">
               <a:rPr lang="en-US" altLang="en-US"/>
               <a:pPr/>
-              <a:t>4/25/2019</a:t>
+              <a:t>7/18/2019</a:t>
             </a:fld>
             <a:endParaRPr lang="en-US" altLang="en-US"/>
           </a:p>
@@ -762,6 +764,538 @@
     </a:lvl9pPr>
   </p:notesStyle>
 </p:notesMaster>
+</file>
+
+<file path=ppt/notesSlides/notesSlide1.xml><?xml version="1.0" encoding="utf-8"?>
+<p:notes xmlns:a="http://schemas.openxmlformats.org/drawingml/2006/main" xmlns:r="http://schemas.openxmlformats.org/officeDocument/2006/relationships" xmlns:p="http://schemas.openxmlformats.org/presentationml/2006/main">
+  <p:cSld>
+    <p:spTree>
+      <p:nvGrpSpPr>
+        <p:cNvPr id="1" name=""/>
+        <p:cNvGrpSpPr/>
+        <p:nvPr/>
+      </p:nvGrpSpPr>
+      <p:grpSpPr>
+        <a:xfrm>
+          <a:off x="0" y="0"/>
+          <a:ext cx="0" cy="0"/>
+          <a:chOff x="0" y="0"/>
+          <a:chExt cx="0" cy="0"/>
+        </a:xfrm>
+      </p:grpSpPr>
+      <p:sp>
+        <p:nvSpPr>
+          <p:cNvPr id="2" name="Slide Image Placeholder 1"/>
+          <p:cNvSpPr>
+            <a:spLocks noGrp="1" noRot="1" noChangeAspect="1"/>
+          </p:cNvSpPr>
+          <p:nvPr>
+            <p:ph type="sldImg"/>
+          </p:nvPr>
+        </p:nvSpPr>
+        <p:spPr/>
+      </p:sp>
+      <p:sp>
+        <p:nvSpPr>
+          <p:cNvPr id="3" name="Notes Placeholder 2"/>
+          <p:cNvSpPr>
+            <a:spLocks noGrp="1"/>
+          </p:cNvSpPr>
+          <p:nvPr>
+            <p:ph type="body" idx="1"/>
+          </p:nvPr>
+        </p:nvSpPr>
+        <p:spPr/>
+        <p:txBody>
+          <a:bodyPr/>
+          <a:lstStyle/>
+          <a:p>
+            <a:pPr marL="0" marR="0" lvl="0" indent="0" algn="l" defTabSz="914400" rtl="0" eaLnBrk="0" fontAlgn="base" latinLnBrk="0" hangingPunct="0">
+              <a:lnSpc>
+                <a:spcPct val="100000"/>
+              </a:lnSpc>
+              <a:spcBef>
+                <a:spcPct val="30000"/>
+              </a:spcBef>
+              <a:spcAft>
+                <a:spcPct val="0"/>
+              </a:spcAft>
+              <a:buClrTx/>
+              <a:buSzTx/>
+              <a:buFontTx/>
+              <a:buNone/>
+              <a:tabLst/>
+              <a:defRPr/>
+            </a:pPr>
+            <a:r>
+              <a:rPr lang="en-US" dirty="0" smtClean="0"/>
+              <a:t>In one experiment, when participants were presented text with or without markup from an IE pipeline, they showed better text comprehension without markup.</a:t>
+            </a:r>
+          </a:p>
+        </p:txBody>
+      </p:sp>
+      <p:sp>
+        <p:nvSpPr>
+          <p:cNvPr id="4" name="Slide Number Placeholder 3"/>
+          <p:cNvSpPr>
+            <a:spLocks noGrp="1"/>
+          </p:cNvSpPr>
+          <p:nvPr>
+            <p:ph type="sldNum" sz="quarter" idx="10"/>
+          </p:nvPr>
+        </p:nvSpPr>
+        <p:spPr/>
+        <p:txBody>
+          <a:bodyPr/>
+          <a:lstStyle/>
+          <a:p>
+            <a:fld id="{9C2944A4-BE83-F140-9F51-6CC3B6D54F49}" type="slidenum">
+              <a:rPr lang="en-US" altLang="en-US" smtClean="0"/>
+              <a:pPr/>
+              <a:t>4</a:t>
+            </a:fld>
+            <a:endParaRPr lang="en-US" altLang="en-US"/>
+          </a:p>
+        </p:txBody>
+      </p:sp>
+    </p:spTree>
+    <p:extLst>
+      <p:ext uri="{BB962C8B-B14F-4D97-AF65-F5344CB8AC3E}">
+        <p14:creationId xmlns:p14="http://schemas.microsoft.com/office/powerpoint/2010/main" val="2582628866"/>
+      </p:ext>
+    </p:extLst>
+  </p:cSld>
+  <p:clrMapOvr>
+    <a:masterClrMapping/>
+  </p:clrMapOvr>
+</p:notes>
+</file>
+
+<file path=ppt/notesSlides/notesSlide2.xml><?xml version="1.0" encoding="utf-8"?>
+<p:notes xmlns:a="http://schemas.openxmlformats.org/drawingml/2006/main" xmlns:r="http://schemas.openxmlformats.org/officeDocument/2006/relationships" xmlns:p="http://schemas.openxmlformats.org/presentationml/2006/main">
+  <p:cSld>
+    <p:spTree>
+      <p:nvGrpSpPr>
+        <p:cNvPr id="1" name=""/>
+        <p:cNvGrpSpPr/>
+        <p:nvPr/>
+      </p:nvGrpSpPr>
+      <p:grpSpPr>
+        <a:xfrm>
+          <a:off x="0" y="0"/>
+          <a:ext cx="0" cy="0"/>
+          <a:chOff x="0" y="0"/>
+          <a:chExt cx="0" cy="0"/>
+        </a:xfrm>
+      </p:grpSpPr>
+      <p:sp>
+        <p:nvSpPr>
+          <p:cNvPr id="2" name="Slide Image Placeholder 1"/>
+          <p:cNvSpPr>
+            <a:spLocks noGrp="1" noRot="1" noChangeAspect="1"/>
+          </p:cNvSpPr>
+          <p:nvPr>
+            <p:ph type="sldImg"/>
+          </p:nvPr>
+        </p:nvSpPr>
+        <p:spPr/>
+      </p:sp>
+      <p:sp>
+        <p:nvSpPr>
+          <p:cNvPr id="3" name="Notes Placeholder 2"/>
+          <p:cNvSpPr>
+            <a:spLocks noGrp="1"/>
+          </p:cNvSpPr>
+          <p:nvPr>
+            <p:ph type="body" idx="1"/>
+          </p:nvPr>
+        </p:nvSpPr>
+        <p:spPr/>
+        <p:txBody>
+          <a:bodyPr/>
+          <a:lstStyle/>
+          <a:p>
+            <a:r>
+              <a:rPr lang="en-US" dirty="0" smtClean="0"/>
+              <a:t>Wilcoxon sign rank test</a:t>
+            </a:r>
+            <a:r>
+              <a:rPr lang="en-US" baseline="0" dirty="0" smtClean="0"/>
+              <a:t> – plain faster, more accurate than markup</a:t>
+            </a:r>
+            <a:endParaRPr lang="en-US" dirty="0"/>
+          </a:p>
+        </p:txBody>
+      </p:sp>
+      <p:sp>
+        <p:nvSpPr>
+          <p:cNvPr id="4" name="Slide Number Placeholder 3"/>
+          <p:cNvSpPr>
+            <a:spLocks noGrp="1"/>
+          </p:cNvSpPr>
+          <p:nvPr>
+            <p:ph type="sldNum" sz="quarter" idx="10"/>
+          </p:nvPr>
+        </p:nvSpPr>
+        <p:spPr/>
+        <p:txBody>
+          <a:bodyPr/>
+          <a:lstStyle/>
+          <a:p>
+            <a:fld id="{9C2944A4-BE83-F140-9F51-6CC3B6D54F49}" type="slidenum">
+              <a:rPr lang="en-US" altLang="en-US" smtClean="0"/>
+              <a:pPr/>
+              <a:t>8</a:t>
+            </a:fld>
+            <a:endParaRPr lang="en-US" altLang="en-US"/>
+          </a:p>
+        </p:txBody>
+      </p:sp>
+    </p:spTree>
+    <p:extLst>
+      <p:ext uri="{BB962C8B-B14F-4D97-AF65-F5344CB8AC3E}">
+        <p14:creationId xmlns:p14="http://schemas.microsoft.com/office/powerpoint/2010/main" val="3436572522"/>
+      </p:ext>
+    </p:extLst>
+  </p:cSld>
+  <p:clrMapOvr>
+    <a:masterClrMapping/>
+  </p:clrMapOvr>
+</p:notes>
+</file>
+
+<file path=ppt/notesSlides/notesSlide3.xml><?xml version="1.0" encoding="utf-8"?>
+<p:notes xmlns:a="http://schemas.openxmlformats.org/drawingml/2006/main" xmlns:r="http://schemas.openxmlformats.org/officeDocument/2006/relationships" xmlns:p="http://schemas.openxmlformats.org/presentationml/2006/main">
+  <p:cSld>
+    <p:spTree>
+      <p:nvGrpSpPr>
+        <p:cNvPr id="1" name=""/>
+        <p:cNvGrpSpPr/>
+        <p:nvPr/>
+      </p:nvGrpSpPr>
+      <p:grpSpPr>
+        <a:xfrm>
+          <a:off x="0" y="0"/>
+          <a:ext cx="0" cy="0"/>
+          <a:chOff x="0" y="0"/>
+          <a:chExt cx="0" cy="0"/>
+        </a:xfrm>
+      </p:grpSpPr>
+      <p:sp>
+        <p:nvSpPr>
+          <p:cNvPr id="2" name="Slide Image Placeholder 1"/>
+          <p:cNvSpPr>
+            <a:spLocks noGrp="1" noRot="1" noChangeAspect="1"/>
+          </p:cNvSpPr>
+          <p:nvPr>
+            <p:ph type="sldImg"/>
+          </p:nvPr>
+        </p:nvSpPr>
+        <p:spPr/>
+      </p:sp>
+      <p:sp>
+        <p:nvSpPr>
+          <p:cNvPr id="3" name="Notes Placeholder 2"/>
+          <p:cNvSpPr>
+            <a:spLocks noGrp="1"/>
+          </p:cNvSpPr>
+          <p:nvPr>
+            <p:ph type="body" idx="1"/>
+          </p:nvPr>
+        </p:nvSpPr>
+        <p:spPr/>
+        <p:txBody>
+          <a:bodyPr/>
+          <a:lstStyle/>
+          <a:p>
+            <a:r>
+              <a:rPr lang="en-US" dirty="0" smtClean="0"/>
+              <a:t>In a second experiment, the markup was hand-generated to be as relevant and accurate as possible to find conditions under which markup improves performance. This experiment showed no significant difference between performance with and without markup, but a significant majority of participants preferred working with markup to without. Further, preference for markup showed a fairly strong correlation with participants’ ratings of their own trust in automation. </a:t>
+            </a:r>
+            <a:endParaRPr lang="en-US" dirty="0"/>
+          </a:p>
+        </p:txBody>
+      </p:sp>
+      <p:sp>
+        <p:nvSpPr>
+          <p:cNvPr id="4" name="Slide Number Placeholder 3"/>
+          <p:cNvSpPr>
+            <a:spLocks noGrp="1"/>
+          </p:cNvSpPr>
+          <p:nvPr>
+            <p:ph type="sldNum" sz="quarter" idx="10"/>
+          </p:nvPr>
+        </p:nvSpPr>
+        <p:spPr/>
+        <p:txBody>
+          <a:bodyPr/>
+          <a:lstStyle/>
+          <a:p>
+            <a:fld id="{9C2944A4-BE83-F140-9F51-6CC3B6D54F49}" type="slidenum">
+              <a:rPr lang="en-US" altLang="en-US" smtClean="0"/>
+              <a:pPr/>
+              <a:t>9</a:t>
+            </a:fld>
+            <a:endParaRPr lang="en-US" altLang="en-US"/>
+          </a:p>
+        </p:txBody>
+      </p:sp>
+    </p:spTree>
+    <p:extLst>
+      <p:ext uri="{BB962C8B-B14F-4D97-AF65-F5344CB8AC3E}">
+        <p14:creationId xmlns:p14="http://schemas.microsoft.com/office/powerpoint/2010/main" val="1057079159"/>
+      </p:ext>
+    </p:extLst>
+  </p:cSld>
+  <p:clrMapOvr>
+    <a:masterClrMapping/>
+  </p:clrMapOvr>
+</p:notes>
+</file>
+
+<file path=ppt/notesSlides/notesSlide4.xml><?xml version="1.0" encoding="utf-8"?>
+<p:notes xmlns:a="http://schemas.openxmlformats.org/drawingml/2006/main" xmlns:r="http://schemas.openxmlformats.org/officeDocument/2006/relationships" xmlns:p="http://schemas.openxmlformats.org/presentationml/2006/main">
+  <p:cSld>
+    <p:spTree>
+      <p:nvGrpSpPr>
+        <p:cNvPr id="1" name=""/>
+        <p:cNvGrpSpPr/>
+        <p:nvPr/>
+      </p:nvGrpSpPr>
+      <p:grpSpPr>
+        <a:xfrm>
+          <a:off x="0" y="0"/>
+          <a:ext cx="0" cy="0"/>
+          <a:chOff x="0" y="0"/>
+          <a:chExt cx="0" cy="0"/>
+        </a:xfrm>
+      </p:grpSpPr>
+      <p:sp>
+        <p:nvSpPr>
+          <p:cNvPr id="2" name="Slide Image Placeholder 1"/>
+          <p:cNvSpPr>
+            <a:spLocks noGrp="1" noRot="1" noChangeAspect="1"/>
+          </p:cNvSpPr>
+          <p:nvPr>
+            <p:ph type="sldImg"/>
+          </p:nvPr>
+        </p:nvSpPr>
+        <p:spPr/>
+      </p:sp>
+      <p:sp>
+        <p:nvSpPr>
+          <p:cNvPr id="3" name="Notes Placeholder 2"/>
+          <p:cNvSpPr>
+            <a:spLocks noGrp="1"/>
+          </p:cNvSpPr>
+          <p:nvPr>
+            <p:ph type="body" idx="1"/>
+          </p:nvPr>
+        </p:nvSpPr>
+        <p:spPr/>
+        <p:txBody>
+          <a:bodyPr/>
+          <a:lstStyle/>
+          <a:p>
+            <a:pPr marL="0" marR="0" lvl="0" indent="0" algn="l" defTabSz="914400" rtl="0" eaLnBrk="0" fontAlgn="base" latinLnBrk="0" hangingPunct="0">
+              <a:lnSpc>
+                <a:spcPct val="100000"/>
+              </a:lnSpc>
+              <a:spcBef>
+                <a:spcPct val="30000"/>
+              </a:spcBef>
+              <a:spcAft>
+                <a:spcPct val="0"/>
+              </a:spcAft>
+              <a:buClrTx/>
+              <a:buSzTx/>
+              <a:buFontTx/>
+              <a:buNone/>
+              <a:tabLst/>
+              <a:defRPr/>
+            </a:pPr>
+            <a:r>
+              <a:rPr lang="en-US" sz="1200" dirty="0" smtClean="0">
+                <a:latin typeface="Times" panose="02020603050405020304" pitchFamily="18" charset="0"/>
+                <a:ea typeface="Times New Roman" panose="02020603050405020304" pitchFamily="18" charset="0"/>
+                <a:cs typeface="Times New Roman" panose="02020603050405020304" pitchFamily="18" charset="0"/>
+              </a:rPr>
+              <a:t>Concerns about speed and consequent quality of responses were raised in Experiment 1, so for the analyses below only participants with response times of 2 minutes or longer for each test scenario were included (150 out of 200 participants). One additional participant was removed due to a technical failure, leaving 80 participants in the Plain condition and 69 participants in the Markup condition. </a:t>
+            </a:r>
+            <a:endParaRPr lang="en-US" sz="1200" dirty="0" smtClean="0">
+              <a:effectLst/>
+              <a:latin typeface="Times" panose="02020603050405020304" pitchFamily="18" charset="0"/>
+              <a:ea typeface="Times New Roman" panose="02020603050405020304" pitchFamily="18" charset="0"/>
+              <a:cs typeface="Times New Roman" panose="02020603050405020304" pitchFamily="18" charset="0"/>
+            </a:endParaRPr>
+          </a:p>
+        </p:txBody>
+      </p:sp>
+      <p:sp>
+        <p:nvSpPr>
+          <p:cNvPr id="4" name="Slide Number Placeholder 3"/>
+          <p:cNvSpPr>
+            <a:spLocks noGrp="1"/>
+          </p:cNvSpPr>
+          <p:nvPr>
+            <p:ph type="sldNum" sz="quarter" idx="10"/>
+          </p:nvPr>
+        </p:nvSpPr>
+        <p:spPr/>
+        <p:txBody>
+          <a:bodyPr/>
+          <a:lstStyle/>
+          <a:p>
+            <a:fld id="{9C2944A4-BE83-F140-9F51-6CC3B6D54F49}" type="slidenum">
+              <a:rPr lang="en-US" altLang="en-US" smtClean="0"/>
+              <a:pPr/>
+              <a:t>14</a:t>
+            </a:fld>
+            <a:endParaRPr lang="en-US" altLang="en-US"/>
+          </a:p>
+        </p:txBody>
+      </p:sp>
+    </p:spTree>
+    <p:extLst>
+      <p:ext uri="{BB962C8B-B14F-4D97-AF65-F5344CB8AC3E}">
+        <p14:creationId xmlns:p14="http://schemas.microsoft.com/office/powerpoint/2010/main" val="763365170"/>
+      </p:ext>
+    </p:extLst>
+  </p:cSld>
+  <p:clrMapOvr>
+    <a:masterClrMapping/>
+  </p:clrMapOvr>
+</p:notes>
+</file>
+
+<file path=ppt/notesSlides/notesSlide5.xml><?xml version="1.0" encoding="utf-8"?>
+<p:notes xmlns:a="http://schemas.openxmlformats.org/drawingml/2006/main" xmlns:r="http://schemas.openxmlformats.org/officeDocument/2006/relationships" xmlns:p="http://schemas.openxmlformats.org/presentationml/2006/main">
+  <p:cSld>
+    <p:spTree>
+      <p:nvGrpSpPr>
+        <p:cNvPr id="1" name=""/>
+        <p:cNvGrpSpPr/>
+        <p:nvPr/>
+      </p:nvGrpSpPr>
+      <p:grpSpPr>
+        <a:xfrm>
+          <a:off x="0" y="0"/>
+          <a:ext cx="0" cy="0"/>
+          <a:chOff x="0" y="0"/>
+          <a:chExt cx="0" cy="0"/>
+        </a:xfrm>
+      </p:grpSpPr>
+      <p:sp>
+        <p:nvSpPr>
+          <p:cNvPr id="2" name="Slide Image Placeholder 1"/>
+          <p:cNvSpPr>
+            <a:spLocks noGrp="1" noRot="1" noChangeAspect="1"/>
+          </p:cNvSpPr>
+          <p:nvPr>
+            <p:ph type="sldImg"/>
+          </p:nvPr>
+        </p:nvSpPr>
+        <p:spPr/>
+      </p:sp>
+      <p:sp>
+        <p:nvSpPr>
+          <p:cNvPr id="3" name="Notes Placeholder 2"/>
+          <p:cNvSpPr>
+            <a:spLocks noGrp="1"/>
+          </p:cNvSpPr>
+          <p:nvPr>
+            <p:ph type="body" idx="1"/>
+          </p:nvPr>
+        </p:nvSpPr>
+        <p:spPr/>
+        <p:txBody>
+          <a:bodyPr/>
+          <a:lstStyle/>
+          <a:p>
+            <a:r>
+              <a:rPr lang="en-US" sz="1200" kern="1200" dirty="0" smtClean="0">
+                <a:solidFill>
+                  <a:schemeClr val="tx1"/>
+                </a:solidFill>
+                <a:effectLst/>
+                <a:latin typeface="Arial" pitchFamily="34" charset="0"/>
+                <a:ea typeface="ＭＳ Ｐゴシック" charset="0"/>
+                <a:cs typeface="ＭＳ Ｐゴシック" charset="0"/>
+              </a:rPr>
+              <a:t>Neither performance nor preference correlated well with any of the demographic information collected, with the exception of Language, where there is a medium positive correlation between accuracy and being a native speaker of English, as well as a medium negative correlative between response time and being a native speaker of English. Correlation coefficients are shown in Table 3, where one participant (Other/prefer not to say) was dropped from Gender correlations, and Occupation was pooled into Non-science and technology versus Science and technology. </a:t>
+            </a:r>
+          </a:p>
+          <a:p>
+            <a:pPr marL="0" marR="0" lvl="0" indent="0" algn="l" defTabSz="914400" rtl="0" eaLnBrk="0" fontAlgn="base" latinLnBrk="0" hangingPunct="0">
+              <a:lnSpc>
+                <a:spcPct val="100000"/>
+              </a:lnSpc>
+              <a:spcBef>
+                <a:spcPct val="30000"/>
+              </a:spcBef>
+              <a:spcAft>
+                <a:spcPct val="0"/>
+              </a:spcAft>
+              <a:buClrTx/>
+              <a:buSzTx/>
+              <a:buFontTx/>
+              <a:buNone/>
+              <a:tabLst/>
+              <a:defRPr/>
+            </a:pPr>
+            <a:r>
+              <a:rPr lang="en-US" sz="1200" kern="1200" dirty="0" smtClean="0">
+                <a:solidFill>
+                  <a:schemeClr val="tx1"/>
+                </a:solidFill>
+                <a:effectLst/>
+                <a:latin typeface="Arial" pitchFamily="34" charset="0"/>
+                <a:ea typeface="ＭＳ Ｐゴシック" charset="0"/>
+                <a:cs typeface="ＭＳ Ｐゴシック" charset="0"/>
+              </a:rPr>
+              <a:t>Preference for markup showed a fairly strong correlation with participants’ ratings of their own trust in automation (r = 0.39). The correlation between trust in automation and objective performance measures, however, is very small (accuracy: r = 0.06, response time: r = -0.05).</a:t>
+            </a:r>
+          </a:p>
+          <a:p>
+            <a:endParaRPr lang="en-US" dirty="0"/>
+          </a:p>
+        </p:txBody>
+      </p:sp>
+      <p:sp>
+        <p:nvSpPr>
+          <p:cNvPr id="4" name="Slide Number Placeholder 3"/>
+          <p:cNvSpPr>
+            <a:spLocks noGrp="1"/>
+          </p:cNvSpPr>
+          <p:nvPr>
+            <p:ph type="sldNum" sz="quarter" idx="10"/>
+          </p:nvPr>
+        </p:nvSpPr>
+        <p:spPr/>
+        <p:txBody>
+          <a:bodyPr/>
+          <a:lstStyle/>
+          <a:p>
+            <a:fld id="{9C2944A4-BE83-F140-9F51-6CC3B6D54F49}" type="slidenum">
+              <a:rPr lang="en-US" altLang="en-US" smtClean="0"/>
+              <a:pPr/>
+              <a:t>15</a:t>
+            </a:fld>
+            <a:endParaRPr lang="en-US" altLang="en-US"/>
+          </a:p>
+        </p:txBody>
+      </p:sp>
+    </p:spTree>
+    <p:extLst>
+      <p:ext uri="{BB962C8B-B14F-4D97-AF65-F5344CB8AC3E}">
+        <p14:creationId xmlns:p14="http://schemas.microsoft.com/office/powerpoint/2010/main" val="2444541010"/>
+      </p:ext>
+    </p:extLst>
+  </p:cSld>
+  <p:clrMapOvr>
+    <a:masterClrMapping/>
+  </p:clrMapOvr>
+</p:notes>
 </file>
 
 <file path=ppt/slideLayouts/slideLayout1.xml><?xml version="1.0" encoding="utf-8"?>
@@ -11572,6 +12106,63 @@
             <a:spLocks noGrp="1"/>
           </p:cNvSpPr>
           <p:nvPr>
+            <p:ph type="body" sz="quarter" idx="17"/>
+          </p:nvPr>
+        </p:nvSpPr>
+        <p:spPr/>
+        <p:txBody>
+          <a:bodyPr/>
+          <a:lstStyle/>
+          <a:p>
+            <a:r>
+              <a:rPr lang="en-US" dirty="0" smtClean="0"/>
+              <a:t>28 JUL 2019</a:t>
+            </a:r>
+            <a:endParaRPr lang="en-US" dirty="0"/>
+          </a:p>
+        </p:txBody>
+      </p:sp>
+      <p:sp>
+        <p:nvSpPr>
+          <p:cNvPr id="3" name="Text Placeholder 2"/>
+          <p:cNvSpPr>
+            <a:spLocks noGrp="1"/>
+          </p:cNvSpPr>
+          <p:nvPr>
+            <p:ph type="body" sz="quarter" idx="12"/>
+          </p:nvPr>
+        </p:nvSpPr>
+        <p:spPr/>
+        <p:txBody>
+          <a:bodyPr/>
+          <a:lstStyle/>
+          <a:p>
+            <a:r>
+              <a:rPr lang="en-US" dirty="0" smtClean="0"/>
+              <a:t>Human </a:t>
+            </a:r>
+            <a:r>
+              <a:rPr lang="en-US" dirty="0"/>
+              <a:t>Interaction with the Output of </a:t>
+            </a:r>
+            <a:r>
+              <a:rPr lang="en-US" dirty="0" smtClean="0"/>
+              <a:t>Information Extraction </a:t>
+            </a:r>
+            <a:r>
+              <a:rPr lang="en-US" dirty="0"/>
+              <a:t>Systems</a:t>
+            </a:r>
+          </a:p>
+        </p:txBody>
+      </p:sp>
+      <p:sp>
+        <p:nvSpPr>
+          <p:cNvPr id="4" name="Text Placeholder 3"/>
+          <p:cNvSpPr>
+            <a:spLocks noGrp="1"/>
+          </p:cNvSpPr>
+          <p:nvPr>
             <p:ph type="body" sz="quarter" idx="13"/>
           </p:nvPr>
         </p:nvSpPr>
@@ -11583,7 +12174,7 @@
             <a:pPr marL="0" indent="0"/>
             <a:r>
               <a:rPr lang="en-US" dirty="0" smtClean="0"/>
-              <a:t>Name of Presenter</a:t>
+              <a:t>Erin Zaroukian</a:t>
             </a:r>
             <a:endParaRPr lang="en-US" dirty="0"/>
           </a:p>
@@ -11591,7 +12182,7 @@
       </p:sp>
       <p:sp>
         <p:nvSpPr>
-          <p:cNvPr id="3" name="Text Placeholder 2"/>
+          <p:cNvPr id="5" name="Text Placeholder 4"/>
           <p:cNvSpPr>
             <a:spLocks noGrp="1"/>
           </p:cNvSpPr>
@@ -11607,7 +12198,7 @@
             <a:pPr marL="0" indent="0"/>
             <a:r>
               <a:rPr lang="en-US" dirty="0" smtClean="0"/>
-              <a:t>Rank/Title of Presenter</a:t>
+              <a:t>Cognitive Scientist</a:t>
             </a:r>
             <a:endParaRPr lang="en-US" dirty="0"/>
           </a:p>
@@ -11615,7 +12206,7 @@
       </p:sp>
       <p:sp>
         <p:nvSpPr>
-          <p:cNvPr id="4" name="Text Placeholder 3"/>
+          <p:cNvPr id="6" name="Text Placeholder 5"/>
           <p:cNvSpPr>
             <a:spLocks noGrp="1"/>
           </p:cNvSpPr>
@@ -11631,57 +12222,7 @@
             <a:pPr marL="0" indent="0"/>
             <a:r>
               <a:rPr lang="en-US" dirty="0" smtClean="0"/>
-              <a:t>Organization of Presenter</a:t>
-            </a:r>
-            <a:endParaRPr lang="en-US" dirty="0"/>
-          </a:p>
-        </p:txBody>
-      </p:sp>
-      <p:sp>
-        <p:nvSpPr>
-          <p:cNvPr id="5" name="Text Placeholder 4"/>
-          <p:cNvSpPr>
-            <a:spLocks noGrp="1"/>
-          </p:cNvSpPr>
-          <p:nvPr>
-            <p:ph type="body" sz="quarter" idx="17"/>
-          </p:nvPr>
-        </p:nvSpPr>
-        <p:spPr/>
-        <p:txBody>
-          <a:bodyPr/>
-          <a:lstStyle/>
-          <a:p>
-            <a:r>
-              <a:rPr lang="en-US" dirty="0"/>
-              <a:t>DD MMM </a:t>
-            </a:r>
-            <a:r>
-              <a:rPr lang="en-US" dirty="0" smtClean="0"/>
-              <a:t>YYYY</a:t>
-            </a:r>
-            <a:endParaRPr lang="en-US" dirty="0"/>
-          </a:p>
-        </p:txBody>
-      </p:sp>
-      <p:sp>
-        <p:nvSpPr>
-          <p:cNvPr id="6" name="Text Placeholder 5"/>
-          <p:cNvSpPr>
-            <a:spLocks noGrp="1"/>
-          </p:cNvSpPr>
-          <p:nvPr>
-            <p:ph type="body" sz="quarter" idx="12"/>
-          </p:nvPr>
-        </p:nvSpPr>
-        <p:spPr/>
-        <p:txBody>
-          <a:bodyPr/>
-          <a:lstStyle/>
-          <a:p>
-            <a:r>
-              <a:rPr lang="en-US" dirty="0" smtClean="0"/>
-              <a:t>SUBTITLE GOES HERE</a:t>
+              <a:t>Computational and Information Sciences Directorate</a:t>
             </a:r>
             <a:endParaRPr lang="en-US" dirty="0"/>
           </a:p>
@@ -11704,12 +12245,8 @@
           <a:p>
             <a:pPr marL="0" indent="0"/>
             <a:r>
-              <a:rPr lang="en-US" dirty="0"/>
-              <a:t>DISTRIBUTION STATEMENT </a:t>
-            </a:r>
-            <a:r>
               <a:rPr lang="en-US" dirty="0" smtClean="0"/>
-              <a:t>GOES HERE</a:t>
+              <a:t>Approved for public release, distribution unlimited</a:t>
             </a:r>
             <a:endParaRPr lang="en-US" dirty="0"/>
           </a:p>
@@ -11718,7 +12255,7 @@
     </p:spTree>
     <p:extLst>
       <p:ext uri="{BB962C8B-B14F-4D97-AF65-F5344CB8AC3E}">
-        <p14:creationId xmlns:p14="http://schemas.microsoft.com/office/powerpoint/2010/main" val="382178386"/>
+        <p14:creationId xmlns:p14="http://schemas.microsoft.com/office/powerpoint/2010/main" val="2985357808"/>
       </p:ext>
     </p:extLst>
   </p:cSld>
@@ -11767,7 +12304,13 @@
           <a:bodyPr/>
           <a:lstStyle/>
           <a:p>
-            <a:endParaRPr lang="en-US"/>
+            <a:pPr marL="0" indent="0">
+              <a:buNone/>
+            </a:pPr>
+            <a:r>
+              <a:rPr lang="en-US" dirty="0" smtClean="0"/>
+              <a:t>Demographics</a:t>
+            </a:r>
           </a:p>
         </p:txBody>
       </p:sp>
@@ -11786,7 +12329,11 @@
           <a:bodyPr/>
           <a:lstStyle/>
           <a:p>
-            <a:endParaRPr lang="en-US"/>
+            <a:r>
+              <a:rPr lang="en-US" dirty="0" smtClean="0"/>
+              <a:t>Experiment 2 - Procedure</a:t>
+            </a:r>
+            <a:endParaRPr lang="en-US" dirty="0"/>
           </a:p>
         </p:txBody>
       </p:sp>
@@ -11806,8 +12353,32 @@
         </p:blipFill>
         <p:spPr>
           <a:xfrm>
-            <a:off x="340335" y="1452621"/>
-            <a:ext cx="7955280" cy="4938653"/>
+            <a:off x="508104" y="1685924"/>
+            <a:ext cx="3981450" cy="4257675"/>
+          </a:xfrm>
+          <a:prstGeom prst="rect">
+            <a:avLst/>
+          </a:prstGeom>
+        </p:spPr>
+      </p:pic>
+      <p:pic>
+        <p:nvPicPr>
+          <p:cNvPr id="5" name="Picture 4"/>
+          <p:cNvPicPr>
+            <a:picLocks noChangeAspect="1"/>
+          </p:cNvPicPr>
+          <p:nvPr/>
+        </p:nvPicPr>
+        <p:blipFill>
+          <a:blip r:embed="rId3"/>
+          <a:stretch>
+            <a:fillRect/>
+          </a:stretch>
+        </p:blipFill>
+        <p:spPr>
+          <a:xfrm>
+            <a:off x="4555448" y="3270786"/>
+            <a:ext cx="4410075" cy="2952750"/>
           </a:xfrm>
           <a:prstGeom prst="rect">
             <a:avLst/>
@@ -11817,7 +12388,7 @@
     </p:spTree>
     <p:extLst>
       <p:ext uri="{BB962C8B-B14F-4D97-AF65-F5344CB8AC3E}">
-        <p14:creationId xmlns:p14="http://schemas.microsoft.com/office/powerpoint/2010/main" val="1849869696"/>
+        <p14:creationId xmlns:p14="http://schemas.microsoft.com/office/powerpoint/2010/main" val="3648005767"/>
       </p:ext>
     </p:extLst>
   </p:cSld>
@@ -11859,10 +12430,14 @@
           <a:bodyPr/>
           <a:lstStyle/>
           <a:p>
-            <a:r>
-              <a:rPr lang="en-US" dirty="0"/>
-              <a:t>In a second experiment, the markup was hand-generated to be as relevant and accurate as possible to find conditions under which markup improves performance. This experiment showed no significant difference between performance with and without markup, but a significant majority of participants preferred working with markup to without. Further, preference for markup showed a fairly strong correlation with participants’ ratings of their own trust in automation. </a:t>
-            </a:r>
+            <a:pPr marL="0" indent="0">
+              <a:buNone/>
+            </a:pPr>
+            <a:r>
+              <a:rPr lang="en-US" dirty="0" smtClean="0"/>
+              <a:t>Scenario text</a:t>
+            </a:r>
+            <a:endParaRPr lang="en-US" dirty="0"/>
           </a:p>
         </p:txBody>
       </p:sp>
@@ -11883,16 +12458,124 @@
           <a:p>
             <a:r>
               <a:rPr lang="en-US" dirty="0" smtClean="0"/>
-              <a:t>Experiment 2</a:t>
+              <a:t>Experiment 2 - Procedure</a:t>
             </a:r>
             <a:endParaRPr lang="en-US" dirty="0"/>
+          </a:p>
+        </p:txBody>
+      </p:sp>
+      <p:pic>
+        <p:nvPicPr>
+          <p:cNvPr id="4" name="Picture 3"/>
+          <p:cNvPicPr>
+            <a:picLocks noChangeAspect="1"/>
+          </p:cNvPicPr>
+          <p:nvPr/>
+        </p:nvPicPr>
+        <p:blipFill>
+          <a:blip r:embed="rId2"/>
+          <a:stretch>
+            <a:fillRect/>
+          </a:stretch>
+        </p:blipFill>
+        <p:spPr>
+          <a:xfrm>
+            <a:off x="670819" y="1970578"/>
+            <a:ext cx="3148013" cy="4300538"/>
+          </a:xfrm>
+          <a:prstGeom prst="rect">
+            <a:avLst/>
+          </a:prstGeom>
+        </p:spPr>
+      </p:pic>
+      <p:pic>
+        <p:nvPicPr>
+          <p:cNvPr id="5" name="Picture 4"/>
+          <p:cNvPicPr>
+            <a:picLocks noChangeAspect="1"/>
+          </p:cNvPicPr>
+          <p:nvPr/>
+        </p:nvPicPr>
+        <p:blipFill>
+          <a:blip r:embed="rId3"/>
+          <a:stretch>
+            <a:fillRect/>
+          </a:stretch>
+        </p:blipFill>
+        <p:spPr>
+          <a:xfrm>
+            <a:off x="5010967" y="1970578"/>
+            <a:ext cx="3162300" cy="4305300"/>
+          </a:xfrm>
+          <a:prstGeom prst="rect">
+            <a:avLst/>
+          </a:prstGeom>
+        </p:spPr>
+      </p:pic>
+      <p:sp>
+        <p:nvSpPr>
+          <p:cNvPr id="6" name="TextBox 5"/>
+          <p:cNvSpPr txBox="1"/>
+          <p:nvPr/>
+        </p:nvSpPr>
+        <p:spPr>
+          <a:xfrm>
+            <a:off x="1453459" y="1613394"/>
+            <a:ext cx="1648208" cy="338554"/>
+          </a:xfrm>
+          <a:prstGeom prst="rect">
+            <a:avLst/>
+          </a:prstGeom>
+          <a:noFill/>
+        </p:spPr>
+        <p:txBody>
+          <a:bodyPr wrap="none" rtlCol="0">
+            <a:spAutoFit/>
+          </a:bodyPr>
+          <a:lstStyle/>
+          <a:p>
+            <a:r>
+              <a:rPr lang="en-US" sz="1600" dirty="0" smtClean="0"/>
+              <a:t>- With markup -</a:t>
+            </a:r>
+            <a:endParaRPr lang="en-US" sz="1600" dirty="0"/>
+          </a:p>
+        </p:txBody>
+      </p:sp>
+      <p:sp>
+        <p:nvSpPr>
+          <p:cNvPr id="7" name="TextBox 6"/>
+          <p:cNvSpPr txBox="1"/>
+          <p:nvPr/>
+        </p:nvSpPr>
+        <p:spPr>
+          <a:xfrm>
+            <a:off x="5825444" y="1613394"/>
+            <a:ext cx="1875835" cy="338554"/>
+          </a:xfrm>
+          <a:prstGeom prst="rect">
+            <a:avLst/>
+          </a:prstGeom>
+          <a:noFill/>
+        </p:spPr>
+        <p:txBody>
+          <a:bodyPr wrap="none" rtlCol="0">
+            <a:spAutoFit/>
+          </a:bodyPr>
+          <a:lstStyle/>
+          <a:p>
+            <a:r>
+              <a:rPr lang="en-US" sz="1600" dirty="0" smtClean="0"/>
+              <a:t>- Without markup -</a:t>
+            </a:r>
+            <a:endParaRPr lang="en-US" sz="1600" dirty="0"/>
           </a:p>
         </p:txBody>
       </p:sp>
     </p:spTree>
     <p:extLst>
       <p:ext uri="{BB962C8B-B14F-4D97-AF65-F5344CB8AC3E}">
-        <p14:creationId xmlns:p14="http://schemas.microsoft.com/office/powerpoint/2010/main" val="3121818243"/>
+        <p14:creationId xmlns:p14="http://schemas.microsoft.com/office/powerpoint/2010/main" val="471111184"/>
       </p:ext>
     </p:extLst>
   </p:cSld>
@@ -11919,35 +12602,31 @@
           <a:chExt cx="0" cy="0"/>
         </a:xfrm>
       </p:grpSpPr>
-      <p:pic>
-        <p:nvPicPr>
-          <p:cNvPr id="6" name="Content Placeholder 5"/>
-          <p:cNvPicPr>
-            <a:picLocks noGrp="1" noChangeAspect="1"/>
-          </p:cNvPicPr>
+      <p:sp>
+        <p:nvSpPr>
+          <p:cNvPr id="2" name="Content Placeholder 1"/>
+          <p:cNvSpPr>
+            <a:spLocks noGrp="1"/>
+          </p:cNvSpPr>
           <p:nvPr>
             <p:ph idx="1"/>
           </p:nvPr>
-        </p:nvPicPr>
-        <p:blipFill>
-          <a:blip r:embed="rId2">
-            <a:extLst>
-              <a:ext uri="{28A0092B-C50C-407E-A947-70E740481C1C}">
-                <a14:useLocalDpi xmlns:a14="http://schemas.microsoft.com/office/drawing/2010/main" val="0"/>
-              </a:ext>
-            </a:extLst>
-          </a:blip>
-          <a:stretch>
-            <a:fillRect/>
-          </a:stretch>
-        </p:blipFill>
-        <p:spPr>
-          <a:xfrm>
-            <a:off x="1704181" y="1900237"/>
-            <a:ext cx="5572125" cy="3371850"/>
-          </a:xfrm>
-        </p:spPr>
-      </p:pic>
+        </p:nvSpPr>
+        <p:spPr/>
+        <p:txBody>
+          <a:bodyPr/>
+          <a:lstStyle/>
+          <a:p>
+            <a:pPr marL="0" indent="0">
+              <a:buNone/>
+            </a:pPr>
+            <a:r>
+              <a:rPr lang="en-US" dirty="0" smtClean="0"/>
+              <a:t>Workload (NASA-TLX) and preference</a:t>
+            </a:r>
+          </a:p>
+        </p:txBody>
+      </p:sp>
       <p:sp>
         <p:nvSpPr>
           <p:cNvPr id="3" name="Title 2"/>
@@ -11963,14 +12642,41 @@
           <a:bodyPr/>
           <a:lstStyle/>
           <a:p>
-            <a:endParaRPr lang="en-US"/>
+            <a:r>
+              <a:rPr lang="en-US" dirty="0" smtClean="0"/>
+              <a:t>Experiment 2 - Procedure</a:t>
+            </a:r>
+            <a:endParaRPr lang="en-US" dirty="0"/>
           </a:p>
         </p:txBody>
       </p:sp>
+      <p:pic>
+        <p:nvPicPr>
+          <p:cNvPr id="4" name="Picture 3"/>
+          <p:cNvPicPr>
+            <a:picLocks noChangeAspect="1"/>
+          </p:cNvPicPr>
+          <p:nvPr/>
+        </p:nvPicPr>
+        <p:blipFill rotWithShape="1">
+          <a:blip r:embed="rId2"/>
+          <a:srcRect t="9023" b="5271"/>
+          <a:stretch/>
+        </p:blipFill>
+        <p:spPr>
+          <a:xfrm>
+            <a:off x="2238065" y="1769424"/>
+            <a:ext cx="5303520" cy="4619501"/>
+          </a:xfrm>
+          <a:prstGeom prst="rect">
+            <a:avLst/>
+          </a:prstGeom>
+        </p:spPr>
+      </p:pic>
     </p:spTree>
     <p:extLst>
       <p:ext uri="{BB962C8B-B14F-4D97-AF65-F5344CB8AC3E}">
-        <p14:creationId xmlns:p14="http://schemas.microsoft.com/office/powerpoint/2010/main" val="4241295422"/>
+        <p14:creationId xmlns:p14="http://schemas.microsoft.com/office/powerpoint/2010/main" val="3758908549"/>
       </p:ext>
     </p:extLst>
   </p:cSld>
@@ -12012,7 +12718,14 @@
           <a:bodyPr/>
           <a:lstStyle/>
           <a:p>
-            <a:endParaRPr lang="en-US"/>
+            <a:pPr marL="0" indent="0">
+              <a:buNone/>
+            </a:pPr>
+            <a:r>
+              <a:rPr lang="en-US" dirty="0" smtClean="0"/>
+              <a:t>Trust in automation</a:t>
+            </a:r>
+            <a:endParaRPr lang="en-US" dirty="0"/>
           </a:p>
         </p:txBody>
       </p:sp>
@@ -12031,7 +12744,11 @@
           <a:bodyPr/>
           <a:lstStyle/>
           <a:p>
-            <a:endParaRPr lang="en-US"/>
+            <a:r>
+              <a:rPr lang="en-US" dirty="0" smtClean="0"/>
+              <a:t>Experiment 2 - Procedure</a:t>
+            </a:r>
+            <a:endParaRPr lang="en-US" dirty="0"/>
           </a:p>
         </p:txBody>
       </p:sp>
@@ -12043,16 +12760,15 @@
           </p:cNvPicPr>
           <p:nvPr/>
         </p:nvPicPr>
-        <p:blipFill>
+        <p:blipFill rotWithShape="1">
           <a:blip r:embed="rId2"/>
-          <a:stretch>
-            <a:fillRect/>
-          </a:stretch>
+          <a:srcRect t="25411" b="7983"/>
+          <a:stretch/>
         </p:blipFill>
         <p:spPr>
           <a:xfrm>
-            <a:off x="1031632" y="1528069"/>
-            <a:ext cx="5999761" cy="4116185"/>
+            <a:off x="511914" y="1805050"/>
+            <a:ext cx="7955280" cy="3289465"/>
           </a:xfrm>
           <a:prstGeom prst="rect">
             <a:avLst/>
@@ -12062,7 +12778,7 @@
     </p:spTree>
     <p:extLst>
       <p:ext uri="{BB962C8B-B14F-4D97-AF65-F5344CB8AC3E}">
-        <p14:creationId xmlns:p14="http://schemas.microsoft.com/office/powerpoint/2010/main" val="2448217926"/>
+        <p14:creationId xmlns:p14="http://schemas.microsoft.com/office/powerpoint/2010/main" val="1849869696"/>
       </p:ext>
     </p:extLst>
   </p:cSld>
@@ -12091,7 +12807,7 @@
       </p:grpSpPr>
       <p:sp>
         <p:nvSpPr>
-          <p:cNvPr id="2" name="Title 1"/>
+          <p:cNvPr id="3" name="Title 2"/>
           <p:cNvSpPr>
             <a:spLocks noGrp="1"/>
           </p:cNvSpPr>
@@ -12106,39 +12822,80 @@
           <a:p>
             <a:r>
               <a:rPr lang="en-US" dirty="0" smtClean="0"/>
-              <a:t>SECTION TITLE GOES HERE</a:t>
+              <a:t>Experiment 2 - Results</a:t>
             </a:r>
             <a:endParaRPr lang="en-US" dirty="0"/>
           </a:p>
         </p:txBody>
       </p:sp>
+      <p:pic>
+        <p:nvPicPr>
+          <p:cNvPr id="4" name="Picture 3"/>
+          <p:cNvPicPr>
+            <a:picLocks noChangeAspect="1"/>
+          </p:cNvPicPr>
+          <p:nvPr/>
+        </p:nvPicPr>
+        <p:blipFill>
+          <a:blip r:embed="rId3"/>
+          <a:stretch>
+            <a:fillRect/>
+          </a:stretch>
+        </p:blipFill>
+        <p:spPr>
+          <a:xfrm>
+            <a:off x="1814029" y="1486751"/>
+            <a:ext cx="5029200" cy="3450325"/>
+          </a:xfrm>
+          <a:prstGeom prst="rect">
+            <a:avLst/>
+          </a:prstGeom>
+        </p:spPr>
+      </p:pic>
       <p:sp>
         <p:nvSpPr>
-          <p:cNvPr id="3" name="Text Placeholder 2"/>
+          <p:cNvPr id="6" name="Content Placeholder 1"/>
           <p:cNvSpPr>
             <a:spLocks noGrp="1"/>
           </p:cNvSpPr>
           <p:nvPr>
-            <p:ph type="body" sz="quarter" idx="12"/>
+            <p:ph idx="1"/>
           </p:nvPr>
         </p:nvSpPr>
-        <p:spPr/>
+        <p:spPr>
+          <a:xfrm>
+            <a:off x="442210" y="4857007"/>
+            <a:ext cx="8094688" cy="1086591"/>
+          </a:xfrm>
+        </p:spPr>
         <p:txBody>
           <a:bodyPr/>
           <a:lstStyle/>
           <a:p>
             <a:r>
               <a:rPr lang="en-US" dirty="0" smtClean="0"/>
-              <a:t>SECTION SUBTITLE GOES HERE</a:t>
-            </a:r>
-            <a:endParaRPr lang="en-US" dirty="0"/>
+              <a:t>No significant difference in accuracy, speed</a:t>
+            </a:r>
+          </a:p>
+          <a:p>
+            <a:r>
+              <a:rPr lang="en-US" dirty="0" smtClean="0"/>
+              <a:t>Felt more successful with Markup</a:t>
+            </a:r>
+          </a:p>
+          <a:p>
+            <a:r>
+              <a:rPr lang="en-US" dirty="0" smtClean="0"/>
+              <a:t>Preferred Markup</a:t>
+            </a:r>
+            <a:endParaRPr lang="en-US" dirty="0" smtClean="0"/>
           </a:p>
         </p:txBody>
       </p:sp>
     </p:spTree>
     <p:extLst>
       <p:ext uri="{BB962C8B-B14F-4D97-AF65-F5344CB8AC3E}">
-        <p14:creationId xmlns:p14="http://schemas.microsoft.com/office/powerpoint/2010/main" val="189557537"/>
+        <p14:creationId xmlns:p14="http://schemas.microsoft.com/office/powerpoint/2010/main" val="2448217926"/>
       </p:ext>
     </p:extLst>
   </p:cSld>
@@ -12174,72 +12931,6 @@
       </p:grpSpPr>
       <p:sp>
         <p:nvSpPr>
-          <p:cNvPr id="4" name="Content Placeholder 3"/>
-          <p:cNvSpPr>
-            <a:spLocks noGrp="1"/>
-          </p:cNvSpPr>
-          <p:nvPr>
-            <p:ph idx="1"/>
-          </p:nvPr>
-        </p:nvSpPr>
-        <p:spPr/>
-        <p:txBody>
-          <a:bodyPr/>
-          <a:lstStyle/>
-          <a:p>
-            <a:pPr lvl="0"/>
-            <a:r>
-              <a:rPr lang="en-US" dirty="0"/>
-              <a:t>First level bullet</a:t>
-            </a:r>
-          </a:p>
-          <a:p>
-            <a:pPr lvl="1"/>
-            <a:r>
-              <a:rPr lang="en-US" dirty="0"/>
-              <a:t>Second level bullet</a:t>
-            </a:r>
-          </a:p>
-          <a:p>
-            <a:pPr lvl="2"/>
-            <a:r>
-              <a:rPr lang="en-US" dirty="0"/>
-              <a:t>Third level </a:t>
-            </a:r>
-            <a:r>
-              <a:rPr lang="en-US" dirty="0" smtClean="0"/>
-              <a:t>bullet</a:t>
-            </a:r>
-          </a:p>
-          <a:p>
-            <a:pPr lvl="0"/>
-            <a:r>
-              <a:rPr lang="en-US" dirty="0"/>
-              <a:t>First level bullet</a:t>
-            </a:r>
-          </a:p>
-          <a:p>
-            <a:pPr lvl="1"/>
-            <a:r>
-              <a:rPr lang="en-US" dirty="0"/>
-              <a:t>Second level bullet</a:t>
-            </a:r>
-          </a:p>
-          <a:p>
-            <a:pPr lvl="2"/>
-            <a:r>
-              <a:rPr lang="en-US" dirty="0"/>
-              <a:t>Third level </a:t>
-            </a:r>
-            <a:r>
-              <a:rPr lang="en-US" dirty="0" smtClean="0"/>
-              <a:t>bullet</a:t>
-            </a:r>
-          </a:p>
-        </p:txBody>
-      </p:sp>
-      <p:sp>
-        <p:nvSpPr>
           <p:cNvPr id="3" name="Title 2"/>
           <p:cNvSpPr>
             <a:spLocks noGrp="1"/>
@@ -12254,12 +12945,3979 @@
           <a:lstStyle/>
           <a:p>
             <a:r>
+              <a:rPr lang="en-US" dirty="0" smtClean="0"/>
+              <a:t>Experiment 2 - Results</a:t>
+            </a:r>
+            <a:endParaRPr lang="en-US" dirty="0"/>
+          </a:p>
+        </p:txBody>
+      </p:sp>
+      <p:sp>
+        <p:nvSpPr>
+          <p:cNvPr id="5" name="Rectangle 4"/>
+          <p:cNvSpPr/>
+          <p:nvPr/>
+        </p:nvSpPr>
+        <p:spPr>
+          <a:xfrm>
+            <a:off x="6222379" y="2702999"/>
+            <a:ext cx="1774447" cy="276999"/>
+          </a:xfrm>
+          <a:prstGeom prst="rect">
+            <a:avLst/>
+          </a:prstGeom>
+        </p:spPr>
+        <p:txBody>
+          <a:bodyPr wrap="square">
+            <a:spAutoFit/>
+          </a:bodyPr>
+          <a:lstStyle/>
+          <a:p>
+            <a:r>
+              <a:rPr lang="en-GB" sz="1200" dirty="0">
+                <a:latin typeface="Times" panose="02020603050405020304" pitchFamily="18" charset="0"/>
+                <a:ea typeface="Times New Roman" panose="02020603050405020304" pitchFamily="18" charset="0"/>
+                <a:cs typeface="Times New Roman" panose="02020603050405020304" pitchFamily="18" charset="0"/>
+              </a:rPr>
+              <a:t>Co</a:t>
+            </a:r>
+            <a:r>
+              <a:rPr lang="en-US" sz="1200" dirty="0" err="1">
+                <a:latin typeface="Times" panose="02020603050405020304" pitchFamily="18" charset="0"/>
+                <a:ea typeface="Times New Roman" panose="02020603050405020304" pitchFamily="18" charset="0"/>
+                <a:cs typeface="Times New Roman" panose="02020603050405020304" pitchFamily="18" charset="0"/>
+              </a:rPr>
+              <a:t>rrelation</a:t>
+            </a:r>
+            <a:r>
+              <a:rPr lang="en-US" sz="1200" dirty="0">
+                <a:latin typeface="Times" panose="02020603050405020304" pitchFamily="18" charset="0"/>
+                <a:ea typeface="Times New Roman" panose="02020603050405020304" pitchFamily="18" charset="0"/>
+                <a:cs typeface="Times New Roman" panose="02020603050405020304" pitchFamily="18" charset="0"/>
+              </a:rPr>
+              <a:t> </a:t>
+            </a:r>
+            <a:r>
+              <a:rPr lang="en-US" sz="1200" dirty="0" smtClean="0">
+                <a:latin typeface="Times" panose="02020603050405020304" pitchFamily="18" charset="0"/>
+                <a:ea typeface="Times New Roman" panose="02020603050405020304" pitchFamily="18" charset="0"/>
+                <a:cs typeface="Times New Roman" panose="02020603050405020304" pitchFamily="18" charset="0"/>
+              </a:rPr>
+              <a:t>coefficients</a:t>
+            </a:r>
+            <a:endParaRPr lang="en-US" sz="1200" dirty="0"/>
+          </a:p>
+        </p:txBody>
+      </p:sp>
+      <p:pic>
+        <p:nvPicPr>
+          <p:cNvPr id="10" name="Picture 9"/>
+          <p:cNvPicPr>
+            <a:picLocks noChangeAspect="1"/>
+          </p:cNvPicPr>
+          <p:nvPr/>
+        </p:nvPicPr>
+        <p:blipFill>
+          <a:blip r:embed="rId3"/>
+          <a:stretch>
+            <a:fillRect/>
+          </a:stretch>
+        </p:blipFill>
+        <p:spPr>
+          <a:xfrm>
+            <a:off x="5510198" y="3114452"/>
+            <a:ext cx="2923191" cy="3474720"/>
+          </a:xfrm>
+          <a:prstGeom prst="rect">
+            <a:avLst/>
+          </a:prstGeom>
+        </p:spPr>
+      </p:pic>
+      <p:graphicFrame>
+        <p:nvGraphicFramePr>
+          <p:cNvPr id="16" name="Content Placeholder 3"/>
+          <p:cNvGraphicFramePr>
+            <a:graphicFrameLocks noGrp="1"/>
+          </p:cNvGraphicFramePr>
+          <p:nvPr>
+            <p:ph idx="1"/>
+            <p:extLst>
+              <p:ext uri="{D42A27DB-BD31-4B8C-83A1-F6EECF244321}">
+                <p14:modId xmlns:p14="http://schemas.microsoft.com/office/powerpoint/2010/main" val="2948179845"/>
+              </p:ext>
+            </p:extLst>
+          </p:nvPr>
+        </p:nvGraphicFramePr>
+        <p:xfrm>
+          <a:off x="759138" y="2884211"/>
+          <a:ext cx="3653790" cy="3703320"/>
+        </p:xfrm>
+        <a:graphic>
+          <a:graphicData uri="http://schemas.openxmlformats.org/drawingml/2006/table">
+            <a:tbl>
+              <a:tblPr>
+                <a:tableStyleId>{9D7B26C5-4107-4FEC-AEDC-1716B250A1EF}</a:tableStyleId>
+              </a:tblPr>
+              <a:tblGrid>
+                <a:gridCol w="681990"/>
+                <a:gridCol w="1870784"/>
+                <a:gridCol w="472366"/>
+                <a:gridCol w="628650"/>
+              </a:tblGrid>
+              <a:tr h="0">
+                <a:tc>
+                  <a:txBody>
+                    <a:bodyPr/>
+                    <a:lstStyle/>
+                    <a:p>
+                      <a:pPr marL="0" marR="0" indent="0" algn="just">
+                        <a:spcBef>
+                          <a:spcPts val="0"/>
+                        </a:spcBef>
+                        <a:spcAft>
+                          <a:spcPts val="0"/>
+                        </a:spcAft>
+                      </a:pPr>
+                      <a:r>
+                        <a:rPr lang="en-US" sz="900" dirty="0">
+                          <a:effectLst/>
+                        </a:rPr>
+                        <a:t>Question</a:t>
+                      </a:r>
+                      <a:endParaRPr lang="en-US" sz="1000" dirty="0">
+                        <a:effectLst/>
+                        <a:latin typeface="Times" panose="02020603050405020304" pitchFamily="18" charset="0"/>
+                        <a:ea typeface="Times New Roman" panose="02020603050405020304" pitchFamily="18" charset="0"/>
+                        <a:cs typeface="Times New Roman" panose="02020603050405020304" pitchFamily="18" charset="0"/>
+                      </a:endParaRPr>
+                    </a:p>
+                  </a:txBody>
+                  <a:tcPr marL="44450" marR="44450" marT="0" marB="0">
+                    <a:lnB w="12700" cap="flat" cmpd="sng" algn="ctr">
+                      <a:solidFill>
+                        <a:schemeClr val="tx1"/>
+                      </a:solidFill>
+                      <a:prstDash val="solid"/>
+                      <a:round/>
+                      <a:headEnd type="none" w="med" len="med"/>
+                      <a:tailEnd type="none" w="med" len="med"/>
+                    </a:lnB>
+                  </a:tcPr>
+                </a:tc>
+                <a:tc>
+                  <a:txBody>
+                    <a:bodyPr/>
+                    <a:lstStyle/>
+                    <a:p>
+                      <a:pPr marL="0" marR="0" indent="0" algn="just">
+                        <a:spcBef>
+                          <a:spcPts val="0"/>
+                        </a:spcBef>
+                        <a:spcAft>
+                          <a:spcPts val="0"/>
+                        </a:spcAft>
+                      </a:pPr>
+                      <a:r>
+                        <a:rPr lang="en-US" sz="900" dirty="0">
+                          <a:effectLst/>
+                        </a:rPr>
+                        <a:t>Response category</a:t>
+                      </a:r>
+                      <a:endParaRPr lang="en-US" sz="1000" dirty="0">
+                        <a:effectLst/>
+                        <a:latin typeface="Times" panose="02020603050405020304" pitchFamily="18" charset="0"/>
+                        <a:ea typeface="Times New Roman" panose="02020603050405020304" pitchFamily="18" charset="0"/>
+                        <a:cs typeface="Times New Roman" panose="02020603050405020304" pitchFamily="18" charset="0"/>
+                      </a:endParaRPr>
+                    </a:p>
+                  </a:txBody>
+                  <a:tcPr marL="44450" marR="44450" marT="0" marB="0">
+                    <a:lnB w="12700" cap="flat" cmpd="sng" algn="ctr">
+                      <a:solidFill>
+                        <a:schemeClr val="tx1"/>
+                      </a:solidFill>
+                      <a:prstDash val="solid"/>
+                      <a:round/>
+                      <a:headEnd type="none" w="med" len="med"/>
+                      <a:tailEnd type="none" w="med" len="med"/>
+                    </a:lnB>
+                  </a:tcPr>
+                </a:tc>
+                <a:tc>
+                  <a:txBody>
+                    <a:bodyPr/>
+                    <a:lstStyle/>
+                    <a:p>
+                      <a:pPr marL="0" marR="0" indent="0" algn="just">
+                        <a:spcBef>
+                          <a:spcPts val="0"/>
+                        </a:spcBef>
+                        <a:spcAft>
+                          <a:spcPts val="0"/>
+                        </a:spcAft>
+                      </a:pPr>
+                      <a:r>
+                        <a:rPr lang="en-US" sz="900" dirty="0">
+                          <a:effectLst/>
+                        </a:rPr>
+                        <a:t>N</a:t>
+                      </a:r>
+                      <a:endParaRPr lang="en-US" sz="1000" dirty="0">
+                        <a:effectLst/>
+                      </a:endParaRPr>
+                    </a:p>
+                    <a:p>
+                      <a:pPr marL="0" marR="0" indent="0" algn="just">
+                        <a:spcBef>
+                          <a:spcPts val="0"/>
+                        </a:spcBef>
+                        <a:spcAft>
+                          <a:spcPts val="0"/>
+                        </a:spcAft>
+                      </a:pPr>
+                      <a:r>
+                        <a:rPr lang="en-US" sz="900" dirty="0">
+                          <a:effectLst/>
+                        </a:rPr>
+                        <a:t>(All)</a:t>
+                      </a:r>
+                      <a:endParaRPr lang="en-US" sz="1000" dirty="0">
+                        <a:effectLst/>
+                        <a:latin typeface="Times" panose="02020603050405020304" pitchFamily="18" charset="0"/>
+                        <a:ea typeface="Times New Roman" panose="02020603050405020304" pitchFamily="18" charset="0"/>
+                        <a:cs typeface="Times New Roman" panose="02020603050405020304" pitchFamily="18" charset="0"/>
+                      </a:endParaRPr>
+                    </a:p>
+                  </a:txBody>
+                  <a:tcPr marL="44450" marR="44450" marT="0" marB="0">
+                    <a:lnB w="12700" cap="flat" cmpd="sng" algn="ctr">
+                      <a:solidFill>
+                        <a:schemeClr val="tx1"/>
+                      </a:solidFill>
+                      <a:prstDash val="solid"/>
+                      <a:round/>
+                      <a:headEnd type="none" w="med" len="med"/>
+                      <a:tailEnd type="none" w="med" len="med"/>
+                    </a:lnB>
+                  </a:tcPr>
+                </a:tc>
+                <a:tc>
+                  <a:txBody>
+                    <a:bodyPr/>
+                    <a:lstStyle/>
+                    <a:p>
+                      <a:pPr marL="0" marR="0" indent="0" algn="just">
+                        <a:spcBef>
+                          <a:spcPts val="0"/>
+                        </a:spcBef>
+                        <a:spcAft>
+                          <a:spcPts val="0"/>
+                        </a:spcAft>
+                      </a:pPr>
+                      <a:r>
+                        <a:rPr lang="en-US" sz="900" dirty="0">
+                          <a:effectLst/>
+                        </a:rPr>
+                        <a:t>N</a:t>
+                      </a:r>
+                      <a:endParaRPr lang="en-US" sz="1000" dirty="0">
+                        <a:effectLst/>
+                      </a:endParaRPr>
+                    </a:p>
+                    <a:p>
+                      <a:pPr marL="0" marR="0" indent="0" algn="just">
+                        <a:spcBef>
+                          <a:spcPts val="0"/>
+                        </a:spcBef>
+                        <a:spcAft>
+                          <a:spcPts val="0"/>
+                        </a:spcAft>
+                      </a:pPr>
+                      <a:r>
+                        <a:rPr lang="en-US" sz="900" dirty="0">
+                          <a:effectLst/>
+                        </a:rPr>
+                        <a:t>(Filtered)</a:t>
+                      </a:r>
+                      <a:endParaRPr lang="en-US" sz="1000" dirty="0">
+                        <a:effectLst/>
+                        <a:latin typeface="Times" panose="02020603050405020304" pitchFamily="18" charset="0"/>
+                        <a:ea typeface="Times New Roman" panose="02020603050405020304" pitchFamily="18" charset="0"/>
+                        <a:cs typeface="Times New Roman" panose="02020603050405020304" pitchFamily="18" charset="0"/>
+                      </a:endParaRPr>
+                    </a:p>
+                  </a:txBody>
+                  <a:tcPr marL="44450" marR="44450" marT="0" marB="0">
+                    <a:lnB w="12700" cap="flat" cmpd="sng" algn="ctr">
+                      <a:solidFill>
+                        <a:schemeClr val="tx1"/>
+                      </a:solidFill>
+                      <a:prstDash val="solid"/>
+                      <a:round/>
+                      <a:headEnd type="none" w="med" len="med"/>
+                      <a:tailEnd type="none" w="med" len="med"/>
+                    </a:lnB>
+                  </a:tcPr>
+                </a:tc>
+              </a:tr>
+              <a:tr h="0">
+                <a:tc>
+                  <a:txBody>
+                    <a:bodyPr/>
+                    <a:lstStyle/>
+                    <a:p>
+                      <a:pPr marL="0" marR="0" indent="0" algn="just">
+                        <a:spcBef>
+                          <a:spcPts val="0"/>
+                        </a:spcBef>
+                        <a:spcAft>
+                          <a:spcPts val="0"/>
+                        </a:spcAft>
+                      </a:pPr>
+                      <a:r>
+                        <a:rPr lang="en-US" sz="900">
+                          <a:effectLst/>
+                        </a:rPr>
+                        <a:t>Language</a:t>
+                      </a:r>
+                      <a:endParaRPr lang="en-US" sz="1000">
+                        <a:effectLst/>
+                        <a:latin typeface="Times" panose="02020603050405020304" pitchFamily="18" charset="0"/>
+                        <a:ea typeface="Times New Roman" panose="02020603050405020304" pitchFamily="18" charset="0"/>
+                        <a:cs typeface="Times New Roman" panose="02020603050405020304" pitchFamily="18" charset="0"/>
+                      </a:endParaRPr>
+                    </a:p>
+                  </a:txBody>
+                  <a:tcPr marL="44450" marR="44450" marT="0" marB="0">
+                    <a:lnT w="12700" cap="flat" cmpd="sng" algn="ctr">
+                      <a:solidFill>
+                        <a:schemeClr val="tx1"/>
+                      </a:solidFill>
+                      <a:prstDash val="solid"/>
+                      <a:round/>
+                      <a:headEnd type="none" w="med" len="med"/>
+                      <a:tailEnd type="none" w="med" len="med"/>
+                    </a:lnT>
+                  </a:tcPr>
+                </a:tc>
+                <a:tc>
+                  <a:txBody>
+                    <a:bodyPr/>
+                    <a:lstStyle/>
+                    <a:p>
+                      <a:pPr marL="0" marR="0" indent="0" algn="just">
+                        <a:spcBef>
+                          <a:spcPts val="0"/>
+                        </a:spcBef>
+                        <a:spcAft>
+                          <a:spcPts val="0"/>
+                        </a:spcAft>
+                      </a:pPr>
+                      <a:r>
+                        <a:rPr lang="en-US" sz="900">
+                          <a:effectLst/>
+                        </a:rPr>
+                        <a:t>No</a:t>
+                      </a:r>
+                      <a:endParaRPr lang="en-US" sz="1000">
+                        <a:effectLst/>
+                        <a:latin typeface="Times" panose="02020603050405020304" pitchFamily="18" charset="0"/>
+                        <a:ea typeface="Times New Roman" panose="02020603050405020304" pitchFamily="18" charset="0"/>
+                        <a:cs typeface="Times New Roman" panose="02020603050405020304" pitchFamily="18" charset="0"/>
+                      </a:endParaRPr>
+                    </a:p>
+                  </a:txBody>
+                  <a:tcPr marL="44450" marR="44450" marT="0" marB="0">
+                    <a:lnT w="12700" cap="flat" cmpd="sng" algn="ctr">
+                      <a:solidFill>
+                        <a:schemeClr val="tx1"/>
+                      </a:solidFill>
+                      <a:prstDash val="solid"/>
+                      <a:round/>
+                      <a:headEnd type="none" w="med" len="med"/>
+                      <a:tailEnd type="none" w="med" len="med"/>
+                    </a:lnT>
+                  </a:tcPr>
+                </a:tc>
+                <a:tc>
+                  <a:txBody>
+                    <a:bodyPr/>
+                    <a:lstStyle/>
+                    <a:p>
+                      <a:pPr marL="0" marR="0" indent="0" algn="just">
+                        <a:spcBef>
+                          <a:spcPts val="0"/>
+                        </a:spcBef>
+                        <a:spcAft>
+                          <a:spcPts val="0"/>
+                        </a:spcAft>
+                      </a:pPr>
+                      <a:r>
+                        <a:rPr lang="en-US" sz="900" dirty="0">
+                          <a:effectLst/>
+                        </a:rPr>
+                        <a:t>27</a:t>
+                      </a:r>
+                      <a:endParaRPr lang="en-US" sz="1000" dirty="0">
+                        <a:effectLst/>
+                        <a:latin typeface="Times" panose="02020603050405020304" pitchFamily="18" charset="0"/>
+                        <a:ea typeface="Times New Roman" panose="02020603050405020304" pitchFamily="18" charset="0"/>
+                        <a:cs typeface="Times New Roman" panose="02020603050405020304" pitchFamily="18" charset="0"/>
+                      </a:endParaRPr>
+                    </a:p>
+                  </a:txBody>
+                  <a:tcPr marL="44450" marR="44450" marT="0" marB="0">
+                    <a:lnT w="12700" cap="flat" cmpd="sng" algn="ctr">
+                      <a:solidFill>
+                        <a:schemeClr val="tx1"/>
+                      </a:solidFill>
+                      <a:prstDash val="solid"/>
+                      <a:round/>
+                      <a:headEnd type="none" w="med" len="med"/>
+                      <a:tailEnd type="none" w="med" len="med"/>
+                    </a:lnT>
+                  </a:tcPr>
+                </a:tc>
+                <a:tc>
+                  <a:txBody>
+                    <a:bodyPr/>
+                    <a:lstStyle/>
+                    <a:p>
+                      <a:pPr marL="0" marR="0" indent="0" algn="just">
+                        <a:spcBef>
+                          <a:spcPts val="0"/>
+                        </a:spcBef>
+                        <a:spcAft>
+                          <a:spcPts val="0"/>
+                        </a:spcAft>
+                      </a:pPr>
+                      <a:r>
+                        <a:rPr lang="en-US" sz="900" dirty="0">
+                          <a:effectLst/>
+                        </a:rPr>
+                        <a:t>16</a:t>
+                      </a:r>
+                      <a:endParaRPr lang="en-US" sz="1000" dirty="0">
+                        <a:effectLst/>
+                        <a:latin typeface="Times" panose="02020603050405020304" pitchFamily="18" charset="0"/>
+                        <a:ea typeface="Times New Roman" panose="02020603050405020304" pitchFamily="18" charset="0"/>
+                        <a:cs typeface="Times New Roman" panose="02020603050405020304" pitchFamily="18" charset="0"/>
+                      </a:endParaRPr>
+                    </a:p>
+                  </a:txBody>
+                  <a:tcPr marL="44450" marR="44450" marT="0" marB="0">
+                    <a:lnT w="12700" cap="flat" cmpd="sng" algn="ctr">
+                      <a:solidFill>
+                        <a:schemeClr val="tx1"/>
+                      </a:solidFill>
+                      <a:prstDash val="solid"/>
+                      <a:round/>
+                      <a:headEnd type="none" w="med" len="med"/>
+                      <a:tailEnd type="none" w="med" len="med"/>
+                    </a:lnT>
+                  </a:tcPr>
+                </a:tc>
+              </a:tr>
+              <a:tr h="0">
+                <a:tc>
+                  <a:txBody>
+                    <a:bodyPr/>
+                    <a:lstStyle/>
+                    <a:p>
+                      <a:pPr marL="0" marR="0" indent="0" algn="just">
+                        <a:spcBef>
+                          <a:spcPts val="0"/>
+                        </a:spcBef>
+                        <a:spcAft>
+                          <a:spcPts val="0"/>
+                        </a:spcAft>
+                      </a:pPr>
+                      <a:r>
+                        <a:rPr lang="en-US" sz="900" dirty="0">
+                          <a:effectLst/>
+                        </a:rPr>
+                        <a:t> </a:t>
+                      </a:r>
+                      <a:endParaRPr lang="en-US" sz="1000" dirty="0">
+                        <a:effectLst/>
+                        <a:latin typeface="Times" panose="02020603050405020304" pitchFamily="18" charset="0"/>
+                        <a:ea typeface="Times New Roman" panose="02020603050405020304" pitchFamily="18" charset="0"/>
+                        <a:cs typeface="Times New Roman" panose="02020603050405020304" pitchFamily="18" charset="0"/>
+                      </a:endParaRPr>
+                    </a:p>
+                  </a:txBody>
+                  <a:tcPr marL="44450" marR="44450" marT="0" marB="0">
+                    <a:lnB w="6350" cap="flat" cmpd="sng" algn="ctr">
+                      <a:solidFill>
+                        <a:schemeClr val="tx1"/>
+                      </a:solidFill>
+                      <a:prstDash val="solid"/>
+                      <a:round/>
+                      <a:headEnd type="none" w="med" len="med"/>
+                      <a:tailEnd type="none" w="med" len="med"/>
+                    </a:lnB>
+                  </a:tcPr>
+                </a:tc>
+                <a:tc>
+                  <a:txBody>
+                    <a:bodyPr/>
+                    <a:lstStyle/>
+                    <a:p>
+                      <a:pPr marL="0" marR="0" indent="0" algn="just">
+                        <a:spcBef>
+                          <a:spcPts val="0"/>
+                        </a:spcBef>
+                        <a:spcAft>
+                          <a:spcPts val="0"/>
+                        </a:spcAft>
+                      </a:pPr>
+                      <a:r>
+                        <a:rPr lang="en-US" sz="900">
+                          <a:effectLst/>
+                        </a:rPr>
+                        <a:t>Yes</a:t>
+                      </a:r>
+                      <a:endParaRPr lang="en-US" sz="1000">
+                        <a:effectLst/>
+                        <a:latin typeface="Times" panose="02020603050405020304" pitchFamily="18" charset="0"/>
+                        <a:ea typeface="Times New Roman" panose="02020603050405020304" pitchFamily="18" charset="0"/>
+                        <a:cs typeface="Times New Roman" panose="02020603050405020304" pitchFamily="18" charset="0"/>
+                      </a:endParaRPr>
+                    </a:p>
+                  </a:txBody>
+                  <a:tcPr marL="44450" marR="44450" marT="0" marB="0">
+                    <a:lnB w="6350" cap="flat" cmpd="sng" algn="ctr">
+                      <a:solidFill>
+                        <a:schemeClr val="tx1"/>
+                      </a:solidFill>
+                      <a:prstDash val="solid"/>
+                      <a:round/>
+                      <a:headEnd type="none" w="med" len="med"/>
+                      <a:tailEnd type="none" w="med" len="med"/>
+                    </a:lnB>
+                  </a:tcPr>
+                </a:tc>
+                <a:tc>
+                  <a:txBody>
+                    <a:bodyPr/>
+                    <a:lstStyle/>
+                    <a:p>
+                      <a:pPr marL="0" marR="0" indent="0" algn="just">
+                        <a:spcBef>
+                          <a:spcPts val="0"/>
+                        </a:spcBef>
+                        <a:spcAft>
+                          <a:spcPts val="0"/>
+                        </a:spcAft>
+                      </a:pPr>
+                      <a:r>
+                        <a:rPr lang="en-US" sz="900">
+                          <a:effectLst/>
+                        </a:rPr>
+                        <a:t>172</a:t>
+                      </a:r>
+                      <a:endParaRPr lang="en-US" sz="1000">
+                        <a:effectLst/>
+                        <a:latin typeface="Times" panose="02020603050405020304" pitchFamily="18" charset="0"/>
+                        <a:ea typeface="Times New Roman" panose="02020603050405020304" pitchFamily="18" charset="0"/>
+                        <a:cs typeface="Times New Roman" panose="02020603050405020304" pitchFamily="18" charset="0"/>
+                      </a:endParaRPr>
+                    </a:p>
+                  </a:txBody>
+                  <a:tcPr marL="44450" marR="44450" marT="0" marB="0">
+                    <a:lnB w="6350" cap="flat" cmpd="sng" algn="ctr">
+                      <a:solidFill>
+                        <a:schemeClr val="tx1"/>
+                      </a:solidFill>
+                      <a:prstDash val="solid"/>
+                      <a:round/>
+                      <a:headEnd type="none" w="med" len="med"/>
+                      <a:tailEnd type="none" w="med" len="med"/>
+                    </a:lnB>
+                  </a:tcPr>
+                </a:tc>
+                <a:tc>
+                  <a:txBody>
+                    <a:bodyPr/>
+                    <a:lstStyle/>
+                    <a:p>
+                      <a:pPr marL="0" marR="0" indent="0" algn="just">
+                        <a:spcBef>
+                          <a:spcPts val="0"/>
+                        </a:spcBef>
+                        <a:spcAft>
+                          <a:spcPts val="0"/>
+                        </a:spcAft>
+                      </a:pPr>
+                      <a:r>
+                        <a:rPr lang="en-US" sz="900">
+                          <a:effectLst/>
+                        </a:rPr>
+                        <a:t>133</a:t>
+                      </a:r>
+                      <a:endParaRPr lang="en-US" sz="1000">
+                        <a:effectLst/>
+                        <a:latin typeface="Times" panose="02020603050405020304" pitchFamily="18" charset="0"/>
+                        <a:ea typeface="Times New Roman" panose="02020603050405020304" pitchFamily="18" charset="0"/>
+                        <a:cs typeface="Times New Roman" panose="02020603050405020304" pitchFamily="18" charset="0"/>
+                      </a:endParaRPr>
+                    </a:p>
+                  </a:txBody>
+                  <a:tcPr marL="44450" marR="44450" marT="0" marB="0">
+                    <a:lnB w="6350" cap="flat" cmpd="sng" algn="ctr">
+                      <a:solidFill>
+                        <a:schemeClr val="tx1"/>
+                      </a:solidFill>
+                      <a:prstDash val="solid"/>
+                      <a:round/>
+                      <a:headEnd type="none" w="med" len="med"/>
+                      <a:tailEnd type="none" w="med" len="med"/>
+                    </a:lnB>
+                  </a:tcPr>
+                </a:tc>
+              </a:tr>
+              <a:tr h="0">
+                <a:tc>
+                  <a:txBody>
+                    <a:bodyPr/>
+                    <a:lstStyle/>
+                    <a:p>
+                      <a:pPr marL="0" marR="0" indent="0" algn="just">
+                        <a:spcBef>
+                          <a:spcPts val="0"/>
+                        </a:spcBef>
+                        <a:spcAft>
+                          <a:spcPts val="0"/>
+                        </a:spcAft>
+                      </a:pPr>
+                      <a:r>
+                        <a:rPr lang="en-US" sz="900">
+                          <a:effectLst/>
+                        </a:rPr>
+                        <a:t>Gender</a:t>
+                      </a:r>
+                      <a:endParaRPr lang="en-US" sz="1000">
+                        <a:effectLst/>
+                        <a:latin typeface="Times" panose="02020603050405020304" pitchFamily="18" charset="0"/>
+                        <a:ea typeface="Times New Roman" panose="02020603050405020304" pitchFamily="18" charset="0"/>
+                        <a:cs typeface="Times New Roman" panose="02020603050405020304" pitchFamily="18" charset="0"/>
+                      </a:endParaRPr>
+                    </a:p>
+                  </a:txBody>
+                  <a:tcPr marL="44450" marR="44450" marT="0" marB="0">
+                    <a:lnT w="6350" cap="flat" cmpd="sng" algn="ctr">
+                      <a:solidFill>
+                        <a:schemeClr val="tx1"/>
+                      </a:solidFill>
+                      <a:prstDash val="solid"/>
+                      <a:round/>
+                      <a:headEnd type="none" w="med" len="med"/>
+                      <a:tailEnd type="none" w="med" len="med"/>
+                    </a:lnT>
+                  </a:tcPr>
+                </a:tc>
+                <a:tc>
+                  <a:txBody>
+                    <a:bodyPr/>
+                    <a:lstStyle/>
+                    <a:p>
+                      <a:pPr marL="0" marR="0" indent="0" algn="just">
+                        <a:spcBef>
+                          <a:spcPts val="0"/>
+                        </a:spcBef>
+                        <a:spcAft>
+                          <a:spcPts val="0"/>
+                        </a:spcAft>
+                      </a:pPr>
+                      <a:r>
+                        <a:rPr lang="en-US" sz="900">
+                          <a:effectLst/>
+                        </a:rPr>
+                        <a:t>Female</a:t>
+                      </a:r>
+                      <a:endParaRPr lang="en-US" sz="1000">
+                        <a:effectLst/>
+                        <a:latin typeface="Times" panose="02020603050405020304" pitchFamily="18" charset="0"/>
+                        <a:ea typeface="Times New Roman" panose="02020603050405020304" pitchFamily="18" charset="0"/>
+                        <a:cs typeface="Times New Roman" panose="02020603050405020304" pitchFamily="18" charset="0"/>
+                      </a:endParaRPr>
+                    </a:p>
+                  </a:txBody>
+                  <a:tcPr marL="44450" marR="44450" marT="0" marB="0">
+                    <a:lnT w="6350" cap="flat" cmpd="sng" algn="ctr">
+                      <a:solidFill>
+                        <a:schemeClr val="tx1"/>
+                      </a:solidFill>
+                      <a:prstDash val="solid"/>
+                      <a:round/>
+                      <a:headEnd type="none" w="med" len="med"/>
+                      <a:tailEnd type="none" w="med" len="med"/>
+                    </a:lnT>
+                  </a:tcPr>
+                </a:tc>
+                <a:tc>
+                  <a:txBody>
+                    <a:bodyPr/>
+                    <a:lstStyle/>
+                    <a:p>
+                      <a:pPr marL="0" marR="0" indent="0" algn="just">
+                        <a:spcBef>
+                          <a:spcPts val="0"/>
+                        </a:spcBef>
+                        <a:spcAft>
+                          <a:spcPts val="0"/>
+                        </a:spcAft>
+                      </a:pPr>
+                      <a:r>
+                        <a:rPr lang="en-US" sz="900">
+                          <a:effectLst/>
+                        </a:rPr>
+                        <a:t>86</a:t>
+                      </a:r>
+                      <a:endParaRPr lang="en-US" sz="1000">
+                        <a:effectLst/>
+                        <a:latin typeface="Times" panose="02020603050405020304" pitchFamily="18" charset="0"/>
+                        <a:ea typeface="Times New Roman" panose="02020603050405020304" pitchFamily="18" charset="0"/>
+                        <a:cs typeface="Times New Roman" panose="02020603050405020304" pitchFamily="18" charset="0"/>
+                      </a:endParaRPr>
+                    </a:p>
+                  </a:txBody>
+                  <a:tcPr marL="44450" marR="44450" marT="0" marB="0">
+                    <a:lnT w="6350" cap="flat" cmpd="sng" algn="ctr">
+                      <a:solidFill>
+                        <a:schemeClr val="tx1"/>
+                      </a:solidFill>
+                      <a:prstDash val="solid"/>
+                      <a:round/>
+                      <a:headEnd type="none" w="med" len="med"/>
+                      <a:tailEnd type="none" w="med" len="med"/>
+                    </a:lnT>
+                  </a:tcPr>
+                </a:tc>
+                <a:tc>
+                  <a:txBody>
+                    <a:bodyPr/>
+                    <a:lstStyle/>
+                    <a:p>
+                      <a:pPr marL="0" marR="0" indent="0" algn="just">
+                        <a:spcBef>
+                          <a:spcPts val="0"/>
+                        </a:spcBef>
+                        <a:spcAft>
+                          <a:spcPts val="0"/>
+                        </a:spcAft>
+                      </a:pPr>
+                      <a:r>
+                        <a:rPr lang="en-US" sz="900">
+                          <a:effectLst/>
+                        </a:rPr>
+                        <a:t>66</a:t>
+                      </a:r>
+                      <a:endParaRPr lang="en-US" sz="1000">
+                        <a:effectLst/>
+                        <a:latin typeface="Times" panose="02020603050405020304" pitchFamily="18" charset="0"/>
+                        <a:ea typeface="Times New Roman" panose="02020603050405020304" pitchFamily="18" charset="0"/>
+                        <a:cs typeface="Times New Roman" panose="02020603050405020304" pitchFamily="18" charset="0"/>
+                      </a:endParaRPr>
+                    </a:p>
+                  </a:txBody>
+                  <a:tcPr marL="44450" marR="44450" marT="0" marB="0">
+                    <a:lnT w="6350" cap="flat" cmpd="sng" algn="ctr">
+                      <a:solidFill>
+                        <a:schemeClr val="tx1"/>
+                      </a:solidFill>
+                      <a:prstDash val="solid"/>
+                      <a:round/>
+                      <a:headEnd type="none" w="med" len="med"/>
+                      <a:tailEnd type="none" w="med" len="med"/>
+                    </a:lnT>
+                  </a:tcPr>
+                </a:tc>
+              </a:tr>
+              <a:tr h="0">
+                <a:tc>
+                  <a:txBody>
+                    <a:bodyPr/>
+                    <a:lstStyle/>
+                    <a:p>
+                      <a:pPr marL="0" marR="0" indent="0" algn="just">
+                        <a:spcBef>
+                          <a:spcPts val="0"/>
+                        </a:spcBef>
+                        <a:spcAft>
+                          <a:spcPts val="0"/>
+                        </a:spcAft>
+                      </a:pPr>
+                      <a:r>
+                        <a:rPr lang="en-US" sz="900">
+                          <a:effectLst/>
+                        </a:rPr>
+                        <a:t> </a:t>
+                      </a:r>
+                      <a:endParaRPr lang="en-US" sz="1000">
+                        <a:effectLst/>
+                        <a:latin typeface="Times" panose="02020603050405020304" pitchFamily="18" charset="0"/>
+                        <a:ea typeface="Times New Roman" panose="02020603050405020304" pitchFamily="18" charset="0"/>
+                        <a:cs typeface="Times New Roman" panose="02020603050405020304" pitchFamily="18" charset="0"/>
+                      </a:endParaRPr>
+                    </a:p>
+                  </a:txBody>
+                  <a:tcPr marL="44450" marR="44450" marT="0" marB="0"/>
+                </a:tc>
+                <a:tc>
+                  <a:txBody>
+                    <a:bodyPr/>
+                    <a:lstStyle/>
+                    <a:p>
+                      <a:pPr marL="0" marR="0" indent="0" algn="just">
+                        <a:spcBef>
+                          <a:spcPts val="0"/>
+                        </a:spcBef>
+                        <a:spcAft>
+                          <a:spcPts val="0"/>
+                        </a:spcAft>
+                      </a:pPr>
+                      <a:r>
+                        <a:rPr lang="en-US" sz="900">
+                          <a:effectLst/>
+                        </a:rPr>
+                        <a:t>Male</a:t>
+                      </a:r>
+                      <a:endParaRPr lang="en-US" sz="1000">
+                        <a:effectLst/>
+                        <a:latin typeface="Times" panose="02020603050405020304" pitchFamily="18" charset="0"/>
+                        <a:ea typeface="Times New Roman" panose="02020603050405020304" pitchFamily="18" charset="0"/>
+                        <a:cs typeface="Times New Roman" panose="02020603050405020304" pitchFamily="18" charset="0"/>
+                      </a:endParaRPr>
+                    </a:p>
+                  </a:txBody>
+                  <a:tcPr marL="44450" marR="44450" marT="0" marB="0"/>
+                </a:tc>
+                <a:tc>
+                  <a:txBody>
+                    <a:bodyPr/>
+                    <a:lstStyle/>
+                    <a:p>
+                      <a:pPr marL="0" marR="0" indent="0" algn="just">
+                        <a:spcBef>
+                          <a:spcPts val="0"/>
+                        </a:spcBef>
+                        <a:spcAft>
+                          <a:spcPts val="0"/>
+                        </a:spcAft>
+                      </a:pPr>
+                      <a:r>
+                        <a:rPr lang="en-US" sz="900">
+                          <a:effectLst/>
+                        </a:rPr>
+                        <a:t>112</a:t>
+                      </a:r>
+                      <a:endParaRPr lang="en-US" sz="1000">
+                        <a:effectLst/>
+                        <a:latin typeface="Times" panose="02020603050405020304" pitchFamily="18" charset="0"/>
+                        <a:ea typeface="Times New Roman" panose="02020603050405020304" pitchFamily="18" charset="0"/>
+                        <a:cs typeface="Times New Roman" panose="02020603050405020304" pitchFamily="18" charset="0"/>
+                      </a:endParaRPr>
+                    </a:p>
+                  </a:txBody>
+                  <a:tcPr marL="44450" marR="44450" marT="0" marB="0"/>
+                </a:tc>
+                <a:tc>
+                  <a:txBody>
+                    <a:bodyPr/>
+                    <a:lstStyle/>
+                    <a:p>
+                      <a:pPr marL="0" marR="0" indent="0" algn="just">
+                        <a:spcBef>
+                          <a:spcPts val="0"/>
+                        </a:spcBef>
+                        <a:spcAft>
+                          <a:spcPts val="0"/>
+                        </a:spcAft>
+                      </a:pPr>
+                      <a:r>
+                        <a:rPr lang="en-US" sz="900">
+                          <a:effectLst/>
+                        </a:rPr>
+                        <a:t>82</a:t>
+                      </a:r>
+                      <a:endParaRPr lang="en-US" sz="1000">
+                        <a:effectLst/>
+                        <a:latin typeface="Times" panose="02020603050405020304" pitchFamily="18" charset="0"/>
+                        <a:ea typeface="Times New Roman" panose="02020603050405020304" pitchFamily="18" charset="0"/>
+                        <a:cs typeface="Times New Roman" panose="02020603050405020304" pitchFamily="18" charset="0"/>
+                      </a:endParaRPr>
+                    </a:p>
+                  </a:txBody>
+                  <a:tcPr marL="44450" marR="44450" marT="0" marB="0"/>
+                </a:tc>
+              </a:tr>
+              <a:tr h="0">
+                <a:tc>
+                  <a:txBody>
+                    <a:bodyPr/>
+                    <a:lstStyle/>
+                    <a:p>
+                      <a:pPr marL="0" marR="0" indent="0" algn="just">
+                        <a:spcBef>
+                          <a:spcPts val="0"/>
+                        </a:spcBef>
+                        <a:spcAft>
+                          <a:spcPts val="0"/>
+                        </a:spcAft>
+                      </a:pPr>
+                      <a:r>
+                        <a:rPr lang="en-US" sz="900" dirty="0">
+                          <a:effectLst/>
+                        </a:rPr>
+                        <a:t> </a:t>
+                      </a:r>
+                      <a:endParaRPr lang="en-US" sz="1000" dirty="0">
+                        <a:effectLst/>
+                        <a:latin typeface="Times" panose="02020603050405020304" pitchFamily="18" charset="0"/>
+                        <a:ea typeface="Times New Roman" panose="02020603050405020304" pitchFamily="18" charset="0"/>
+                        <a:cs typeface="Times New Roman" panose="02020603050405020304" pitchFamily="18" charset="0"/>
+                      </a:endParaRPr>
+                    </a:p>
+                  </a:txBody>
+                  <a:tcPr marL="44450" marR="44450" marT="0" marB="0">
+                    <a:lnB w="6350" cap="flat" cmpd="sng" algn="ctr">
+                      <a:solidFill>
+                        <a:schemeClr val="tx1"/>
+                      </a:solidFill>
+                      <a:prstDash val="solid"/>
+                      <a:round/>
+                      <a:headEnd type="none" w="med" len="med"/>
+                      <a:tailEnd type="none" w="med" len="med"/>
+                    </a:lnB>
+                  </a:tcPr>
+                </a:tc>
+                <a:tc>
+                  <a:txBody>
+                    <a:bodyPr/>
+                    <a:lstStyle/>
+                    <a:p>
+                      <a:pPr marL="0" marR="0" indent="0" algn="just">
+                        <a:spcBef>
+                          <a:spcPts val="0"/>
+                        </a:spcBef>
+                        <a:spcAft>
+                          <a:spcPts val="0"/>
+                        </a:spcAft>
+                      </a:pPr>
+                      <a:r>
+                        <a:rPr lang="en-US" sz="900">
+                          <a:effectLst/>
+                        </a:rPr>
+                        <a:t>Other/prefer not to say</a:t>
+                      </a:r>
+                      <a:endParaRPr lang="en-US" sz="1000">
+                        <a:effectLst/>
+                        <a:latin typeface="Times" panose="02020603050405020304" pitchFamily="18" charset="0"/>
+                        <a:ea typeface="Times New Roman" panose="02020603050405020304" pitchFamily="18" charset="0"/>
+                        <a:cs typeface="Times New Roman" panose="02020603050405020304" pitchFamily="18" charset="0"/>
+                      </a:endParaRPr>
+                    </a:p>
+                  </a:txBody>
+                  <a:tcPr marL="44450" marR="44450" marT="0" marB="0">
+                    <a:lnB w="6350" cap="flat" cmpd="sng" algn="ctr">
+                      <a:solidFill>
+                        <a:schemeClr val="tx1"/>
+                      </a:solidFill>
+                      <a:prstDash val="solid"/>
+                      <a:round/>
+                      <a:headEnd type="none" w="med" len="med"/>
+                      <a:tailEnd type="none" w="med" len="med"/>
+                    </a:lnB>
+                  </a:tcPr>
+                </a:tc>
+                <a:tc>
+                  <a:txBody>
+                    <a:bodyPr/>
+                    <a:lstStyle/>
+                    <a:p>
+                      <a:pPr marL="0" marR="0" indent="0" algn="just">
+                        <a:spcBef>
+                          <a:spcPts val="0"/>
+                        </a:spcBef>
+                        <a:spcAft>
+                          <a:spcPts val="0"/>
+                        </a:spcAft>
+                      </a:pPr>
+                      <a:r>
+                        <a:rPr lang="en-US" sz="900">
+                          <a:effectLst/>
+                        </a:rPr>
+                        <a:t>1</a:t>
+                      </a:r>
+                      <a:endParaRPr lang="en-US" sz="1000">
+                        <a:effectLst/>
+                        <a:latin typeface="Times" panose="02020603050405020304" pitchFamily="18" charset="0"/>
+                        <a:ea typeface="Times New Roman" panose="02020603050405020304" pitchFamily="18" charset="0"/>
+                        <a:cs typeface="Times New Roman" panose="02020603050405020304" pitchFamily="18" charset="0"/>
+                      </a:endParaRPr>
+                    </a:p>
+                  </a:txBody>
+                  <a:tcPr marL="44450" marR="44450" marT="0" marB="0">
+                    <a:lnB w="6350" cap="flat" cmpd="sng" algn="ctr">
+                      <a:solidFill>
+                        <a:schemeClr val="tx1"/>
+                      </a:solidFill>
+                      <a:prstDash val="solid"/>
+                      <a:round/>
+                      <a:headEnd type="none" w="med" len="med"/>
+                      <a:tailEnd type="none" w="med" len="med"/>
+                    </a:lnB>
+                  </a:tcPr>
+                </a:tc>
+                <a:tc>
+                  <a:txBody>
+                    <a:bodyPr/>
+                    <a:lstStyle/>
+                    <a:p>
+                      <a:pPr marL="0" marR="0" indent="0" algn="just">
+                        <a:spcBef>
+                          <a:spcPts val="0"/>
+                        </a:spcBef>
+                        <a:spcAft>
+                          <a:spcPts val="0"/>
+                        </a:spcAft>
+                      </a:pPr>
+                      <a:r>
+                        <a:rPr lang="en-US" sz="900">
+                          <a:effectLst/>
+                        </a:rPr>
+                        <a:t>0</a:t>
+                      </a:r>
+                      <a:endParaRPr lang="en-US" sz="1000">
+                        <a:effectLst/>
+                        <a:latin typeface="Times" panose="02020603050405020304" pitchFamily="18" charset="0"/>
+                        <a:ea typeface="Times New Roman" panose="02020603050405020304" pitchFamily="18" charset="0"/>
+                        <a:cs typeface="Times New Roman" panose="02020603050405020304" pitchFamily="18" charset="0"/>
+                      </a:endParaRPr>
+                    </a:p>
+                  </a:txBody>
+                  <a:tcPr marL="44450" marR="44450" marT="0" marB="0">
+                    <a:lnB w="6350" cap="flat" cmpd="sng" algn="ctr">
+                      <a:solidFill>
+                        <a:schemeClr val="tx1"/>
+                      </a:solidFill>
+                      <a:prstDash val="solid"/>
+                      <a:round/>
+                      <a:headEnd type="none" w="med" len="med"/>
+                      <a:tailEnd type="none" w="med" len="med"/>
+                    </a:lnB>
+                  </a:tcPr>
+                </a:tc>
+              </a:tr>
+              <a:tr h="0">
+                <a:tc>
+                  <a:txBody>
+                    <a:bodyPr/>
+                    <a:lstStyle/>
+                    <a:p>
+                      <a:pPr marL="0" marR="0" indent="0" algn="just">
+                        <a:spcBef>
+                          <a:spcPts val="0"/>
+                        </a:spcBef>
+                        <a:spcAft>
+                          <a:spcPts val="0"/>
+                        </a:spcAft>
+                      </a:pPr>
+                      <a:r>
+                        <a:rPr lang="en-US" sz="900">
+                          <a:effectLst/>
+                        </a:rPr>
+                        <a:t>Age</a:t>
+                      </a:r>
+                      <a:endParaRPr lang="en-US" sz="1000">
+                        <a:effectLst/>
+                        <a:latin typeface="Times" panose="02020603050405020304" pitchFamily="18" charset="0"/>
+                        <a:ea typeface="Times New Roman" panose="02020603050405020304" pitchFamily="18" charset="0"/>
+                        <a:cs typeface="Times New Roman" panose="02020603050405020304" pitchFamily="18" charset="0"/>
+                      </a:endParaRPr>
+                    </a:p>
+                  </a:txBody>
+                  <a:tcPr marL="44450" marR="44450" marT="0" marB="0">
+                    <a:lnT w="6350" cap="flat" cmpd="sng" algn="ctr">
+                      <a:solidFill>
+                        <a:schemeClr val="tx1"/>
+                      </a:solidFill>
+                      <a:prstDash val="solid"/>
+                      <a:round/>
+                      <a:headEnd type="none" w="med" len="med"/>
+                      <a:tailEnd type="none" w="med" len="med"/>
+                    </a:lnT>
+                  </a:tcPr>
+                </a:tc>
+                <a:tc>
+                  <a:txBody>
+                    <a:bodyPr/>
+                    <a:lstStyle/>
+                    <a:p>
+                      <a:pPr marL="0" marR="0" indent="0" algn="just">
+                        <a:spcBef>
+                          <a:spcPts val="0"/>
+                        </a:spcBef>
+                        <a:spcAft>
+                          <a:spcPts val="0"/>
+                        </a:spcAft>
+                      </a:pPr>
+                      <a:r>
+                        <a:rPr lang="en-US" sz="900">
+                          <a:effectLst/>
+                        </a:rPr>
+                        <a:t>18-29</a:t>
+                      </a:r>
+                      <a:endParaRPr lang="en-US" sz="1000">
+                        <a:effectLst/>
+                        <a:latin typeface="Times" panose="02020603050405020304" pitchFamily="18" charset="0"/>
+                        <a:ea typeface="Times New Roman" panose="02020603050405020304" pitchFamily="18" charset="0"/>
+                        <a:cs typeface="Times New Roman" panose="02020603050405020304" pitchFamily="18" charset="0"/>
+                      </a:endParaRPr>
+                    </a:p>
+                  </a:txBody>
+                  <a:tcPr marL="44450" marR="44450" marT="0" marB="0">
+                    <a:lnT w="6350" cap="flat" cmpd="sng" algn="ctr">
+                      <a:solidFill>
+                        <a:schemeClr val="tx1"/>
+                      </a:solidFill>
+                      <a:prstDash val="solid"/>
+                      <a:round/>
+                      <a:headEnd type="none" w="med" len="med"/>
+                      <a:tailEnd type="none" w="med" len="med"/>
+                    </a:lnT>
+                  </a:tcPr>
+                </a:tc>
+                <a:tc>
+                  <a:txBody>
+                    <a:bodyPr/>
+                    <a:lstStyle/>
+                    <a:p>
+                      <a:pPr marL="0" marR="0" indent="0" algn="just">
+                        <a:spcBef>
+                          <a:spcPts val="0"/>
+                        </a:spcBef>
+                        <a:spcAft>
+                          <a:spcPts val="0"/>
+                        </a:spcAft>
+                      </a:pPr>
+                      <a:r>
+                        <a:rPr lang="en-US" sz="900">
+                          <a:effectLst/>
+                        </a:rPr>
+                        <a:t>78</a:t>
+                      </a:r>
+                      <a:endParaRPr lang="en-US" sz="1000">
+                        <a:effectLst/>
+                        <a:latin typeface="Times" panose="02020603050405020304" pitchFamily="18" charset="0"/>
+                        <a:ea typeface="Times New Roman" panose="02020603050405020304" pitchFamily="18" charset="0"/>
+                        <a:cs typeface="Times New Roman" panose="02020603050405020304" pitchFamily="18" charset="0"/>
+                      </a:endParaRPr>
+                    </a:p>
+                  </a:txBody>
+                  <a:tcPr marL="44450" marR="44450" marT="0" marB="0">
+                    <a:lnT w="6350" cap="flat" cmpd="sng" algn="ctr">
+                      <a:solidFill>
+                        <a:schemeClr val="tx1"/>
+                      </a:solidFill>
+                      <a:prstDash val="solid"/>
+                      <a:round/>
+                      <a:headEnd type="none" w="med" len="med"/>
+                      <a:tailEnd type="none" w="med" len="med"/>
+                    </a:lnT>
+                  </a:tcPr>
+                </a:tc>
+                <a:tc>
+                  <a:txBody>
+                    <a:bodyPr/>
+                    <a:lstStyle/>
+                    <a:p>
+                      <a:pPr marL="0" marR="0" indent="0" algn="just">
+                        <a:spcBef>
+                          <a:spcPts val="0"/>
+                        </a:spcBef>
+                        <a:spcAft>
+                          <a:spcPts val="0"/>
+                        </a:spcAft>
+                      </a:pPr>
+                      <a:r>
+                        <a:rPr lang="en-US" sz="900">
+                          <a:effectLst/>
+                        </a:rPr>
+                        <a:t>45</a:t>
+                      </a:r>
+                      <a:endParaRPr lang="en-US" sz="1000">
+                        <a:effectLst/>
+                        <a:latin typeface="Times" panose="02020603050405020304" pitchFamily="18" charset="0"/>
+                        <a:ea typeface="Times New Roman" panose="02020603050405020304" pitchFamily="18" charset="0"/>
+                        <a:cs typeface="Times New Roman" panose="02020603050405020304" pitchFamily="18" charset="0"/>
+                      </a:endParaRPr>
+                    </a:p>
+                  </a:txBody>
+                  <a:tcPr marL="44450" marR="44450" marT="0" marB="0">
+                    <a:lnT w="6350" cap="flat" cmpd="sng" algn="ctr">
+                      <a:solidFill>
+                        <a:schemeClr val="tx1"/>
+                      </a:solidFill>
+                      <a:prstDash val="solid"/>
+                      <a:round/>
+                      <a:headEnd type="none" w="med" len="med"/>
+                      <a:tailEnd type="none" w="med" len="med"/>
+                    </a:lnT>
+                  </a:tcPr>
+                </a:tc>
+              </a:tr>
+              <a:tr h="0">
+                <a:tc>
+                  <a:txBody>
+                    <a:bodyPr/>
+                    <a:lstStyle/>
+                    <a:p>
+                      <a:pPr marL="0" marR="0" indent="0" algn="just">
+                        <a:spcBef>
+                          <a:spcPts val="0"/>
+                        </a:spcBef>
+                        <a:spcAft>
+                          <a:spcPts val="0"/>
+                        </a:spcAft>
+                      </a:pPr>
+                      <a:r>
+                        <a:rPr lang="en-US" sz="900">
+                          <a:effectLst/>
+                        </a:rPr>
+                        <a:t> </a:t>
+                      </a:r>
+                      <a:endParaRPr lang="en-US" sz="1000">
+                        <a:effectLst/>
+                        <a:latin typeface="Times" panose="02020603050405020304" pitchFamily="18" charset="0"/>
+                        <a:ea typeface="Times New Roman" panose="02020603050405020304" pitchFamily="18" charset="0"/>
+                        <a:cs typeface="Times New Roman" panose="02020603050405020304" pitchFamily="18" charset="0"/>
+                      </a:endParaRPr>
+                    </a:p>
+                  </a:txBody>
+                  <a:tcPr marL="44450" marR="44450" marT="0" marB="0"/>
+                </a:tc>
+                <a:tc>
+                  <a:txBody>
+                    <a:bodyPr/>
+                    <a:lstStyle/>
+                    <a:p>
+                      <a:pPr marL="0" marR="0" indent="0" algn="just">
+                        <a:spcBef>
+                          <a:spcPts val="0"/>
+                        </a:spcBef>
+                        <a:spcAft>
+                          <a:spcPts val="0"/>
+                        </a:spcAft>
+                      </a:pPr>
+                      <a:r>
+                        <a:rPr lang="en-US" sz="900">
+                          <a:effectLst/>
+                        </a:rPr>
+                        <a:t>30-49</a:t>
+                      </a:r>
+                      <a:endParaRPr lang="en-US" sz="1000">
+                        <a:effectLst/>
+                        <a:latin typeface="Times" panose="02020603050405020304" pitchFamily="18" charset="0"/>
+                        <a:ea typeface="Times New Roman" panose="02020603050405020304" pitchFamily="18" charset="0"/>
+                        <a:cs typeface="Times New Roman" panose="02020603050405020304" pitchFamily="18" charset="0"/>
+                      </a:endParaRPr>
+                    </a:p>
+                  </a:txBody>
+                  <a:tcPr marL="44450" marR="44450" marT="0" marB="0"/>
+                </a:tc>
+                <a:tc>
+                  <a:txBody>
+                    <a:bodyPr/>
+                    <a:lstStyle/>
+                    <a:p>
+                      <a:pPr marL="0" marR="0" indent="0" algn="just">
+                        <a:spcBef>
+                          <a:spcPts val="0"/>
+                        </a:spcBef>
+                        <a:spcAft>
+                          <a:spcPts val="0"/>
+                        </a:spcAft>
+                      </a:pPr>
+                      <a:r>
+                        <a:rPr lang="en-US" sz="900">
+                          <a:effectLst/>
+                        </a:rPr>
+                        <a:t>91</a:t>
+                      </a:r>
+                      <a:endParaRPr lang="en-US" sz="1000">
+                        <a:effectLst/>
+                        <a:latin typeface="Times" panose="02020603050405020304" pitchFamily="18" charset="0"/>
+                        <a:ea typeface="Times New Roman" panose="02020603050405020304" pitchFamily="18" charset="0"/>
+                        <a:cs typeface="Times New Roman" panose="02020603050405020304" pitchFamily="18" charset="0"/>
+                      </a:endParaRPr>
+                    </a:p>
+                  </a:txBody>
+                  <a:tcPr marL="44450" marR="44450" marT="0" marB="0"/>
+                </a:tc>
+                <a:tc>
+                  <a:txBody>
+                    <a:bodyPr/>
+                    <a:lstStyle/>
+                    <a:p>
+                      <a:pPr marL="0" marR="0" indent="0" algn="just">
+                        <a:spcBef>
+                          <a:spcPts val="0"/>
+                        </a:spcBef>
+                        <a:spcAft>
+                          <a:spcPts val="0"/>
+                        </a:spcAft>
+                      </a:pPr>
+                      <a:r>
+                        <a:rPr lang="en-US" sz="900">
+                          <a:effectLst/>
+                        </a:rPr>
+                        <a:t>78</a:t>
+                      </a:r>
+                      <a:endParaRPr lang="en-US" sz="1000">
+                        <a:effectLst/>
+                        <a:latin typeface="Times" panose="02020603050405020304" pitchFamily="18" charset="0"/>
+                        <a:ea typeface="Times New Roman" panose="02020603050405020304" pitchFamily="18" charset="0"/>
+                        <a:cs typeface="Times New Roman" panose="02020603050405020304" pitchFamily="18" charset="0"/>
+                      </a:endParaRPr>
+                    </a:p>
+                  </a:txBody>
+                  <a:tcPr marL="44450" marR="44450" marT="0" marB="0"/>
+                </a:tc>
+              </a:tr>
+              <a:tr h="0">
+                <a:tc>
+                  <a:txBody>
+                    <a:bodyPr/>
+                    <a:lstStyle/>
+                    <a:p>
+                      <a:pPr marL="0" marR="0" indent="0" algn="just">
+                        <a:spcBef>
+                          <a:spcPts val="0"/>
+                        </a:spcBef>
+                        <a:spcAft>
+                          <a:spcPts val="0"/>
+                        </a:spcAft>
+                      </a:pPr>
+                      <a:r>
+                        <a:rPr lang="en-US" sz="900">
+                          <a:effectLst/>
+                        </a:rPr>
+                        <a:t> </a:t>
+                      </a:r>
+                      <a:endParaRPr lang="en-US" sz="1000">
+                        <a:effectLst/>
+                        <a:latin typeface="Times" panose="02020603050405020304" pitchFamily="18" charset="0"/>
+                        <a:ea typeface="Times New Roman" panose="02020603050405020304" pitchFamily="18" charset="0"/>
+                        <a:cs typeface="Times New Roman" panose="02020603050405020304" pitchFamily="18" charset="0"/>
+                      </a:endParaRPr>
+                    </a:p>
+                  </a:txBody>
+                  <a:tcPr marL="44450" marR="44450" marT="0" marB="0"/>
+                </a:tc>
+                <a:tc>
+                  <a:txBody>
+                    <a:bodyPr/>
+                    <a:lstStyle/>
+                    <a:p>
+                      <a:pPr marL="0" marR="0" indent="0" algn="just">
+                        <a:spcBef>
+                          <a:spcPts val="0"/>
+                        </a:spcBef>
+                        <a:spcAft>
+                          <a:spcPts val="0"/>
+                        </a:spcAft>
+                      </a:pPr>
+                      <a:r>
+                        <a:rPr lang="en-US" sz="900">
+                          <a:effectLst/>
+                        </a:rPr>
+                        <a:t>50-64</a:t>
+                      </a:r>
+                      <a:endParaRPr lang="en-US" sz="1000">
+                        <a:effectLst/>
+                        <a:latin typeface="Times" panose="02020603050405020304" pitchFamily="18" charset="0"/>
+                        <a:ea typeface="Times New Roman" panose="02020603050405020304" pitchFamily="18" charset="0"/>
+                        <a:cs typeface="Times New Roman" panose="02020603050405020304" pitchFamily="18" charset="0"/>
+                      </a:endParaRPr>
+                    </a:p>
+                  </a:txBody>
+                  <a:tcPr marL="44450" marR="44450" marT="0" marB="0"/>
+                </a:tc>
+                <a:tc>
+                  <a:txBody>
+                    <a:bodyPr/>
+                    <a:lstStyle/>
+                    <a:p>
+                      <a:pPr marL="0" marR="0" indent="0" algn="just">
+                        <a:spcBef>
+                          <a:spcPts val="0"/>
+                        </a:spcBef>
+                        <a:spcAft>
+                          <a:spcPts val="0"/>
+                        </a:spcAft>
+                      </a:pPr>
+                      <a:r>
+                        <a:rPr lang="en-US" sz="900">
+                          <a:effectLst/>
+                        </a:rPr>
+                        <a:t>25</a:t>
+                      </a:r>
+                      <a:endParaRPr lang="en-US" sz="1000">
+                        <a:effectLst/>
+                        <a:latin typeface="Times" panose="02020603050405020304" pitchFamily="18" charset="0"/>
+                        <a:ea typeface="Times New Roman" panose="02020603050405020304" pitchFamily="18" charset="0"/>
+                        <a:cs typeface="Times New Roman" panose="02020603050405020304" pitchFamily="18" charset="0"/>
+                      </a:endParaRPr>
+                    </a:p>
+                  </a:txBody>
+                  <a:tcPr marL="44450" marR="44450" marT="0" marB="0"/>
+                </a:tc>
+                <a:tc>
+                  <a:txBody>
+                    <a:bodyPr/>
+                    <a:lstStyle/>
+                    <a:p>
+                      <a:pPr marL="0" marR="0" indent="0" algn="just">
+                        <a:spcBef>
+                          <a:spcPts val="0"/>
+                        </a:spcBef>
+                        <a:spcAft>
+                          <a:spcPts val="0"/>
+                        </a:spcAft>
+                      </a:pPr>
+                      <a:r>
+                        <a:rPr lang="en-US" sz="900">
+                          <a:effectLst/>
+                        </a:rPr>
+                        <a:t>22</a:t>
+                      </a:r>
+                      <a:endParaRPr lang="en-US" sz="1000">
+                        <a:effectLst/>
+                        <a:latin typeface="Times" panose="02020603050405020304" pitchFamily="18" charset="0"/>
+                        <a:ea typeface="Times New Roman" panose="02020603050405020304" pitchFamily="18" charset="0"/>
+                        <a:cs typeface="Times New Roman" panose="02020603050405020304" pitchFamily="18" charset="0"/>
+                      </a:endParaRPr>
+                    </a:p>
+                  </a:txBody>
+                  <a:tcPr marL="44450" marR="44450" marT="0" marB="0"/>
+                </a:tc>
+              </a:tr>
+              <a:tr h="0">
+                <a:tc>
+                  <a:txBody>
+                    <a:bodyPr/>
+                    <a:lstStyle/>
+                    <a:p>
+                      <a:pPr marL="0" marR="0" indent="0" algn="just">
+                        <a:spcBef>
+                          <a:spcPts val="0"/>
+                        </a:spcBef>
+                        <a:spcAft>
+                          <a:spcPts val="0"/>
+                        </a:spcAft>
+                      </a:pPr>
+                      <a:r>
+                        <a:rPr lang="en-US" sz="900" dirty="0">
+                          <a:effectLst/>
+                        </a:rPr>
+                        <a:t> </a:t>
+                      </a:r>
+                      <a:endParaRPr lang="en-US" sz="1000" dirty="0">
+                        <a:effectLst/>
+                        <a:latin typeface="Times" panose="02020603050405020304" pitchFamily="18" charset="0"/>
+                        <a:ea typeface="Times New Roman" panose="02020603050405020304" pitchFamily="18" charset="0"/>
+                        <a:cs typeface="Times New Roman" panose="02020603050405020304" pitchFamily="18" charset="0"/>
+                      </a:endParaRPr>
+                    </a:p>
+                  </a:txBody>
+                  <a:tcPr marL="44450" marR="44450" marT="0" marB="0">
+                    <a:lnB w="6350" cap="flat" cmpd="sng" algn="ctr">
+                      <a:solidFill>
+                        <a:schemeClr val="tx1"/>
+                      </a:solidFill>
+                      <a:prstDash val="solid"/>
+                      <a:round/>
+                      <a:headEnd type="none" w="med" len="med"/>
+                      <a:tailEnd type="none" w="med" len="med"/>
+                    </a:lnB>
+                  </a:tcPr>
+                </a:tc>
+                <a:tc>
+                  <a:txBody>
+                    <a:bodyPr/>
+                    <a:lstStyle/>
+                    <a:p>
+                      <a:pPr marL="0" marR="0" indent="0" algn="just">
+                        <a:spcBef>
+                          <a:spcPts val="0"/>
+                        </a:spcBef>
+                        <a:spcAft>
+                          <a:spcPts val="0"/>
+                        </a:spcAft>
+                      </a:pPr>
+                      <a:r>
+                        <a:rPr lang="en-US" sz="900">
+                          <a:effectLst/>
+                        </a:rPr>
+                        <a:t>65+</a:t>
+                      </a:r>
+                      <a:endParaRPr lang="en-US" sz="1000">
+                        <a:effectLst/>
+                        <a:latin typeface="Times" panose="02020603050405020304" pitchFamily="18" charset="0"/>
+                        <a:ea typeface="Times New Roman" panose="02020603050405020304" pitchFamily="18" charset="0"/>
+                        <a:cs typeface="Times New Roman" panose="02020603050405020304" pitchFamily="18" charset="0"/>
+                      </a:endParaRPr>
+                    </a:p>
+                  </a:txBody>
+                  <a:tcPr marL="44450" marR="44450" marT="0" marB="0">
+                    <a:lnB w="6350" cap="flat" cmpd="sng" algn="ctr">
+                      <a:solidFill>
+                        <a:schemeClr val="tx1"/>
+                      </a:solidFill>
+                      <a:prstDash val="solid"/>
+                      <a:round/>
+                      <a:headEnd type="none" w="med" len="med"/>
+                      <a:tailEnd type="none" w="med" len="med"/>
+                    </a:lnB>
+                  </a:tcPr>
+                </a:tc>
+                <a:tc>
+                  <a:txBody>
+                    <a:bodyPr/>
+                    <a:lstStyle/>
+                    <a:p>
+                      <a:pPr marL="0" marR="0" indent="0" algn="just">
+                        <a:spcBef>
+                          <a:spcPts val="0"/>
+                        </a:spcBef>
+                        <a:spcAft>
+                          <a:spcPts val="0"/>
+                        </a:spcAft>
+                      </a:pPr>
+                      <a:r>
+                        <a:rPr lang="en-US" sz="900">
+                          <a:effectLst/>
+                        </a:rPr>
+                        <a:t>5</a:t>
+                      </a:r>
+                      <a:endParaRPr lang="en-US" sz="1000">
+                        <a:effectLst/>
+                        <a:latin typeface="Times" panose="02020603050405020304" pitchFamily="18" charset="0"/>
+                        <a:ea typeface="Times New Roman" panose="02020603050405020304" pitchFamily="18" charset="0"/>
+                        <a:cs typeface="Times New Roman" panose="02020603050405020304" pitchFamily="18" charset="0"/>
+                      </a:endParaRPr>
+                    </a:p>
+                  </a:txBody>
+                  <a:tcPr marL="44450" marR="44450" marT="0" marB="0">
+                    <a:lnB w="6350" cap="flat" cmpd="sng" algn="ctr">
+                      <a:solidFill>
+                        <a:schemeClr val="tx1"/>
+                      </a:solidFill>
+                      <a:prstDash val="solid"/>
+                      <a:round/>
+                      <a:headEnd type="none" w="med" len="med"/>
+                      <a:tailEnd type="none" w="med" len="med"/>
+                    </a:lnB>
+                  </a:tcPr>
+                </a:tc>
+                <a:tc>
+                  <a:txBody>
+                    <a:bodyPr/>
+                    <a:lstStyle/>
+                    <a:p>
+                      <a:pPr marL="0" marR="0" indent="0" algn="just">
+                        <a:spcBef>
+                          <a:spcPts val="0"/>
+                        </a:spcBef>
+                        <a:spcAft>
+                          <a:spcPts val="0"/>
+                        </a:spcAft>
+                      </a:pPr>
+                      <a:r>
+                        <a:rPr lang="en-US" sz="900">
+                          <a:effectLst/>
+                        </a:rPr>
+                        <a:t>4</a:t>
+                      </a:r>
+                      <a:endParaRPr lang="en-US" sz="1000">
+                        <a:effectLst/>
+                        <a:latin typeface="Times" panose="02020603050405020304" pitchFamily="18" charset="0"/>
+                        <a:ea typeface="Times New Roman" panose="02020603050405020304" pitchFamily="18" charset="0"/>
+                        <a:cs typeface="Times New Roman" panose="02020603050405020304" pitchFamily="18" charset="0"/>
+                      </a:endParaRPr>
+                    </a:p>
+                  </a:txBody>
+                  <a:tcPr marL="44450" marR="44450" marT="0" marB="0">
+                    <a:lnB w="6350" cap="flat" cmpd="sng" algn="ctr">
+                      <a:solidFill>
+                        <a:schemeClr val="tx1"/>
+                      </a:solidFill>
+                      <a:prstDash val="solid"/>
+                      <a:round/>
+                      <a:headEnd type="none" w="med" len="med"/>
+                      <a:tailEnd type="none" w="med" len="med"/>
+                    </a:lnB>
+                  </a:tcPr>
+                </a:tc>
+              </a:tr>
+              <a:tr h="0">
+                <a:tc>
+                  <a:txBody>
+                    <a:bodyPr/>
+                    <a:lstStyle/>
+                    <a:p>
+                      <a:pPr marL="0" marR="0" indent="0" algn="just">
+                        <a:spcBef>
+                          <a:spcPts val="0"/>
+                        </a:spcBef>
+                        <a:spcAft>
+                          <a:spcPts val="0"/>
+                        </a:spcAft>
+                      </a:pPr>
+                      <a:r>
+                        <a:rPr lang="en-US" sz="900">
+                          <a:effectLst/>
+                        </a:rPr>
+                        <a:t>Education</a:t>
+                      </a:r>
+                      <a:endParaRPr lang="en-US" sz="1000">
+                        <a:effectLst/>
+                        <a:latin typeface="Times" panose="02020603050405020304" pitchFamily="18" charset="0"/>
+                        <a:ea typeface="Times New Roman" panose="02020603050405020304" pitchFamily="18" charset="0"/>
+                        <a:cs typeface="Times New Roman" panose="02020603050405020304" pitchFamily="18" charset="0"/>
+                      </a:endParaRPr>
+                    </a:p>
+                  </a:txBody>
+                  <a:tcPr marL="44450" marR="44450" marT="0" marB="0">
+                    <a:lnT w="6350" cap="flat" cmpd="sng" algn="ctr">
+                      <a:solidFill>
+                        <a:schemeClr val="tx1"/>
+                      </a:solidFill>
+                      <a:prstDash val="solid"/>
+                      <a:round/>
+                      <a:headEnd type="none" w="med" len="med"/>
+                      <a:tailEnd type="none" w="med" len="med"/>
+                    </a:lnT>
+                  </a:tcPr>
+                </a:tc>
+                <a:tc>
+                  <a:txBody>
+                    <a:bodyPr/>
+                    <a:lstStyle/>
+                    <a:p>
+                      <a:pPr marL="0" marR="0" indent="0" algn="just">
+                        <a:spcBef>
+                          <a:spcPts val="0"/>
+                        </a:spcBef>
+                        <a:spcAft>
+                          <a:spcPts val="0"/>
+                        </a:spcAft>
+                      </a:pPr>
+                      <a:r>
+                        <a:rPr lang="en-US" sz="900">
+                          <a:effectLst/>
+                        </a:rPr>
+                        <a:t>High school graduate or less</a:t>
+                      </a:r>
+                      <a:endParaRPr lang="en-US" sz="1000">
+                        <a:effectLst/>
+                        <a:latin typeface="Times" panose="02020603050405020304" pitchFamily="18" charset="0"/>
+                        <a:ea typeface="Times New Roman" panose="02020603050405020304" pitchFamily="18" charset="0"/>
+                        <a:cs typeface="Times New Roman" panose="02020603050405020304" pitchFamily="18" charset="0"/>
+                      </a:endParaRPr>
+                    </a:p>
+                  </a:txBody>
+                  <a:tcPr marL="44450" marR="44450" marT="0" marB="0">
+                    <a:lnT w="6350" cap="flat" cmpd="sng" algn="ctr">
+                      <a:solidFill>
+                        <a:schemeClr val="tx1"/>
+                      </a:solidFill>
+                      <a:prstDash val="solid"/>
+                      <a:round/>
+                      <a:headEnd type="none" w="med" len="med"/>
+                      <a:tailEnd type="none" w="med" len="med"/>
+                    </a:lnT>
+                  </a:tcPr>
+                </a:tc>
+                <a:tc>
+                  <a:txBody>
+                    <a:bodyPr/>
+                    <a:lstStyle/>
+                    <a:p>
+                      <a:pPr marL="0" marR="0" indent="0" algn="just">
+                        <a:spcBef>
+                          <a:spcPts val="0"/>
+                        </a:spcBef>
+                        <a:spcAft>
+                          <a:spcPts val="0"/>
+                        </a:spcAft>
+                      </a:pPr>
+                      <a:r>
+                        <a:rPr lang="en-US" sz="900">
+                          <a:effectLst/>
+                        </a:rPr>
+                        <a:t>20</a:t>
+                      </a:r>
+                      <a:endParaRPr lang="en-US" sz="1000">
+                        <a:effectLst/>
+                        <a:latin typeface="Times" panose="02020603050405020304" pitchFamily="18" charset="0"/>
+                        <a:ea typeface="Times New Roman" panose="02020603050405020304" pitchFamily="18" charset="0"/>
+                        <a:cs typeface="Times New Roman" panose="02020603050405020304" pitchFamily="18" charset="0"/>
+                      </a:endParaRPr>
+                    </a:p>
+                  </a:txBody>
+                  <a:tcPr marL="44450" marR="44450" marT="0" marB="0">
+                    <a:lnT w="6350" cap="flat" cmpd="sng" algn="ctr">
+                      <a:solidFill>
+                        <a:schemeClr val="tx1"/>
+                      </a:solidFill>
+                      <a:prstDash val="solid"/>
+                      <a:round/>
+                      <a:headEnd type="none" w="med" len="med"/>
+                      <a:tailEnd type="none" w="med" len="med"/>
+                    </a:lnT>
+                  </a:tcPr>
+                </a:tc>
+                <a:tc>
+                  <a:txBody>
+                    <a:bodyPr/>
+                    <a:lstStyle/>
+                    <a:p>
+                      <a:pPr marL="0" marR="0" indent="0" algn="just">
+                        <a:spcBef>
+                          <a:spcPts val="0"/>
+                        </a:spcBef>
+                        <a:spcAft>
+                          <a:spcPts val="0"/>
+                        </a:spcAft>
+                      </a:pPr>
+                      <a:r>
+                        <a:rPr lang="en-US" sz="900">
+                          <a:effectLst/>
+                        </a:rPr>
+                        <a:t>15</a:t>
+                      </a:r>
+                      <a:endParaRPr lang="en-US" sz="1000">
+                        <a:effectLst/>
+                        <a:latin typeface="Times" panose="02020603050405020304" pitchFamily="18" charset="0"/>
+                        <a:ea typeface="Times New Roman" panose="02020603050405020304" pitchFamily="18" charset="0"/>
+                        <a:cs typeface="Times New Roman" panose="02020603050405020304" pitchFamily="18" charset="0"/>
+                      </a:endParaRPr>
+                    </a:p>
+                  </a:txBody>
+                  <a:tcPr marL="44450" marR="44450" marT="0" marB="0">
+                    <a:lnT w="6350" cap="flat" cmpd="sng" algn="ctr">
+                      <a:solidFill>
+                        <a:schemeClr val="tx1"/>
+                      </a:solidFill>
+                      <a:prstDash val="solid"/>
+                      <a:round/>
+                      <a:headEnd type="none" w="med" len="med"/>
+                      <a:tailEnd type="none" w="med" len="med"/>
+                    </a:lnT>
+                  </a:tcPr>
+                </a:tc>
+              </a:tr>
+              <a:tr h="0">
+                <a:tc>
+                  <a:txBody>
+                    <a:bodyPr/>
+                    <a:lstStyle/>
+                    <a:p>
+                      <a:pPr marL="0" marR="0" indent="0" algn="just">
+                        <a:spcBef>
+                          <a:spcPts val="0"/>
+                        </a:spcBef>
+                        <a:spcAft>
+                          <a:spcPts val="0"/>
+                        </a:spcAft>
+                      </a:pPr>
+                      <a:r>
+                        <a:rPr lang="en-US" sz="900">
+                          <a:effectLst/>
+                        </a:rPr>
+                        <a:t> </a:t>
+                      </a:r>
+                      <a:endParaRPr lang="en-US" sz="1000">
+                        <a:effectLst/>
+                        <a:latin typeface="Times" panose="02020603050405020304" pitchFamily="18" charset="0"/>
+                        <a:ea typeface="Times New Roman" panose="02020603050405020304" pitchFamily="18" charset="0"/>
+                        <a:cs typeface="Times New Roman" panose="02020603050405020304" pitchFamily="18" charset="0"/>
+                      </a:endParaRPr>
+                    </a:p>
+                  </a:txBody>
+                  <a:tcPr marL="44450" marR="44450" marT="0" marB="0"/>
+                </a:tc>
+                <a:tc>
+                  <a:txBody>
+                    <a:bodyPr/>
+                    <a:lstStyle/>
+                    <a:p>
+                      <a:pPr marL="0" marR="0" indent="0" algn="just">
+                        <a:spcBef>
+                          <a:spcPts val="0"/>
+                        </a:spcBef>
+                        <a:spcAft>
+                          <a:spcPts val="0"/>
+                        </a:spcAft>
+                      </a:pPr>
+                      <a:r>
+                        <a:rPr lang="en-US" sz="900">
+                          <a:effectLst/>
+                        </a:rPr>
+                        <a:t>Some college</a:t>
+                      </a:r>
+                      <a:endParaRPr lang="en-US" sz="1000">
+                        <a:effectLst/>
+                        <a:latin typeface="Times" panose="02020603050405020304" pitchFamily="18" charset="0"/>
+                        <a:ea typeface="Times New Roman" panose="02020603050405020304" pitchFamily="18" charset="0"/>
+                        <a:cs typeface="Times New Roman" panose="02020603050405020304" pitchFamily="18" charset="0"/>
+                      </a:endParaRPr>
+                    </a:p>
+                  </a:txBody>
+                  <a:tcPr marL="44450" marR="44450" marT="0" marB="0"/>
+                </a:tc>
+                <a:tc>
+                  <a:txBody>
+                    <a:bodyPr/>
+                    <a:lstStyle/>
+                    <a:p>
+                      <a:pPr marL="0" marR="0" indent="0" algn="just">
+                        <a:spcBef>
+                          <a:spcPts val="0"/>
+                        </a:spcBef>
+                        <a:spcAft>
+                          <a:spcPts val="0"/>
+                        </a:spcAft>
+                      </a:pPr>
+                      <a:r>
+                        <a:rPr lang="en-US" sz="900">
+                          <a:effectLst/>
+                        </a:rPr>
+                        <a:t>70</a:t>
+                      </a:r>
+                      <a:endParaRPr lang="en-US" sz="1000">
+                        <a:effectLst/>
+                        <a:latin typeface="Times" panose="02020603050405020304" pitchFamily="18" charset="0"/>
+                        <a:ea typeface="Times New Roman" panose="02020603050405020304" pitchFamily="18" charset="0"/>
+                        <a:cs typeface="Times New Roman" panose="02020603050405020304" pitchFamily="18" charset="0"/>
+                      </a:endParaRPr>
+                    </a:p>
+                  </a:txBody>
+                  <a:tcPr marL="44450" marR="44450" marT="0" marB="0"/>
+                </a:tc>
+                <a:tc>
+                  <a:txBody>
+                    <a:bodyPr/>
+                    <a:lstStyle/>
+                    <a:p>
+                      <a:pPr marL="0" marR="0" indent="0" algn="just">
+                        <a:spcBef>
+                          <a:spcPts val="0"/>
+                        </a:spcBef>
+                        <a:spcAft>
+                          <a:spcPts val="0"/>
+                        </a:spcAft>
+                      </a:pPr>
+                      <a:r>
+                        <a:rPr lang="en-US" sz="900">
+                          <a:effectLst/>
+                        </a:rPr>
+                        <a:t>55</a:t>
+                      </a:r>
+                      <a:endParaRPr lang="en-US" sz="1000">
+                        <a:effectLst/>
+                        <a:latin typeface="Times" panose="02020603050405020304" pitchFamily="18" charset="0"/>
+                        <a:ea typeface="Times New Roman" panose="02020603050405020304" pitchFamily="18" charset="0"/>
+                        <a:cs typeface="Times New Roman" panose="02020603050405020304" pitchFamily="18" charset="0"/>
+                      </a:endParaRPr>
+                    </a:p>
+                  </a:txBody>
+                  <a:tcPr marL="44450" marR="44450" marT="0" marB="0"/>
+                </a:tc>
+              </a:tr>
+              <a:tr h="0">
+                <a:tc>
+                  <a:txBody>
+                    <a:bodyPr/>
+                    <a:lstStyle/>
+                    <a:p>
+                      <a:pPr marL="0" marR="0" indent="0" algn="just">
+                        <a:spcBef>
+                          <a:spcPts val="0"/>
+                        </a:spcBef>
+                        <a:spcAft>
+                          <a:spcPts val="0"/>
+                        </a:spcAft>
+                      </a:pPr>
+                      <a:r>
+                        <a:rPr lang="en-US" sz="900" dirty="0">
+                          <a:effectLst/>
+                        </a:rPr>
+                        <a:t> </a:t>
+                      </a:r>
+                      <a:endParaRPr lang="en-US" sz="1000" dirty="0">
+                        <a:effectLst/>
+                        <a:latin typeface="Times" panose="02020603050405020304" pitchFamily="18" charset="0"/>
+                        <a:ea typeface="Times New Roman" panose="02020603050405020304" pitchFamily="18" charset="0"/>
+                        <a:cs typeface="Times New Roman" panose="02020603050405020304" pitchFamily="18" charset="0"/>
+                      </a:endParaRPr>
+                    </a:p>
+                  </a:txBody>
+                  <a:tcPr marL="44450" marR="44450" marT="0" marB="0">
+                    <a:lnB w="6350" cap="flat" cmpd="sng" algn="ctr">
+                      <a:solidFill>
+                        <a:schemeClr val="tx1"/>
+                      </a:solidFill>
+                      <a:prstDash val="solid"/>
+                      <a:round/>
+                      <a:headEnd type="none" w="med" len="med"/>
+                      <a:tailEnd type="none" w="med" len="med"/>
+                    </a:lnB>
+                  </a:tcPr>
+                </a:tc>
+                <a:tc>
+                  <a:txBody>
+                    <a:bodyPr/>
+                    <a:lstStyle/>
+                    <a:p>
+                      <a:pPr marL="0" marR="0" indent="0" algn="just">
+                        <a:spcBef>
+                          <a:spcPts val="0"/>
+                        </a:spcBef>
+                        <a:spcAft>
+                          <a:spcPts val="0"/>
+                        </a:spcAft>
+                      </a:pPr>
+                      <a:r>
+                        <a:rPr lang="en-US" sz="900">
+                          <a:effectLst/>
+                        </a:rPr>
+                        <a:t>College degree or more</a:t>
+                      </a:r>
+                      <a:endParaRPr lang="en-US" sz="1000">
+                        <a:effectLst/>
+                        <a:latin typeface="Times" panose="02020603050405020304" pitchFamily="18" charset="0"/>
+                        <a:ea typeface="Times New Roman" panose="02020603050405020304" pitchFamily="18" charset="0"/>
+                        <a:cs typeface="Times New Roman" panose="02020603050405020304" pitchFamily="18" charset="0"/>
+                      </a:endParaRPr>
+                    </a:p>
+                  </a:txBody>
+                  <a:tcPr marL="44450" marR="44450" marT="0" marB="0">
+                    <a:lnB w="6350" cap="flat" cmpd="sng" algn="ctr">
+                      <a:solidFill>
+                        <a:schemeClr val="tx1"/>
+                      </a:solidFill>
+                      <a:prstDash val="solid"/>
+                      <a:round/>
+                      <a:headEnd type="none" w="med" len="med"/>
+                      <a:tailEnd type="none" w="med" len="med"/>
+                    </a:lnB>
+                  </a:tcPr>
+                </a:tc>
+                <a:tc>
+                  <a:txBody>
+                    <a:bodyPr/>
+                    <a:lstStyle/>
+                    <a:p>
+                      <a:pPr marL="0" marR="0" indent="0" algn="just">
+                        <a:spcBef>
+                          <a:spcPts val="0"/>
+                        </a:spcBef>
+                        <a:spcAft>
+                          <a:spcPts val="0"/>
+                        </a:spcAft>
+                      </a:pPr>
+                      <a:r>
+                        <a:rPr lang="en-US" sz="900">
+                          <a:effectLst/>
+                        </a:rPr>
+                        <a:t>109</a:t>
+                      </a:r>
+                      <a:endParaRPr lang="en-US" sz="1000">
+                        <a:effectLst/>
+                        <a:latin typeface="Times" panose="02020603050405020304" pitchFamily="18" charset="0"/>
+                        <a:ea typeface="Times New Roman" panose="02020603050405020304" pitchFamily="18" charset="0"/>
+                        <a:cs typeface="Times New Roman" panose="02020603050405020304" pitchFamily="18" charset="0"/>
+                      </a:endParaRPr>
+                    </a:p>
+                  </a:txBody>
+                  <a:tcPr marL="44450" marR="44450" marT="0" marB="0">
+                    <a:lnB w="6350" cap="flat" cmpd="sng" algn="ctr">
+                      <a:solidFill>
+                        <a:schemeClr val="tx1"/>
+                      </a:solidFill>
+                      <a:prstDash val="solid"/>
+                      <a:round/>
+                      <a:headEnd type="none" w="med" len="med"/>
+                      <a:tailEnd type="none" w="med" len="med"/>
+                    </a:lnB>
+                  </a:tcPr>
+                </a:tc>
+                <a:tc>
+                  <a:txBody>
+                    <a:bodyPr/>
+                    <a:lstStyle/>
+                    <a:p>
+                      <a:pPr marL="0" marR="0" indent="0" algn="just">
+                        <a:spcBef>
+                          <a:spcPts val="0"/>
+                        </a:spcBef>
+                        <a:spcAft>
+                          <a:spcPts val="0"/>
+                        </a:spcAft>
+                      </a:pPr>
+                      <a:r>
+                        <a:rPr lang="en-US" sz="900">
+                          <a:effectLst/>
+                        </a:rPr>
+                        <a:t>79</a:t>
+                      </a:r>
+                      <a:endParaRPr lang="en-US" sz="1000">
+                        <a:effectLst/>
+                        <a:latin typeface="Times" panose="02020603050405020304" pitchFamily="18" charset="0"/>
+                        <a:ea typeface="Times New Roman" panose="02020603050405020304" pitchFamily="18" charset="0"/>
+                        <a:cs typeface="Times New Roman" panose="02020603050405020304" pitchFamily="18" charset="0"/>
+                      </a:endParaRPr>
+                    </a:p>
+                  </a:txBody>
+                  <a:tcPr marL="44450" marR="44450" marT="0" marB="0">
+                    <a:lnB w="6350" cap="flat" cmpd="sng" algn="ctr">
+                      <a:solidFill>
+                        <a:schemeClr val="tx1"/>
+                      </a:solidFill>
+                      <a:prstDash val="solid"/>
+                      <a:round/>
+                      <a:headEnd type="none" w="med" len="med"/>
+                      <a:tailEnd type="none" w="med" len="med"/>
+                    </a:lnB>
+                  </a:tcPr>
+                </a:tc>
+              </a:tr>
+              <a:tr h="0">
+                <a:tc>
+                  <a:txBody>
+                    <a:bodyPr/>
+                    <a:lstStyle/>
+                    <a:p>
+                      <a:pPr marL="0" marR="0" indent="0" algn="just">
+                        <a:spcBef>
+                          <a:spcPts val="0"/>
+                        </a:spcBef>
+                        <a:spcAft>
+                          <a:spcPts val="0"/>
+                        </a:spcAft>
+                      </a:pPr>
+                      <a:r>
+                        <a:rPr lang="en-US" sz="900">
+                          <a:effectLst/>
+                        </a:rPr>
+                        <a:t>Occupation</a:t>
+                      </a:r>
+                      <a:endParaRPr lang="en-US" sz="1000">
+                        <a:effectLst/>
+                        <a:latin typeface="Times" panose="02020603050405020304" pitchFamily="18" charset="0"/>
+                        <a:ea typeface="Times New Roman" panose="02020603050405020304" pitchFamily="18" charset="0"/>
+                        <a:cs typeface="Times New Roman" panose="02020603050405020304" pitchFamily="18" charset="0"/>
+                      </a:endParaRPr>
+                    </a:p>
+                  </a:txBody>
+                  <a:tcPr marL="44450" marR="44450" marT="0" marB="0">
+                    <a:lnT w="6350" cap="flat" cmpd="sng" algn="ctr">
+                      <a:solidFill>
+                        <a:schemeClr val="tx1"/>
+                      </a:solidFill>
+                      <a:prstDash val="solid"/>
+                      <a:round/>
+                      <a:headEnd type="none" w="med" len="med"/>
+                      <a:tailEnd type="none" w="med" len="med"/>
+                    </a:lnT>
+                  </a:tcPr>
+                </a:tc>
+                <a:tc>
+                  <a:txBody>
+                    <a:bodyPr/>
+                    <a:lstStyle/>
+                    <a:p>
+                      <a:pPr marL="0" marR="0" indent="0" algn="just">
+                        <a:spcBef>
+                          <a:spcPts val="0"/>
+                        </a:spcBef>
+                        <a:spcAft>
+                          <a:spcPts val="0"/>
+                        </a:spcAft>
+                      </a:pPr>
+                      <a:r>
+                        <a:rPr lang="en-US" sz="900">
+                          <a:effectLst/>
+                        </a:rPr>
+                        <a:t>Science and technology</a:t>
+                      </a:r>
+                      <a:endParaRPr lang="en-US" sz="1000">
+                        <a:effectLst/>
+                        <a:latin typeface="Times" panose="02020603050405020304" pitchFamily="18" charset="0"/>
+                        <a:ea typeface="Times New Roman" panose="02020603050405020304" pitchFamily="18" charset="0"/>
+                        <a:cs typeface="Times New Roman" panose="02020603050405020304" pitchFamily="18" charset="0"/>
+                      </a:endParaRPr>
+                    </a:p>
+                  </a:txBody>
+                  <a:tcPr marL="44450" marR="44450" marT="0" marB="0">
+                    <a:lnT w="6350" cap="flat" cmpd="sng" algn="ctr">
+                      <a:solidFill>
+                        <a:schemeClr val="tx1"/>
+                      </a:solidFill>
+                      <a:prstDash val="solid"/>
+                      <a:round/>
+                      <a:headEnd type="none" w="med" len="med"/>
+                      <a:tailEnd type="none" w="med" len="med"/>
+                    </a:lnT>
+                  </a:tcPr>
+                </a:tc>
+                <a:tc>
+                  <a:txBody>
+                    <a:bodyPr/>
+                    <a:lstStyle/>
+                    <a:p>
+                      <a:pPr marL="0" marR="0" indent="0" algn="just">
+                        <a:spcBef>
+                          <a:spcPts val="0"/>
+                        </a:spcBef>
+                        <a:spcAft>
+                          <a:spcPts val="0"/>
+                        </a:spcAft>
+                      </a:pPr>
+                      <a:r>
+                        <a:rPr lang="en-US" sz="900">
+                          <a:effectLst/>
+                        </a:rPr>
+                        <a:t>67</a:t>
+                      </a:r>
+                      <a:endParaRPr lang="en-US" sz="1000">
+                        <a:effectLst/>
+                        <a:latin typeface="Times" panose="02020603050405020304" pitchFamily="18" charset="0"/>
+                        <a:ea typeface="Times New Roman" panose="02020603050405020304" pitchFamily="18" charset="0"/>
+                        <a:cs typeface="Times New Roman" panose="02020603050405020304" pitchFamily="18" charset="0"/>
+                      </a:endParaRPr>
+                    </a:p>
+                  </a:txBody>
+                  <a:tcPr marL="44450" marR="44450" marT="0" marB="0">
+                    <a:lnT w="6350" cap="flat" cmpd="sng" algn="ctr">
+                      <a:solidFill>
+                        <a:schemeClr val="tx1"/>
+                      </a:solidFill>
+                      <a:prstDash val="solid"/>
+                      <a:round/>
+                      <a:headEnd type="none" w="med" len="med"/>
+                      <a:tailEnd type="none" w="med" len="med"/>
+                    </a:lnT>
+                  </a:tcPr>
+                </a:tc>
+                <a:tc>
+                  <a:txBody>
+                    <a:bodyPr/>
+                    <a:lstStyle/>
+                    <a:p>
+                      <a:pPr marL="0" marR="0" indent="0" algn="just">
+                        <a:spcBef>
+                          <a:spcPts val="0"/>
+                        </a:spcBef>
+                        <a:spcAft>
+                          <a:spcPts val="0"/>
+                        </a:spcAft>
+                      </a:pPr>
+                      <a:r>
+                        <a:rPr lang="en-US" sz="900">
+                          <a:effectLst/>
+                        </a:rPr>
+                        <a:t>56</a:t>
+                      </a:r>
+                      <a:endParaRPr lang="en-US" sz="1000">
+                        <a:effectLst/>
+                        <a:latin typeface="Times" panose="02020603050405020304" pitchFamily="18" charset="0"/>
+                        <a:ea typeface="Times New Roman" panose="02020603050405020304" pitchFamily="18" charset="0"/>
+                        <a:cs typeface="Times New Roman" panose="02020603050405020304" pitchFamily="18" charset="0"/>
+                      </a:endParaRPr>
+                    </a:p>
+                  </a:txBody>
+                  <a:tcPr marL="44450" marR="44450" marT="0" marB="0">
+                    <a:lnT w="6350" cap="flat" cmpd="sng" algn="ctr">
+                      <a:solidFill>
+                        <a:schemeClr val="tx1"/>
+                      </a:solidFill>
+                      <a:prstDash val="solid"/>
+                      <a:round/>
+                      <a:headEnd type="none" w="med" len="med"/>
+                      <a:tailEnd type="none" w="med" len="med"/>
+                    </a:lnT>
+                  </a:tcPr>
+                </a:tc>
+              </a:tr>
+              <a:tr h="0">
+                <a:tc>
+                  <a:txBody>
+                    <a:bodyPr/>
+                    <a:lstStyle/>
+                    <a:p>
+                      <a:pPr marL="0" marR="0" indent="0" algn="just">
+                        <a:spcBef>
+                          <a:spcPts val="0"/>
+                        </a:spcBef>
+                        <a:spcAft>
+                          <a:spcPts val="0"/>
+                        </a:spcAft>
+                      </a:pPr>
+                      <a:r>
+                        <a:rPr lang="en-US" sz="900">
+                          <a:effectLst/>
+                        </a:rPr>
+                        <a:t> </a:t>
+                      </a:r>
+                      <a:endParaRPr lang="en-US" sz="1000">
+                        <a:effectLst/>
+                        <a:latin typeface="Times" panose="02020603050405020304" pitchFamily="18" charset="0"/>
+                        <a:ea typeface="Times New Roman" panose="02020603050405020304" pitchFamily="18" charset="0"/>
+                        <a:cs typeface="Times New Roman" panose="02020603050405020304" pitchFamily="18" charset="0"/>
+                      </a:endParaRPr>
+                    </a:p>
+                  </a:txBody>
+                  <a:tcPr marL="44450" marR="44450" marT="0" marB="0"/>
+                </a:tc>
+                <a:tc>
+                  <a:txBody>
+                    <a:bodyPr/>
+                    <a:lstStyle/>
+                    <a:p>
+                      <a:pPr marL="0" marR="0" indent="0" algn="just">
+                        <a:spcBef>
+                          <a:spcPts val="0"/>
+                        </a:spcBef>
+                        <a:spcAft>
+                          <a:spcPts val="0"/>
+                        </a:spcAft>
+                      </a:pPr>
+                      <a:r>
+                        <a:rPr lang="en-US" sz="900">
+                          <a:effectLst/>
+                        </a:rPr>
+                        <a:t>Arts, entertainment, and media</a:t>
+                      </a:r>
+                      <a:endParaRPr lang="en-US" sz="1000">
+                        <a:effectLst/>
+                        <a:latin typeface="Times" panose="02020603050405020304" pitchFamily="18" charset="0"/>
+                        <a:ea typeface="Times New Roman" panose="02020603050405020304" pitchFamily="18" charset="0"/>
+                        <a:cs typeface="Times New Roman" panose="02020603050405020304" pitchFamily="18" charset="0"/>
+                      </a:endParaRPr>
+                    </a:p>
+                  </a:txBody>
+                  <a:tcPr marL="44450" marR="44450" marT="0" marB="0"/>
+                </a:tc>
+                <a:tc>
+                  <a:txBody>
+                    <a:bodyPr/>
+                    <a:lstStyle/>
+                    <a:p>
+                      <a:pPr marL="0" marR="0" indent="0" algn="just">
+                        <a:spcBef>
+                          <a:spcPts val="0"/>
+                        </a:spcBef>
+                        <a:spcAft>
+                          <a:spcPts val="0"/>
+                        </a:spcAft>
+                      </a:pPr>
+                      <a:r>
+                        <a:rPr lang="en-US" sz="900">
+                          <a:effectLst/>
+                        </a:rPr>
+                        <a:t>9</a:t>
+                      </a:r>
+                      <a:endParaRPr lang="en-US" sz="1000">
+                        <a:effectLst/>
+                        <a:latin typeface="Times" panose="02020603050405020304" pitchFamily="18" charset="0"/>
+                        <a:ea typeface="Times New Roman" panose="02020603050405020304" pitchFamily="18" charset="0"/>
+                        <a:cs typeface="Times New Roman" panose="02020603050405020304" pitchFamily="18" charset="0"/>
+                      </a:endParaRPr>
+                    </a:p>
+                  </a:txBody>
+                  <a:tcPr marL="44450" marR="44450" marT="0" marB="0"/>
+                </a:tc>
+                <a:tc>
+                  <a:txBody>
+                    <a:bodyPr/>
+                    <a:lstStyle/>
+                    <a:p>
+                      <a:pPr marL="0" marR="0" indent="0" algn="just">
+                        <a:spcBef>
+                          <a:spcPts val="0"/>
+                        </a:spcBef>
+                        <a:spcAft>
+                          <a:spcPts val="0"/>
+                        </a:spcAft>
+                      </a:pPr>
+                      <a:r>
+                        <a:rPr lang="en-US" sz="900">
+                          <a:effectLst/>
+                        </a:rPr>
+                        <a:t>7</a:t>
+                      </a:r>
+                      <a:endParaRPr lang="en-US" sz="1000">
+                        <a:effectLst/>
+                        <a:latin typeface="Times" panose="02020603050405020304" pitchFamily="18" charset="0"/>
+                        <a:ea typeface="Times New Roman" panose="02020603050405020304" pitchFamily="18" charset="0"/>
+                        <a:cs typeface="Times New Roman" panose="02020603050405020304" pitchFamily="18" charset="0"/>
+                      </a:endParaRPr>
+                    </a:p>
+                  </a:txBody>
+                  <a:tcPr marL="44450" marR="44450" marT="0" marB="0"/>
+                </a:tc>
+              </a:tr>
+              <a:tr h="0">
+                <a:tc>
+                  <a:txBody>
+                    <a:bodyPr/>
+                    <a:lstStyle/>
+                    <a:p>
+                      <a:pPr marL="0" marR="0" indent="0" algn="just">
+                        <a:spcBef>
+                          <a:spcPts val="0"/>
+                        </a:spcBef>
+                        <a:spcAft>
+                          <a:spcPts val="0"/>
+                        </a:spcAft>
+                      </a:pPr>
+                      <a:r>
+                        <a:rPr lang="en-US" sz="900">
+                          <a:effectLst/>
+                        </a:rPr>
+                        <a:t> </a:t>
+                      </a:r>
+                      <a:endParaRPr lang="en-US" sz="1000">
+                        <a:effectLst/>
+                        <a:latin typeface="Times" panose="02020603050405020304" pitchFamily="18" charset="0"/>
+                        <a:ea typeface="Times New Roman" panose="02020603050405020304" pitchFamily="18" charset="0"/>
+                        <a:cs typeface="Times New Roman" panose="02020603050405020304" pitchFamily="18" charset="0"/>
+                      </a:endParaRPr>
+                    </a:p>
+                  </a:txBody>
+                  <a:tcPr marL="44450" marR="44450" marT="0" marB="0"/>
+                </a:tc>
+                <a:tc>
+                  <a:txBody>
+                    <a:bodyPr/>
+                    <a:lstStyle/>
+                    <a:p>
+                      <a:pPr marL="0" marR="0" indent="0" algn="just">
+                        <a:spcBef>
+                          <a:spcPts val="0"/>
+                        </a:spcBef>
+                        <a:spcAft>
+                          <a:spcPts val="0"/>
+                        </a:spcAft>
+                      </a:pPr>
+                      <a:r>
+                        <a:rPr lang="en-US" sz="900">
+                          <a:effectLst/>
+                        </a:rPr>
+                        <a:t>Education</a:t>
+                      </a:r>
+                      <a:endParaRPr lang="en-US" sz="1000">
+                        <a:effectLst/>
+                        <a:latin typeface="Times" panose="02020603050405020304" pitchFamily="18" charset="0"/>
+                        <a:ea typeface="Times New Roman" panose="02020603050405020304" pitchFamily="18" charset="0"/>
+                        <a:cs typeface="Times New Roman" panose="02020603050405020304" pitchFamily="18" charset="0"/>
+                      </a:endParaRPr>
+                    </a:p>
+                  </a:txBody>
+                  <a:tcPr marL="44450" marR="44450" marT="0" marB="0"/>
+                </a:tc>
+                <a:tc>
+                  <a:txBody>
+                    <a:bodyPr/>
+                    <a:lstStyle/>
+                    <a:p>
+                      <a:pPr marL="0" marR="0" indent="0" algn="just">
+                        <a:spcBef>
+                          <a:spcPts val="0"/>
+                        </a:spcBef>
+                        <a:spcAft>
+                          <a:spcPts val="0"/>
+                        </a:spcAft>
+                      </a:pPr>
+                      <a:r>
+                        <a:rPr lang="en-US" sz="900">
+                          <a:effectLst/>
+                        </a:rPr>
+                        <a:t>7</a:t>
+                      </a:r>
+                      <a:endParaRPr lang="en-US" sz="1000">
+                        <a:effectLst/>
+                        <a:latin typeface="Times" panose="02020603050405020304" pitchFamily="18" charset="0"/>
+                        <a:ea typeface="Times New Roman" panose="02020603050405020304" pitchFamily="18" charset="0"/>
+                        <a:cs typeface="Times New Roman" panose="02020603050405020304" pitchFamily="18" charset="0"/>
+                      </a:endParaRPr>
+                    </a:p>
+                  </a:txBody>
+                  <a:tcPr marL="44450" marR="44450" marT="0" marB="0"/>
+                </a:tc>
+                <a:tc>
+                  <a:txBody>
+                    <a:bodyPr/>
+                    <a:lstStyle/>
+                    <a:p>
+                      <a:pPr marL="0" marR="0" indent="0" algn="just">
+                        <a:spcBef>
+                          <a:spcPts val="0"/>
+                        </a:spcBef>
+                        <a:spcAft>
+                          <a:spcPts val="0"/>
+                        </a:spcAft>
+                      </a:pPr>
+                      <a:r>
+                        <a:rPr lang="en-US" sz="900">
+                          <a:effectLst/>
+                        </a:rPr>
+                        <a:t>5</a:t>
+                      </a:r>
+                      <a:endParaRPr lang="en-US" sz="1000">
+                        <a:effectLst/>
+                        <a:latin typeface="Times" panose="02020603050405020304" pitchFamily="18" charset="0"/>
+                        <a:ea typeface="Times New Roman" panose="02020603050405020304" pitchFamily="18" charset="0"/>
+                        <a:cs typeface="Times New Roman" panose="02020603050405020304" pitchFamily="18" charset="0"/>
+                      </a:endParaRPr>
+                    </a:p>
+                  </a:txBody>
+                  <a:tcPr marL="44450" marR="44450" marT="0" marB="0"/>
+                </a:tc>
+              </a:tr>
+              <a:tr h="0">
+                <a:tc>
+                  <a:txBody>
+                    <a:bodyPr/>
+                    <a:lstStyle/>
+                    <a:p>
+                      <a:pPr marL="0" marR="0" indent="0" algn="just">
+                        <a:spcBef>
+                          <a:spcPts val="0"/>
+                        </a:spcBef>
+                        <a:spcAft>
+                          <a:spcPts val="0"/>
+                        </a:spcAft>
+                      </a:pPr>
+                      <a:r>
+                        <a:rPr lang="en-US" sz="900">
+                          <a:effectLst/>
+                        </a:rPr>
+                        <a:t> </a:t>
+                      </a:r>
+                      <a:endParaRPr lang="en-US" sz="1000">
+                        <a:effectLst/>
+                        <a:latin typeface="Times" panose="02020603050405020304" pitchFamily="18" charset="0"/>
+                        <a:ea typeface="Times New Roman" panose="02020603050405020304" pitchFamily="18" charset="0"/>
+                        <a:cs typeface="Times New Roman" panose="02020603050405020304" pitchFamily="18" charset="0"/>
+                      </a:endParaRPr>
+                    </a:p>
+                  </a:txBody>
+                  <a:tcPr marL="44450" marR="44450" marT="0" marB="0"/>
+                </a:tc>
+                <a:tc>
+                  <a:txBody>
+                    <a:bodyPr/>
+                    <a:lstStyle/>
+                    <a:p>
+                      <a:pPr marL="0" marR="0" indent="0" algn="just">
+                        <a:spcBef>
+                          <a:spcPts val="0"/>
+                        </a:spcBef>
+                        <a:spcAft>
+                          <a:spcPts val="0"/>
+                        </a:spcAft>
+                      </a:pPr>
+                      <a:r>
+                        <a:rPr lang="en-US" sz="900">
+                          <a:effectLst/>
+                        </a:rPr>
+                        <a:t>Legal</a:t>
+                      </a:r>
+                      <a:endParaRPr lang="en-US" sz="1000">
+                        <a:effectLst/>
+                        <a:latin typeface="Times" panose="02020603050405020304" pitchFamily="18" charset="0"/>
+                        <a:ea typeface="Times New Roman" panose="02020603050405020304" pitchFamily="18" charset="0"/>
+                        <a:cs typeface="Times New Roman" panose="02020603050405020304" pitchFamily="18" charset="0"/>
+                      </a:endParaRPr>
+                    </a:p>
+                  </a:txBody>
+                  <a:tcPr marL="44450" marR="44450" marT="0" marB="0"/>
+                </a:tc>
+                <a:tc>
+                  <a:txBody>
+                    <a:bodyPr/>
+                    <a:lstStyle/>
+                    <a:p>
+                      <a:pPr marL="0" marR="0" indent="0" algn="just">
+                        <a:spcBef>
+                          <a:spcPts val="0"/>
+                        </a:spcBef>
+                        <a:spcAft>
+                          <a:spcPts val="0"/>
+                        </a:spcAft>
+                      </a:pPr>
+                      <a:r>
+                        <a:rPr lang="en-US" sz="900">
+                          <a:effectLst/>
+                        </a:rPr>
+                        <a:t>13</a:t>
+                      </a:r>
+                      <a:endParaRPr lang="en-US" sz="1000">
+                        <a:effectLst/>
+                        <a:latin typeface="Times" panose="02020603050405020304" pitchFamily="18" charset="0"/>
+                        <a:ea typeface="Times New Roman" panose="02020603050405020304" pitchFamily="18" charset="0"/>
+                        <a:cs typeface="Times New Roman" panose="02020603050405020304" pitchFamily="18" charset="0"/>
+                      </a:endParaRPr>
+                    </a:p>
+                  </a:txBody>
+                  <a:tcPr marL="44450" marR="44450" marT="0" marB="0"/>
+                </a:tc>
+                <a:tc>
+                  <a:txBody>
+                    <a:bodyPr/>
+                    <a:lstStyle/>
+                    <a:p>
+                      <a:pPr marL="0" marR="0" indent="0" algn="just">
+                        <a:spcBef>
+                          <a:spcPts val="0"/>
+                        </a:spcBef>
+                        <a:spcAft>
+                          <a:spcPts val="0"/>
+                        </a:spcAft>
+                      </a:pPr>
+                      <a:r>
+                        <a:rPr lang="en-US" sz="900">
+                          <a:effectLst/>
+                        </a:rPr>
+                        <a:t>13</a:t>
+                      </a:r>
+                      <a:endParaRPr lang="en-US" sz="1000">
+                        <a:effectLst/>
+                        <a:latin typeface="Times" panose="02020603050405020304" pitchFamily="18" charset="0"/>
+                        <a:ea typeface="Times New Roman" panose="02020603050405020304" pitchFamily="18" charset="0"/>
+                        <a:cs typeface="Times New Roman" panose="02020603050405020304" pitchFamily="18" charset="0"/>
+                      </a:endParaRPr>
+                    </a:p>
+                  </a:txBody>
+                  <a:tcPr marL="44450" marR="44450" marT="0" marB="0"/>
+                </a:tc>
+              </a:tr>
+              <a:tr h="0">
+                <a:tc>
+                  <a:txBody>
+                    <a:bodyPr/>
+                    <a:lstStyle/>
+                    <a:p>
+                      <a:pPr marL="0" marR="0" indent="0" algn="just">
+                        <a:spcBef>
+                          <a:spcPts val="0"/>
+                        </a:spcBef>
+                        <a:spcAft>
+                          <a:spcPts val="0"/>
+                        </a:spcAft>
+                      </a:pPr>
+                      <a:r>
+                        <a:rPr lang="en-US" sz="900">
+                          <a:effectLst/>
+                        </a:rPr>
+                        <a:t> </a:t>
+                      </a:r>
+                      <a:endParaRPr lang="en-US" sz="1000">
+                        <a:effectLst/>
+                        <a:latin typeface="Times" panose="02020603050405020304" pitchFamily="18" charset="0"/>
+                        <a:ea typeface="Times New Roman" panose="02020603050405020304" pitchFamily="18" charset="0"/>
+                        <a:cs typeface="Times New Roman" panose="02020603050405020304" pitchFamily="18" charset="0"/>
+                      </a:endParaRPr>
+                    </a:p>
+                  </a:txBody>
+                  <a:tcPr marL="44450" marR="44450" marT="0" marB="0"/>
+                </a:tc>
+                <a:tc>
+                  <a:txBody>
+                    <a:bodyPr/>
+                    <a:lstStyle/>
+                    <a:p>
+                      <a:pPr marL="0" marR="0" indent="0" algn="just">
+                        <a:spcBef>
+                          <a:spcPts val="0"/>
+                        </a:spcBef>
+                        <a:spcAft>
+                          <a:spcPts val="0"/>
+                        </a:spcAft>
+                      </a:pPr>
+                      <a:r>
+                        <a:rPr lang="en-US" sz="900">
+                          <a:effectLst/>
+                        </a:rPr>
+                        <a:t>Sales</a:t>
+                      </a:r>
+                      <a:endParaRPr lang="en-US" sz="1000">
+                        <a:effectLst/>
+                        <a:latin typeface="Times" panose="02020603050405020304" pitchFamily="18" charset="0"/>
+                        <a:ea typeface="Times New Roman" panose="02020603050405020304" pitchFamily="18" charset="0"/>
+                        <a:cs typeface="Times New Roman" panose="02020603050405020304" pitchFamily="18" charset="0"/>
+                      </a:endParaRPr>
+                    </a:p>
+                  </a:txBody>
+                  <a:tcPr marL="44450" marR="44450" marT="0" marB="0"/>
+                </a:tc>
+                <a:tc>
+                  <a:txBody>
+                    <a:bodyPr/>
+                    <a:lstStyle/>
+                    <a:p>
+                      <a:pPr marL="0" marR="0" indent="0" algn="just">
+                        <a:spcBef>
+                          <a:spcPts val="0"/>
+                        </a:spcBef>
+                        <a:spcAft>
+                          <a:spcPts val="0"/>
+                        </a:spcAft>
+                      </a:pPr>
+                      <a:r>
+                        <a:rPr lang="en-US" sz="900">
+                          <a:effectLst/>
+                        </a:rPr>
+                        <a:t>17</a:t>
+                      </a:r>
+                      <a:endParaRPr lang="en-US" sz="1000">
+                        <a:effectLst/>
+                        <a:latin typeface="Times" panose="02020603050405020304" pitchFamily="18" charset="0"/>
+                        <a:ea typeface="Times New Roman" panose="02020603050405020304" pitchFamily="18" charset="0"/>
+                        <a:cs typeface="Times New Roman" panose="02020603050405020304" pitchFamily="18" charset="0"/>
+                      </a:endParaRPr>
+                    </a:p>
+                  </a:txBody>
+                  <a:tcPr marL="44450" marR="44450" marT="0" marB="0"/>
+                </a:tc>
+                <a:tc>
+                  <a:txBody>
+                    <a:bodyPr/>
+                    <a:lstStyle/>
+                    <a:p>
+                      <a:pPr marL="0" marR="0" indent="0" algn="just">
+                        <a:spcBef>
+                          <a:spcPts val="0"/>
+                        </a:spcBef>
+                        <a:spcAft>
+                          <a:spcPts val="0"/>
+                        </a:spcAft>
+                      </a:pPr>
+                      <a:r>
+                        <a:rPr lang="en-US" sz="900">
+                          <a:effectLst/>
+                        </a:rPr>
+                        <a:t>10</a:t>
+                      </a:r>
+                      <a:endParaRPr lang="en-US" sz="1000">
+                        <a:effectLst/>
+                        <a:latin typeface="Times" panose="02020603050405020304" pitchFamily="18" charset="0"/>
+                        <a:ea typeface="Times New Roman" panose="02020603050405020304" pitchFamily="18" charset="0"/>
+                        <a:cs typeface="Times New Roman" panose="02020603050405020304" pitchFamily="18" charset="0"/>
+                      </a:endParaRPr>
+                    </a:p>
+                  </a:txBody>
+                  <a:tcPr marL="44450" marR="44450" marT="0" marB="0"/>
+                </a:tc>
+              </a:tr>
+              <a:tr h="0">
+                <a:tc>
+                  <a:txBody>
+                    <a:bodyPr/>
+                    <a:lstStyle/>
+                    <a:p>
+                      <a:pPr marL="0" marR="0" indent="0" algn="just">
+                        <a:spcBef>
+                          <a:spcPts val="0"/>
+                        </a:spcBef>
+                        <a:spcAft>
+                          <a:spcPts val="0"/>
+                        </a:spcAft>
+                      </a:pPr>
+                      <a:r>
+                        <a:rPr lang="en-US" sz="900">
+                          <a:effectLst/>
+                        </a:rPr>
+                        <a:t> </a:t>
+                      </a:r>
+                      <a:endParaRPr lang="en-US" sz="1000">
+                        <a:effectLst/>
+                        <a:latin typeface="Times" panose="02020603050405020304" pitchFamily="18" charset="0"/>
+                        <a:ea typeface="Times New Roman" panose="02020603050405020304" pitchFamily="18" charset="0"/>
+                        <a:cs typeface="Times New Roman" panose="02020603050405020304" pitchFamily="18" charset="0"/>
+                      </a:endParaRPr>
+                    </a:p>
+                  </a:txBody>
+                  <a:tcPr marL="44450" marR="44450" marT="0" marB="0"/>
+                </a:tc>
+                <a:tc>
+                  <a:txBody>
+                    <a:bodyPr/>
+                    <a:lstStyle/>
+                    <a:p>
+                      <a:pPr marL="0" marR="0" indent="0" algn="just">
+                        <a:spcBef>
+                          <a:spcPts val="0"/>
+                        </a:spcBef>
+                        <a:spcAft>
+                          <a:spcPts val="0"/>
+                        </a:spcAft>
+                      </a:pPr>
+                      <a:r>
+                        <a:rPr lang="en-US" sz="900">
+                          <a:effectLst/>
+                        </a:rPr>
+                        <a:t>Food preparation and serving</a:t>
+                      </a:r>
+                      <a:endParaRPr lang="en-US" sz="1000">
+                        <a:effectLst/>
+                        <a:latin typeface="Times" panose="02020603050405020304" pitchFamily="18" charset="0"/>
+                        <a:ea typeface="Times New Roman" panose="02020603050405020304" pitchFamily="18" charset="0"/>
+                        <a:cs typeface="Times New Roman" panose="02020603050405020304" pitchFamily="18" charset="0"/>
+                      </a:endParaRPr>
+                    </a:p>
+                  </a:txBody>
+                  <a:tcPr marL="44450" marR="44450" marT="0" marB="0"/>
+                </a:tc>
+                <a:tc>
+                  <a:txBody>
+                    <a:bodyPr/>
+                    <a:lstStyle/>
+                    <a:p>
+                      <a:pPr marL="0" marR="0" indent="0" algn="just">
+                        <a:spcBef>
+                          <a:spcPts val="0"/>
+                        </a:spcBef>
+                        <a:spcAft>
+                          <a:spcPts val="0"/>
+                        </a:spcAft>
+                      </a:pPr>
+                      <a:r>
+                        <a:rPr lang="en-US" sz="900">
+                          <a:effectLst/>
+                        </a:rPr>
+                        <a:t>12</a:t>
+                      </a:r>
+                      <a:endParaRPr lang="en-US" sz="1000">
+                        <a:effectLst/>
+                        <a:latin typeface="Times" panose="02020603050405020304" pitchFamily="18" charset="0"/>
+                        <a:ea typeface="Times New Roman" panose="02020603050405020304" pitchFamily="18" charset="0"/>
+                        <a:cs typeface="Times New Roman" panose="02020603050405020304" pitchFamily="18" charset="0"/>
+                      </a:endParaRPr>
+                    </a:p>
+                  </a:txBody>
+                  <a:tcPr marL="44450" marR="44450" marT="0" marB="0"/>
+                </a:tc>
+                <a:tc>
+                  <a:txBody>
+                    <a:bodyPr/>
+                    <a:lstStyle/>
+                    <a:p>
+                      <a:pPr marL="0" marR="0" indent="0" algn="just">
+                        <a:spcBef>
+                          <a:spcPts val="0"/>
+                        </a:spcBef>
+                        <a:spcAft>
+                          <a:spcPts val="0"/>
+                        </a:spcAft>
+                      </a:pPr>
+                      <a:r>
+                        <a:rPr lang="en-US" sz="900">
+                          <a:effectLst/>
+                        </a:rPr>
+                        <a:t>6</a:t>
+                      </a:r>
+                      <a:endParaRPr lang="en-US" sz="1000">
+                        <a:effectLst/>
+                        <a:latin typeface="Times" panose="02020603050405020304" pitchFamily="18" charset="0"/>
+                        <a:ea typeface="Times New Roman" panose="02020603050405020304" pitchFamily="18" charset="0"/>
+                        <a:cs typeface="Times New Roman" panose="02020603050405020304" pitchFamily="18" charset="0"/>
+                      </a:endParaRPr>
+                    </a:p>
+                  </a:txBody>
+                  <a:tcPr marL="44450" marR="44450" marT="0" marB="0"/>
+                </a:tc>
+              </a:tr>
+              <a:tr h="0">
+                <a:tc>
+                  <a:txBody>
+                    <a:bodyPr/>
+                    <a:lstStyle/>
+                    <a:p>
+                      <a:pPr marL="0" marR="0" indent="0" algn="just">
+                        <a:spcBef>
+                          <a:spcPts val="0"/>
+                        </a:spcBef>
+                        <a:spcAft>
+                          <a:spcPts val="0"/>
+                        </a:spcAft>
+                      </a:pPr>
+                      <a:r>
+                        <a:rPr lang="en-US" sz="900">
+                          <a:effectLst/>
+                        </a:rPr>
+                        <a:t> </a:t>
+                      </a:r>
+                      <a:endParaRPr lang="en-US" sz="1000">
+                        <a:effectLst/>
+                        <a:latin typeface="Times" panose="02020603050405020304" pitchFamily="18" charset="0"/>
+                        <a:ea typeface="Times New Roman" panose="02020603050405020304" pitchFamily="18" charset="0"/>
+                        <a:cs typeface="Times New Roman" panose="02020603050405020304" pitchFamily="18" charset="0"/>
+                      </a:endParaRPr>
+                    </a:p>
+                  </a:txBody>
+                  <a:tcPr marL="44450" marR="44450" marT="0" marB="0"/>
+                </a:tc>
+                <a:tc>
+                  <a:txBody>
+                    <a:bodyPr/>
+                    <a:lstStyle/>
+                    <a:p>
+                      <a:pPr marL="0" marR="0" indent="0" algn="just">
+                        <a:spcBef>
+                          <a:spcPts val="0"/>
+                        </a:spcBef>
+                        <a:spcAft>
+                          <a:spcPts val="0"/>
+                        </a:spcAft>
+                      </a:pPr>
+                      <a:r>
+                        <a:rPr lang="en-US" sz="900" dirty="0">
+                          <a:effectLst/>
+                        </a:rPr>
+                        <a:t>Office administration and support</a:t>
+                      </a:r>
+                      <a:endParaRPr lang="en-US" sz="1000" dirty="0">
+                        <a:effectLst/>
+                        <a:latin typeface="Times" panose="02020603050405020304" pitchFamily="18" charset="0"/>
+                        <a:ea typeface="Times New Roman" panose="02020603050405020304" pitchFamily="18" charset="0"/>
+                        <a:cs typeface="Times New Roman" panose="02020603050405020304" pitchFamily="18" charset="0"/>
+                      </a:endParaRPr>
+                    </a:p>
+                  </a:txBody>
+                  <a:tcPr marL="44450" marR="44450" marT="0" marB="0"/>
+                </a:tc>
+                <a:tc>
+                  <a:txBody>
+                    <a:bodyPr/>
+                    <a:lstStyle/>
+                    <a:p>
+                      <a:pPr marL="0" marR="0" indent="0" algn="just">
+                        <a:spcBef>
+                          <a:spcPts val="0"/>
+                        </a:spcBef>
+                        <a:spcAft>
+                          <a:spcPts val="0"/>
+                        </a:spcAft>
+                      </a:pPr>
+                      <a:r>
+                        <a:rPr lang="en-US" sz="900">
+                          <a:effectLst/>
+                        </a:rPr>
+                        <a:t>3</a:t>
+                      </a:r>
+                      <a:endParaRPr lang="en-US" sz="1000">
+                        <a:effectLst/>
+                        <a:latin typeface="Times" panose="02020603050405020304" pitchFamily="18" charset="0"/>
+                        <a:ea typeface="Times New Roman" panose="02020603050405020304" pitchFamily="18" charset="0"/>
+                        <a:cs typeface="Times New Roman" panose="02020603050405020304" pitchFamily="18" charset="0"/>
+                      </a:endParaRPr>
+                    </a:p>
+                  </a:txBody>
+                  <a:tcPr marL="44450" marR="44450" marT="0" marB="0"/>
+                </a:tc>
+                <a:tc>
+                  <a:txBody>
+                    <a:bodyPr/>
+                    <a:lstStyle/>
+                    <a:p>
+                      <a:pPr marL="0" marR="0" indent="0" algn="just">
+                        <a:spcBef>
+                          <a:spcPts val="0"/>
+                        </a:spcBef>
+                        <a:spcAft>
+                          <a:spcPts val="0"/>
+                        </a:spcAft>
+                      </a:pPr>
+                      <a:r>
+                        <a:rPr lang="en-US" sz="900">
+                          <a:effectLst/>
+                        </a:rPr>
+                        <a:t>3</a:t>
+                      </a:r>
+                      <a:endParaRPr lang="en-US" sz="1000">
+                        <a:effectLst/>
+                        <a:latin typeface="Times" panose="02020603050405020304" pitchFamily="18" charset="0"/>
+                        <a:ea typeface="Times New Roman" panose="02020603050405020304" pitchFamily="18" charset="0"/>
+                        <a:cs typeface="Times New Roman" panose="02020603050405020304" pitchFamily="18" charset="0"/>
+                      </a:endParaRPr>
+                    </a:p>
+                  </a:txBody>
+                  <a:tcPr marL="44450" marR="44450" marT="0" marB="0"/>
+                </a:tc>
+              </a:tr>
+              <a:tr h="0">
+                <a:tc>
+                  <a:txBody>
+                    <a:bodyPr/>
+                    <a:lstStyle/>
+                    <a:p>
+                      <a:pPr marL="0" marR="0" indent="0" algn="just">
+                        <a:spcBef>
+                          <a:spcPts val="0"/>
+                        </a:spcBef>
+                        <a:spcAft>
+                          <a:spcPts val="0"/>
+                        </a:spcAft>
+                      </a:pPr>
+                      <a:r>
+                        <a:rPr lang="en-US" sz="900">
+                          <a:effectLst/>
+                        </a:rPr>
+                        <a:t> </a:t>
+                      </a:r>
+                      <a:endParaRPr lang="en-US" sz="1000">
+                        <a:effectLst/>
+                        <a:latin typeface="Times" panose="02020603050405020304" pitchFamily="18" charset="0"/>
+                        <a:ea typeface="Times New Roman" panose="02020603050405020304" pitchFamily="18" charset="0"/>
+                        <a:cs typeface="Times New Roman" panose="02020603050405020304" pitchFamily="18" charset="0"/>
+                      </a:endParaRPr>
+                    </a:p>
+                  </a:txBody>
+                  <a:tcPr marL="44450" marR="44450" marT="0" marB="0"/>
+                </a:tc>
+                <a:tc>
+                  <a:txBody>
+                    <a:bodyPr/>
+                    <a:lstStyle/>
+                    <a:p>
+                      <a:pPr marL="0" marR="0" indent="0" algn="just">
+                        <a:spcBef>
+                          <a:spcPts val="0"/>
+                        </a:spcBef>
+                        <a:spcAft>
+                          <a:spcPts val="0"/>
+                        </a:spcAft>
+                      </a:pPr>
+                      <a:r>
+                        <a:rPr lang="en-US" sz="900">
+                          <a:effectLst/>
+                        </a:rPr>
+                        <a:t>Accounting and finance</a:t>
+                      </a:r>
+                      <a:endParaRPr lang="en-US" sz="1000">
+                        <a:effectLst/>
+                        <a:latin typeface="Times" panose="02020603050405020304" pitchFamily="18" charset="0"/>
+                        <a:ea typeface="Times New Roman" panose="02020603050405020304" pitchFamily="18" charset="0"/>
+                        <a:cs typeface="Times New Roman" panose="02020603050405020304" pitchFamily="18" charset="0"/>
+                      </a:endParaRPr>
+                    </a:p>
+                  </a:txBody>
+                  <a:tcPr marL="44450" marR="44450" marT="0" marB="0"/>
+                </a:tc>
+                <a:tc>
+                  <a:txBody>
+                    <a:bodyPr/>
+                    <a:lstStyle/>
+                    <a:p>
+                      <a:pPr marL="0" marR="0" indent="0" algn="just">
+                        <a:spcBef>
+                          <a:spcPts val="0"/>
+                        </a:spcBef>
+                        <a:spcAft>
+                          <a:spcPts val="0"/>
+                        </a:spcAft>
+                      </a:pPr>
+                      <a:r>
+                        <a:rPr lang="en-US" sz="900">
+                          <a:effectLst/>
+                        </a:rPr>
+                        <a:t>20</a:t>
+                      </a:r>
+                      <a:endParaRPr lang="en-US" sz="1000">
+                        <a:effectLst/>
+                        <a:latin typeface="Times" panose="02020603050405020304" pitchFamily="18" charset="0"/>
+                        <a:ea typeface="Times New Roman" panose="02020603050405020304" pitchFamily="18" charset="0"/>
+                        <a:cs typeface="Times New Roman" panose="02020603050405020304" pitchFamily="18" charset="0"/>
+                      </a:endParaRPr>
+                    </a:p>
+                  </a:txBody>
+                  <a:tcPr marL="44450" marR="44450" marT="0" marB="0"/>
+                </a:tc>
+                <a:tc>
+                  <a:txBody>
+                    <a:bodyPr/>
+                    <a:lstStyle/>
+                    <a:p>
+                      <a:pPr marL="0" marR="0" indent="0" algn="just">
+                        <a:spcBef>
+                          <a:spcPts val="0"/>
+                        </a:spcBef>
+                        <a:spcAft>
+                          <a:spcPts val="0"/>
+                        </a:spcAft>
+                      </a:pPr>
+                      <a:r>
+                        <a:rPr lang="en-US" sz="900">
+                          <a:effectLst/>
+                        </a:rPr>
+                        <a:t>17</a:t>
+                      </a:r>
+                      <a:endParaRPr lang="en-US" sz="1000">
+                        <a:effectLst/>
+                        <a:latin typeface="Times" panose="02020603050405020304" pitchFamily="18" charset="0"/>
+                        <a:ea typeface="Times New Roman" panose="02020603050405020304" pitchFamily="18" charset="0"/>
+                        <a:cs typeface="Times New Roman" panose="02020603050405020304" pitchFamily="18" charset="0"/>
+                      </a:endParaRPr>
+                    </a:p>
+                  </a:txBody>
+                  <a:tcPr marL="44450" marR="44450" marT="0" marB="0"/>
+                </a:tc>
+              </a:tr>
+              <a:tr h="0">
+                <a:tc>
+                  <a:txBody>
+                    <a:bodyPr/>
+                    <a:lstStyle/>
+                    <a:p>
+                      <a:pPr marL="0" marR="0" indent="0" algn="just">
+                        <a:spcBef>
+                          <a:spcPts val="0"/>
+                        </a:spcBef>
+                        <a:spcAft>
+                          <a:spcPts val="0"/>
+                        </a:spcAft>
+                      </a:pPr>
+                      <a:r>
+                        <a:rPr lang="en-US" sz="900">
+                          <a:effectLst/>
+                        </a:rPr>
+                        <a:t> </a:t>
+                      </a:r>
+                      <a:endParaRPr lang="en-US" sz="1000">
+                        <a:effectLst/>
+                        <a:latin typeface="Times" panose="02020603050405020304" pitchFamily="18" charset="0"/>
+                        <a:ea typeface="Times New Roman" panose="02020603050405020304" pitchFamily="18" charset="0"/>
+                        <a:cs typeface="Times New Roman" panose="02020603050405020304" pitchFamily="18" charset="0"/>
+                      </a:endParaRPr>
+                    </a:p>
+                  </a:txBody>
+                  <a:tcPr marL="44450" marR="44450" marT="0" marB="0"/>
+                </a:tc>
+                <a:tc>
+                  <a:txBody>
+                    <a:bodyPr/>
+                    <a:lstStyle/>
+                    <a:p>
+                      <a:pPr marL="0" marR="0" indent="0" algn="just">
+                        <a:spcBef>
+                          <a:spcPts val="0"/>
+                        </a:spcBef>
+                        <a:spcAft>
+                          <a:spcPts val="0"/>
+                        </a:spcAft>
+                      </a:pPr>
+                      <a:r>
+                        <a:rPr lang="en-US" sz="900">
+                          <a:effectLst/>
+                        </a:rPr>
+                        <a:t>Healthcare and medical</a:t>
+                      </a:r>
+                      <a:endParaRPr lang="en-US" sz="1000">
+                        <a:effectLst/>
+                        <a:latin typeface="Times" panose="02020603050405020304" pitchFamily="18" charset="0"/>
+                        <a:ea typeface="Times New Roman" panose="02020603050405020304" pitchFamily="18" charset="0"/>
+                        <a:cs typeface="Times New Roman" panose="02020603050405020304" pitchFamily="18" charset="0"/>
+                      </a:endParaRPr>
+                    </a:p>
+                  </a:txBody>
+                  <a:tcPr marL="44450" marR="44450" marT="0" marB="0"/>
+                </a:tc>
+                <a:tc>
+                  <a:txBody>
+                    <a:bodyPr/>
+                    <a:lstStyle/>
+                    <a:p>
+                      <a:pPr marL="0" marR="0" indent="0" algn="just">
+                        <a:spcBef>
+                          <a:spcPts val="0"/>
+                        </a:spcBef>
+                        <a:spcAft>
+                          <a:spcPts val="0"/>
+                        </a:spcAft>
+                      </a:pPr>
+                      <a:r>
+                        <a:rPr lang="en-US" sz="900">
+                          <a:effectLst/>
+                        </a:rPr>
+                        <a:t>7</a:t>
+                      </a:r>
+                      <a:endParaRPr lang="en-US" sz="1000">
+                        <a:effectLst/>
+                        <a:latin typeface="Times" panose="02020603050405020304" pitchFamily="18" charset="0"/>
+                        <a:ea typeface="Times New Roman" panose="02020603050405020304" pitchFamily="18" charset="0"/>
+                        <a:cs typeface="Times New Roman" panose="02020603050405020304" pitchFamily="18" charset="0"/>
+                      </a:endParaRPr>
+                    </a:p>
+                  </a:txBody>
+                  <a:tcPr marL="44450" marR="44450" marT="0" marB="0"/>
+                </a:tc>
+                <a:tc>
+                  <a:txBody>
+                    <a:bodyPr/>
+                    <a:lstStyle/>
+                    <a:p>
+                      <a:pPr marL="0" marR="0" indent="0" algn="just">
+                        <a:spcBef>
+                          <a:spcPts val="0"/>
+                        </a:spcBef>
+                        <a:spcAft>
+                          <a:spcPts val="0"/>
+                        </a:spcAft>
+                      </a:pPr>
+                      <a:r>
+                        <a:rPr lang="en-US" sz="900">
+                          <a:effectLst/>
+                        </a:rPr>
+                        <a:t>2</a:t>
+                      </a:r>
+                      <a:endParaRPr lang="en-US" sz="1000">
+                        <a:effectLst/>
+                        <a:latin typeface="Times" panose="02020603050405020304" pitchFamily="18" charset="0"/>
+                        <a:ea typeface="Times New Roman" panose="02020603050405020304" pitchFamily="18" charset="0"/>
+                        <a:cs typeface="Times New Roman" panose="02020603050405020304" pitchFamily="18" charset="0"/>
+                      </a:endParaRPr>
+                    </a:p>
+                  </a:txBody>
+                  <a:tcPr marL="44450" marR="44450" marT="0" marB="0"/>
+                </a:tc>
+              </a:tr>
+              <a:tr h="0">
+                <a:tc>
+                  <a:txBody>
+                    <a:bodyPr/>
+                    <a:lstStyle/>
+                    <a:p>
+                      <a:pPr marL="0" marR="0" indent="0" algn="just">
+                        <a:spcBef>
+                          <a:spcPts val="0"/>
+                        </a:spcBef>
+                        <a:spcAft>
+                          <a:spcPts val="0"/>
+                        </a:spcAft>
+                      </a:pPr>
+                      <a:r>
+                        <a:rPr lang="en-US" sz="900">
+                          <a:effectLst/>
+                        </a:rPr>
+                        <a:t> </a:t>
+                      </a:r>
+                      <a:endParaRPr lang="en-US" sz="1000">
+                        <a:effectLst/>
+                        <a:latin typeface="Times" panose="02020603050405020304" pitchFamily="18" charset="0"/>
+                        <a:ea typeface="Times New Roman" panose="02020603050405020304" pitchFamily="18" charset="0"/>
+                        <a:cs typeface="Times New Roman" panose="02020603050405020304" pitchFamily="18" charset="0"/>
+                      </a:endParaRPr>
+                    </a:p>
+                  </a:txBody>
+                  <a:tcPr marL="44450" marR="44450" marT="0" marB="0"/>
+                </a:tc>
+                <a:tc>
+                  <a:txBody>
+                    <a:bodyPr/>
+                    <a:lstStyle/>
+                    <a:p>
+                      <a:pPr marL="0" marR="0" indent="0" algn="just">
+                        <a:spcBef>
+                          <a:spcPts val="0"/>
+                        </a:spcBef>
+                        <a:spcAft>
+                          <a:spcPts val="0"/>
+                        </a:spcAft>
+                      </a:pPr>
+                      <a:r>
+                        <a:rPr lang="en-US" sz="900">
+                          <a:effectLst/>
+                        </a:rPr>
+                        <a:t>Industry and manufacturing</a:t>
+                      </a:r>
+                      <a:endParaRPr lang="en-US" sz="1000">
+                        <a:effectLst/>
+                        <a:latin typeface="Times" panose="02020603050405020304" pitchFamily="18" charset="0"/>
+                        <a:ea typeface="Times New Roman" panose="02020603050405020304" pitchFamily="18" charset="0"/>
+                        <a:cs typeface="Times New Roman" panose="02020603050405020304" pitchFamily="18" charset="0"/>
+                      </a:endParaRPr>
+                    </a:p>
+                  </a:txBody>
+                  <a:tcPr marL="44450" marR="44450" marT="0" marB="0"/>
+                </a:tc>
+                <a:tc>
+                  <a:txBody>
+                    <a:bodyPr/>
+                    <a:lstStyle/>
+                    <a:p>
+                      <a:pPr marL="0" marR="0" indent="0" algn="just">
+                        <a:spcBef>
+                          <a:spcPts val="0"/>
+                        </a:spcBef>
+                        <a:spcAft>
+                          <a:spcPts val="0"/>
+                        </a:spcAft>
+                      </a:pPr>
+                      <a:r>
+                        <a:rPr lang="en-US" sz="900">
+                          <a:effectLst/>
+                        </a:rPr>
+                        <a:t>18</a:t>
+                      </a:r>
+                      <a:endParaRPr lang="en-US" sz="1000">
+                        <a:effectLst/>
+                        <a:latin typeface="Times" panose="02020603050405020304" pitchFamily="18" charset="0"/>
+                        <a:ea typeface="Times New Roman" panose="02020603050405020304" pitchFamily="18" charset="0"/>
+                        <a:cs typeface="Times New Roman" panose="02020603050405020304" pitchFamily="18" charset="0"/>
+                      </a:endParaRPr>
+                    </a:p>
+                  </a:txBody>
+                  <a:tcPr marL="44450" marR="44450" marT="0" marB="0"/>
+                </a:tc>
+                <a:tc>
+                  <a:txBody>
+                    <a:bodyPr/>
+                    <a:lstStyle/>
+                    <a:p>
+                      <a:pPr marL="0" marR="0" indent="0" algn="just">
+                        <a:spcBef>
+                          <a:spcPts val="0"/>
+                        </a:spcBef>
+                        <a:spcAft>
+                          <a:spcPts val="0"/>
+                        </a:spcAft>
+                      </a:pPr>
+                      <a:r>
+                        <a:rPr lang="en-US" sz="900">
+                          <a:effectLst/>
+                        </a:rPr>
+                        <a:t>11</a:t>
+                      </a:r>
+                      <a:endParaRPr lang="en-US" sz="1000">
+                        <a:effectLst/>
+                        <a:latin typeface="Times" panose="02020603050405020304" pitchFamily="18" charset="0"/>
+                        <a:ea typeface="Times New Roman" panose="02020603050405020304" pitchFamily="18" charset="0"/>
+                        <a:cs typeface="Times New Roman" panose="02020603050405020304" pitchFamily="18" charset="0"/>
+                      </a:endParaRPr>
+                    </a:p>
+                  </a:txBody>
+                  <a:tcPr marL="44450" marR="44450" marT="0" marB="0"/>
+                </a:tc>
+              </a:tr>
+              <a:tr h="0">
+                <a:tc>
+                  <a:txBody>
+                    <a:bodyPr/>
+                    <a:lstStyle/>
+                    <a:p>
+                      <a:pPr marL="0" marR="0" indent="0" algn="just">
+                        <a:spcBef>
+                          <a:spcPts val="0"/>
+                        </a:spcBef>
+                        <a:spcAft>
+                          <a:spcPts val="0"/>
+                        </a:spcAft>
+                      </a:pPr>
+                      <a:r>
+                        <a:rPr lang="en-US" sz="900">
+                          <a:effectLst/>
+                        </a:rPr>
+                        <a:t> </a:t>
+                      </a:r>
+                      <a:endParaRPr lang="en-US" sz="1000">
+                        <a:effectLst/>
+                        <a:latin typeface="Times" panose="02020603050405020304" pitchFamily="18" charset="0"/>
+                        <a:ea typeface="Times New Roman" panose="02020603050405020304" pitchFamily="18" charset="0"/>
+                        <a:cs typeface="Times New Roman" panose="02020603050405020304" pitchFamily="18" charset="0"/>
+                      </a:endParaRPr>
+                    </a:p>
+                  </a:txBody>
+                  <a:tcPr marL="44450" marR="44450" marT="0" marB="0"/>
+                </a:tc>
+                <a:tc>
+                  <a:txBody>
+                    <a:bodyPr/>
+                    <a:lstStyle/>
+                    <a:p>
+                      <a:pPr marL="0" marR="0" indent="0" algn="just">
+                        <a:spcBef>
+                          <a:spcPts val="0"/>
+                        </a:spcBef>
+                        <a:spcAft>
+                          <a:spcPts val="0"/>
+                        </a:spcAft>
+                      </a:pPr>
+                      <a:r>
+                        <a:rPr lang="en-US" sz="900">
+                          <a:effectLst/>
+                        </a:rPr>
+                        <a:t>Law enforcement</a:t>
+                      </a:r>
+                      <a:endParaRPr lang="en-US" sz="1000">
+                        <a:effectLst/>
+                        <a:latin typeface="Times" panose="02020603050405020304" pitchFamily="18" charset="0"/>
+                        <a:ea typeface="Times New Roman" panose="02020603050405020304" pitchFamily="18" charset="0"/>
+                        <a:cs typeface="Times New Roman" panose="02020603050405020304" pitchFamily="18" charset="0"/>
+                      </a:endParaRPr>
+                    </a:p>
+                  </a:txBody>
+                  <a:tcPr marL="44450" marR="44450" marT="0" marB="0"/>
+                </a:tc>
+                <a:tc>
+                  <a:txBody>
+                    <a:bodyPr/>
+                    <a:lstStyle/>
+                    <a:p>
+                      <a:pPr marL="0" marR="0" indent="0" algn="just">
+                        <a:spcBef>
+                          <a:spcPts val="0"/>
+                        </a:spcBef>
+                        <a:spcAft>
+                          <a:spcPts val="0"/>
+                        </a:spcAft>
+                      </a:pPr>
+                      <a:r>
+                        <a:rPr lang="en-US" sz="900">
+                          <a:effectLst/>
+                        </a:rPr>
+                        <a:t>15</a:t>
+                      </a:r>
+                      <a:endParaRPr lang="en-US" sz="1000">
+                        <a:effectLst/>
+                        <a:latin typeface="Times" panose="02020603050405020304" pitchFamily="18" charset="0"/>
+                        <a:ea typeface="Times New Roman" panose="02020603050405020304" pitchFamily="18" charset="0"/>
+                        <a:cs typeface="Times New Roman" panose="02020603050405020304" pitchFamily="18" charset="0"/>
+                      </a:endParaRPr>
+                    </a:p>
+                  </a:txBody>
+                  <a:tcPr marL="44450" marR="44450" marT="0" marB="0"/>
+                </a:tc>
+                <a:tc>
+                  <a:txBody>
+                    <a:bodyPr/>
+                    <a:lstStyle/>
+                    <a:p>
+                      <a:pPr marL="0" marR="0" indent="0" algn="just">
+                        <a:spcBef>
+                          <a:spcPts val="0"/>
+                        </a:spcBef>
+                        <a:spcAft>
+                          <a:spcPts val="0"/>
+                        </a:spcAft>
+                      </a:pPr>
+                      <a:r>
+                        <a:rPr lang="en-US" sz="900">
+                          <a:effectLst/>
+                        </a:rPr>
+                        <a:t>9</a:t>
+                      </a:r>
+                      <a:endParaRPr lang="en-US" sz="1000">
+                        <a:effectLst/>
+                        <a:latin typeface="Times" panose="02020603050405020304" pitchFamily="18" charset="0"/>
+                        <a:ea typeface="Times New Roman" panose="02020603050405020304" pitchFamily="18" charset="0"/>
+                        <a:cs typeface="Times New Roman" panose="02020603050405020304" pitchFamily="18" charset="0"/>
+                      </a:endParaRPr>
+                    </a:p>
+                  </a:txBody>
+                  <a:tcPr marL="44450" marR="44450" marT="0" marB="0"/>
+                </a:tc>
+              </a:tr>
+              <a:tr h="0">
+                <a:tc>
+                  <a:txBody>
+                    <a:bodyPr/>
+                    <a:lstStyle/>
+                    <a:p>
+                      <a:pPr marL="0" marR="0" indent="0" algn="just">
+                        <a:spcBef>
+                          <a:spcPts val="0"/>
+                        </a:spcBef>
+                        <a:spcAft>
+                          <a:spcPts val="0"/>
+                        </a:spcAft>
+                      </a:pPr>
+                      <a:r>
+                        <a:rPr lang="en-US" sz="900">
+                          <a:effectLst/>
+                        </a:rPr>
+                        <a:t> </a:t>
+                      </a:r>
+                      <a:endParaRPr lang="en-US" sz="1000">
+                        <a:effectLst/>
+                        <a:latin typeface="Times" panose="02020603050405020304" pitchFamily="18" charset="0"/>
+                        <a:ea typeface="Times New Roman" panose="02020603050405020304" pitchFamily="18" charset="0"/>
+                        <a:cs typeface="Times New Roman" panose="02020603050405020304" pitchFamily="18" charset="0"/>
+                      </a:endParaRPr>
+                    </a:p>
+                  </a:txBody>
+                  <a:tcPr marL="44450" marR="44450" marT="0" marB="0"/>
+                </a:tc>
+                <a:tc>
+                  <a:txBody>
+                    <a:bodyPr/>
+                    <a:lstStyle/>
+                    <a:p>
+                      <a:pPr marL="0" marR="0" indent="0" algn="just">
+                        <a:spcBef>
+                          <a:spcPts val="0"/>
+                        </a:spcBef>
+                        <a:spcAft>
+                          <a:spcPts val="0"/>
+                        </a:spcAft>
+                      </a:pPr>
+                      <a:r>
+                        <a:rPr lang="en-US" sz="900">
+                          <a:effectLst/>
+                        </a:rPr>
+                        <a:t>Business management</a:t>
+                      </a:r>
+                      <a:endParaRPr lang="en-US" sz="1000">
+                        <a:effectLst/>
+                        <a:latin typeface="Times" panose="02020603050405020304" pitchFamily="18" charset="0"/>
+                        <a:ea typeface="Times New Roman" panose="02020603050405020304" pitchFamily="18" charset="0"/>
+                        <a:cs typeface="Times New Roman" panose="02020603050405020304" pitchFamily="18" charset="0"/>
+                      </a:endParaRPr>
+                    </a:p>
+                  </a:txBody>
+                  <a:tcPr marL="44450" marR="44450" marT="0" marB="0"/>
+                </a:tc>
+                <a:tc>
+                  <a:txBody>
+                    <a:bodyPr/>
+                    <a:lstStyle/>
+                    <a:p>
+                      <a:pPr marL="0" marR="0" indent="0" algn="just">
+                        <a:spcBef>
+                          <a:spcPts val="0"/>
+                        </a:spcBef>
+                        <a:spcAft>
+                          <a:spcPts val="0"/>
+                        </a:spcAft>
+                      </a:pPr>
+                      <a:r>
+                        <a:rPr lang="en-US" sz="900">
+                          <a:effectLst/>
+                        </a:rPr>
+                        <a:t>11</a:t>
+                      </a:r>
+                      <a:endParaRPr lang="en-US" sz="1000">
+                        <a:effectLst/>
+                        <a:latin typeface="Times" panose="02020603050405020304" pitchFamily="18" charset="0"/>
+                        <a:ea typeface="Times New Roman" panose="02020603050405020304" pitchFamily="18" charset="0"/>
+                        <a:cs typeface="Times New Roman" panose="02020603050405020304" pitchFamily="18" charset="0"/>
+                      </a:endParaRPr>
+                    </a:p>
+                  </a:txBody>
+                  <a:tcPr marL="44450" marR="44450" marT="0" marB="0"/>
+                </a:tc>
+                <a:tc>
+                  <a:txBody>
+                    <a:bodyPr/>
+                    <a:lstStyle/>
+                    <a:p>
+                      <a:pPr marL="0" marR="0" indent="0" algn="just">
+                        <a:spcBef>
+                          <a:spcPts val="0"/>
+                        </a:spcBef>
+                        <a:spcAft>
+                          <a:spcPts val="0"/>
+                        </a:spcAft>
+                      </a:pPr>
+                      <a:r>
+                        <a:rPr lang="en-US" sz="900">
+                          <a:effectLst/>
+                        </a:rPr>
+                        <a:t>10</a:t>
+                      </a:r>
+                      <a:endParaRPr lang="en-US" sz="1000">
+                        <a:effectLst/>
+                        <a:latin typeface="Times" panose="02020603050405020304" pitchFamily="18" charset="0"/>
+                        <a:ea typeface="Times New Roman" panose="02020603050405020304" pitchFamily="18" charset="0"/>
+                        <a:cs typeface="Times New Roman" panose="02020603050405020304" pitchFamily="18" charset="0"/>
+                      </a:endParaRPr>
+                    </a:p>
+                  </a:txBody>
+                  <a:tcPr marL="44450" marR="44450" marT="0" marB="0"/>
+                </a:tc>
+              </a:tr>
+              <a:tr h="0">
+                <a:tc>
+                  <a:txBody>
+                    <a:bodyPr/>
+                    <a:lstStyle/>
+                    <a:p>
+                      <a:pPr marL="0" marR="0" indent="0" algn="just">
+                        <a:spcBef>
+                          <a:spcPts val="0"/>
+                        </a:spcBef>
+                        <a:spcAft>
+                          <a:spcPts val="0"/>
+                        </a:spcAft>
+                      </a:pPr>
+                      <a:r>
+                        <a:rPr lang="en-US" sz="900">
+                          <a:effectLst/>
+                        </a:rPr>
+                        <a:t> </a:t>
+                      </a:r>
+                      <a:endParaRPr lang="en-US" sz="1000">
+                        <a:effectLst/>
+                        <a:latin typeface="Times" panose="02020603050405020304" pitchFamily="18" charset="0"/>
+                        <a:ea typeface="Times New Roman" panose="02020603050405020304" pitchFamily="18" charset="0"/>
+                        <a:cs typeface="Times New Roman" panose="02020603050405020304" pitchFamily="18" charset="0"/>
+                      </a:endParaRPr>
+                    </a:p>
+                  </a:txBody>
+                  <a:tcPr marL="44450" marR="44450" marT="0" marB="0"/>
+                </a:tc>
+                <a:tc>
+                  <a:txBody>
+                    <a:bodyPr/>
+                    <a:lstStyle/>
+                    <a:p>
+                      <a:pPr marL="0" marR="0" indent="0" algn="just">
+                        <a:spcBef>
+                          <a:spcPts val="0"/>
+                        </a:spcBef>
+                        <a:spcAft>
+                          <a:spcPts val="0"/>
+                        </a:spcAft>
+                      </a:pPr>
+                      <a:r>
+                        <a:rPr lang="en-US" sz="900">
+                          <a:effectLst/>
+                        </a:rPr>
+                        <a:t>Other</a:t>
+                      </a:r>
+                      <a:endParaRPr lang="en-US" sz="1000">
+                        <a:effectLst/>
+                        <a:latin typeface="Times" panose="02020603050405020304" pitchFamily="18" charset="0"/>
+                        <a:ea typeface="Times New Roman" panose="02020603050405020304" pitchFamily="18" charset="0"/>
+                        <a:cs typeface="Times New Roman" panose="02020603050405020304" pitchFamily="18" charset="0"/>
+                      </a:endParaRPr>
+                    </a:p>
+                  </a:txBody>
+                  <a:tcPr marL="44450" marR="44450" marT="0" marB="0"/>
+                </a:tc>
+                <a:tc>
+                  <a:txBody>
+                    <a:bodyPr/>
+                    <a:lstStyle/>
+                    <a:p>
+                      <a:pPr marL="0" marR="0" indent="0" algn="just">
+                        <a:spcBef>
+                          <a:spcPts val="0"/>
+                        </a:spcBef>
+                        <a:spcAft>
+                          <a:spcPts val="0"/>
+                        </a:spcAft>
+                      </a:pPr>
+                      <a:r>
+                        <a:rPr lang="en-US" sz="900">
+                          <a:effectLst/>
+                        </a:rPr>
+                        <a:t>0</a:t>
+                      </a:r>
+                      <a:endParaRPr lang="en-US" sz="1000">
+                        <a:effectLst/>
+                        <a:latin typeface="Times" panose="02020603050405020304" pitchFamily="18" charset="0"/>
+                        <a:ea typeface="Times New Roman" panose="02020603050405020304" pitchFamily="18" charset="0"/>
+                        <a:cs typeface="Times New Roman" panose="02020603050405020304" pitchFamily="18" charset="0"/>
+                      </a:endParaRPr>
+                    </a:p>
+                  </a:txBody>
+                  <a:tcPr marL="44450" marR="44450" marT="0" marB="0"/>
+                </a:tc>
+                <a:tc>
+                  <a:txBody>
+                    <a:bodyPr/>
+                    <a:lstStyle/>
+                    <a:p>
+                      <a:pPr marL="0" marR="0" indent="0" algn="just">
+                        <a:spcBef>
+                          <a:spcPts val="0"/>
+                        </a:spcBef>
+                        <a:spcAft>
+                          <a:spcPts val="0"/>
+                        </a:spcAft>
+                      </a:pPr>
+                      <a:r>
+                        <a:rPr lang="en-US" sz="900" dirty="0">
+                          <a:effectLst/>
+                        </a:rPr>
+                        <a:t>0</a:t>
+                      </a:r>
+                      <a:endParaRPr lang="en-US" sz="1000" dirty="0">
+                        <a:effectLst/>
+                        <a:latin typeface="Times" panose="02020603050405020304" pitchFamily="18" charset="0"/>
+                        <a:ea typeface="Times New Roman" panose="02020603050405020304" pitchFamily="18" charset="0"/>
+                        <a:cs typeface="Times New Roman" panose="02020603050405020304" pitchFamily="18" charset="0"/>
+                      </a:endParaRPr>
+                    </a:p>
+                  </a:txBody>
+                  <a:tcPr marL="44450" marR="44450" marT="0" marB="0"/>
+                </a:tc>
+              </a:tr>
+            </a:tbl>
+          </a:graphicData>
+        </a:graphic>
+      </p:graphicFrame>
+      <p:sp>
+        <p:nvSpPr>
+          <p:cNvPr id="17" name="Rounded Rectangle 16"/>
+          <p:cNvSpPr/>
+          <p:nvPr/>
+        </p:nvSpPr>
+        <p:spPr>
+          <a:xfrm>
+            <a:off x="1360449" y="4927977"/>
+            <a:ext cx="2732049" cy="1703907"/>
+          </a:xfrm>
+          <a:prstGeom prst="roundRect">
+            <a:avLst/>
+          </a:prstGeom>
+          <a:noFill/>
+        </p:spPr>
+        <p:style>
+          <a:lnRef idx="2">
+            <a:schemeClr val="accent6"/>
+          </a:lnRef>
+          <a:fillRef idx="1">
+            <a:schemeClr val="lt1"/>
+          </a:fillRef>
+          <a:effectRef idx="0">
+            <a:schemeClr val="accent6"/>
+          </a:effectRef>
+          <a:fontRef idx="minor">
+            <a:schemeClr val="dk1"/>
+          </a:fontRef>
+        </p:style>
+        <p:txBody>
+          <a:bodyPr rtlCol="0" anchor="ctr"/>
+          <a:lstStyle/>
+          <a:p>
+            <a:pPr algn="ctr"/>
+            <a:endParaRPr lang="en-US"/>
+          </a:p>
+        </p:txBody>
+      </p:sp>
+      <p:sp>
+        <p:nvSpPr>
+          <p:cNvPr id="8" name="Content Placeholder 1"/>
+          <p:cNvSpPr txBox="1">
+            <a:spLocks/>
+          </p:cNvSpPr>
+          <p:nvPr/>
+        </p:nvSpPr>
+        <p:spPr bwMode="auto">
+          <a:xfrm>
+            <a:off x="442210" y="1228725"/>
+            <a:ext cx="8094688" cy="1205717"/>
+          </a:xfrm>
+          <a:prstGeom prst="rect">
+            <a:avLst/>
+          </a:prstGeom>
+          <a:noFill/>
+          <a:ln w="9525">
+            <a:noFill/>
+            <a:miter lim="800000"/>
+            <a:headEnd/>
+            <a:tailEnd/>
+          </a:ln>
+        </p:spPr>
+        <p:txBody>
+          <a:bodyPr/>
+          <a:lstStyle>
+            <a:lvl1pPr marL="230188" indent="-230188" algn="l" rtl="0" eaLnBrk="1" fontAlgn="base" hangingPunct="1">
+              <a:spcBef>
+                <a:spcPts val="0"/>
+              </a:spcBef>
+              <a:spcAft>
+                <a:spcPct val="0"/>
+              </a:spcAft>
+              <a:buFont typeface="Arial" panose="020B0604020202020204" pitchFamily="34" charset="0"/>
+              <a:buChar char="•"/>
+              <a:defRPr sz="1800" b="1" kern="1200">
+                <a:solidFill>
+                  <a:schemeClr val="tx1"/>
+                </a:solidFill>
+                <a:latin typeface="Arial" pitchFamily="34" charset="0"/>
+                <a:ea typeface="ＭＳ Ｐゴシック" charset="0"/>
+                <a:cs typeface="Arial" pitchFamily="34" charset="0"/>
+              </a:defRPr>
+            </a:lvl1pPr>
+            <a:lvl2pPr marL="461963" indent="-233363" algn="l" rtl="0" eaLnBrk="1" fontAlgn="base" hangingPunct="1">
+              <a:spcBef>
+                <a:spcPts val="0"/>
+              </a:spcBef>
+              <a:spcAft>
+                <a:spcPct val="0"/>
+              </a:spcAft>
+              <a:buFont typeface="Arial" charset="0"/>
+              <a:buChar char="–"/>
+              <a:defRPr sz="1600" kern="1200">
+                <a:solidFill>
+                  <a:schemeClr val="tx1"/>
+                </a:solidFill>
+                <a:latin typeface="Arial" pitchFamily="34" charset="0"/>
+                <a:ea typeface="Arial" charset="0"/>
+                <a:cs typeface="Arial" pitchFamily="34" charset="0"/>
+              </a:defRPr>
+            </a:lvl2pPr>
+            <a:lvl3pPr marL="684213" indent="-222250" algn="l" rtl="0" eaLnBrk="1" fontAlgn="base" hangingPunct="1">
+              <a:spcBef>
+                <a:spcPts val="0"/>
+              </a:spcBef>
+              <a:spcAft>
+                <a:spcPts val="1800"/>
+              </a:spcAft>
+              <a:buFont typeface="Arial" charset="0"/>
+              <a:buChar char="•"/>
+              <a:defRPr sz="1400" kern="1200">
+                <a:solidFill>
+                  <a:schemeClr val="tx1"/>
+                </a:solidFill>
+                <a:latin typeface="Arial" pitchFamily="34" charset="0"/>
+                <a:ea typeface="Arial" charset="0"/>
+                <a:cs typeface="Arial" pitchFamily="34" charset="0"/>
+              </a:defRPr>
+            </a:lvl3pPr>
+            <a:lvl4pPr marL="1371600" indent="-228600" algn="l" rtl="0" eaLnBrk="1" fontAlgn="base" hangingPunct="1">
+              <a:spcBef>
+                <a:spcPct val="20000"/>
+              </a:spcBef>
+              <a:spcAft>
+                <a:spcPct val="0"/>
+              </a:spcAft>
+              <a:buFont typeface="Arial" charset="0"/>
+              <a:buChar char="–"/>
+              <a:defRPr sz="2000" kern="1200">
+                <a:solidFill>
+                  <a:schemeClr val="tx1"/>
+                </a:solidFill>
+                <a:latin typeface="Arial" pitchFamily="34" charset="0"/>
+                <a:ea typeface="Arial" charset="0"/>
+                <a:cs typeface="Arial" pitchFamily="34" charset="0"/>
+              </a:defRPr>
+            </a:lvl4pPr>
+            <a:lvl5pPr marL="1828800" indent="-228600" algn="l" rtl="0" eaLnBrk="1" fontAlgn="base" hangingPunct="1">
+              <a:spcBef>
+                <a:spcPct val="20000"/>
+              </a:spcBef>
+              <a:spcAft>
+                <a:spcPct val="0"/>
+              </a:spcAft>
+              <a:buFont typeface="Arial" charset="0"/>
+              <a:buChar char="»"/>
+              <a:defRPr sz="2000" kern="1200">
+                <a:solidFill>
+                  <a:schemeClr val="tx1"/>
+                </a:solidFill>
+                <a:latin typeface="Arial" pitchFamily="34" charset="0"/>
+                <a:ea typeface="Arial" charset="0"/>
+                <a:cs typeface="Arial" pitchFamily="34" charset="0"/>
+              </a:defRPr>
+            </a:lvl5pPr>
+            <a:lvl6pPr marL="2514600" indent="-228600" algn="l" defTabSz="914400" rtl="0" eaLnBrk="1" latinLnBrk="0" hangingPunct="1">
+              <a:spcBef>
+                <a:spcPct val="20000"/>
+              </a:spcBef>
+              <a:buFont typeface="Arial" pitchFamily="34" charset="0"/>
+              <a:buChar char="•"/>
+              <a:defRPr sz="2000" kern="1200">
+                <a:solidFill>
+                  <a:schemeClr val="tx1"/>
+                </a:solidFill>
+                <a:latin typeface="+mn-lt"/>
+                <a:ea typeface="+mn-ea"/>
+                <a:cs typeface="+mn-cs"/>
+              </a:defRPr>
+            </a:lvl6pPr>
+            <a:lvl7pPr marL="2971800" indent="-228600" algn="l" defTabSz="914400" rtl="0" eaLnBrk="1" latinLnBrk="0" hangingPunct="1">
+              <a:spcBef>
+                <a:spcPct val="20000"/>
+              </a:spcBef>
+              <a:buFont typeface="Arial" pitchFamily="34" charset="0"/>
+              <a:buChar char="•"/>
+              <a:defRPr sz="2000" kern="1200">
+                <a:solidFill>
+                  <a:schemeClr val="tx1"/>
+                </a:solidFill>
+                <a:latin typeface="+mn-lt"/>
+                <a:ea typeface="+mn-ea"/>
+                <a:cs typeface="+mn-cs"/>
+              </a:defRPr>
+            </a:lvl7pPr>
+            <a:lvl8pPr marL="3429000" indent="-228600" algn="l" defTabSz="914400" rtl="0" eaLnBrk="1" latinLnBrk="0" hangingPunct="1">
+              <a:spcBef>
+                <a:spcPct val="20000"/>
+              </a:spcBef>
+              <a:buFont typeface="Arial" pitchFamily="34" charset="0"/>
+              <a:buChar char="•"/>
+              <a:defRPr sz="2000" kern="1200">
+                <a:solidFill>
+                  <a:schemeClr val="tx1"/>
+                </a:solidFill>
+                <a:latin typeface="+mn-lt"/>
+                <a:ea typeface="+mn-ea"/>
+                <a:cs typeface="+mn-cs"/>
+              </a:defRPr>
+            </a:lvl8pPr>
+            <a:lvl9pPr marL="3886200" indent="-228600" algn="l" defTabSz="914400" rtl="0" eaLnBrk="1" latinLnBrk="0" hangingPunct="1">
+              <a:spcBef>
+                <a:spcPct val="20000"/>
+              </a:spcBef>
+              <a:buFont typeface="Arial" pitchFamily="34" charset="0"/>
+              <a:buChar char="•"/>
+              <a:defRPr sz="2000" kern="1200">
+                <a:solidFill>
+                  <a:schemeClr val="tx1"/>
+                </a:solidFill>
+                <a:latin typeface="+mn-lt"/>
+                <a:ea typeface="+mn-ea"/>
+                <a:cs typeface="+mn-cs"/>
+              </a:defRPr>
+            </a:lvl9pPr>
+          </a:lstStyle>
+          <a:p>
+            <a:pPr marL="0" indent="0">
+              <a:buFont typeface="Arial" panose="020B0604020202020204" pitchFamily="34" charset="0"/>
+              <a:buNone/>
+            </a:pPr>
+            <a:r>
+              <a:rPr lang="en-US" dirty="0" smtClean="0"/>
+              <a:t>Demographics and correlation</a:t>
+            </a:r>
+          </a:p>
+          <a:p>
+            <a:r>
+              <a:rPr lang="en-US" sz="1600" dirty="0"/>
+              <a:t>Preference for markup ~ </a:t>
+            </a:r>
+            <a:r>
+              <a:rPr lang="en-US" sz="1600" dirty="0" smtClean="0"/>
+              <a:t>Trust </a:t>
+            </a:r>
+            <a:r>
+              <a:rPr lang="en-US" sz="1600" dirty="0"/>
+              <a:t>in </a:t>
+            </a:r>
+            <a:r>
+              <a:rPr lang="en-US" sz="1600" dirty="0" smtClean="0"/>
+              <a:t>automation: </a:t>
+            </a:r>
+          </a:p>
+          <a:p>
+            <a:pPr lvl="1"/>
+            <a:r>
+              <a:rPr lang="en-US" dirty="0" smtClean="0"/>
+              <a:t>r </a:t>
+            </a:r>
+            <a:r>
               <a:rPr lang="en-US" dirty="0"/>
-              <a:t>SLIDE TITLE GOES </a:t>
+              <a:t>= </a:t>
             </a:r>
             <a:r>
               <a:rPr lang="en-US" dirty="0" smtClean="0"/>
-              <a:t>HERE</a:t>
+              <a:t>0.39</a:t>
+            </a:r>
+            <a:endParaRPr lang="en-US" dirty="0"/>
+          </a:p>
+          <a:p>
+            <a:r>
+              <a:rPr lang="en-US" sz="1600" dirty="0" smtClean="0"/>
+              <a:t>Trust </a:t>
+            </a:r>
+            <a:r>
+              <a:rPr lang="en-US" sz="1600" dirty="0"/>
+              <a:t>in automation ~ objective performance </a:t>
+            </a:r>
+            <a:r>
+              <a:rPr lang="en-US" sz="1600" dirty="0" smtClean="0"/>
+              <a:t>measures</a:t>
+            </a:r>
+          </a:p>
+          <a:p>
+            <a:pPr lvl="1"/>
+            <a:r>
+              <a:rPr lang="en-US" dirty="0" smtClean="0"/>
+              <a:t>accuracy</a:t>
+            </a:r>
+            <a:r>
+              <a:rPr lang="en-US" dirty="0"/>
+              <a:t>: r = </a:t>
+            </a:r>
+            <a:r>
+              <a:rPr lang="en-US" dirty="0" smtClean="0"/>
+              <a:t>0.06</a:t>
+            </a:r>
+          </a:p>
+          <a:p>
+            <a:pPr lvl="1"/>
+            <a:r>
+              <a:rPr lang="en-US" dirty="0" smtClean="0"/>
+              <a:t>response </a:t>
+            </a:r>
+            <a:r>
+              <a:rPr lang="en-US" dirty="0"/>
+              <a:t>time: r = -</a:t>
+            </a:r>
+            <a:r>
+              <a:rPr lang="en-US" dirty="0" smtClean="0"/>
+              <a:t>0.05</a:t>
+            </a:r>
+            <a:endParaRPr lang="en-US" dirty="0">
+              <a:latin typeface="Times" panose="02020603050405020304" pitchFamily="18" charset="0"/>
+              <a:ea typeface="Times New Roman" panose="02020603050405020304" pitchFamily="18" charset="0"/>
+              <a:cs typeface="Times New Roman" panose="02020603050405020304" pitchFamily="18" charset="0"/>
+            </a:endParaRPr>
+          </a:p>
+          <a:p>
+            <a:pPr marL="0" indent="0">
+              <a:buFont typeface="Arial" panose="020B0604020202020204" pitchFamily="34" charset="0"/>
+              <a:buNone/>
+            </a:pPr>
+            <a:endParaRPr lang="en-US" dirty="0"/>
+          </a:p>
+        </p:txBody>
+      </p:sp>
+      <p:sp>
+        <p:nvSpPr>
+          <p:cNvPr id="2" name="TextBox 1"/>
+          <p:cNvSpPr txBox="1"/>
+          <p:nvPr/>
+        </p:nvSpPr>
+        <p:spPr>
+          <a:xfrm>
+            <a:off x="7042068" y="1228725"/>
+            <a:ext cx="3627916" cy="461665"/>
+          </a:xfrm>
+          <a:prstGeom prst="rect">
+            <a:avLst/>
+          </a:prstGeom>
+          <a:noFill/>
+        </p:spPr>
+        <p:txBody>
+          <a:bodyPr wrap="none" rtlCol="0">
+            <a:spAutoFit/>
+          </a:bodyPr>
+          <a:lstStyle/>
+          <a:p>
+            <a:r>
+              <a:rPr lang="en-US" dirty="0" smtClean="0"/>
+              <a:t>Include plots, non-linear?</a:t>
             </a:r>
             <a:endParaRPr lang="en-US" dirty="0"/>
           </a:p>
@@ -12268,7 +16926,7 @@
     </p:spTree>
     <p:extLst>
       <p:ext uri="{BB962C8B-B14F-4D97-AF65-F5344CB8AC3E}">
-        <p14:creationId xmlns:p14="http://schemas.microsoft.com/office/powerpoint/2010/main" val="7909613"/>
+        <p14:creationId xmlns:p14="http://schemas.microsoft.com/office/powerpoint/2010/main" val="2257145620"/>
       </p:ext>
     </p:extLst>
   </p:cSld>
@@ -12304,6 +16962,302 @@
       </p:grpSpPr>
       <p:sp>
         <p:nvSpPr>
+          <p:cNvPr id="2" name="Content Placeholder 1"/>
+          <p:cNvSpPr>
+            <a:spLocks noGrp="1"/>
+          </p:cNvSpPr>
+          <p:nvPr>
+            <p:ph idx="1"/>
+          </p:nvPr>
+        </p:nvSpPr>
+        <p:spPr/>
+        <p:txBody>
+          <a:bodyPr/>
+          <a:lstStyle/>
+          <a:p>
+            <a:r>
+              <a:rPr lang="en-US" sz="1200" b="0" dirty="0"/>
+              <a:t>Experiment 1 asked participants to uncover hypothetical adversary attacks described in text documents with and without markup from an existing IE pipeline and found that, instead of helping, markup hurt performance and was </a:t>
+            </a:r>
+            <a:r>
+              <a:rPr lang="en-US" sz="1200" b="0" dirty="0" err="1"/>
+              <a:t>dispreferred</a:t>
+            </a:r>
+            <a:r>
+              <a:rPr lang="en-US" sz="1200" b="0" dirty="0"/>
+              <a:t> to plain text. </a:t>
+            </a:r>
+            <a:endParaRPr lang="en-US" sz="1200" b="0" dirty="0" smtClean="0"/>
+          </a:p>
+          <a:p>
+            <a:r>
+              <a:rPr lang="en-US" sz="1200" b="0" dirty="0" smtClean="0"/>
+              <a:t>While </a:t>
+            </a:r>
+            <a:r>
+              <a:rPr lang="en-US" sz="1200" b="0" dirty="0"/>
+              <a:t>the markup used in Experiment 2 was hand-generated to be as helpful but realistic as possible, it still did not lead to better performance than plain text. </a:t>
+            </a:r>
+            <a:endParaRPr lang="en-US" sz="1200" b="0" dirty="0" smtClean="0"/>
+          </a:p>
+          <a:p>
+            <a:r>
+              <a:rPr lang="en-US" sz="1200" b="0" dirty="0" smtClean="0"/>
+              <a:t>This </a:t>
+            </a:r>
+            <a:r>
+              <a:rPr lang="en-US" sz="1200" b="0" dirty="0"/>
+              <a:t>is an important warning to researchers trusting that actual automated markup will be helpful. This markup, however, was overall preferred to plain text, which is valuable for the overall user experience. </a:t>
+            </a:r>
+          </a:p>
+          <a:p>
+            <a:r>
+              <a:rPr lang="en-US" sz="1200" b="0" dirty="0"/>
+              <a:t>These results also emphasize that the trust in the automation that is used in an IE pipeline may be important for user experience and for encouraging users to opt to use these pipelines. However, the link between trust in automation and objective performance measures in the current study is very small, and experiments like this demonstrate that the automation need not improve performance. Much remains to be understood about the gap between IE technology and its human user for this technology to truly support human-computer interaction.</a:t>
+            </a:r>
+          </a:p>
+          <a:p>
+            <a:endParaRPr lang="en-US" sz="1200" b="0" dirty="0" smtClean="0"/>
+          </a:p>
+          <a:p>
+            <a:r>
+              <a:rPr lang="en-US" sz="1200" b="0" dirty="0" smtClean="0"/>
+              <a:t>An </a:t>
+            </a:r>
+            <a:r>
+              <a:rPr lang="en-US" sz="1200" b="0" dirty="0"/>
+              <a:t>additional consideration was highlighted by the unexpectedly high number of low-quality responses. </a:t>
+            </a:r>
+            <a:endParaRPr lang="en-US" sz="1200" b="0" dirty="0" smtClean="0"/>
+          </a:p>
+          <a:p>
+            <a:pPr lvl="1"/>
+            <a:r>
+              <a:rPr lang="en-US" sz="1000" b="0" dirty="0" smtClean="0"/>
+              <a:t>These </a:t>
+            </a:r>
+            <a:r>
+              <a:rPr lang="en-US" sz="1000" b="0" dirty="0"/>
+              <a:t>were responses that were too quick to represent true attempts to read the texts and identify the hypothetical adversary </a:t>
+            </a:r>
+            <a:r>
+              <a:rPr lang="en-US" sz="1000" b="0" dirty="0" smtClean="0"/>
+              <a:t>attack.</a:t>
+            </a:r>
+          </a:p>
+          <a:p>
+            <a:pPr lvl="1"/>
+            <a:r>
+              <a:rPr lang="en-US" sz="1000" b="0" dirty="0" smtClean="0"/>
+              <a:t>The </a:t>
+            </a:r>
+            <a:r>
+              <a:rPr lang="en-US" sz="1000" b="0" dirty="0"/>
+              <a:t>participants providing these responses were roughly twice as likely to report that English was not their native language (11/27 Non-native English speakers were filtered versus 39/172 native English speakers, shown in Table 3), and they often provided incoherent free-text strategy descriptions. </a:t>
+            </a:r>
+            <a:endParaRPr lang="en-US" sz="1000" b="0" dirty="0" smtClean="0"/>
+          </a:p>
+          <a:p>
+            <a:pPr lvl="1"/>
+            <a:r>
+              <a:rPr lang="en-US" sz="1000" b="0" dirty="0" smtClean="0"/>
+              <a:t>This </a:t>
+            </a:r>
+            <a:r>
+              <a:rPr lang="en-US" sz="1000" b="0" dirty="0"/>
+              <a:t>might indicate that workers on Mechanical Turk are generally not willing to put in the work necessary to do well at this task. However, regardless of their performance, this population of workers does not necessarily predict the performance of any other population, importantly, intelligence analysts. While workers on Mechanical Turk can be helpful due to their availability, it is important to include the specific intended end user in the testing cycle.</a:t>
+            </a:r>
+          </a:p>
+          <a:p>
+            <a:endParaRPr lang="en-US" sz="1200" b="0" dirty="0"/>
+          </a:p>
+        </p:txBody>
+      </p:sp>
+      <p:sp>
+        <p:nvSpPr>
+          <p:cNvPr id="3" name="Title 2"/>
+          <p:cNvSpPr>
+            <a:spLocks noGrp="1"/>
+          </p:cNvSpPr>
+          <p:nvPr>
+            <p:ph type="title"/>
+          </p:nvPr>
+        </p:nvSpPr>
+        <p:spPr/>
+        <p:txBody>
+          <a:bodyPr/>
+          <a:lstStyle/>
+          <a:p>
+            <a:r>
+              <a:rPr lang="en-US" dirty="0" smtClean="0"/>
+              <a:t>Discussion</a:t>
+            </a:r>
+            <a:endParaRPr lang="en-US" dirty="0"/>
+          </a:p>
+        </p:txBody>
+      </p:sp>
+    </p:spTree>
+    <p:extLst>
+      <p:ext uri="{BB962C8B-B14F-4D97-AF65-F5344CB8AC3E}">
+        <p14:creationId xmlns:p14="http://schemas.microsoft.com/office/powerpoint/2010/main" val="2599652663"/>
+      </p:ext>
+    </p:extLst>
+  </p:cSld>
+  <p:clrMapOvr>
+    <a:masterClrMapping/>
+  </p:clrMapOvr>
+</p:sld>
+</file>
+
+<file path=ppt/slides/slide17.xml><?xml version="1.0" encoding="utf-8"?>
+<p:sld xmlns:a="http://schemas.openxmlformats.org/drawingml/2006/main" xmlns:r="http://schemas.openxmlformats.org/officeDocument/2006/relationships" xmlns:p="http://schemas.openxmlformats.org/presentationml/2006/main">
+  <p:cSld>
+    <p:spTree>
+      <p:nvGrpSpPr>
+        <p:cNvPr id="1" name=""/>
+        <p:cNvGrpSpPr/>
+        <p:nvPr/>
+      </p:nvGrpSpPr>
+      <p:grpSpPr>
+        <a:xfrm>
+          <a:off x="0" y="0"/>
+          <a:ext cx="0" cy="0"/>
+          <a:chOff x="0" y="0"/>
+          <a:chExt cx="0" cy="0"/>
+        </a:xfrm>
+      </p:grpSpPr>
+      <p:sp>
+        <p:nvSpPr>
+          <p:cNvPr id="4" name="Content Placeholder 3"/>
+          <p:cNvSpPr>
+            <a:spLocks noGrp="1"/>
+          </p:cNvSpPr>
+          <p:nvPr>
+            <p:ph idx="1"/>
+          </p:nvPr>
+        </p:nvSpPr>
+        <p:spPr/>
+        <p:txBody>
+          <a:bodyPr/>
+          <a:lstStyle/>
+          <a:p>
+            <a:pPr lvl="0"/>
+            <a:r>
+              <a:rPr lang="en-US" dirty="0"/>
+              <a:t>First level bullet</a:t>
+            </a:r>
+          </a:p>
+          <a:p>
+            <a:pPr lvl="1"/>
+            <a:r>
+              <a:rPr lang="en-US" dirty="0"/>
+              <a:t>Second level bullet</a:t>
+            </a:r>
+          </a:p>
+          <a:p>
+            <a:pPr lvl="2"/>
+            <a:r>
+              <a:rPr lang="en-US" dirty="0"/>
+              <a:t>Third level </a:t>
+            </a:r>
+            <a:r>
+              <a:rPr lang="en-US" dirty="0" smtClean="0"/>
+              <a:t>bullet</a:t>
+            </a:r>
+          </a:p>
+          <a:p>
+            <a:pPr lvl="0"/>
+            <a:r>
+              <a:rPr lang="en-US" dirty="0"/>
+              <a:t>First level bullet</a:t>
+            </a:r>
+          </a:p>
+          <a:p>
+            <a:pPr lvl="1"/>
+            <a:r>
+              <a:rPr lang="en-US" dirty="0"/>
+              <a:t>Second level bullet</a:t>
+            </a:r>
+          </a:p>
+          <a:p>
+            <a:pPr lvl="2"/>
+            <a:r>
+              <a:rPr lang="en-US" dirty="0"/>
+              <a:t>Third level </a:t>
+            </a:r>
+            <a:r>
+              <a:rPr lang="en-US" dirty="0" smtClean="0"/>
+              <a:t>bullet</a:t>
+            </a:r>
+          </a:p>
+        </p:txBody>
+      </p:sp>
+      <p:sp>
+        <p:nvSpPr>
+          <p:cNvPr id="3" name="Title 2"/>
+          <p:cNvSpPr>
+            <a:spLocks noGrp="1"/>
+          </p:cNvSpPr>
+          <p:nvPr>
+            <p:ph type="title"/>
+          </p:nvPr>
+        </p:nvSpPr>
+        <p:spPr/>
+        <p:txBody>
+          <a:bodyPr/>
+          <a:lstStyle/>
+          <a:p>
+            <a:r>
+              <a:rPr lang="en-US" dirty="0"/>
+              <a:t>SLIDE TITLE GOES </a:t>
+            </a:r>
+            <a:r>
+              <a:rPr lang="en-US" dirty="0" smtClean="0"/>
+              <a:t>HERE</a:t>
+            </a:r>
+            <a:endParaRPr lang="en-US" dirty="0"/>
+          </a:p>
+        </p:txBody>
+      </p:sp>
+    </p:spTree>
+    <p:extLst>
+      <p:ext uri="{BB962C8B-B14F-4D97-AF65-F5344CB8AC3E}">
+        <p14:creationId xmlns:p14="http://schemas.microsoft.com/office/powerpoint/2010/main" val="7909613"/>
+      </p:ext>
+    </p:extLst>
+  </p:cSld>
+  <p:clrMapOvr>
+    <a:masterClrMapping/>
+  </p:clrMapOvr>
+  <p:timing>
+    <p:tnLst>
+      <p:par>
+        <p:cTn id="1" dur="indefinite" restart="never" nodeType="tmRoot"/>
+      </p:par>
+    </p:tnLst>
+  </p:timing>
+</p:sld>
+</file>
+
+<file path=ppt/slides/slide18.xml><?xml version="1.0" encoding="utf-8"?>
+<p:sld xmlns:a="http://schemas.openxmlformats.org/drawingml/2006/main" xmlns:r="http://schemas.openxmlformats.org/officeDocument/2006/relationships" xmlns:p="http://schemas.openxmlformats.org/presentationml/2006/main">
+  <p:cSld>
+    <p:spTree>
+      <p:nvGrpSpPr>
+        <p:cNvPr id="1" name=""/>
+        <p:cNvGrpSpPr/>
+        <p:nvPr/>
+      </p:nvGrpSpPr>
+      <p:grpSpPr>
+        <a:xfrm>
+          <a:off x="0" y="0"/>
+          <a:ext cx="0" cy="0"/>
+          <a:chOff x="0" y="0"/>
+          <a:chExt cx="0" cy="0"/>
+        </a:xfrm>
+      </p:grpSpPr>
+      <p:sp>
+        <p:nvSpPr>
           <p:cNvPr id="4" name="Content Placeholder 3"/>
           <p:cNvSpPr>
             <a:spLocks noGrp="1"/>
@@ -12457,7 +17411,7 @@
 </p:sld>
 </file>
 
-<file path=ppt/slides/slide17.xml><?xml version="1.0" encoding="utf-8"?>
+<file path=ppt/slides/slide19.xml><?xml version="1.0" encoding="utf-8"?>
 <p:sld xmlns:a="http://schemas.openxmlformats.org/drawingml/2006/main" xmlns:r="http://schemas.openxmlformats.org/officeDocument/2006/relationships" xmlns:p="http://schemas.openxmlformats.org/presentationml/2006/main">
   <p:cSld>
     <p:spTree>
@@ -12525,7 +17479,186 @@
 </p:sld>
 </file>
 
-<file path=ppt/slides/slide18.xml><?xml version="1.0" encoding="utf-8"?>
+<file path=ppt/slides/slide2.xml><?xml version="1.0" encoding="utf-8"?>
+<p:sld xmlns:a="http://schemas.openxmlformats.org/drawingml/2006/main" xmlns:r="http://schemas.openxmlformats.org/officeDocument/2006/relationships" xmlns:p="http://schemas.openxmlformats.org/presentationml/2006/main">
+  <p:cSld>
+    <p:spTree>
+      <p:nvGrpSpPr>
+        <p:cNvPr id="1" name=""/>
+        <p:cNvGrpSpPr/>
+        <p:nvPr/>
+      </p:nvGrpSpPr>
+      <p:grpSpPr>
+        <a:xfrm>
+          <a:off x="0" y="0"/>
+          <a:ext cx="0" cy="0"/>
+          <a:chOff x="0" y="0"/>
+          <a:chExt cx="0" cy="0"/>
+        </a:xfrm>
+      </p:grpSpPr>
+      <p:sp>
+        <p:nvSpPr>
+          <p:cNvPr id="2" name="Content Placeholder 1"/>
+          <p:cNvSpPr>
+            <a:spLocks noGrp="1"/>
+          </p:cNvSpPr>
+          <p:nvPr>
+            <p:ph idx="1"/>
+          </p:nvPr>
+        </p:nvSpPr>
+        <p:spPr/>
+        <p:txBody>
+          <a:bodyPr/>
+          <a:lstStyle/>
+          <a:p>
+            <a:r>
+              <a:rPr lang="en-US" b="0" dirty="0"/>
+              <a:t>Information Extraction (IE) research has made remarkable progress </a:t>
+            </a:r>
+            <a:r>
+              <a:rPr lang="en-US" b="0" dirty="0" smtClean="0"/>
+              <a:t>in Natural </a:t>
+            </a:r>
+            <a:r>
+              <a:rPr lang="en-US" b="0" dirty="0"/>
+              <a:t>Language Processing using intrinsic measures, but little attention </a:t>
+            </a:r>
+            <a:r>
+              <a:rPr lang="en-US" b="0" dirty="0" smtClean="0"/>
+              <a:t>has been </a:t>
+            </a:r>
+            <a:r>
+              <a:rPr lang="en-US" b="0" dirty="0"/>
+              <a:t>paid to human analysts as downstream processors. In one experiment, </a:t>
+            </a:r>
+            <a:r>
+              <a:rPr lang="en-US" b="0" dirty="0" smtClean="0"/>
+              <a:t>when participants </a:t>
+            </a:r>
+            <a:r>
+              <a:rPr lang="en-US" b="0" dirty="0"/>
+              <a:t>were presented text with or without markup from an IE pipeline, </a:t>
+            </a:r>
+            <a:r>
+              <a:rPr lang="en-US" b="0" dirty="0" smtClean="0"/>
+              <a:t>they showed </a:t>
+            </a:r>
+            <a:r>
+              <a:rPr lang="en-US" b="0" dirty="0"/>
+              <a:t>better text comprehension without markup. In a second experiment, </a:t>
+            </a:r>
+            <a:r>
+              <a:rPr lang="en-US" b="0" dirty="0" smtClean="0"/>
+              <a:t>the markup </a:t>
+            </a:r>
+            <a:r>
+              <a:rPr lang="en-US" b="0" dirty="0"/>
+              <a:t>was hand-generated to be as relevant and accurate as possible to </a:t>
+            </a:r>
+            <a:r>
+              <a:rPr lang="en-US" b="0" dirty="0" smtClean="0"/>
+              <a:t>find conditions </a:t>
+            </a:r>
+            <a:r>
+              <a:rPr lang="en-US" b="0" dirty="0"/>
+              <a:t>under which markup improves performance. This experiment </a:t>
+            </a:r>
+            <a:r>
+              <a:rPr lang="en-US" b="0" dirty="0" smtClean="0"/>
+              <a:t>showed no </a:t>
+            </a:r>
+            <a:r>
+              <a:rPr lang="en-US" b="0" dirty="0"/>
+              <a:t>significant difference between performance with and without markup, but </a:t>
+            </a:r>
+            <a:r>
+              <a:rPr lang="en-US" b="0" dirty="0" smtClean="0"/>
+              <a:t>a significant </a:t>
+            </a:r>
+            <a:r>
+              <a:rPr lang="en-US" b="0" dirty="0"/>
+              <a:t>majority of participants preferred working with markup to </a:t>
+            </a:r>
+            <a:r>
+              <a:rPr lang="en-US" b="0" dirty="0" smtClean="0"/>
+              <a:t>without. Further</a:t>
+            </a:r>
+            <a:r>
+              <a:rPr lang="en-US" b="0" dirty="0"/>
+              <a:t>, preference for markup showed a </a:t>
+            </a:r>
+            <a:r>
+              <a:rPr lang="en-US" dirty="0"/>
+              <a:t>fairly strong correlation with </a:t>
+            </a:r>
+            <a:r>
+              <a:rPr lang="en-US" dirty="0" smtClean="0"/>
+              <a:t>participants’ ratings </a:t>
+            </a:r>
+            <a:r>
+              <a:rPr lang="en-US" dirty="0"/>
+              <a:t>of their own trust in automation</a:t>
+            </a:r>
+            <a:r>
+              <a:rPr lang="en-US" b="0" dirty="0"/>
+              <a:t>. These results emphasize the </a:t>
+            </a:r>
+            <a:r>
+              <a:rPr lang="en-US" b="0" dirty="0" smtClean="0"/>
+              <a:t>importance of </a:t>
+            </a:r>
+            <a:r>
+              <a:rPr lang="en-US" b="0" dirty="0"/>
+              <a:t>testing IE systems with actual users and the importance of trust </a:t>
+            </a:r>
+            <a:r>
+              <a:rPr lang="en-US" b="0" dirty="0" smtClean="0"/>
+              <a:t>in automation</a:t>
+            </a:r>
+            <a:r>
+              <a:rPr lang="en-US" b="0" dirty="0"/>
+              <a:t>.</a:t>
+            </a:r>
+          </a:p>
+        </p:txBody>
+      </p:sp>
+      <p:sp>
+        <p:nvSpPr>
+          <p:cNvPr id="3" name="Title 2"/>
+          <p:cNvSpPr>
+            <a:spLocks noGrp="1"/>
+          </p:cNvSpPr>
+          <p:nvPr>
+            <p:ph type="title"/>
+          </p:nvPr>
+        </p:nvSpPr>
+        <p:spPr/>
+        <p:txBody>
+          <a:bodyPr/>
+          <a:lstStyle/>
+          <a:p>
+            <a:r>
+              <a:rPr lang="en-US" dirty="0" err="1" smtClean="0"/>
+              <a:t>OVerview</a:t>
+            </a:r>
+            <a:endParaRPr lang="en-US" dirty="0"/>
+          </a:p>
+        </p:txBody>
+      </p:sp>
+    </p:spTree>
+    <p:extLst>
+      <p:ext uri="{BB962C8B-B14F-4D97-AF65-F5344CB8AC3E}">
+        <p14:creationId xmlns:p14="http://schemas.microsoft.com/office/powerpoint/2010/main" val="1160544037"/>
+      </p:ext>
+    </p:extLst>
+  </p:cSld>
+  <p:clrMapOvr>
+    <a:masterClrMapping/>
+  </p:clrMapOvr>
+</p:sld>
+</file>
+
+<file path=ppt/slides/slide20.xml><?xml version="1.0" encoding="utf-8"?>
 <p:sld xmlns:a="http://schemas.openxmlformats.org/drawingml/2006/main" xmlns:r="http://schemas.openxmlformats.org/officeDocument/2006/relationships" xmlns:p="http://schemas.openxmlformats.org/presentationml/2006/main">
   <p:cSld>
     <p:spTree>
@@ -13344,196 +18477,6 @@
 </p:sld>
 </file>
 
-<file path=ppt/slides/slide2.xml><?xml version="1.0" encoding="utf-8"?>
-<p:sld xmlns:a="http://schemas.openxmlformats.org/drawingml/2006/main" xmlns:r="http://schemas.openxmlformats.org/officeDocument/2006/relationships" xmlns:p="http://schemas.openxmlformats.org/presentationml/2006/main">
-  <p:cSld>
-    <p:spTree>
-      <p:nvGrpSpPr>
-        <p:cNvPr id="1" name=""/>
-        <p:cNvGrpSpPr/>
-        <p:nvPr/>
-      </p:nvGrpSpPr>
-      <p:grpSpPr>
-        <a:xfrm>
-          <a:off x="0" y="0"/>
-          <a:ext cx="0" cy="0"/>
-          <a:chOff x="0" y="0"/>
-          <a:chExt cx="0" cy="0"/>
-        </a:xfrm>
-      </p:grpSpPr>
-      <p:sp>
-        <p:nvSpPr>
-          <p:cNvPr id="2" name="Text Placeholder 1"/>
-          <p:cNvSpPr>
-            <a:spLocks noGrp="1"/>
-          </p:cNvSpPr>
-          <p:nvPr>
-            <p:ph type="body" sz="quarter" idx="17"/>
-          </p:nvPr>
-        </p:nvSpPr>
-        <p:spPr/>
-        <p:txBody>
-          <a:bodyPr/>
-          <a:lstStyle/>
-          <a:p>
-            <a:r>
-              <a:rPr lang="en-US" dirty="0" smtClean="0"/>
-              <a:t>28 JUL 2019</a:t>
-            </a:r>
-            <a:endParaRPr lang="en-US" dirty="0"/>
-          </a:p>
-        </p:txBody>
-      </p:sp>
-      <p:sp>
-        <p:nvSpPr>
-          <p:cNvPr id="3" name="Text Placeholder 2"/>
-          <p:cNvSpPr>
-            <a:spLocks noGrp="1"/>
-          </p:cNvSpPr>
-          <p:nvPr>
-            <p:ph type="body" sz="quarter" idx="12"/>
-          </p:nvPr>
-        </p:nvSpPr>
-        <p:spPr/>
-        <p:txBody>
-          <a:bodyPr/>
-          <a:lstStyle/>
-          <a:p>
-            <a:r>
-              <a:rPr lang="en-US" dirty="0" smtClean="0"/>
-              <a:t>Human </a:t>
-            </a:r>
-            <a:r>
-              <a:rPr lang="en-US" dirty="0"/>
-              <a:t>Interaction with the Output of </a:t>
-            </a:r>
-            <a:r>
-              <a:rPr lang="en-US" dirty="0" smtClean="0"/>
-              <a:t>Information Extraction </a:t>
-            </a:r>
-            <a:r>
-              <a:rPr lang="en-US" dirty="0"/>
-              <a:t>Systems</a:t>
-            </a:r>
-          </a:p>
-        </p:txBody>
-      </p:sp>
-      <p:sp>
-        <p:nvSpPr>
-          <p:cNvPr id="4" name="Text Placeholder 3"/>
-          <p:cNvSpPr>
-            <a:spLocks noGrp="1"/>
-          </p:cNvSpPr>
-          <p:nvPr>
-            <p:ph type="body" sz="quarter" idx="13"/>
-          </p:nvPr>
-        </p:nvSpPr>
-        <p:spPr/>
-        <p:txBody>
-          <a:bodyPr/>
-          <a:lstStyle/>
-          <a:p>
-            <a:pPr marL="0" indent="0"/>
-            <a:r>
-              <a:rPr lang="en-US" dirty="0" smtClean="0"/>
-              <a:t>Erin Zaroukian</a:t>
-            </a:r>
-            <a:endParaRPr lang="en-US" dirty="0"/>
-          </a:p>
-        </p:txBody>
-      </p:sp>
-      <p:sp>
-        <p:nvSpPr>
-          <p:cNvPr id="5" name="Text Placeholder 4"/>
-          <p:cNvSpPr>
-            <a:spLocks noGrp="1"/>
-          </p:cNvSpPr>
-          <p:nvPr>
-            <p:ph type="body" sz="quarter" idx="14"/>
-          </p:nvPr>
-        </p:nvSpPr>
-        <p:spPr/>
-        <p:txBody>
-          <a:bodyPr/>
-          <a:lstStyle/>
-          <a:p>
-            <a:pPr marL="0" indent="0"/>
-            <a:r>
-              <a:rPr lang="en-US" dirty="0" smtClean="0"/>
-              <a:t>Cognitive Scientist</a:t>
-            </a:r>
-            <a:endParaRPr lang="en-US" dirty="0"/>
-          </a:p>
-        </p:txBody>
-      </p:sp>
-      <p:sp>
-        <p:nvSpPr>
-          <p:cNvPr id="6" name="Text Placeholder 5"/>
-          <p:cNvSpPr>
-            <a:spLocks noGrp="1"/>
-          </p:cNvSpPr>
-          <p:nvPr>
-            <p:ph type="body" sz="quarter" idx="15"/>
-          </p:nvPr>
-        </p:nvSpPr>
-        <p:spPr/>
-        <p:txBody>
-          <a:bodyPr/>
-          <a:lstStyle/>
-          <a:p>
-            <a:pPr marL="0" indent="0"/>
-            <a:r>
-              <a:rPr lang="en-US" dirty="0" smtClean="0"/>
-              <a:t>Computational and Information Sciences Directorate</a:t>
-            </a:r>
-            <a:endParaRPr lang="en-US" dirty="0"/>
-          </a:p>
-        </p:txBody>
-      </p:sp>
-      <p:sp>
-        <p:nvSpPr>
-          <p:cNvPr id="7" name="Text Placeholder 6"/>
-          <p:cNvSpPr>
-            <a:spLocks noGrp="1"/>
-          </p:cNvSpPr>
-          <p:nvPr>
-            <p:ph type="body" sz="quarter" idx="18"/>
-          </p:nvPr>
-        </p:nvSpPr>
-        <p:spPr/>
-        <p:txBody>
-          <a:bodyPr/>
-          <a:lstStyle/>
-          <a:p>
-            <a:pPr marL="0" indent="0"/>
-            <a:r>
-              <a:rPr lang="en-US" dirty="0" smtClean="0"/>
-              <a:t>Approved for public release, distribution unlimited</a:t>
-            </a:r>
-            <a:endParaRPr lang="en-US" dirty="0"/>
-          </a:p>
-        </p:txBody>
-      </p:sp>
-    </p:spTree>
-    <p:extLst>
-      <p:ext uri="{BB962C8B-B14F-4D97-AF65-F5344CB8AC3E}">
-        <p14:creationId xmlns:p14="http://schemas.microsoft.com/office/powerpoint/2010/main" val="2985357808"/>
-      </p:ext>
-    </p:extLst>
-  </p:cSld>
-  <p:clrMapOvr>
-    <a:masterClrMapping/>
-  </p:clrMapOvr>
-  <p:timing>
-    <p:tnLst>
-      <p:par>
-        <p:cTn id="1" dur="indefinite" restart="never" nodeType="tmRoot"/>
-      </p:par>
-    </p:tnLst>
-  </p:timing>
-</p:sld>
-</file>
-
 <file path=ppt/slides/slide3.xml><?xml version="1.0" encoding="utf-8"?>
 <p:sld xmlns:a="http://schemas.openxmlformats.org/drawingml/2006/main" xmlns:r="http://schemas.openxmlformats.org/officeDocument/2006/relationships" xmlns:p="http://schemas.openxmlformats.org/presentationml/2006/main">
   <p:cSld>
@@ -13551,132 +18494,35 @@
           <a:chExt cx="0" cy="0"/>
         </a:xfrm>
       </p:grpSpPr>
-      <p:sp>
-        <p:nvSpPr>
-          <p:cNvPr id="2" name="Content Placeholder 1"/>
-          <p:cNvSpPr>
-            <a:spLocks noGrp="1"/>
-          </p:cNvSpPr>
+      <p:pic>
+        <p:nvPicPr>
+          <p:cNvPr id="7" name="Content Placeholder 6"/>
+          <p:cNvPicPr>
+            <a:picLocks noGrp="1" noChangeAspect="1"/>
+          </p:cNvPicPr>
           <p:nvPr>
             <p:ph idx="1"/>
           </p:nvPr>
-        </p:nvSpPr>
-        <p:spPr/>
-        <p:txBody>
-          <a:bodyPr/>
-          <a:lstStyle/>
-          <a:p>
-            <a:r>
-              <a:rPr lang="en-US" b="0" dirty="0"/>
-              <a:t>Information Extraction (IE) research has made remarkable progress </a:t>
-            </a:r>
-            <a:r>
-              <a:rPr lang="en-US" b="0" dirty="0" smtClean="0"/>
-              <a:t>in Natural </a:t>
-            </a:r>
-            <a:r>
-              <a:rPr lang="en-US" b="0" dirty="0"/>
-              <a:t>Language Processing using intrinsic measures, but little attention </a:t>
-            </a:r>
-            <a:r>
-              <a:rPr lang="en-US" b="0" dirty="0" smtClean="0"/>
-              <a:t>has been </a:t>
-            </a:r>
-            <a:r>
-              <a:rPr lang="en-US" b="0" dirty="0"/>
-              <a:t>paid to human analysts as downstream processors. In one experiment, </a:t>
-            </a:r>
-            <a:r>
-              <a:rPr lang="en-US" b="0" dirty="0" smtClean="0"/>
-              <a:t>when participants </a:t>
-            </a:r>
-            <a:r>
-              <a:rPr lang="en-US" b="0" dirty="0"/>
-              <a:t>were presented text with or without markup from an IE pipeline, </a:t>
-            </a:r>
-            <a:r>
-              <a:rPr lang="en-US" b="0" dirty="0" smtClean="0"/>
-              <a:t>they showed </a:t>
-            </a:r>
-            <a:r>
-              <a:rPr lang="en-US" b="0" dirty="0"/>
-              <a:t>better text comprehension without markup. In a second experiment, </a:t>
-            </a:r>
-            <a:r>
-              <a:rPr lang="en-US" b="0" dirty="0" smtClean="0"/>
-              <a:t>the markup </a:t>
-            </a:r>
-            <a:r>
-              <a:rPr lang="en-US" b="0" dirty="0"/>
-              <a:t>was hand-generated to be as relevant and accurate as possible to </a:t>
-            </a:r>
-            <a:r>
-              <a:rPr lang="en-US" b="0" dirty="0" smtClean="0"/>
-              <a:t>find conditions </a:t>
-            </a:r>
-            <a:r>
-              <a:rPr lang="en-US" b="0" dirty="0"/>
-              <a:t>under which markup improves performance. This experiment </a:t>
-            </a:r>
-            <a:r>
-              <a:rPr lang="en-US" b="0" dirty="0" smtClean="0"/>
-              <a:t>showed no </a:t>
-            </a:r>
-            <a:r>
-              <a:rPr lang="en-US" b="0" dirty="0"/>
-              <a:t>significant difference between performance with and without markup, but </a:t>
-            </a:r>
-            <a:r>
-              <a:rPr lang="en-US" b="0" dirty="0" smtClean="0"/>
-              <a:t>a significant </a:t>
-            </a:r>
-            <a:r>
-              <a:rPr lang="en-US" b="0" dirty="0"/>
-              <a:t>majority of participants preferred working with markup to </a:t>
-            </a:r>
-            <a:r>
-              <a:rPr lang="en-US" b="0" dirty="0" smtClean="0"/>
-              <a:t>without. Further</a:t>
-            </a:r>
-            <a:r>
-              <a:rPr lang="en-US" b="0" dirty="0"/>
-              <a:t>, preference for markup showed a </a:t>
-            </a:r>
-            <a:r>
-              <a:rPr lang="en-US" dirty="0"/>
-              <a:t>fairly strong correlation with </a:t>
-            </a:r>
-            <a:r>
-              <a:rPr lang="en-US" dirty="0" smtClean="0"/>
-              <a:t>participants’ ratings </a:t>
-            </a:r>
-            <a:r>
-              <a:rPr lang="en-US" dirty="0"/>
-              <a:t>of their own trust in automation</a:t>
-            </a:r>
-            <a:r>
-              <a:rPr lang="en-US" b="0" dirty="0"/>
-              <a:t>. These results emphasize the </a:t>
-            </a:r>
-            <a:r>
-              <a:rPr lang="en-US" b="0" dirty="0" smtClean="0"/>
-              <a:t>importance of </a:t>
-            </a:r>
-            <a:r>
-              <a:rPr lang="en-US" b="0" dirty="0"/>
-              <a:t>testing IE systems with actual users and the importance of trust </a:t>
-            </a:r>
-            <a:r>
-              <a:rPr lang="en-US" b="0" dirty="0" smtClean="0"/>
-              <a:t>in automation</a:t>
-            </a:r>
-            <a:r>
-              <a:rPr lang="en-US" b="0" dirty="0"/>
-              <a:t>.</a:t>
-            </a:r>
-          </a:p>
-        </p:txBody>
-      </p:sp>
+        </p:nvPicPr>
+        <p:blipFill>
+          <a:blip r:embed="rId2">
+            <a:extLst>
+              <a:ext uri="{28A0092B-C50C-407E-A947-70E740481C1C}">
+                <a14:useLocalDpi xmlns:a14="http://schemas.microsoft.com/office/drawing/2010/main" val="0"/>
+              </a:ext>
+            </a:extLst>
+          </a:blip>
+          <a:stretch>
+            <a:fillRect/>
+          </a:stretch>
+        </p:blipFill>
+        <p:spPr>
+          <a:xfrm>
+            <a:off x="7810954" y="2211454"/>
+            <a:ext cx="917455" cy="1828800"/>
+          </a:xfrm>
+        </p:spPr>
+      </p:pic>
       <p:sp>
         <p:nvSpPr>
           <p:cNvPr id="3" name="Title 2"/>
@@ -13693,17 +18539,299 @@
           <a:lstStyle/>
           <a:p>
             <a:r>
-              <a:rPr lang="en-US" dirty="0" err="1" smtClean="0"/>
-              <a:t>OVerview</a:t>
+              <a:rPr lang="en-US" dirty="0"/>
+              <a:t>I</a:t>
+            </a:r>
+            <a:r>
+              <a:rPr lang="en-US" dirty="0" smtClean="0"/>
+              <a:t>nformation Extraction</a:t>
             </a:r>
             <a:endParaRPr lang="en-US" dirty="0"/>
           </a:p>
         </p:txBody>
       </p:sp>
+      <p:sp>
+        <p:nvSpPr>
+          <p:cNvPr id="4" name="Flowchart: Direct Access Storage 3"/>
+          <p:cNvSpPr/>
+          <p:nvPr/>
+        </p:nvSpPr>
+        <p:spPr>
+          <a:xfrm>
+            <a:off x="2600704" y="2968831"/>
+            <a:ext cx="2493818" cy="731520"/>
+          </a:xfrm>
+          <a:prstGeom prst="flowChartMagneticDrum">
+            <a:avLst/>
+          </a:prstGeom>
+        </p:spPr>
+        <p:style>
+          <a:lnRef idx="2">
+            <a:schemeClr val="accent4">
+              <a:shade val="50000"/>
+            </a:schemeClr>
+          </a:lnRef>
+          <a:fillRef idx="1">
+            <a:schemeClr val="accent4"/>
+          </a:fillRef>
+          <a:effectRef idx="0">
+            <a:schemeClr val="accent4"/>
+          </a:effectRef>
+          <a:fontRef idx="minor">
+            <a:schemeClr val="lt1"/>
+          </a:fontRef>
+        </p:style>
+        <p:txBody>
+          <a:bodyPr rtlCol="0" anchor="ctr"/>
+          <a:lstStyle/>
+          <a:p>
+            <a:pPr algn="ctr"/>
+            <a:endParaRPr lang="en-US"/>
+          </a:p>
+        </p:txBody>
+      </p:sp>
+      <p:sp>
+        <p:nvSpPr>
+          <p:cNvPr id="5" name="Flowchart: Direct Access Storage 4"/>
+          <p:cNvSpPr/>
+          <p:nvPr/>
+        </p:nvSpPr>
+        <p:spPr>
+          <a:xfrm>
+            <a:off x="3785419" y="2964082"/>
+            <a:ext cx="2493818" cy="731520"/>
+          </a:xfrm>
+          <a:prstGeom prst="flowChartMagneticDrum">
+            <a:avLst/>
+          </a:prstGeom>
+        </p:spPr>
+        <p:style>
+          <a:lnRef idx="2">
+            <a:schemeClr val="accent4">
+              <a:shade val="50000"/>
+            </a:schemeClr>
+          </a:lnRef>
+          <a:fillRef idx="1">
+            <a:schemeClr val="accent4"/>
+          </a:fillRef>
+          <a:effectRef idx="0">
+            <a:schemeClr val="accent4"/>
+          </a:effectRef>
+          <a:fontRef idx="minor">
+            <a:schemeClr val="lt1"/>
+          </a:fontRef>
+        </p:style>
+        <p:txBody>
+          <a:bodyPr rtlCol="0" anchor="ctr"/>
+          <a:lstStyle/>
+          <a:p>
+            <a:pPr algn="ctr"/>
+            <a:endParaRPr lang="en-US"/>
+          </a:p>
+        </p:txBody>
+      </p:sp>
+      <p:sp>
+        <p:nvSpPr>
+          <p:cNvPr id="8" name="Cloud 7"/>
+          <p:cNvSpPr/>
+          <p:nvPr/>
+        </p:nvSpPr>
+        <p:spPr>
+          <a:xfrm>
+            <a:off x="581895" y="2964082"/>
+            <a:ext cx="1448790" cy="731520"/>
+          </a:xfrm>
+          <a:prstGeom prst="cloud">
+            <a:avLst/>
+          </a:prstGeom>
+        </p:spPr>
+        <p:style>
+          <a:lnRef idx="2">
+            <a:schemeClr val="accent6"/>
+          </a:lnRef>
+          <a:fillRef idx="1">
+            <a:schemeClr val="lt1"/>
+          </a:fillRef>
+          <a:effectRef idx="0">
+            <a:schemeClr val="accent6"/>
+          </a:effectRef>
+          <a:fontRef idx="minor">
+            <a:schemeClr val="dk1"/>
+          </a:fontRef>
+        </p:style>
+        <p:txBody>
+          <a:bodyPr rtlCol="0" anchor="ctr"/>
+          <a:lstStyle/>
+          <a:p>
+            <a:pPr algn="ctr"/>
+            <a:r>
+              <a:rPr lang="en-US" sz="1000" dirty="0" smtClean="0"/>
+              <a:t>Unstructured information</a:t>
+            </a:r>
+            <a:endParaRPr lang="en-US" sz="1000" dirty="0"/>
+          </a:p>
+        </p:txBody>
+      </p:sp>
+      <p:sp>
+        <p:nvSpPr>
+          <p:cNvPr id="9" name="Rectangle 8"/>
+          <p:cNvSpPr/>
+          <p:nvPr/>
+        </p:nvSpPr>
+        <p:spPr>
+          <a:xfrm>
+            <a:off x="6590810" y="2975957"/>
+            <a:ext cx="1006389" cy="676894"/>
+          </a:xfrm>
+          <a:prstGeom prst="rect">
+            <a:avLst/>
+          </a:prstGeom>
+        </p:spPr>
+        <p:style>
+          <a:lnRef idx="2">
+            <a:schemeClr val="accent6"/>
+          </a:lnRef>
+          <a:fillRef idx="1">
+            <a:schemeClr val="lt1"/>
+          </a:fillRef>
+          <a:effectRef idx="0">
+            <a:schemeClr val="accent6"/>
+          </a:effectRef>
+          <a:fontRef idx="minor">
+            <a:schemeClr val="dk1"/>
+          </a:fontRef>
+        </p:style>
+        <p:txBody>
+          <a:bodyPr rtlCol="0" anchor="ctr"/>
+          <a:lstStyle/>
+          <a:p>
+            <a:pPr algn="ctr"/>
+            <a:r>
+              <a:rPr lang="en-US" sz="1000" dirty="0" smtClean="0"/>
+              <a:t>Structured information</a:t>
+            </a:r>
+            <a:endParaRPr lang="en-US" sz="1000" dirty="0"/>
+          </a:p>
+        </p:txBody>
+      </p:sp>
+      <p:sp>
+        <p:nvSpPr>
+          <p:cNvPr id="12" name="Right Arrow 11"/>
+          <p:cNvSpPr/>
+          <p:nvPr/>
+        </p:nvSpPr>
+        <p:spPr>
+          <a:xfrm>
+            <a:off x="2139418" y="3215839"/>
+            <a:ext cx="322416" cy="254133"/>
+          </a:xfrm>
+          <a:prstGeom prst="rightArrow">
+            <a:avLst/>
+          </a:prstGeom>
+        </p:spPr>
+        <p:style>
+          <a:lnRef idx="2">
+            <a:schemeClr val="accent1">
+              <a:shade val="50000"/>
+            </a:schemeClr>
+          </a:lnRef>
+          <a:fillRef idx="1001">
+            <a:schemeClr val="dk2"/>
+          </a:fillRef>
+          <a:effectRef idx="0">
+            <a:schemeClr val="accent1"/>
+          </a:effectRef>
+          <a:fontRef idx="minor">
+            <a:schemeClr val="lt1"/>
+          </a:fontRef>
+        </p:style>
+        <p:txBody>
+          <a:bodyPr rtlCol="0" anchor="ctr"/>
+          <a:lstStyle/>
+          <a:p>
+            <a:pPr algn="ctr"/>
+            <a:endParaRPr lang="en-US"/>
+          </a:p>
+        </p:txBody>
+      </p:sp>
+      <p:sp>
+        <p:nvSpPr>
+          <p:cNvPr id="13" name="Right Arrow 12"/>
+          <p:cNvSpPr/>
+          <p:nvPr/>
+        </p:nvSpPr>
+        <p:spPr>
+          <a:xfrm>
+            <a:off x="6133230" y="3202775"/>
+            <a:ext cx="322416" cy="254133"/>
+          </a:xfrm>
+          <a:prstGeom prst="rightArrow">
+            <a:avLst/>
+          </a:prstGeom>
+        </p:spPr>
+        <p:style>
+          <a:lnRef idx="2">
+            <a:schemeClr val="accent1">
+              <a:shade val="50000"/>
+            </a:schemeClr>
+          </a:lnRef>
+          <a:fillRef idx="1001">
+            <a:schemeClr val="dk2"/>
+          </a:fillRef>
+          <a:effectRef idx="0">
+            <a:schemeClr val="accent1"/>
+          </a:effectRef>
+          <a:fontRef idx="minor">
+            <a:schemeClr val="lt1"/>
+          </a:fontRef>
+        </p:style>
+        <p:txBody>
+          <a:bodyPr rtlCol="0" anchor="ctr"/>
+          <a:lstStyle/>
+          <a:p>
+            <a:pPr algn="ctr"/>
+            <a:endParaRPr lang="en-US"/>
+          </a:p>
+        </p:txBody>
+      </p:sp>
+      <p:cxnSp>
+        <p:nvCxnSpPr>
+          <p:cNvPr id="15" name="Straight Arrow Connector 14"/>
+          <p:cNvCxnSpPr/>
+          <p:nvPr/>
+        </p:nvCxnSpPr>
+        <p:spPr>
+          <a:xfrm flipH="1">
+            <a:off x="7597199" y="2505694"/>
+            <a:ext cx="335521" cy="356259"/>
+          </a:xfrm>
+          <a:prstGeom prst="straightConnector1">
+            <a:avLst/>
+          </a:prstGeom>
+          <a:ln w="25400">
+            <a:prstDash val="dash"/>
+            <a:tailEnd type="triangle"/>
+          </a:ln>
+        </p:spPr>
+        <p:style>
+          <a:lnRef idx="1">
+            <a:schemeClr val="accent1"/>
+          </a:lnRef>
+          <a:fillRef idx="0">
+            <a:schemeClr val="accent1"/>
+          </a:fillRef>
+          <a:effectRef idx="0">
+            <a:schemeClr val="accent1"/>
+          </a:effectRef>
+          <a:fontRef idx="minor">
+            <a:schemeClr val="tx1"/>
+          </a:fontRef>
+        </p:style>
+      </p:cxnSp>
     </p:spTree>
     <p:extLst>
       <p:ext uri="{BB962C8B-B14F-4D97-AF65-F5344CB8AC3E}">
-        <p14:creationId xmlns:p14="http://schemas.microsoft.com/office/powerpoint/2010/main" val="1160544037"/>
+        <p14:creationId xmlns:p14="http://schemas.microsoft.com/office/powerpoint/2010/main" val="3806560323"/>
       </p:ext>
     </p:extLst>
   </p:cSld>
@@ -13732,29 +18860,7 @@
       </p:grpSpPr>
       <p:sp>
         <p:nvSpPr>
-          <p:cNvPr id="2" name="Content Placeholder 1"/>
-          <p:cNvSpPr>
-            <a:spLocks noGrp="1"/>
-          </p:cNvSpPr>
-          <p:nvPr>
-            <p:ph idx="1"/>
-          </p:nvPr>
-        </p:nvSpPr>
-        <p:spPr/>
-        <p:txBody>
-          <a:bodyPr/>
-          <a:lstStyle/>
-          <a:p>
-            <a:r>
-              <a:rPr lang="en-US" dirty="0"/>
-              <a:t>In one experiment, when participants were presented text with or without markup from an IE pipeline, they showed better text comprehension without markup.</a:t>
-            </a:r>
-          </a:p>
-        </p:txBody>
-      </p:sp>
-      <p:sp>
-        <p:nvSpPr>
-          <p:cNvPr id="3" name="Title 2"/>
+          <p:cNvPr id="2" name="Title 1"/>
           <p:cNvSpPr>
             <a:spLocks noGrp="1"/>
           </p:cNvSpPr>
@@ -13775,16 +18881,76 @@
           </a:p>
         </p:txBody>
       </p:sp>
+      <p:sp>
+        <p:nvSpPr>
+          <p:cNvPr id="3" name="Text Placeholder 2"/>
+          <p:cNvSpPr>
+            <a:spLocks noGrp="1"/>
+          </p:cNvSpPr>
+          <p:nvPr>
+            <p:ph type="body" sz="quarter" idx="12"/>
+          </p:nvPr>
+        </p:nvSpPr>
+        <p:spPr/>
+        <p:txBody>
+          <a:bodyPr/>
+          <a:lstStyle/>
+          <a:p>
+            <a:r>
+              <a:rPr lang="en-US" dirty="0" smtClean="0"/>
+              <a:t>Markup from an IE pipeline</a:t>
+            </a:r>
+            <a:endParaRPr lang="en-US" dirty="0"/>
+          </a:p>
+        </p:txBody>
+      </p:sp>
+      <p:pic>
+        <p:nvPicPr>
+          <p:cNvPr id="4" name="Picture 3"/>
+          <p:cNvPicPr>
+            <a:picLocks noChangeAspect="1"/>
+          </p:cNvPicPr>
+          <p:nvPr/>
+        </p:nvPicPr>
+        <p:blipFill>
+          <a:blip r:embed="rId3">
+            <a:extLst>
+              <a:ext uri="{28A0092B-C50C-407E-A947-70E740481C1C}">
+                <a14:useLocalDpi xmlns:a14="http://schemas.microsoft.com/office/drawing/2010/main" val="0"/>
+              </a:ext>
+            </a:extLst>
+          </a:blip>
+          <a:stretch>
+            <a:fillRect/>
+          </a:stretch>
+        </p:blipFill>
+        <p:spPr>
+          <a:xfrm>
+            <a:off x="4560757" y="3569973"/>
+            <a:ext cx="3756660" cy="2301240"/>
+          </a:xfrm>
+          <a:prstGeom prst="rect">
+            <a:avLst/>
+          </a:prstGeom>
+        </p:spPr>
+      </p:pic>
     </p:spTree>
     <p:extLst>
       <p:ext uri="{BB962C8B-B14F-4D97-AF65-F5344CB8AC3E}">
-        <p14:creationId xmlns:p14="http://schemas.microsoft.com/office/powerpoint/2010/main" val="2370557871"/>
+        <p14:creationId xmlns:p14="http://schemas.microsoft.com/office/powerpoint/2010/main" val="651148157"/>
       </p:ext>
     </p:extLst>
   </p:cSld>
   <p:clrMapOvr>
     <a:masterClrMapping/>
   </p:clrMapOvr>
+  <p:timing>
+    <p:tnLst>
+      <p:par>
+        <p:cTn id="1" dur="indefinite" restart="never" nodeType="tmRoot"/>
+      </p:par>
+    </p:tnLst>
+  </p:timing>
 </p:sld>
 </file>
 
@@ -13820,16 +18986,122 @@
           <a:bodyPr/>
           <a:lstStyle/>
           <a:p>
+            <a:pPr marL="0" indent="0">
+              <a:buNone/>
+            </a:pPr>
             <a:r>
               <a:rPr lang="en-US" dirty="0" smtClean="0"/>
-              <a:t>ICCRTS slides?</a:t>
-            </a:r>
-          </a:p>
-          <a:p>
-            <a:pPr lvl="1"/>
+              <a:t>Demographics</a:t>
+            </a:r>
+          </a:p>
+          <a:p>
+            <a:endParaRPr lang="en-US" dirty="0"/>
+          </a:p>
+        </p:txBody>
+      </p:sp>
+      <p:sp>
+        <p:nvSpPr>
+          <p:cNvPr id="3" name="Title 2"/>
+          <p:cNvSpPr>
+            <a:spLocks noGrp="1"/>
+          </p:cNvSpPr>
+          <p:nvPr>
+            <p:ph type="title"/>
+          </p:nvPr>
+        </p:nvSpPr>
+        <p:spPr/>
+        <p:txBody>
+          <a:bodyPr/>
+          <a:lstStyle/>
+          <a:p>
             <a:r>
               <a:rPr lang="en-US" dirty="0" smtClean="0"/>
-              <a:t>At least examples with/without markup and dropdowns</a:t>
+              <a:t>Experiment 1 - Procedure</a:t>
+            </a:r>
+            <a:endParaRPr lang="en-US" dirty="0"/>
+          </a:p>
+        </p:txBody>
+      </p:sp>
+      <p:pic>
+        <p:nvPicPr>
+          <p:cNvPr id="4" name="Picture 3"/>
+          <p:cNvPicPr>
+            <a:picLocks noChangeAspect="1"/>
+          </p:cNvPicPr>
+          <p:nvPr/>
+        </p:nvPicPr>
+        <p:blipFill>
+          <a:blip r:embed="rId2"/>
+          <a:stretch>
+            <a:fillRect/>
+          </a:stretch>
+        </p:blipFill>
+        <p:spPr>
+          <a:xfrm>
+            <a:off x="2379705" y="1868755"/>
+            <a:ext cx="4219697" cy="4297680"/>
+          </a:xfrm>
+          <a:prstGeom prst="rect">
+            <a:avLst/>
+          </a:prstGeom>
+        </p:spPr>
+      </p:pic>
+    </p:spTree>
+    <p:extLst>
+      <p:ext uri="{BB962C8B-B14F-4D97-AF65-F5344CB8AC3E}">
+        <p14:creationId xmlns:p14="http://schemas.microsoft.com/office/powerpoint/2010/main" val="4037900013"/>
+      </p:ext>
+    </p:extLst>
+  </p:cSld>
+  <p:clrMapOvr>
+    <a:masterClrMapping/>
+  </p:clrMapOvr>
+</p:sld>
+</file>
+
+<file path=ppt/slides/slide6.xml><?xml version="1.0" encoding="utf-8"?>
+<p:sld xmlns:a="http://schemas.openxmlformats.org/drawingml/2006/main" xmlns:r="http://schemas.openxmlformats.org/officeDocument/2006/relationships" xmlns:p="http://schemas.openxmlformats.org/presentationml/2006/main">
+  <p:cSld>
+    <p:spTree>
+      <p:nvGrpSpPr>
+        <p:cNvPr id="1" name=""/>
+        <p:cNvGrpSpPr/>
+        <p:nvPr/>
+      </p:nvGrpSpPr>
+      <p:grpSpPr>
+        <a:xfrm>
+          <a:off x="0" y="0"/>
+          <a:ext cx="0" cy="0"/>
+          <a:chOff x="0" y="0"/>
+          <a:chExt cx="0" cy="0"/>
+        </a:xfrm>
+      </p:grpSpPr>
+      <p:sp>
+        <p:nvSpPr>
+          <p:cNvPr id="13" name="Content Placeholder 1"/>
+          <p:cNvSpPr>
+            <a:spLocks noGrp="1"/>
+          </p:cNvSpPr>
+          <p:nvPr>
+            <p:ph idx="1"/>
+          </p:nvPr>
+        </p:nvSpPr>
+        <p:spPr>
+          <a:xfrm>
+            <a:off x="442210" y="1228725"/>
+            <a:ext cx="8094688" cy="4714874"/>
+          </a:xfrm>
+        </p:spPr>
+        <p:txBody>
+          <a:bodyPr/>
+          <a:lstStyle/>
+          <a:p>
+            <a:pPr marL="0" indent="0">
+              <a:buNone/>
+            </a:pPr>
+            <a:r>
+              <a:rPr lang="en-US" dirty="0" smtClean="0"/>
+              <a:t>Scenario text</a:t>
             </a:r>
             <a:endParaRPr lang="en-US" dirty="0"/>
           </a:p>
@@ -13926,8 +19198,8 @@
         </p:nvSpPr>
         <p:spPr>
           <a:xfrm rot="5400000">
-            <a:off x="2031342" y="4429678"/>
-            <a:ext cx="492443" cy="461665"/>
+            <a:off x="2082638" y="4491233"/>
+            <a:ext cx="389850" cy="338554"/>
           </a:xfrm>
           <a:prstGeom prst="rect">
             <a:avLst/>
@@ -13941,10 +19213,10 @@
           <a:lstStyle/>
           <a:p>
             <a:r>
-              <a:rPr lang="en-US" dirty="0" smtClean="0"/>
+              <a:rPr lang="en-US" sz="1600" dirty="0" smtClean="0"/>
               <a:t>…</a:t>
             </a:r>
-            <a:endParaRPr lang="en-US" dirty="0"/>
+            <a:endParaRPr lang="en-US" sz="1600" dirty="0"/>
           </a:p>
         </p:txBody>
       </p:sp>
@@ -13956,8 +19228,8 @@
         </p:nvSpPr>
         <p:spPr>
           <a:xfrm rot="5400000">
-            <a:off x="6517141" y="4429678"/>
-            <a:ext cx="492443" cy="461665"/>
+            <a:off x="6568437" y="4491233"/>
+            <a:ext cx="389850" cy="338554"/>
           </a:xfrm>
           <a:prstGeom prst="rect">
             <a:avLst/>
@@ -13971,16 +19243,16 @@
           <a:lstStyle/>
           <a:p>
             <a:r>
-              <a:rPr lang="en-US" dirty="0" smtClean="0"/>
+              <a:rPr lang="en-US" sz="1600" dirty="0" smtClean="0"/>
               <a:t>…</a:t>
             </a:r>
-            <a:endParaRPr lang="en-US" dirty="0"/>
+            <a:endParaRPr lang="en-US" sz="1600" dirty="0"/>
           </a:p>
         </p:txBody>
       </p:sp>
       <p:pic>
         <p:nvPicPr>
-          <p:cNvPr id="9" name="Picture 8"/>
+          <p:cNvPr id="4" name="Picture 3"/>
           <p:cNvPicPr>
             <a:picLocks noChangeAspect="1"/>
           </p:cNvPicPr>
@@ -13994,94 +19266,102 @@
         </p:blipFill>
         <p:spPr>
           <a:xfrm>
-            <a:off x="1841604" y="4953342"/>
-            <a:ext cx="5295900" cy="1653540"/>
+            <a:off x="677363" y="4906732"/>
+            <a:ext cx="3200400" cy="1266961"/>
           </a:xfrm>
           <a:prstGeom prst="rect">
             <a:avLst/>
           </a:prstGeom>
         </p:spPr>
       </p:pic>
-    </p:spTree>
-    <p:extLst>
-      <p:ext uri="{BB962C8B-B14F-4D97-AF65-F5344CB8AC3E}">
-        <p14:creationId xmlns:p14="http://schemas.microsoft.com/office/powerpoint/2010/main" val="1326845734"/>
-      </p:ext>
-    </p:extLst>
-  </p:cSld>
-  <p:clrMapOvr>
-    <a:masterClrMapping/>
-  </p:clrMapOvr>
-</p:sld>
-</file>
-
-<file path=ppt/slides/slide6.xml><?xml version="1.0" encoding="utf-8"?>
-<p:sld xmlns:a="http://schemas.openxmlformats.org/drawingml/2006/main" xmlns:r="http://schemas.openxmlformats.org/officeDocument/2006/relationships" xmlns:p="http://schemas.openxmlformats.org/presentationml/2006/main">
-  <p:cSld>
-    <p:spTree>
-      <p:nvGrpSpPr>
-        <p:cNvPr id="1" name=""/>
-        <p:cNvGrpSpPr/>
-        <p:nvPr/>
-      </p:nvGrpSpPr>
-      <p:grpSpPr>
-        <a:xfrm>
-          <a:off x="0" y="0"/>
-          <a:ext cx="0" cy="0"/>
-          <a:chOff x="0" y="0"/>
-          <a:chExt cx="0" cy="0"/>
-        </a:xfrm>
-      </p:grpSpPr>
+      <p:pic>
+        <p:nvPicPr>
+          <p:cNvPr id="10" name="Picture 9"/>
+          <p:cNvPicPr>
+            <a:picLocks noChangeAspect="1"/>
+          </p:cNvPicPr>
+          <p:nvPr/>
+        </p:nvPicPr>
+        <p:blipFill>
+          <a:blip r:embed="rId4"/>
+          <a:stretch>
+            <a:fillRect/>
+          </a:stretch>
+        </p:blipFill>
+        <p:spPr>
+          <a:xfrm>
+            <a:off x="5163162" y="4948669"/>
+            <a:ext cx="3200400" cy="1266961"/>
+          </a:xfrm>
+          <a:prstGeom prst="rect">
+            <a:avLst/>
+          </a:prstGeom>
+        </p:spPr>
+      </p:pic>
       <p:sp>
         <p:nvSpPr>
-          <p:cNvPr id="2" name="Content Placeholder 1"/>
-          <p:cNvSpPr>
-            <a:spLocks noGrp="1"/>
-          </p:cNvSpPr>
-          <p:nvPr>
-            <p:ph idx="1"/>
-          </p:nvPr>
+          <p:cNvPr id="11" name="TextBox 10"/>
+          <p:cNvSpPr txBox="1"/>
+          <p:nvPr/>
         </p:nvSpPr>
-        <p:spPr/>
+        <p:spPr>
+          <a:xfrm>
+            <a:off x="1453459" y="1613394"/>
+            <a:ext cx="1648208" cy="338554"/>
+          </a:xfrm>
+          <a:prstGeom prst="rect">
+            <a:avLst/>
+          </a:prstGeom>
+          <a:noFill/>
+        </p:spPr>
         <p:txBody>
-          <a:bodyPr/>
+          <a:bodyPr wrap="none" rtlCol="0">
+            <a:spAutoFit/>
+          </a:bodyPr>
           <a:lstStyle/>
           <a:p>
             <a:r>
-              <a:rPr lang="en-US" dirty="0" smtClean="0"/>
-              <a:t>NASA-TLX</a:t>
-            </a:r>
-            <a:endParaRPr lang="en-US" dirty="0"/>
+              <a:rPr lang="en-US" sz="1600" dirty="0" smtClean="0"/>
+              <a:t>- With markup -</a:t>
+            </a:r>
+            <a:endParaRPr lang="en-US" sz="1600" dirty="0"/>
           </a:p>
         </p:txBody>
       </p:sp>
       <p:sp>
         <p:nvSpPr>
-          <p:cNvPr id="3" name="Title 2"/>
-          <p:cNvSpPr>
-            <a:spLocks noGrp="1"/>
-          </p:cNvSpPr>
-          <p:nvPr>
-            <p:ph type="title"/>
-          </p:nvPr>
+          <p:cNvPr id="12" name="TextBox 11"/>
+          <p:cNvSpPr txBox="1"/>
+          <p:nvPr/>
         </p:nvSpPr>
-        <p:spPr/>
+        <p:spPr>
+          <a:xfrm>
+            <a:off x="5825444" y="1613394"/>
+            <a:ext cx="1875835" cy="338554"/>
+          </a:xfrm>
+          <a:prstGeom prst="rect">
+            <a:avLst/>
+          </a:prstGeom>
+          <a:noFill/>
+        </p:spPr>
         <p:txBody>
-          <a:bodyPr/>
+          <a:bodyPr wrap="none" rtlCol="0">
+            <a:spAutoFit/>
+          </a:bodyPr>
           <a:lstStyle/>
           <a:p>
             <a:r>
-              <a:rPr lang="en-US" dirty="0" smtClean="0"/>
-              <a:t>Experiment 1 - Procedure</a:t>
-            </a:r>
-            <a:endParaRPr lang="en-US" dirty="0"/>
+              <a:rPr lang="en-US" sz="1600" dirty="0" smtClean="0"/>
+              <a:t>- Without markup -</a:t>
+            </a:r>
+            <a:endParaRPr lang="en-US" sz="1600" dirty="0"/>
           </a:p>
         </p:txBody>
       </p:sp>
     </p:spTree>
     <p:extLst>
       <p:ext uri="{BB962C8B-B14F-4D97-AF65-F5344CB8AC3E}">
-        <p14:creationId xmlns:p14="http://schemas.microsoft.com/office/powerpoint/2010/main" val="1803272798"/>
+        <p14:creationId xmlns:p14="http://schemas.microsoft.com/office/powerpoint/2010/main" val="1326845734"/>
       </p:ext>
     </p:extLst>
   </p:cSld>
@@ -14123,7 +19403,13 @@
           <a:bodyPr/>
           <a:lstStyle/>
           <a:p>
-            <a:endParaRPr lang="en-US"/>
+            <a:pPr marL="0" indent="0">
+              <a:buNone/>
+            </a:pPr>
+            <a:r>
+              <a:rPr lang="en-US" dirty="0"/>
+              <a:t>Workload (NASA-TLX) and preference</a:t>
+            </a:r>
           </a:p>
         </p:txBody>
       </p:sp>
@@ -14142,7 +19428,11 @@
           <a:bodyPr/>
           <a:lstStyle/>
           <a:p>
-            <a:endParaRPr lang="en-US"/>
+            <a:r>
+              <a:rPr lang="en-US" dirty="0" smtClean="0"/>
+              <a:t>Experiment 1 - Procedure</a:t>
+            </a:r>
+            <a:endParaRPr lang="en-US" dirty="0"/>
           </a:p>
         </p:txBody>
       </p:sp>
@@ -14162,8 +19452,8 @@
         </p:blipFill>
         <p:spPr>
           <a:xfrm>
-            <a:off x="867517" y="1510987"/>
-            <a:ext cx="6321863" cy="4150350"/>
+            <a:off x="531828" y="1956709"/>
+            <a:ext cx="7762199" cy="4114800"/>
           </a:xfrm>
           <a:prstGeom prst="rect">
             <a:avLst/>
@@ -14173,7 +19463,7 @@
     </p:spTree>
     <p:extLst>
       <p:ext uri="{BB962C8B-B14F-4D97-AF65-F5344CB8AC3E}">
-        <p14:creationId xmlns:p14="http://schemas.microsoft.com/office/powerpoint/2010/main" val="1178209726"/>
+        <p14:creationId xmlns:p14="http://schemas.microsoft.com/office/powerpoint/2010/main" val="1803272798"/>
       </p:ext>
     </p:extLst>
   </p:cSld>
@@ -14210,12 +19500,33 @@
             <p:ph idx="1"/>
           </p:nvPr>
         </p:nvSpPr>
-        <p:spPr/>
+        <p:spPr>
+          <a:xfrm>
+            <a:off x="442210" y="4857007"/>
+            <a:ext cx="8094688" cy="1086591"/>
+          </a:xfrm>
+        </p:spPr>
         <p:txBody>
           <a:bodyPr/>
           <a:lstStyle/>
           <a:p>
-            <a:endParaRPr lang="en-US"/>
+            <a:r>
+              <a:rPr lang="en-US" dirty="0" smtClean="0"/>
+              <a:t>Plain more accurate, faster</a:t>
+            </a:r>
+          </a:p>
+          <a:p>
+            <a:r>
+              <a:rPr lang="en-US" dirty="0" smtClean="0"/>
+              <a:t>Lower workload ratings for Plain</a:t>
+            </a:r>
+          </a:p>
+          <a:p>
+            <a:r>
+              <a:rPr lang="en-US" dirty="0" smtClean="0"/>
+              <a:t>Prefer Plain</a:t>
+            </a:r>
+            <a:endParaRPr lang="en-US" dirty="0"/>
           </a:p>
         </p:txBody>
       </p:sp>
@@ -14234,37 +19545,17 @@
           <a:bodyPr/>
           <a:lstStyle/>
           <a:p>
-            <a:endParaRPr lang="en-US"/>
+            <a:r>
+              <a:rPr lang="en-US" dirty="0" smtClean="0"/>
+              <a:t>Experiment 1 - Results</a:t>
+            </a:r>
+            <a:endParaRPr lang="en-US" dirty="0"/>
           </a:p>
         </p:txBody>
       </p:sp>
       <p:pic>
         <p:nvPicPr>
           <p:cNvPr id="4" name="Picture 3"/>
-          <p:cNvPicPr>
-            <a:picLocks noChangeAspect="1"/>
-          </p:cNvPicPr>
-          <p:nvPr/>
-        </p:nvPicPr>
-        <p:blipFill>
-          <a:blip r:embed="rId2"/>
-          <a:stretch>
-            <a:fillRect/>
-          </a:stretch>
-        </p:blipFill>
-        <p:spPr>
-          <a:xfrm>
-            <a:off x="670819" y="1970578"/>
-            <a:ext cx="3148013" cy="4300538"/>
-          </a:xfrm>
-          <a:prstGeom prst="rect">
-            <a:avLst/>
-          </a:prstGeom>
-        </p:spPr>
-      </p:pic>
-      <p:pic>
-        <p:nvPicPr>
-          <p:cNvPr id="5" name="Picture 4"/>
           <p:cNvPicPr>
             <a:picLocks noChangeAspect="1"/>
           </p:cNvPicPr>
@@ -14278,8 +19569,8 @@
         </p:blipFill>
         <p:spPr>
           <a:xfrm>
-            <a:off x="5010967" y="1970578"/>
-            <a:ext cx="3162300" cy="4305300"/>
+            <a:off x="1898328" y="1427871"/>
+            <a:ext cx="5029200" cy="3301708"/>
           </a:xfrm>
           <a:prstGeom prst="rect">
             <a:avLst/>
@@ -14289,7 +19580,7 @@
     </p:spTree>
     <p:extLst>
       <p:ext uri="{BB962C8B-B14F-4D97-AF65-F5344CB8AC3E}">
-        <p14:creationId xmlns:p14="http://schemas.microsoft.com/office/powerpoint/2010/main" val="471111184"/>
+        <p14:creationId xmlns:p14="http://schemas.microsoft.com/office/powerpoint/2010/main" val="1178209726"/>
       </p:ext>
     </p:extLst>
   </p:cSld>
@@ -14318,26 +19609,7 @@
       </p:grpSpPr>
       <p:sp>
         <p:nvSpPr>
-          <p:cNvPr id="2" name="Content Placeholder 1"/>
-          <p:cNvSpPr>
-            <a:spLocks noGrp="1"/>
-          </p:cNvSpPr>
-          <p:nvPr>
-            <p:ph idx="1"/>
-          </p:nvPr>
-        </p:nvSpPr>
-        <p:spPr/>
-        <p:txBody>
-          <a:bodyPr/>
-          <a:lstStyle/>
-          <a:p>
-            <a:endParaRPr lang="en-US"/>
-          </a:p>
-        </p:txBody>
-      </p:sp>
-      <p:sp>
-        <p:nvSpPr>
-          <p:cNvPr id="3" name="Title 2"/>
+          <p:cNvPr id="2" name="Title 1"/>
           <p:cNvSpPr>
             <a:spLocks noGrp="1"/>
           </p:cNvSpPr>
@@ -14350,7 +19622,34 @@
           <a:bodyPr/>
           <a:lstStyle/>
           <a:p>
-            <a:endParaRPr lang="en-US"/>
+            <a:r>
+              <a:rPr lang="en-US" dirty="0" smtClean="0"/>
+              <a:t>Experiment 2</a:t>
+            </a:r>
+            <a:endParaRPr lang="en-US" dirty="0"/>
+          </a:p>
+        </p:txBody>
+      </p:sp>
+      <p:sp>
+        <p:nvSpPr>
+          <p:cNvPr id="3" name="Text Placeholder 2"/>
+          <p:cNvSpPr>
+            <a:spLocks noGrp="1"/>
+          </p:cNvSpPr>
+          <p:nvPr>
+            <p:ph type="body" sz="quarter" idx="12"/>
+          </p:nvPr>
+        </p:nvSpPr>
+        <p:spPr/>
+        <p:txBody>
+          <a:bodyPr/>
+          <a:lstStyle/>
+          <a:p>
+            <a:r>
+              <a:rPr lang="en-US" dirty="0" smtClean="0"/>
+              <a:t>“Ideal” markup</a:t>
+            </a:r>
+            <a:endParaRPr lang="en-US" dirty="0"/>
           </a:p>
         </p:txBody>
       </p:sp>
@@ -14362,16 +19661,15 @@
           </p:cNvPicPr>
           <p:nvPr/>
         </p:nvPicPr>
-        <p:blipFill>
-          <a:blip r:embed="rId2"/>
-          <a:stretch>
-            <a:fillRect/>
-          </a:stretch>
+        <p:blipFill rotWithShape="1">
+          <a:blip r:embed="rId3"/>
+          <a:srcRect t="8301" b="43651"/>
+          <a:stretch/>
         </p:blipFill>
         <p:spPr>
           <a:xfrm>
-            <a:off x="557090" y="1031639"/>
-            <a:ext cx="5303520" cy="5389900"/>
+            <a:off x="5531292" y="4096987"/>
+            <a:ext cx="3148013" cy="2066306"/>
           </a:xfrm>
           <a:prstGeom prst="rect">
             <a:avLst/>
@@ -14381,13 +19679,20 @@
     </p:spTree>
     <p:extLst>
       <p:ext uri="{BB962C8B-B14F-4D97-AF65-F5344CB8AC3E}">
-        <p14:creationId xmlns:p14="http://schemas.microsoft.com/office/powerpoint/2010/main" val="3758908549"/>
+        <p14:creationId xmlns:p14="http://schemas.microsoft.com/office/powerpoint/2010/main" val="189557537"/>
       </p:ext>
     </p:extLst>
   </p:cSld>
   <p:clrMapOvr>
     <a:masterClrMapping/>
   </p:clrMapOvr>
+  <p:timing>
+    <p:tnLst>
+      <p:par>
+        <p:cTn id="1" dur="indefinite" restart="never" nodeType="tmRoot"/>
+      </p:par>
+    </p:tnLst>
+  </p:timing>
 </p:sld>
 </file>
 

--- a/analysis/Zaroukian-AHFE-presentation.PPTX
+++ b/analysis/Zaroukian-AHFE-presentation.PPTX
@@ -8,32 +8,33 @@
     <p:sldMasterId id="2147484232" r:id="rId7"/>
   </p:sldMasterIdLst>
   <p:notesMasterIdLst>
-    <p:notesMasterId r:id="rId28"/>
+    <p:notesMasterId r:id="rId29"/>
   </p:notesMasterIdLst>
   <p:handoutMasterIdLst>
-    <p:handoutMasterId r:id="rId29"/>
+    <p:handoutMasterId r:id="rId30"/>
   </p:handoutMasterIdLst>
   <p:sldIdLst>
     <p:sldId id="300" r:id="rId8"/>
-    <p:sldId id="304" r:id="rId9"/>
-    <p:sldId id="321" r:id="rId10"/>
-    <p:sldId id="316" r:id="rId11"/>
-    <p:sldId id="319" r:id="rId12"/>
-    <p:sldId id="308" r:id="rId13"/>
-    <p:sldId id="309" r:id="rId14"/>
-    <p:sldId id="313" r:id="rId15"/>
-    <p:sldId id="301" r:id="rId16"/>
-    <p:sldId id="320" r:id="rId17"/>
-    <p:sldId id="311" r:id="rId18"/>
-    <p:sldId id="312" r:id="rId19"/>
-    <p:sldId id="310" r:id="rId20"/>
-    <p:sldId id="314" r:id="rId21"/>
-    <p:sldId id="317" r:id="rId22"/>
-    <p:sldId id="318" r:id="rId23"/>
-    <p:sldId id="295" r:id="rId24"/>
-    <p:sldId id="303" r:id="rId25"/>
-    <p:sldId id="302" r:id="rId26"/>
-    <p:sldId id="272" r:id="rId27"/>
+    <p:sldId id="321" r:id="rId9"/>
+    <p:sldId id="316" r:id="rId10"/>
+    <p:sldId id="319" r:id="rId11"/>
+    <p:sldId id="308" r:id="rId12"/>
+    <p:sldId id="309" r:id="rId13"/>
+    <p:sldId id="313" r:id="rId14"/>
+    <p:sldId id="301" r:id="rId15"/>
+    <p:sldId id="320" r:id="rId16"/>
+    <p:sldId id="311" r:id="rId17"/>
+    <p:sldId id="312" r:id="rId18"/>
+    <p:sldId id="310" r:id="rId19"/>
+    <p:sldId id="314" r:id="rId20"/>
+    <p:sldId id="317" r:id="rId21"/>
+    <p:sldId id="318" r:id="rId22"/>
+    <p:sldId id="295" r:id="rId23"/>
+    <p:sldId id="325" r:id="rId24"/>
+    <p:sldId id="302" r:id="rId25"/>
+    <p:sldId id="322" r:id="rId26"/>
+    <p:sldId id="323" r:id="rId27"/>
+    <p:sldId id="303" r:id="rId28"/>
   </p:sldIdLst>
   <p:sldSz cx="9144000" cy="6858000" type="screen4x3"/>
   <p:notesSz cx="7010400" cy="9296400"/>
@@ -266,7 +267,7 @@
             <a:fld id="{BD16C31D-1C22-F84A-A7B5-6952EF1AE403}" type="datetimeFigureOut">
               <a:rPr lang="en-US" altLang="en-US"/>
               <a:pPr/>
-              <a:t>7/18/2019</a:t>
+              <a:t>7/22/2019</a:t>
             </a:fld>
             <a:endParaRPr lang="en-US" altLang="en-US"/>
           </a:p>
@@ -454,7 +455,7 @@
             <a:fld id="{A438D594-1B45-0D47-8F23-AED13F1D19BA}" type="datetimeFigureOut">
               <a:rPr lang="en-US" altLang="en-US"/>
               <a:pPr/>
-              <a:t>7/18/2019</a:t>
+              <a:t>7/22/2019</a:t>
             </a:fld>
             <a:endParaRPr lang="en-US" altLang="en-US"/>
           </a:p>
@@ -828,8 +829,16 @@
               <a:defRPr/>
             </a:pPr>
             <a:r>
+              <a:rPr lang="en-US" b="0" dirty="0" smtClean="0"/>
+              <a:t>Information Extraction (IE) research has made remarkable progress in Natural Language Processing using intrinsic measures, but little attention has been paid to human analysts as downstream processors. In one experiment, when participants were presented text with or without markup from an IE pipeline, they showed better text comprehension without markup. In a second experiment, the markup was hand-generated to be as relevant and accurate as possible to find conditions under which markup improves performance. This experiment showed no significant difference between performance with and without markup, but a significant majority of participants preferred working with markup to without. Further, preference for markup showed a </a:t>
+            </a:r>
+            <a:r>
               <a:rPr lang="en-US" dirty="0" smtClean="0"/>
-              <a:t>In one experiment, when participants were presented text with or without markup from an IE pipeline, they showed better text comprehension without markup.</a:t>
+              <a:t>fairly strong correlation with participants’ ratings of their own trust in automation</a:t>
+            </a:r>
+            <a:r>
+              <a:rPr lang="en-US" b="0" dirty="0" smtClean="0"/>
+              <a:t>. These results emphasize the importance of testing IE systems with actual users and the importance of trust in automation.</a:t>
             </a:r>
           </a:p>
         </p:txBody>
@@ -852,7 +861,7 @@
             <a:fld id="{9C2944A4-BE83-F140-9F51-6CC3B6D54F49}" type="slidenum">
               <a:rPr lang="en-US" altLang="en-US" smtClean="0"/>
               <a:pPr/>
-              <a:t>4</a:t>
+              <a:t>2</a:t>
             </a:fld>
             <a:endParaRPr lang="en-US" altLang="en-US"/>
           </a:p>
@@ -861,7 +870,7 @@
     </p:spTree>
     <p:extLst>
       <p:ext uri="{BB962C8B-B14F-4D97-AF65-F5344CB8AC3E}">
-        <p14:creationId xmlns:p14="http://schemas.microsoft.com/office/powerpoint/2010/main" val="2582628866"/>
+        <p14:creationId xmlns:p14="http://schemas.microsoft.com/office/powerpoint/2010/main" val="2491420544"/>
       </p:ext>
     </p:extLst>
   </p:cSld>
@@ -915,15 +924,27 @@
           <a:bodyPr/>
           <a:lstStyle/>
           <a:p>
+            <a:pPr marL="0" marR="0" lvl="0" indent="0" algn="l" defTabSz="914400" rtl="0" eaLnBrk="0" fontAlgn="base" latinLnBrk="0" hangingPunct="0">
+              <a:lnSpc>
+                <a:spcPct val="100000"/>
+              </a:lnSpc>
+              <a:spcBef>
+                <a:spcPct val="30000"/>
+              </a:spcBef>
+              <a:spcAft>
+                <a:spcPct val="0"/>
+              </a:spcAft>
+              <a:buClrTx/>
+              <a:buSzTx/>
+              <a:buFontTx/>
+              <a:buNone/>
+              <a:tabLst/>
+              <a:defRPr/>
+            </a:pPr>
             <a:r>
               <a:rPr lang="en-US" dirty="0" smtClean="0"/>
-              <a:t>Wilcoxon sign rank test</a:t>
-            </a:r>
-            <a:r>
-              <a:rPr lang="en-US" baseline="0" dirty="0" smtClean="0"/>
-              <a:t> – plain faster, more accurate than markup</a:t>
-            </a:r>
-            <a:endParaRPr lang="en-US" dirty="0"/>
+              <a:t>In one experiment, when participants were presented text with or without markup from an IE pipeline, they showed better text comprehension without markup.</a:t>
+            </a:r>
           </a:p>
         </p:txBody>
       </p:sp>
@@ -945,7 +966,7 @@
             <a:fld id="{9C2944A4-BE83-F140-9F51-6CC3B6D54F49}" type="slidenum">
               <a:rPr lang="en-US" altLang="en-US" smtClean="0"/>
               <a:pPr/>
-              <a:t>8</a:t>
+              <a:t>3</a:t>
             </a:fld>
             <a:endParaRPr lang="en-US" altLang="en-US"/>
           </a:p>
@@ -954,7 +975,7 @@
     </p:spTree>
     <p:extLst>
       <p:ext uri="{BB962C8B-B14F-4D97-AF65-F5344CB8AC3E}">
-        <p14:creationId xmlns:p14="http://schemas.microsoft.com/office/powerpoint/2010/main" val="3436572522"/>
+        <p14:creationId xmlns:p14="http://schemas.microsoft.com/office/powerpoint/2010/main" val="2582628866"/>
       </p:ext>
     </p:extLst>
   </p:cSld>
@@ -1010,7 +1031,11 @@
           <a:p>
             <a:r>
               <a:rPr lang="en-US" dirty="0" smtClean="0"/>
-              <a:t>In a second experiment, the markup was hand-generated to be as relevant and accurate as possible to find conditions under which markup improves performance. This experiment showed no significant difference between performance with and without markup, but a significant majority of participants preferred working with markup to without. Further, preference for markup showed a fairly strong correlation with participants’ ratings of their own trust in automation. </a:t>
+              <a:t>Wilcoxon sign rank test</a:t>
+            </a:r>
+            <a:r>
+              <a:rPr lang="en-US" baseline="0" dirty="0" smtClean="0"/>
+              <a:t> – plain faster, more accurate than markup</a:t>
             </a:r>
             <a:endParaRPr lang="en-US" dirty="0"/>
           </a:p>
@@ -1034,7 +1059,7 @@
             <a:fld id="{9C2944A4-BE83-F140-9F51-6CC3B6D54F49}" type="slidenum">
               <a:rPr lang="en-US" altLang="en-US" smtClean="0"/>
               <a:pPr/>
-              <a:t>9</a:t>
+              <a:t>7</a:t>
             </a:fld>
             <a:endParaRPr lang="en-US" altLang="en-US"/>
           </a:p>
@@ -1043,7 +1068,7 @@
     </p:spTree>
     <p:extLst>
       <p:ext uri="{BB962C8B-B14F-4D97-AF65-F5344CB8AC3E}">
-        <p14:creationId xmlns:p14="http://schemas.microsoft.com/office/powerpoint/2010/main" val="1057079159"/>
+        <p14:creationId xmlns:p14="http://schemas.microsoft.com/office/powerpoint/2010/main" val="3436572522"/>
       </p:ext>
     </p:extLst>
   </p:cSld>
@@ -1097,37 +1122,11 @@
           <a:bodyPr/>
           <a:lstStyle/>
           <a:p>
-            <a:pPr marL="0" marR="0" lvl="0" indent="0" algn="l" defTabSz="914400" rtl="0" eaLnBrk="0" fontAlgn="base" latinLnBrk="0" hangingPunct="0">
-              <a:lnSpc>
-                <a:spcPct val="100000"/>
-              </a:lnSpc>
-              <a:spcBef>
-                <a:spcPct val="30000"/>
-              </a:spcBef>
-              <a:spcAft>
-                <a:spcPct val="0"/>
-              </a:spcAft>
-              <a:buClrTx/>
-              <a:buSzTx/>
-              <a:buFontTx/>
-              <a:buNone/>
-              <a:tabLst/>
-              <a:defRPr/>
-            </a:pPr>
-            <a:r>
-              <a:rPr lang="en-US" sz="1200" dirty="0" smtClean="0">
-                <a:latin typeface="Times" panose="02020603050405020304" pitchFamily="18" charset="0"/>
-                <a:ea typeface="Times New Roman" panose="02020603050405020304" pitchFamily="18" charset="0"/>
-                <a:cs typeface="Times New Roman" panose="02020603050405020304" pitchFamily="18" charset="0"/>
-              </a:rPr>
-              <a:t>Concerns about speed and consequent quality of responses were raised in Experiment 1, so for the analyses below only participants with response times of 2 minutes or longer for each test scenario were included (150 out of 200 participants). One additional participant was removed due to a technical failure, leaving 80 participants in the Plain condition and 69 participants in the Markup condition. </a:t>
-            </a:r>
-            <a:endParaRPr lang="en-US" sz="1200" dirty="0" smtClean="0">
-              <a:effectLst/>
-              <a:latin typeface="Times" panose="02020603050405020304" pitchFamily="18" charset="0"/>
-              <a:ea typeface="Times New Roman" panose="02020603050405020304" pitchFamily="18" charset="0"/>
-              <a:cs typeface="Times New Roman" panose="02020603050405020304" pitchFamily="18" charset="0"/>
-            </a:endParaRPr>
+            <a:r>
+              <a:rPr lang="en-US" dirty="0" smtClean="0"/>
+              <a:t>In a second experiment, the markup was hand-generated to be as relevant and accurate as possible to find conditions under which markup improves performance. This experiment showed no significant difference between performance with and without markup, but a significant majority of participants preferred working with markup to without. Further, preference for markup showed a fairly strong correlation with participants’ ratings of their own trust in automation. </a:t>
+            </a:r>
+            <a:endParaRPr lang="en-US" dirty="0"/>
           </a:p>
         </p:txBody>
       </p:sp>
@@ -1149,7 +1148,7 @@
             <a:fld id="{9C2944A4-BE83-F140-9F51-6CC3B6D54F49}" type="slidenum">
               <a:rPr lang="en-US" altLang="en-US" smtClean="0"/>
               <a:pPr/>
-              <a:t>14</a:t>
+              <a:t>8</a:t>
             </a:fld>
             <a:endParaRPr lang="en-US" altLang="en-US"/>
           </a:p>
@@ -1158,7 +1157,7 @@
     </p:spTree>
     <p:extLst>
       <p:ext uri="{BB962C8B-B14F-4D97-AF65-F5344CB8AC3E}">
-        <p14:creationId xmlns:p14="http://schemas.microsoft.com/office/powerpoint/2010/main" val="763365170"/>
+        <p14:creationId xmlns:p14="http://schemas.microsoft.com/office/powerpoint/2010/main" val="1057079159"/>
       </p:ext>
     </p:extLst>
   </p:cSld>
@@ -1212,20 +1211,6 @@
           <a:bodyPr/>
           <a:lstStyle/>
           <a:p>
-            <a:r>
-              <a:rPr lang="en-US" sz="1200" kern="1200" dirty="0" smtClean="0">
-                <a:solidFill>
-                  <a:schemeClr val="tx1"/>
-                </a:solidFill>
-                <a:effectLst/>
-                <a:latin typeface="Arial" pitchFamily="34" charset="0"/>
-                <a:ea typeface="ＭＳ Ｐゴシック" charset="0"/>
-                <a:cs typeface="ＭＳ Ｐゴシック" charset="0"/>
-              </a:rPr>
-              <a:t>Neither performance nor preference correlated well with any of the demographic information collected, with the exception of Language, where there is a medium positive correlation between accuracy and being a native speaker of English, as well as a medium negative correlative between response time and being a native speaker of English. Correlation coefficients are shown in Table 3, where one participant (Other/prefer not to say) was dropped from Gender correlations, and Occupation was pooled into Non-science and technology versus Science and technology. </a:t>
-            </a:r>
-          </a:p>
-          <a:p>
             <a:pPr marL="0" marR="0" lvl="0" indent="0" algn="l" defTabSz="914400" rtl="0" eaLnBrk="0" fontAlgn="base" latinLnBrk="0" hangingPunct="0">
               <a:lnSpc>
                 <a:spcPct val="100000"/>
@@ -1244,20 +1229,19 @@
               <a:defRPr/>
             </a:pPr>
             <a:r>
-              <a:rPr lang="en-US" sz="1200" kern="1200" dirty="0" smtClean="0">
-                <a:solidFill>
-                  <a:schemeClr val="tx1"/>
-                </a:solidFill>
-                <a:effectLst/>
-                <a:latin typeface="Arial" pitchFamily="34" charset="0"/>
-                <a:ea typeface="ＭＳ Ｐゴシック" charset="0"/>
-                <a:cs typeface="ＭＳ Ｐゴシック" charset="0"/>
+              <a:rPr lang="en-US" sz="1200" dirty="0" smtClean="0">
+                <a:latin typeface="Times" panose="02020603050405020304" pitchFamily="18" charset="0"/>
+                <a:ea typeface="Times New Roman" panose="02020603050405020304" pitchFamily="18" charset="0"/>
+                <a:cs typeface="Times New Roman" panose="02020603050405020304" pitchFamily="18" charset="0"/>
               </a:rPr>
-              <a:t>Preference for markup showed a fairly strong correlation with participants’ ratings of their own trust in automation (r = 0.39). The correlation between trust in automation and objective performance measures, however, is very small (accuracy: r = 0.06, response time: r = -0.05).</a:t>
-            </a:r>
-          </a:p>
-          <a:p>
-            <a:endParaRPr lang="en-US" dirty="0"/>
+              <a:t>Concerns about speed and consequent quality of responses were raised in Experiment 1, so for the analyses below only participants with response times of 2 minutes or longer for each test scenario were included (150 out of 200 participants). One additional participant was removed due to a technical failure, leaving 80 participants in the Plain condition and 69 participants in the Markup condition. </a:t>
+            </a:r>
+            <a:endParaRPr lang="en-US" sz="1200" dirty="0" smtClean="0">
+              <a:effectLst/>
+              <a:latin typeface="Times" panose="02020603050405020304" pitchFamily="18" charset="0"/>
+              <a:ea typeface="Times New Roman" panose="02020603050405020304" pitchFamily="18" charset="0"/>
+              <a:cs typeface="Times New Roman" panose="02020603050405020304" pitchFamily="18" charset="0"/>
+            </a:endParaRPr>
           </a:p>
         </p:txBody>
       </p:sp>
@@ -1279,7 +1263,137 @@
             <a:fld id="{9C2944A4-BE83-F140-9F51-6CC3B6D54F49}" type="slidenum">
               <a:rPr lang="en-US" altLang="en-US" smtClean="0"/>
               <a:pPr/>
-              <a:t>15</a:t>
+              <a:t>13</a:t>
+            </a:fld>
+            <a:endParaRPr lang="en-US" altLang="en-US"/>
+          </a:p>
+        </p:txBody>
+      </p:sp>
+    </p:spTree>
+    <p:extLst>
+      <p:ext uri="{BB962C8B-B14F-4D97-AF65-F5344CB8AC3E}">
+        <p14:creationId xmlns:p14="http://schemas.microsoft.com/office/powerpoint/2010/main" val="763365170"/>
+      </p:ext>
+    </p:extLst>
+  </p:cSld>
+  <p:clrMapOvr>
+    <a:masterClrMapping/>
+  </p:clrMapOvr>
+</p:notes>
+</file>
+
+<file path=ppt/notesSlides/notesSlide6.xml><?xml version="1.0" encoding="utf-8"?>
+<p:notes xmlns:a="http://schemas.openxmlformats.org/drawingml/2006/main" xmlns:r="http://schemas.openxmlformats.org/officeDocument/2006/relationships" xmlns:p="http://schemas.openxmlformats.org/presentationml/2006/main">
+  <p:cSld>
+    <p:spTree>
+      <p:nvGrpSpPr>
+        <p:cNvPr id="1" name=""/>
+        <p:cNvGrpSpPr/>
+        <p:nvPr/>
+      </p:nvGrpSpPr>
+      <p:grpSpPr>
+        <a:xfrm>
+          <a:off x="0" y="0"/>
+          <a:ext cx="0" cy="0"/>
+          <a:chOff x="0" y="0"/>
+          <a:chExt cx="0" cy="0"/>
+        </a:xfrm>
+      </p:grpSpPr>
+      <p:sp>
+        <p:nvSpPr>
+          <p:cNvPr id="2" name="Slide Image Placeholder 1"/>
+          <p:cNvSpPr>
+            <a:spLocks noGrp="1" noRot="1" noChangeAspect="1"/>
+          </p:cNvSpPr>
+          <p:nvPr>
+            <p:ph type="sldImg"/>
+          </p:nvPr>
+        </p:nvSpPr>
+        <p:spPr/>
+      </p:sp>
+      <p:sp>
+        <p:nvSpPr>
+          <p:cNvPr id="3" name="Notes Placeholder 2"/>
+          <p:cNvSpPr>
+            <a:spLocks noGrp="1"/>
+          </p:cNvSpPr>
+          <p:nvPr>
+            <p:ph type="body" idx="1"/>
+          </p:nvPr>
+        </p:nvSpPr>
+        <p:spPr/>
+        <p:txBody>
+          <a:bodyPr/>
+          <a:lstStyle/>
+          <a:p>
+            <a:r>
+              <a:rPr lang="en-US" sz="1200" kern="1200" dirty="0" smtClean="0">
+                <a:solidFill>
+                  <a:schemeClr val="tx1"/>
+                </a:solidFill>
+                <a:effectLst/>
+                <a:latin typeface="Arial" pitchFamily="34" charset="0"/>
+                <a:ea typeface="ＭＳ Ｐゴシック" charset="0"/>
+                <a:cs typeface="ＭＳ Ｐゴシック" charset="0"/>
+              </a:rPr>
+              <a:t>Neither performance nor preference correlated well with any of the demographic information collected, with the exception of Language, where there is a medium positive correlation between accuracy and being a native speaker of English, as well as a medium negative correlative between response time and being a native speaker of English. Correlation coefficients are shown in Table 3, where one participant (Other/prefer not to say) was dropped from Gender correlations, and Occupation was pooled into Non-science and technology versus Science and technology. </a:t>
+            </a:r>
+          </a:p>
+          <a:p>
+            <a:pPr marL="0" marR="0" lvl="0" indent="0" algn="l" defTabSz="914400" rtl="0" eaLnBrk="0" fontAlgn="base" latinLnBrk="0" hangingPunct="0">
+              <a:lnSpc>
+                <a:spcPct val="100000"/>
+              </a:lnSpc>
+              <a:spcBef>
+                <a:spcPct val="30000"/>
+              </a:spcBef>
+              <a:spcAft>
+                <a:spcPct val="0"/>
+              </a:spcAft>
+              <a:buClrTx/>
+              <a:buSzTx/>
+              <a:buFontTx/>
+              <a:buNone/>
+              <a:tabLst/>
+              <a:defRPr/>
+            </a:pPr>
+            <a:r>
+              <a:rPr lang="en-US" sz="1200" kern="1200" dirty="0" smtClean="0">
+                <a:solidFill>
+                  <a:schemeClr val="tx1"/>
+                </a:solidFill>
+                <a:effectLst/>
+                <a:latin typeface="Arial" pitchFamily="34" charset="0"/>
+                <a:ea typeface="ＭＳ Ｐゴシック" charset="0"/>
+                <a:cs typeface="ＭＳ Ｐゴシック" charset="0"/>
+              </a:rPr>
+              <a:t>Preference for markup showed a fairly strong correlation with participants’ ratings of their own trust in automation (r = 0.39). The correlation between trust in automation and objective performance measures, however, is very small (accuracy: r = 0.06, response time: r = -0.05).</a:t>
+            </a:r>
+          </a:p>
+          <a:p>
+            <a:endParaRPr lang="en-US" dirty="0"/>
+          </a:p>
+        </p:txBody>
+      </p:sp>
+      <p:sp>
+        <p:nvSpPr>
+          <p:cNvPr id="4" name="Slide Number Placeholder 3"/>
+          <p:cNvSpPr>
+            <a:spLocks noGrp="1"/>
+          </p:cNvSpPr>
+          <p:nvPr>
+            <p:ph type="sldNum" sz="quarter" idx="10"/>
+          </p:nvPr>
+        </p:nvSpPr>
+        <p:spPr/>
+        <p:txBody>
+          <a:bodyPr/>
+          <a:lstStyle/>
+          <a:p>
+            <a:fld id="{9C2944A4-BE83-F140-9F51-6CC3B6D54F49}" type="slidenum">
+              <a:rPr lang="en-US" altLang="en-US" smtClean="0"/>
+              <a:pPr/>
+              <a:t>14</a:t>
             </a:fld>
             <a:endParaRPr lang="en-US" altLang="en-US"/>
           </a:p>
@@ -1289,6 +1403,129 @@
     <p:extLst>
       <p:ext uri="{BB962C8B-B14F-4D97-AF65-F5344CB8AC3E}">
         <p14:creationId xmlns:p14="http://schemas.microsoft.com/office/powerpoint/2010/main" val="2444541010"/>
+      </p:ext>
+    </p:extLst>
+  </p:cSld>
+  <p:clrMapOvr>
+    <a:masterClrMapping/>
+  </p:clrMapOvr>
+</p:notes>
+</file>
+
+<file path=ppt/notesSlides/notesSlide7.xml><?xml version="1.0" encoding="utf-8"?>
+<p:notes xmlns:a="http://schemas.openxmlformats.org/drawingml/2006/main" xmlns:r="http://schemas.openxmlformats.org/officeDocument/2006/relationships" xmlns:p="http://schemas.openxmlformats.org/presentationml/2006/main">
+  <p:cSld>
+    <p:spTree>
+      <p:nvGrpSpPr>
+        <p:cNvPr id="1" name=""/>
+        <p:cNvGrpSpPr/>
+        <p:nvPr/>
+      </p:nvGrpSpPr>
+      <p:grpSpPr>
+        <a:xfrm>
+          <a:off x="0" y="0"/>
+          <a:ext cx="0" cy="0"/>
+          <a:chOff x="0" y="0"/>
+          <a:chExt cx="0" cy="0"/>
+        </a:xfrm>
+      </p:grpSpPr>
+      <p:sp>
+        <p:nvSpPr>
+          <p:cNvPr id="2" name="Slide Image Placeholder 1"/>
+          <p:cNvSpPr>
+            <a:spLocks noGrp="1" noRot="1" noChangeAspect="1"/>
+          </p:cNvSpPr>
+          <p:nvPr>
+            <p:ph type="sldImg"/>
+          </p:nvPr>
+        </p:nvSpPr>
+        <p:spPr/>
+      </p:sp>
+      <p:sp>
+        <p:nvSpPr>
+          <p:cNvPr id="3" name="Notes Placeholder 2"/>
+          <p:cNvSpPr>
+            <a:spLocks noGrp="1"/>
+          </p:cNvSpPr>
+          <p:nvPr>
+            <p:ph type="body" idx="1"/>
+          </p:nvPr>
+        </p:nvSpPr>
+        <p:spPr/>
+        <p:txBody>
+          <a:bodyPr/>
+          <a:lstStyle/>
+          <a:p>
+            <a:r>
+              <a:rPr lang="en-US" sz="1200" b="0" dirty="0" smtClean="0"/>
+              <a:t>While the markup used in Experiment 2 was hand-generated to be as helpful but realistic as possible, it still did not lead to better performance than plain text. </a:t>
+            </a:r>
+          </a:p>
+          <a:p>
+            <a:r>
+              <a:rPr lang="en-US" sz="1200" b="0" dirty="0" smtClean="0"/>
+              <a:t>This is an important warning to researchers trusting that actual automated markup will be helpful. This markup, however, was overall preferred to plain text, which is valuable for the overall user experience. </a:t>
+            </a:r>
+          </a:p>
+          <a:p>
+            <a:endParaRPr lang="en-US" dirty="0" smtClean="0"/>
+          </a:p>
+          <a:p>
+            <a:pPr marL="0" marR="0" lvl="0" indent="0" algn="l" defTabSz="914400" rtl="0" eaLnBrk="0" fontAlgn="base" latinLnBrk="0" hangingPunct="0">
+              <a:lnSpc>
+                <a:spcPct val="100000"/>
+              </a:lnSpc>
+              <a:spcBef>
+                <a:spcPct val="30000"/>
+              </a:spcBef>
+              <a:spcAft>
+                <a:spcPct val="0"/>
+              </a:spcAft>
+              <a:buClrTx/>
+              <a:buSzTx/>
+              <a:buFontTx/>
+              <a:buNone/>
+              <a:tabLst/>
+              <a:defRPr/>
+            </a:pPr>
+            <a:r>
+              <a:rPr lang="en-US" sz="1200" b="0" dirty="0" smtClean="0"/>
+              <a:t>These results also emphasize that the trust in the automation that is used in an IE pipeline may be important for user experience and for encouraging users to opt to use these pipelines. However, the link between trust in automation and objective performance measures in the current study is very small, and experiments like this demonstrate that the automation need not improve performance. Much remains to be understood about the gap between IE technology and its human user for this technology to truly support human-computer interaction.</a:t>
+            </a:r>
+          </a:p>
+          <a:p>
+            <a:endParaRPr lang="en-US" dirty="0"/>
+          </a:p>
+        </p:txBody>
+      </p:sp>
+      <p:sp>
+        <p:nvSpPr>
+          <p:cNvPr id="4" name="Slide Number Placeholder 3"/>
+          <p:cNvSpPr>
+            <a:spLocks noGrp="1"/>
+          </p:cNvSpPr>
+          <p:nvPr>
+            <p:ph type="sldNum" sz="quarter" idx="10"/>
+          </p:nvPr>
+        </p:nvSpPr>
+        <p:spPr/>
+        <p:txBody>
+          <a:bodyPr/>
+          <a:lstStyle/>
+          <a:p>
+            <a:fld id="{9C2944A4-BE83-F140-9F51-6CC3B6D54F49}" type="slidenum">
+              <a:rPr lang="en-US" altLang="en-US" smtClean="0"/>
+              <a:pPr/>
+              <a:t>15</a:t>
+            </a:fld>
+            <a:endParaRPr lang="en-US" altLang="en-US"/>
+          </a:p>
+        </p:txBody>
+      </p:sp>
+    </p:spTree>
+    <p:extLst>
+      <p:ext uri="{BB962C8B-B14F-4D97-AF65-F5344CB8AC3E}">
+        <p14:creationId xmlns:p14="http://schemas.microsoft.com/office/powerpoint/2010/main" val="2050473578"/>
       </p:ext>
     </p:extLst>
   </p:cSld>
@@ -12309,132 +12546,6 @@
             </a:pPr>
             <a:r>
               <a:rPr lang="en-US" dirty="0" smtClean="0"/>
-              <a:t>Demographics</a:t>
-            </a:r>
-          </a:p>
-        </p:txBody>
-      </p:sp>
-      <p:sp>
-        <p:nvSpPr>
-          <p:cNvPr id="3" name="Title 2"/>
-          <p:cNvSpPr>
-            <a:spLocks noGrp="1"/>
-          </p:cNvSpPr>
-          <p:nvPr>
-            <p:ph type="title"/>
-          </p:nvPr>
-        </p:nvSpPr>
-        <p:spPr/>
-        <p:txBody>
-          <a:bodyPr/>
-          <a:lstStyle/>
-          <a:p>
-            <a:r>
-              <a:rPr lang="en-US" dirty="0" smtClean="0"/>
-              <a:t>Experiment 2 - Procedure</a:t>
-            </a:r>
-            <a:endParaRPr lang="en-US" dirty="0"/>
-          </a:p>
-        </p:txBody>
-      </p:sp>
-      <p:pic>
-        <p:nvPicPr>
-          <p:cNvPr id="4" name="Picture 3"/>
-          <p:cNvPicPr>
-            <a:picLocks noChangeAspect="1"/>
-          </p:cNvPicPr>
-          <p:nvPr/>
-        </p:nvPicPr>
-        <p:blipFill>
-          <a:blip r:embed="rId2"/>
-          <a:stretch>
-            <a:fillRect/>
-          </a:stretch>
-        </p:blipFill>
-        <p:spPr>
-          <a:xfrm>
-            <a:off x="508104" y="1685924"/>
-            <a:ext cx="3981450" cy="4257675"/>
-          </a:xfrm>
-          <a:prstGeom prst="rect">
-            <a:avLst/>
-          </a:prstGeom>
-        </p:spPr>
-      </p:pic>
-      <p:pic>
-        <p:nvPicPr>
-          <p:cNvPr id="5" name="Picture 4"/>
-          <p:cNvPicPr>
-            <a:picLocks noChangeAspect="1"/>
-          </p:cNvPicPr>
-          <p:nvPr/>
-        </p:nvPicPr>
-        <p:blipFill>
-          <a:blip r:embed="rId3"/>
-          <a:stretch>
-            <a:fillRect/>
-          </a:stretch>
-        </p:blipFill>
-        <p:spPr>
-          <a:xfrm>
-            <a:off x="4555448" y="3270786"/>
-            <a:ext cx="4410075" cy="2952750"/>
-          </a:xfrm>
-          <a:prstGeom prst="rect">
-            <a:avLst/>
-          </a:prstGeom>
-        </p:spPr>
-      </p:pic>
-    </p:spTree>
-    <p:extLst>
-      <p:ext uri="{BB962C8B-B14F-4D97-AF65-F5344CB8AC3E}">
-        <p14:creationId xmlns:p14="http://schemas.microsoft.com/office/powerpoint/2010/main" val="3648005767"/>
-      </p:ext>
-    </p:extLst>
-  </p:cSld>
-  <p:clrMapOvr>
-    <a:masterClrMapping/>
-  </p:clrMapOvr>
-</p:sld>
-</file>
-
-<file path=ppt/slides/slide11.xml><?xml version="1.0" encoding="utf-8"?>
-<p:sld xmlns:a="http://schemas.openxmlformats.org/drawingml/2006/main" xmlns:r="http://schemas.openxmlformats.org/officeDocument/2006/relationships" xmlns:p="http://schemas.openxmlformats.org/presentationml/2006/main">
-  <p:cSld>
-    <p:spTree>
-      <p:nvGrpSpPr>
-        <p:cNvPr id="1" name=""/>
-        <p:cNvGrpSpPr/>
-        <p:nvPr/>
-      </p:nvGrpSpPr>
-      <p:grpSpPr>
-        <a:xfrm>
-          <a:off x="0" y="0"/>
-          <a:ext cx="0" cy="0"/>
-          <a:chOff x="0" y="0"/>
-          <a:chExt cx="0" cy="0"/>
-        </a:xfrm>
-      </p:grpSpPr>
-      <p:sp>
-        <p:nvSpPr>
-          <p:cNvPr id="2" name="Content Placeholder 1"/>
-          <p:cNvSpPr>
-            <a:spLocks noGrp="1"/>
-          </p:cNvSpPr>
-          <p:nvPr>
-            <p:ph idx="1"/>
-          </p:nvPr>
-        </p:nvSpPr>
-        <p:spPr/>
-        <p:txBody>
-          <a:bodyPr/>
-          <a:lstStyle/>
-          <a:p>
-            <a:pPr marL="0" indent="0">
-              <a:buNone/>
-            </a:pPr>
-            <a:r>
-              <a:rPr lang="en-US" dirty="0" smtClean="0"/>
               <a:t>Scenario text</a:t>
             </a:r>
             <a:endParaRPr lang="en-US" dirty="0"/>
@@ -12582,10 +12693,17 @@
   <p:clrMapOvr>
     <a:masterClrMapping/>
   </p:clrMapOvr>
+  <p:timing>
+    <p:tnLst>
+      <p:par>
+        <p:cTn id="1" dur="indefinite" restart="never" nodeType="tmRoot"/>
+      </p:par>
+    </p:tnLst>
+  </p:timing>
 </p:sld>
 </file>
 
-<file path=ppt/slides/slide12.xml><?xml version="1.0" encoding="utf-8"?>
+<file path=ppt/slides/slide11.xml><?xml version="1.0" encoding="utf-8"?>
 <p:sld xmlns:a="http://schemas.openxmlformats.org/drawingml/2006/main" xmlns:r="http://schemas.openxmlformats.org/officeDocument/2006/relationships" xmlns:p="http://schemas.openxmlformats.org/presentationml/2006/main">
   <p:cSld>
     <p:spTree>
@@ -12683,10 +12801,17 @@
   <p:clrMapOvr>
     <a:masterClrMapping/>
   </p:clrMapOvr>
+  <p:timing>
+    <p:tnLst>
+      <p:par>
+        <p:cTn id="1" dur="indefinite" restart="never" nodeType="tmRoot"/>
+      </p:par>
+    </p:tnLst>
+  </p:timing>
 </p:sld>
 </file>
 
-<file path=ppt/slides/slide13.xml><?xml version="1.0" encoding="utf-8"?>
+<file path=ppt/slides/slide12.xml><?xml version="1.0" encoding="utf-8"?>
 <p:sld xmlns:a="http://schemas.openxmlformats.org/drawingml/2006/main" xmlns:r="http://schemas.openxmlformats.org/officeDocument/2006/relationships" xmlns:p="http://schemas.openxmlformats.org/presentationml/2006/main">
   <p:cSld>
     <p:spTree>
@@ -12785,10 +12910,17 @@
   <p:clrMapOvr>
     <a:masterClrMapping/>
   </p:clrMapOvr>
+  <p:timing>
+    <p:tnLst>
+      <p:par>
+        <p:cTn id="1" dur="indefinite" restart="never" nodeType="tmRoot"/>
+      </p:par>
+    </p:tnLst>
+  </p:timing>
 </p:sld>
 </file>
 
-<file path=ppt/slides/slide14.xml><?xml version="1.0" encoding="utf-8"?>
+<file path=ppt/slides/slide13.xml><?xml version="1.0" encoding="utf-8"?>
 <p:sld xmlns:a="http://schemas.openxmlformats.org/drawingml/2006/main" xmlns:r="http://schemas.openxmlformats.org/officeDocument/2006/relationships" xmlns:p="http://schemas.openxmlformats.org/presentationml/2006/main">
   <p:cSld>
     <p:spTree>
@@ -12874,8 +13006,20 @@
           <a:p>
             <a:r>
               <a:rPr lang="en-US" dirty="0" smtClean="0"/>
-              <a:t>No significant difference in accuracy, speed</a:t>
-            </a:r>
+              <a:t>No significant difference in accuracy, </a:t>
+            </a:r>
+            <a:r>
+              <a:rPr lang="en-US" dirty="0" smtClean="0"/>
+              <a:t>speed</a:t>
+            </a:r>
+          </a:p>
+          <a:p>
+            <a:pPr lvl="1"/>
+            <a:r>
+              <a:rPr lang="en-US" dirty="0" smtClean="0"/>
+              <a:t>Again, participants are more accurate when in preferred condition</a:t>
+            </a:r>
+            <a:endParaRPr lang="en-US" dirty="0" smtClean="0"/>
           </a:p>
           <a:p>
             <a:r>
@@ -12888,7 +13032,6 @@
               <a:rPr lang="en-US" dirty="0" smtClean="0"/>
               <a:t>Preferred Markup</a:t>
             </a:r>
-            <a:endParaRPr lang="en-US" dirty="0" smtClean="0"/>
           </a:p>
         </p:txBody>
       </p:sp>
@@ -12912,7 +13055,7 @@
 </p:sld>
 </file>
 
-<file path=ppt/slides/slide15.xml><?xml version="1.0" encoding="utf-8"?>
+<file path=ppt/slides/slide14.xml><?xml version="1.0" encoding="utf-8"?>
 <p:sld xmlns:a="http://schemas.openxmlformats.org/drawingml/2006/main" xmlns:r="http://schemas.openxmlformats.org/officeDocument/2006/relationships" xmlns:p="http://schemas.openxmlformats.org/presentationml/2006/main">
   <p:cSld>
     <p:spTree>
@@ -13043,13 +13186,13 @@
             <p:ph idx="1"/>
             <p:extLst>
               <p:ext uri="{D42A27DB-BD31-4B8C-83A1-F6EECF244321}">
-                <p14:modId xmlns:p14="http://schemas.microsoft.com/office/powerpoint/2010/main" val="2948179845"/>
+                <p14:modId xmlns:p14="http://schemas.microsoft.com/office/powerpoint/2010/main" val="598328942"/>
               </p:ext>
             </p:extLst>
           </p:nvPr>
         </p:nvGraphicFramePr>
         <p:xfrm>
-          <a:off x="759138" y="2884211"/>
+          <a:off x="759138" y="2925776"/>
           <a:ext cx="3653790" cy="3703320"/>
         </p:xfrm>
         <a:graphic>
@@ -13064,7 +13207,7 @@
                 <a:gridCol w="472366"/>
                 <a:gridCol w="628650"/>
               </a:tblGrid>
-              <a:tr h="0">
+              <a:tr h="270933">
                 <a:tc>
                   <a:txBody>
                     <a:bodyPr/>
@@ -13260,7 +13403,7 @@
                   </a:tcPr>
                 </a:tc>
               </a:tr>
-              <a:tr h="0">
+              <a:tr h="135467">
                 <a:tc>
                   <a:txBody>
                     <a:bodyPr/>
@@ -13418,7 +13561,7 @@
                   </a:tcPr>
                 </a:tc>
               </a:tr>
-              <a:tr h="0">
+              <a:tr h="135467">
                 <a:tc>
                   <a:txBody>
                     <a:bodyPr/>
@@ -13576,7 +13719,7 @@
                   </a:tcPr>
                 </a:tc>
               </a:tr>
-              <a:tr h="0">
+              <a:tr h="135467">
                 <a:tc>
                   <a:txBody>
                     <a:bodyPr/>
@@ -13734,7 +13877,7 @@
                   </a:tcPr>
                 </a:tc>
               </a:tr>
-              <a:tr h="0">
+              <a:tr h="135467">
                 <a:tc>
                   <a:txBody>
                     <a:bodyPr/>
@@ -13852,7 +13995,7 @@
                   <a:tcPr marL="44450" marR="44450" marT="0" marB="0"/>
                 </a:tc>
               </a:tr>
-              <a:tr h="0">
+              <a:tr h="135467">
                 <a:tc>
                   <a:txBody>
                     <a:bodyPr/>
@@ -14010,7 +14153,7 @@
                   </a:tcPr>
                 </a:tc>
               </a:tr>
-              <a:tr h="0">
+              <a:tr h="135467">
                 <a:tc>
                   <a:txBody>
                     <a:bodyPr/>
@@ -14168,7 +14311,7 @@
                   </a:tcPr>
                 </a:tc>
               </a:tr>
-              <a:tr h="0">
+              <a:tr h="135467">
                 <a:tc>
                   <a:txBody>
                     <a:bodyPr/>
@@ -14286,7 +14429,7 @@
                   <a:tcPr marL="44450" marR="44450" marT="0" marB="0"/>
                 </a:tc>
               </a:tr>
-              <a:tr h="0">
+              <a:tr h="135467">
                 <a:tc>
                   <a:txBody>
                     <a:bodyPr/>
@@ -14404,7 +14547,7 @@
                   <a:tcPr marL="44450" marR="44450" marT="0" marB="0"/>
                 </a:tc>
               </a:tr>
-              <a:tr h="0">
+              <a:tr h="135467">
                 <a:tc>
                   <a:txBody>
                     <a:bodyPr/>
@@ -14562,7 +14705,7 @@
                   </a:tcPr>
                 </a:tc>
               </a:tr>
-              <a:tr h="0">
+              <a:tr h="135467">
                 <a:tc>
                   <a:txBody>
                     <a:bodyPr/>
@@ -14720,7 +14863,7 @@
                   </a:tcPr>
                 </a:tc>
               </a:tr>
-              <a:tr h="0">
+              <a:tr h="135467">
                 <a:tc>
                   <a:txBody>
                     <a:bodyPr/>
@@ -14838,7 +14981,7 @@
                   <a:tcPr marL="44450" marR="44450" marT="0" marB="0"/>
                 </a:tc>
               </a:tr>
-              <a:tr h="0">
+              <a:tr h="135467">
                 <a:tc>
                   <a:txBody>
                     <a:bodyPr/>
@@ -14996,7 +15139,7 @@
                   </a:tcPr>
                 </a:tc>
               </a:tr>
-              <a:tr h="0">
+              <a:tr h="135467">
                 <a:tc>
                   <a:txBody>
                     <a:bodyPr/>
@@ -15154,7 +15297,7 @@
                   </a:tcPr>
                 </a:tc>
               </a:tr>
-              <a:tr h="0">
+              <a:tr h="135467">
                 <a:tc>
                   <a:txBody>
                     <a:bodyPr/>
@@ -15272,7 +15415,7 @@
                   <a:tcPr marL="44450" marR="44450" marT="0" marB="0"/>
                 </a:tc>
               </a:tr>
-              <a:tr h="0">
+              <a:tr h="135467">
                 <a:tc>
                   <a:txBody>
                     <a:bodyPr/>
@@ -15390,7 +15533,7 @@
                   <a:tcPr marL="44450" marR="44450" marT="0" marB="0"/>
                 </a:tc>
               </a:tr>
-              <a:tr h="0">
+              <a:tr h="135467">
                 <a:tc>
                   <a:txBody>
                     <a:bodyPr/>
@@ -15508,7 +15651,7 @@
                   <a:tcPr marL="44450" marR="44450" marT="0" marB="0"/>
                 </a:tc>
               </a:tr>
-              <a:tr h="0">
+              <a:tr h="135467">
                 <a:tc>
                   <a:txBody>
                     <a:bodyPr/>
@@ -15626,7 +15769,7 @@
                   <a:tcPr marL="44450" marR="44450" marT="0" marB="0"/>
                 </a:tc>
               </a:tr>
-              <a:tr h="0">
+              <a:tr h="135467">
                 <a:tc>
                   <a:txBody>
                     <a:bodyPr/>
@@ -15744,7 +15887,7 @@
                   <a:tcPr marL="44450" marR="44450" marT="0" marB="0"/>
                 </a:tc>
               </a:tr>
-              <a:tr h="0">
+              <a:tr h="135467">
                 <a:tc>
                   <a:txBody>
                     <a:bodyPr/>
@@ -15862,7 +16005,7 @@
                   <a:tcPr marL="44450" marR="44450" marT="0" marB="0"/>
                 </a:tc>
               </a:tr>
-              <a:tr h="0">
+              <a:tr h="135467">
                 <a:tc>
                   <a:txBody>
                     <a:bodyPr/>
@@ -15980,7 +16123,7 @@
                   <a:tcPr marL="44450" marR="44450" marT="0" marB="0"/>
                 </a:tc>
               </a:tr>
-              <a:tr h="0">
+              <a:tr h="135467">
                 <a:tc>
                   <a:txBody>
                     <a:bodyPr/>
@@ -16098,7 +16241,7 @@
                   <a:tcPr marL="44450" marR="44450" marT="0" marB="0"/>
                 </a:tc>
               </a:tr>
-              <a:tr h="0">
+              <a:tr h="135467">
                 <a:tc>
                   <a:txBody>
                     <a:bodyPr/>
@@ -16216,7 +16359,7 @@
                   <a:tcPr marL="44450" marR="44450" marT="0" marB="0"/>
                 </a:tc>
               </a:tr>
-              <a:tr h="0">
+              <a:tr h="135467">
                 <a:tc>
                   <a:txBody>
                     <a:bodyPr/>
@@ -16334,7 +16477,7 @@
                   <a:tcPr marL="44450" marR="44450" marT="0" marB="0"/>
                 </a:tc>
               </a:tr>
-              <a:tr h="0">
+              <a:tr h="135467">
                 <a:tc>
                   <a:txBody>
                     <a:bodyPr/>
@@ -16452,7 +16595,7 @@
                   <a:tcPr marL="44450" marR="44450" marT="0" marB="0"/>
                 </a:tc>
               </a:tr>
-              <a:tr h="0">
+              <a:tr h="135467">
                 <a:tc>
                   <a:txBody>
                     <a:bodyPr/>
@@ -16582,7 +16725,7 @@
         </p:nvSpPr>
         <p:spPr>
           <a:xfrm>
-            <a:off x="1360449" y="4927977"/>
+            <a:off x="1360449" y="4969542"/>
             <a:ext cx="2732049" cy="1703907"/>
           </a:xfrm>
           <a:prstGeom prst="roundRect">
@@ -16624,7 +16767,7 @@
         <p:spPr bwMode="auto">
           <a:xfrm>
             <a:off x="442210" y="1228725"/>
-            <a:ext cx="8094688" cy="1205717"/>
+            <a:ext cx="8094688" cy="1596091"/>
           </a:xfrm>
           <a:prstGeom prst="rect">
             <a:avLst/>
@@ -16803,10 +16946,6 @@
           </a:p>
           <a:p>
             <a:r>
-              <a:rPr lang="en-US" sz="1600" dirty="0"/>
-              <a:t>Preference for markup ~ </a:t>
-            </a:r>
-            <a:r>
               <a:rPr lang="en-US" sz="1600" dirty="0" smtClean="0"/>
               <a:t>Trust </a:t>
             </a:r>
@@ -16816,8 +16955,9 @@
             </a:r>
             <a:r>
               <a:rPr lang="en-US" sz="1600" dirty="0" smtClean="0"/>
-              <a:t>automation: </a:t>
-            </a:r>
+              <a:t>automation ~ preference for markup: </a:t>
+            </a:r>
+            <a:endParaRPr lang="en-US" sz="1600" dirty="0" smtClean="0"/>
           </a:p>
           <a:p>
             <a:pPr lvl="1"/>
@@ -16889,36 +17029,6 @@
               <a:buFont typeface="Arial" panose="020B0604020202020204" pitchFamily="34" charset="0"/>
               <a:buNone/>
             </a:pPr>
-            <a:endParaRPr lang="en-US" dirty="0"/>
-          </a:p>
-        </p:txBody>
-      </p:sp>
-      <p:sp>
-        <p:nvSpPr>
-          <p:cNvPr id="2" name="TextBox 1"/>
-          <p:cNvSpPr txBox="1"/>
-          <p:nvPr/>
-        </p:nvSpPr>
-        <p:spPr>
-          <a:xfrm>
-            <a:off x="7042068" y="1228725"/>
-            <a:ext cx="3627916" cy="461665"/>
-          </a:xfrm>
-          <a:prstGeom prst="rect">
-            <a:avLst/>
-          </a:prstGeom>
-          <a:noFill/>
-        </p:spPr>
-        <p:txBody>
-          <a:bodyPr wrap="none" rtlCol="0">
-            <a:spAutoFit/>
-          </a:bodyPr>
-          <a:lstStyle/>
-          <a:p>
-            <a:r>
-              <a:rPr lang="en-US" dirty="0" smtClean="0"/>
-              <a:t>Include plots, non-linear?</a:t>
-            </a:r>
             <a:endParaRPr lang="en-US" dirty="0"/>
           </a:p>
         </p:txBody>
@@ -16927,6 +17037,294 @@
     <p:extLst>
       <p:ext uri="{BB962C8B-B14F-4D97-AF65-F5344CB8AC3E}">
         <p14:creationId xmlns:p14="http://schemas.microsoft.com/office/powerpoint/2010/main" val="2257145620"/>
+      </p:ext>
+    </p:extLst>
+  </p:cSld>
+  <p:clrMapOvr>
+    <a:masterClrMapping/>
+  </p:clrMapOvr>
+  <p:timing>
+    <p:tnLst>
+      <p:par>
+        <p:cTn id="1" dur="indefinite" restart="never" nodeType="tmRoot"/>
+      </p:par>
+    </p:tnLst>
+  </p:timing>
+</p:sld>
+</file>
+
+<file path=ppt/slides/slide15.xml><?xml version="1.0" encoding="utf-8"?>
+<p:sld xmlns:a="http://schemas.openxmlformats.org/drawingml/2006/main" xmlns:r="http://schemas.openxmlformats.org/officeDocument/2006/relationships" xmlns:p="http://schemas.openxmlformats.org/presentationml/2006/main">
+  <p:cSld>
+    <p:spTree>
+      <p:nvGrpSpPr>
+        <p:cNvPr id="1" name=""/>
+        <p:cNvGrpSpPr/>
+        <p:nvPr/>
+      </p:nvGrpSpPr>
+      <p:grpSpPr>
+        <a:xfrm>
+          <a:off x="0" y="0"/>
+          <a:ext cx="0" cy="0"/>
+          <a:chOff x="0" y="0"/>
+          <a:chExt cx="0" cy="0"/>
+        </a:xfrm>
+      </p:grpSpPr>
+      <p:sp>
+        <p:nvSpPr>
+          <p:cNvPr id="2" name="Content Placeholder 1"/>
+          <p:cNvSpPr>
+            <a:spLocks noGrp="1"/>
+          </p:cNvSpPr>
+          <p:nvPr>
+            <p:ph idx="1"/>
+          </p:nvPr>
+        </p:nvSpPr>
+        <p:spPr/>
+        <p:txBody>
+          <a:bodyPr/>
+          <a:lstStyle/>
+          <a:p>
+            <a:r>
+              <a:rPr lang="en-US" b="0" dirty="0" smtClean="0"/>
+              <a:t>Results summary</a:t>
+            </a:r>
+          </a:p>
+          <a:p>
+            <a:pPr lvl="1"/>
+            <a:r>
+              <a:rPr lang="en-US" sz="1200" b="0" dirty="0" smtClean="0"/>
+              <a:t>Experiment </a:t>
+            </a:r>
+            <a:r>
+              <a:rPr lang="en-US" sz="1200" b="0" dirty="0"/>
+              <a:t>1 </a:t>
+            </a:r>
+            <a:r>
+              <a:rPr lang="en-US" sz="1200" b="0" dirty="0" smtClean="0"/>
+              <a:t>- Instead </a:t>
+            </a:r>
+            <a:r>
+              <a:rPr lang="en-US" sz="1200" b="0" dirty="0"/>
+              <a:t>of helping, markup hurt performance and was </a:t>
+            </a:r>
+            <a:r>
+              <a:rPr lang="en-US" sz="1200" b="0" dirty="0" err="1"/>
+              <a:t>dispreferred</a:t>
+            </a:r>
+            <a:r>
+              <a:rPr lang="en-US" sz="1200" b="0" dirty="0"/>
+              <a:t> to plain text. </a:t>
+            </a:r>
+            <a:endParaRPr lang="en-US" sz="1200" b="0" dirty="0" smtClean="0"/>
+          </a:p>
+          <a:p>
+            <a:pPr lvl="1"/>
+            <a:r>
+              <a:rPr lang="en-US" sz="1200" b="0" dirty="0" smtClean="0"/>
+              <a:t>Experiment 2 – </a:t>
+            </a:r>
+            <a:r>
+              <a:rPr lang="en-US" sz="1200" b="0" dirty="0" smtClean="0"/>
+              <a:t>Even with “</a:t>
+            </a:r>
+            <a:r>
+              <a:rPr lang="en-US" sz="1200" dirty="0" smtClean="0"/>
+              <a:t>ideal” markup, n</a:t>
+            </a:r>
+            <a:r>
+              <a:rPr lang="en-US" sz="1200" b="0" dirty="0" smtClean="0"/>
+              <a:t>o </a:t>
+            </a:r>
+            <a:r>
+              <a:rPr lang="en-US" sz="1200" b="0" dirty="0" smtClean="0"/>
+              <a:t>difference in performance, </a:t>
+            </a:r>
+            <a:r>
+              <a:rPr lang="en-US" sz="1200" b="0" dirty="0" smtClean="0"/>
+              <a:t>but markup </a:t>
+            </a:r>
+            <a:r>
+              <a:rPr lang="en-US" sz="1200" b="0" dirty="0" smtClean="0"/>
+              <a:t>preferred.</a:t>
+            </a:r>
+          </a:p>
+          <a:p>
+            <a:endParaRPr lang="en-US" b="0" dirty="0" smtClean="0"/>
+          </a:p>
+          <a:p>
+            <a:r>
+              <a:rPr lang="en-US" b="0" dirty="0" smtClean="0"/>
+              <a:t>Warning to researchers trusting that automated IE will be helpful to end user</a:t>
+            </a:r>
+          </a:p>
+          <a:p>
+            <a:endParaRPr lang="en-US" b="0" dirty="0" smtClean="0"/>
+          </a:p>
+          <a:p>
+            <a:r>
+              <a:rPr lang="en-US" b="0" dirty="0" smtClean="0"/>
+              <a:t>Objective performance vs. Subjective experience</a:t>
+            </a:r>
+          </a:p>
+          <a:p>
+            <a:pPr lvl="1"/>
+            <a:r>
+              <a:rPr lang="en-US" sz="1200" b="0" dirty="0" smtClean="0"/>
+              <a:t>Even if markup does lead to better performance, it may improve/hurt experience</a:t>
+            </a:r>
+          </a:p>
+          <a:p>
+            <a:endParaRPr lang="en-US" b="0" dirty="0" smtClean="0"/>
+          </a:p>
+          <a:p>
+            <a:r>
+              <a:rPr lang="en-US" b="0" dirty="0" smtClean="0"/>
+              <a:t>Trust in automation</a:t>
+            </a:r>
+          </a:p>
+          <a:p>
+            <a:pPr lvl="1"/>
+            <a:r>
+              <a:rPr lang="en-US" sz="1200" dirty="0" smtClean="0"/>
+              <a:t>Correlation with preference</a:t>
+            </a:r>
+          </a:p>
+          <a:p>
+            <a:pPr lvl="1"/>
+            <a:endParaRPr lang="en-US" sz="1200" b="0" dirty="0" smtClean="0"/>
+          </a:p>
+          <a:p>
+            <a:endParaRPr lang="en-US" b="0" dirty="0" smtClean="0"/>
+          </a:p>
+          <a:p>
+            <a:r>
+              <a:rPr lang="en-US" b="0" dirty="0" smtClean="0"/>
+              <a:t>Filtering</a:t>
+            </a:r>
+            <a:endParaRPr lang="en-US" b="0" dirty="0" smtClean="0"/>
+          </a:p>
+          <a:p>
+            <a:pPr lvl="1"/>
+            <a:r>
+              <a:rPr lang="en-US" sz="1200" b="0" dirty="0" smtClean="0"/>
+              <a:t>These </a:t>
+            </a:r>
+            <a:r>
+              <a:rPr lang="en-US" sz="1200" b="0" dirty="0"/>
+              <a:t>were responses that were too quick to represent true attempts to read the texts and identify the hypothetical adversary </a:t>
+            </a:r>
+            <a:r>
+              <a:rPr lang="en-US" sz="1200" b="0" dirty="0" smtClean="0"/>
+              <a:t>attack.</a:t>
+            </a:r>
+          </a:p>
+          <a:p>
+            <a:pPr lvl="1"/>
+            <a:r>
+              <a:rPr lang="en-US" sz="1200" b="0" dirty="0" smtClean="0"/>
+              <a:t>These </a:t>
+            </a:r>
+            <a:r>
+              <a:rPr lang="en-US" sz="1200" b="0" dirty="0"/>
+              <a:t>participants </a:t>
+            </a:r>
+            <a:r>
+              <a:rPr lang="en-US" sz="1200" b="0" dirty="0" smtClean="0"/>
+              <a:t>were </a:t>
+            </a:r>
+            <a:r>
+              <a:rPr lang="en-US" sz="1200" b="0" dirty="0"/>
+              <a:t>roughly twice as likely to report that English was not their native </a:t>
+            </a:r>
+            <a:r>
+              <a:rPr lang="en-US" sz="1200" b="0" dirty="0" smtClean="0"/>
+              <a:t>language, often </a:t>
+            </a:r>
+            <a:r>
+              <a:rPr lang="en-US" sz="1200" b="0" dirty="0"/>
+              <a:t>provided incoherent free-text strategy descriptions. </a:t>
+            </a:r>
+            <a:endParaRPr lang="en-US" sz="1200" b="0" dirty="0" smtClean="0"/>
+          </a:p>
+          <a:p>
+            <a:pPr lvl="1"/>
+            <a:r>
+              <a:rPr lang="en-US" sz="1200" b="0" dirty="0" smtClean="0"/>
+              <a:t>Are </a:t>
+            </a:r>
+            <a:r>
+              <a:rPr lang="en-US" sz="1200" b="0" dirty="0" err="1" smtClean="0"/>
+              <a:t>Turkers</a:t>
+            </a:r>
+            <a:r>
+              <a:rPr lang="en-US" sz="1200" b="0" dirty="0" smtClean="0"/>
+              <a:t> </a:t>
+            </a:r>
+            <a:r>
+              <a:rPr lang="en-US" sz="1200" b="0" dirty="0"/>
+              <a:t>generally not willing to put in the work necessary to do well at this </a:t>
+            </a:r>
+            <a:r>
+              <a:rPr lang="en-US" sz="1200" b="0" dirty="0" smtClean="0"/>
+              <a:t>task?</a:t>
+            </a:r>
+          </a:p>
+          <a:p>
+            <a:pPr lvl="2"/>
+            <a:r>
+              <a:rPr lang="en-US" sz="1050" dirty="0" smtClean="0"/>
+              <a:t>This population</a:t>
+            </a:r>
+            <a:r>
+              <a:rPr lang="en-US" sz="1050" b="0" dirty="0" smtClean="0"/>
+              <a:t> </a:t>
+            </a:r>
+            <a:r>
+              <a:rPr lang="en-US" sz="1050" b="0" dirty="0"/>
+              <a:t>does not necessarily predict the performance of any other population, </a:t>
+            </a:r>
+            <a:r>
+              <a:rPr lang="en-US" sz="1050" b="0" dirty="0" smtClean="0"/>
+              <a:t>important </a:t>
+            </a:r>
+            <a:r>
+              <a:rPr lang="en-US" sz="1050" b="0" dirty="0"/>
+              <a:t>to include the specific intended end user in the testing cycle.</a:t>
+            </a:r>
+          </a:p>
+          <a:p>
+            <a:endParaRPr lang="en-US" b="0" dirty="0"/>
+          </a:p>
+        </p:txBody>
+      </p:sp>
+      <p:sp>
+        <p:nvSpPr>
+          <p:cNvPr id="3" name="Title 2"/>
+          <p:cNvSpPr>
+            <a:spLocks noGrp="1"/>
+          </p:cNvSpPr>
+          <p:nvPr>
+            <p:ph type="title"/>
+          </p:nvPr>
+        </p:nvSpPr>
+        <p:spPr/>
+        <p:txBody>
+          <a:bodyPr/>
+          <a:lstStyle/>
+          <a:p>
+            <a:r>
+              <a:rPr lang="en-US" dirty="0" smtClean="0"/>
+              <a:t>Discussion</a:t>
+            </a:r>
+            <a:endParaRPr lang="en-US" dirty="0"/>
+          </a:p>
+        </p:txBody>
+      </p:sp>
+    </p:spTree>
+    <p:extLst>
+      <p:ext uri="{BB962C8B-B14F-4D97-AF65-F5344CB8AC3E}">
+        <p14:creationId xmlns:p14="http://schemas.microsoft.com/office/powerpoint/2010/main" val="2599652663"/>
       </p:ext>
     </p:extLst>
   </p:cSld>
@@ -16962,7 +17360,7 @@
       </p:grpSpPr>
       <p:sp>
         <p:nvSpPr>
-          <p:cNvPr id="2" name="Content Placeholder 1"/>
+          <p:cNvPr id="4" name="Content Placeholder 3"/>
           <p:cNvSpPr>
             <a:spLocks noGrp="1"/>
           </p:cNvSpPr>
@@ -16975,101 +17373,33 @@
           <a:bodyPr/>
           <a:lstStyle/>
           <a:p>
-            <a:r>
-              <a:rPr lang="en-US" sz="1200" b="0" dirty="0"/>
-              <a:t>Experiment 1 asked participants to uncover hypothetical adversary attacks described in text documents with and without markup from an existing IE pipeline and found that, instead of helping, markup hurt performance and was </a:t>
-            </a:r>
-            <a:r>
-              <a:rPr lang="en-US" sz="1200" b="0" dirty="0" err="1"/>
-              <a:t>dispreferred</a:t>
-            </a:r>
-            <a:r>
-              <a:rPr lang="en-US" sz="1200" b="0" dirty="0"/>
-              <a:t> to plain text. </a:t>
-            </a:r>
-            <a:endParaRPr lang="en-US" sz="1200" b="0" dirty="0" smtClean="0"/>
-          </a:p>
-          <a:p>
-            <a:r>
-              <a:rPr lang="en-US" sz="1200" b="0" dirty="0" smtClean="0"/>
-              <a:t>While </a:t>
-            </a:r>
-            <a:r>
-              <a:rPr lang="en-US" sz="1200" b="0" dirty="0"/>
-              <a:t>the markup used in Experiment 2 was hand-generated to be as helpful but realistic as possible, it still did not lead to better performance than plain text. </a:t>
-            </a:r>
-            <a:endParaRPr lang="en-US" sz="1200" b="0" dirty="0" smtClean="0"/>
-          </a:p>
-          <a:p>
-            <a:r>
-              <a:rPr lang="en-US" sz="1200" b="0" dirty="0" smtClean="0"/>
-              <a:t>This </a:t>
-            </a:r>
-            <a:r>
-              <a:rPr lang="en-US" sz="1200" b="0" dirty="0"/>
-              <a:t>is an important warning to researchers trusting that actual automated markup will be helpful. This markup, however, was overall preferred to plain text, which is valuable for the overall user experience. </a:t>
-            </a:r>
-          </a:p>
-          <a:p>
-            <a:r>
-              <a:rPr lang="en-US" sz="1200" b="0" dirty="0"/>
-              <a:t>These results also emphasize that the trust in the automation that is used in an IE pipeline may be important for user experience and for encouraging users to opt to use these pipelines. However, the link between trust in automation and objective performance measures in the current study is very small, and experiments like this demonstrate that the automation need not improve performance. Much remains to be understood about the gap between IE technology and its human user for this technology to truly support human-computer interaction.</a:t>
-            </a:r>
-          </a:p>
-          <a:p>
-            <a:endParaRPr lang="en-US" sz="1200" b="0" dirty="0" smtClean="0"/>
-          </a:p>
-          <a:p>
-            <a:r>
-              <a:rPr lang="en-US" sz="1200" b="0" dirty="0" smtClean="0"/>
-              <a:t>An </a:t>
-            </a:r>
-            <a:r>
-              <a:rPr lang="en-US" sz="1200" b="0" dirty="0"/>
-              <a:t>additional consideration was highlighted by the unexpectedly high number of low-quality responses. </a:t>
-            </a:r>
-            <a:endParaRPr lang="en-US" sz="1200" b="0" dirty="0" smtClean="0"/>
+            <a:pPr lvl="0"/>
+            <a:r>
+              <a:rPr lang="en-US" dirty="0" smtClean="0"/>
+              <a:t>Coauthors</a:t>
+            </a:r>
           </a:p>
           <a:p>
             <a:pPr lvl="1"/>
             <a:r>
-              <a:rPr lang="en-US" sz="1000" b="0" dirty="0" smtClean="0"/>
-              <a:t>These </a:t>
-            </a:r>
-            <a:r>
-              <a:rPr lang="en-US" sz="1000" b="0" dirty="0"/>
-              <a:t>were responses that were too quick to represent true attempts to read the texts and identify the hypothetical adversary </a:t>
-            </a:r>
-            <a:r>
-              <a:rPr lang="en-US" sz="1000" b="0" dirty="0" smtClean="0"/>
-              <a:t>attack.</a:t>
+              <a:rPr lang="en-US" dirty="0" smtClean="0"/>
+              <a:t>Justine Caylor</a:t>
             </a:r>
           </a:p>
           <a:p>
             <a:pPr lvl="1"/>
             <a:r>
-              <a:rPr lang="en-US" sz="1000" b="0" dirty="0" smtClean="0"/>
-              <a:t>The </a:t>
-            </a:r>
-            <a:r>
-              <a:rPr lang="en-US" sz="1000" b="0" dirty="0"/>
-              <a:t>participants providing these responses were roughly twice as likely to report that English was not their native language (11/27 Non-native English speakers were filtered versus 39/172 native English speakers, shown in Table 3), and they often provided incoherent free-text strategy descriptions. </a:t>
-            </a:r>
-            <a:endParaRPr lang="en-US" sz="1000" b="0" dirty="0" smtClean="0"/>
+              <a:rPr lang="en-US" dirty="0" smtClean="0"/>
+              <a:t>Michelle Vanni</a:t>
+            </a:r>
           </a:p>
           <a:p>
             <a:pPr lvl="1"/>
             <a:r>
-              <a:rPr lang="en-US" sz="1000" b="0" dirty="0" smtClean="0"/>
-              <a:t>This </a:t>
-            </a:r>
-            <a:r>
-              <a:rPr lang="en-US" sz="1000" b="0" dirty="0"/>
-              <a:t>might indicate that workers on Mechanical Turk are generally not willing to put in the work necessary to do well at this task. However, regardless of their performance, this population of workers does not necessarily predict the performance of any other population, importantly, intelligence analysts. While workers on Mechanical Turk can be helpful due to their availability, it is important to include the specific intended end user in the testing cycle.</a:t>
-            </a:r>
-          </a:p>
-          <a:p>
-            <a:endParaRPr lang="en-US" sz="1200" b="0" dirty="0"/>
+              <a:rPr lang="en-US" dirty="0" smtClean="0"/>
+              <a:t>Sue Kase</a:t>
+            </a:r>
+            <a:endParaRPr lang="en-US" dirty="0" smtClean="0"/>
           </a:p>
         </p:txBody>
       </p:sp>
@@ -17090,7 +17420,7 @@
           <a:p>
             <a:r>
               <a:rPr lang="en-US" dirty="0" smtClean="0"/>
-              <a:t>Discussion</a:t>
+              <a:t>Thanks!</a:t>
             </a:r>
             <a:endParaRPr lang="en-US" dirty="0"/>
           </a:p>
@@ -17099,13 +17429,20 @@
     </p:spTree>
     <p:extLst>
       <p:ext uri="{BB962C8B-B14F-4D97-AF65-F5344CB8AC3E}">
-        <p14:creationId xmlns:p14="http://schemas.microsoft.com/office/powerpoint/2010/main" val="2599652663"/>
+        <p14:creationId xmlns:p14="http://schemas.microsoft.com/office/powerpoint/2010/main" val="7909613"/>
       </p:ext>
     </p:extLst>
   </p:cSld>
   <p:clrMapOvr>
     <a:masterClrMapping/>
   </p:clrMapOvr>
+  <p:timing>
+    <p:tnLst>
+      <p:par>
+        <p:cTn id="1" dur="indefinite" restart="never" nodeType="tmRoot"/>
+      </p:par>
+    </p:tnLst>
+  </p:timing>
 </p:sld>
 </file>
 
@@ -17128,72 +17465,6 @@
       </p:grpSpPr>
       <p:sp>
         <p:nvSpPr>
-          <p:cNvPr id="4" name="Content Placeholder 3"/>
-          <p:cNvSpPr>
-            <a:spLocks noGrp="1"/>
-          </p:cNvSpPr>
-          <p:nvPr>
-            <p:ph idx="1"/>
-          </p:nvPr>
-        </p:nvSpPr>
-        <p:spPr/>
-        <p:txBody>
-          <a:bodyPr/>
-          <a:lstStyle/>
-          <a:p>
-            <a:pPr lvl="0"/>
-            <a:r>
-              <a:rPr lang="en-US" dirty="0"/>
-              <a:t>First level bullet</a:t>
-            </a:r>
-          </a:p>
-          <a:p>
-            <a:pPr lvl="1"/>
-            <a:r>
-              <a:rPr lang="en-US" dirty="0"/>
-              <a:t>Second level bullet</a:t>
-            </a:r>
-          </a:p>
-          <a:p>
-            <a:pPr lvl="2"/>
-            <a:r>
-              <a:rPr lang="en-US" dirty="0"/>
-              <a:t>Third level </a:t>
-            </a:r>
-            <a:r>
-              <a:rPr lang="en-US" dirty="0" smtClean="0"/>
-              <a:t>bullet</a:t>
-            </a:r>
-          </a:p>
-          <a:p>
-            <a:pPr lvl="0"/>
-            <a:r>
-              <a:rPr lang="en-US" dirty="0"/>
-              <a:t>First level bullet</a:t>
-            </a:r>
-          </a:p>
-          <a:p>
-            <a:pPr lvl="1"/>
-            <a:r>
-              <a:rPr lang="en-US" dirty="0"/>
-              <a:t>Second level bullet</a:t>
-            </a:r>
-          </a:p>
-          <a:p>
-            <a:pPr lvl="2"/>
-            <a:r>
-              <a:rPr lang="en-US" dirty="0"/>
-              <a:t>Third level </a:t>
-            </a:r>
-            <a:r>
-              <a:rPr lang="en-US" dirty="0" smtClean="0"/>
-              <a:t>bullet</a:t>
-            </a:r>
-          </a:p>
-        </p:txBody>
-      </p:sp>
-      <p:sp>
-        <p:nvSpPr>
           <p:cNvPr id="3" name="Title 2"/>
           <p:cNvSpPr>
             <a:spLocks noGrp="1"/>
@@ -17208,34 +17479,1654 @@
           <a:lstStyle/>
           <a:p>
             <a:r>
-              <a:rPr lang="en-US" dirty="0"/>
-              <a:t>SLIDE TITLE GOES </a:t>
-            </a:r>
-            <a:r>
               <a:rPr lang="en-US" dirty="0" smtClean="0"/>
-              <a:t>HERE</a:t>
+              <a:t>Preference</a:t>
             </a:r>
             <a:endParaRPr lang="en-US" dirty="0"/>
+          </a:p>
+        </p:txBody>
+      </p:sp>
+      <p:graphicFrame>
+        <p:nvGraphicFramePr>
+          <p:cNvPr id="4" name="Table 3"/>
+          <p:cNvGraphicFramePr>
+            <a:graphicFrameLocks noGrp="1"/>
+          </p:cNvGraphicFramePr>
+          <p:nvPr>
+            <p:extLst>
+              <p:ext uri="{D42A27DB-BD31-4B8C-83A1-F6EECF244321}">
+                <p14:modId xmlns:p14="http://schemas.microsoft.com/office/powerpoint/2010/main" val="894553032"/>
+              </p:ext>
+            </p:extLst>
+          </p:nvPr>
+        </p:nvGraphicFramePr>
+        <p:xfrm>
+          <a:off x="4839802" y="3507379"/>
+          <a:ext cx="3088005" cy="960120"/>
+        </p:xfrm>
+        <a:graphic>
+          <a:graphicData uri="http://schemas.openxmlformats.org/drawingml/2006/table">
+            <a:tbl>
+              <a:tblPr>
+                <a:tableStyleId>{9D7B26C5-4107-4FEC-AEDC-1716B250A1EF}</a:tableStyleId>
+              </a:tblPr>
+              <a:tblGrid>
+                <a:gridCol w="722630"/>
+                <a:gridCol w="420370"/>
+                <a:gridCol w="571500"/>
+                <a:gridCol w="548005"/>
+                <a:gridCol w="825500"/>
+              </a:tblGrid>
+              <a:tr h="0">
+                <a:tc>
+                  <a:txBody>
+                    <a:bodyPr/>
+                    <a:lstStyle/>
+                    <a:p>
+                      <a:pPr marL="0" marR="0" indent="0" algn="just">
+                        <a:spcBef>
+                          <a:spcPts val="0"/>
+                        </a:spcBef>
+                        <a:spcAft>
+                          <a:spcPts val="0"/>
+                        </a:spcAft>
+                      </a:pPr>
+                      <a:r>
+                        <a:rPr lang="en-US" sz="900" dirty="0">
+                          <a:effectLst/>
+                        </a:rPr>
+                        <a:t>Preference</a:t>
+                      </a:r>
+                      <a:endParaRPr lang="en-US" sz="1000" dirty="0">
+                        <a:effectLst/>
+                        <a:latin typeface="Times" panose="02020603050405020304" pitchFamily="18" charset="0"/>
+                        <a:ea typeface="Times New Roman" panose="02020603050405020304" pitchFamily="18" charset="0"/>
+                        <a:cs typeface="Times New Roman" panose="02020603050405020304" pitchFamily="18" charset="0"/>
+                      </a:endParaRPr>
+                    </a:p>
+                  </a:txBody>
+                  <a:tcPr marL="44450" marR="44450" marT="0" marB="0"/>
+                </a:tc>
+                <a:tc>
+                  <a:txBody>
+                    <a:bodyPr/>
+                    <a:lstStyle/>
+                    <a:p>
+                      <a:pPr marL="0" marR="0" indent="0" algn="ctr">
+                        <a:spcBef>
+                          <a:spcPts val="0"/>
+                        </a:spcBef>
+                        <a:spcAft>
+                          <a:spcPts val="0"/>
+                        </a:spcAft>
+                      </a:pPr>
+                      <a:r>
+                        <a:rPr lang="en-US" sz="900">
+                          <a:effectLst/>
+                        </a:rPr>
+                        <a:t>N</a:t>
+                      </a:r>
+                      <a:endParaRPr lang="en-US" sz="1000">
+                        <a:effectLst/>
+                        <a:latin typeface="Times" panose="02020603050405020304" pitchFamily="18" charset="0"/>
+                        <a:ea typeface="Times New Roman" panose="02020603050405020304" pitchFamily="18" charset="0"/>
+                        <a:cs typeface="Times New Roman" panose="02020603050405020304" pitchFamily="18" charset="0"/>
+                      </a:endParaRPr>
+                    </a:p>
+                  </a:txBody>
+                  <a:tcPr marL="44450" marR="44450" marT="0" marB="0"/>
+                </a:tc>
+                <a:tc>
+                  <a:txBody>
+                    <a:bodyPr/>
+                    <a:lstStyle/>
+                    <a:p>
+                      <a:pPr marL="0" marR="0" indent="0" algn="ctr">
+                        <a:spcBef>
+                          <a:spcPts val="0"/>
+                        </a:spcBef>
+                        <a:spcAft>
+                          <a:spcPts val="0"/>
+                        </a:spcAft>
+                      </a:pPr>
+                      <a:r>
+                        <a:rPr lang="en-US" sz="900">
+                          <a:effectLst/>
+                        </a:rPr>
+                        <a:t>Condition</a:t>
+                      </a:r>
+                      <a:endParaRPr lang="en-US" sz="1000">
+                        <a:effectLst/>
+                        <a:latin typeface="Times" panose="02020603050405020304" pitchFamily="18" charset="0"/>
+                        <a:ea typeface="Times New Roman" panose="02020603050405020304" pitchFamily="18" charset="0"/>
+                        <a:cs typeface="Times New Roman" panose="02020603050405020304" pitchFamily="18" charset="0"/>
+                      </a:endParaRPr>
+                    </a:p>
+                  </a:txBody>
+                  <a:tcPr marL="44450" marR="44450" marT="0" marB="0"/>
+                </a:tc>
+                <a:tc>
+                  <a:txBody>
+                    <a:bodyPr/>
+                    <a:lstStyle/>
+                    <a:p>
+                      <a:pPr marL="0" marR="0" indent="0" algn="ctr">
+                        <a:spcBef>
+                          <a:spcPts val="0"/>
+                        </a:spcBef>
+                        <a:spcAft>
+                          <a:spcPts val="0"/>
+                        </a:spcAft>
+                      </a:pPr>
+                      <a:r>
+                        <a:rPr lang="en-US" sz="900">
+                          <a:effectLst/>
+                        </a:rPr>
+                        <a:t>Median accuracy count</a:t>
+                      </a:r>
+                      <a:endParaRPr lang="en-US" sz="1000">
+                        <a:effectLst/>
+                        <a:latin typeface="Times" panose="02020603050405020304" pitchFamily="18" charset="0"/>
+                        <a:ea typeface="Times New Roman" panose="02020603050405020304" pitchFamily="18" charset="0"/>
+                        <a:cs typeface="Times New Roman" panose="02020603050405020304" pitchFamily="18" charset="0"/>
+                      </a:endParaRPr>
+                    </a:p>
+                  </a:txBody>
+                  <a:tcPr marL="44450" marR="44450" marT="0" marB="0"/>
+                </a:tc>
+                <a:tc>
+                  <a:txBody>
+                    <a:bodyPr/>
+                    <a:lstStyle/>
+                    <a:p>
+                      <a:pPr marL="0" marR="0" indent="0" algn="ctr">
+                        <a:spcBef>
+                          <a:spcPts val="0"/>
+                        </a:spcBef>
+                        <a:spcAft>
+                          <a:spcPts val="0"/>
+                        </a:spcAft>
+                      </a:pPr>
+                      <a:r>
+                        <a:rPr lang="en-US" sz="900">
+                          <a:effectLst/>
+                        </a:rPr>
+                        <a:t>Median response time (min)</a:t>
+                      </a:r>
+                      <a:endParaRPr lang="en-US" sz="1000">
+                        <a:effectLst/>
+                        <a:latin typeface="Times" panose="02020603050405020304" pitchFamily="18" charset="0"/>
+                        <a:ea typeface="Times New Roman" panose="02020603050405020304" pitchFamily="18" charset="0"/>
+                        <a:cs typeface="Times New Roman" panose="02020603050405020304" pitchFamily="18" charset="0"/>
+                      </a:endParaRPr>
+                    </a:p>
+                  </a:txBody>
+                  <a:tcPr marL="44450" marR="44450" marT="0" marB="0"/>
+                </a:tc>
+              </a:tr>
+              <a:tr h="0">
+                <a:tc>
+                  <a:txBody>
+                    <a:bodyPr/>
+                    <a:lstStyle/>
+                    <a:p>
+                      <a:pPr marL="0" marR="0" indent="0" algn="just">
+                        <a:spcBef>
+                          <a:spcPts val="0"/>
+                        </a:spcBef>
+                        <a:spcAft>
+                          <a:spcPts val="0"/>
+                        </a:spcAft>
+                      </a:pPr>
+                      <a:r>
+                        <a:rPr lang="en-US" sz="900" dirty="0" smtClean="0">
+                          <a:effectLst/>
+                        </a:rPr>
+                        <a:t>Plain</a:t>
+                      </a:r>
+                      <a:endParaRPr lang="en-US" sz="1000" dirty="0">
+                        <a:effectLst/>
+                        <a:latin typeface="Times" panose="02020603050405020304" pitchFamily="18" charset="0"/>
+                        <a:ea typeface="Times New Roman" panose="02020603050405020304" pitchFamily="18" charset="0"/>
+                        <a:cs typeface="Times New Roman" panose="02020603050405020304" pitchFamily="18" charset="0"/>
+                      </a:endParaRPr>
+                    </a:p>
+                  </a:txBody>
+                  <a:tcPr marL="44450" marR="44450" marT="0" marB="0"/>
+                </a:tc>
+                <a:tc>
+                  <a:txBody>
+                    <a:bodyPr/>
+                    <a:lstStyle/>
+                    <a:p>
+                      <a:pPr marL="0" marR="0" indent="0" algn="ctr">
+                        <a:spcBef>
+                          <a:spcPts val="0"/>
+                        </a:spcBef>
+                        <a:spcAft>
+                          <a:spcPts val="0"/>
+                        </a:spcAft>
+                      </a:pPr>
+                      <a:r>
+                        <a:rPr lang="en-US" sz="900" dirty="0" smtClean="0">
+                          <a:effectLst/>
+                        </a:rPr>
+                        <a:t>70</a:t>
+                      </a:r>
+                      <a:endParaRPr lang="en-US" sz="1000" dirty="0">
+                        <a:effectLst/>
+                        <a:latin typeface="Times" panose="02020603050405020304" pitchFamily="18" charset="0"/>
+                        <a:ea typeface="Times New Roman" panose="02020603050405020304" pitchFamily="18" charset="0"/>
+                        <a:cs typeface="Times New Roman" panose="02020603050405020304" pitchFamily="18" charset="0"/>
+                      </a:endParaRPr>
+                    </a:p>
+                  </a:txBody>
+                  <a:tcPr marL="44450" marR="44450" marT="0" marB="0"/>
+                </a:tc>
+                <a:tc>
+                  <a:txBody>
+                    <a:bodyPr/>
+                    <a:lstStyle/>
+                    <a:p>
+                      <a:pPr marL="0" marR="0" indent="0" algn="ctr">
+                        <a:spcBef>
+                          <a:spcPts val="0"/>
+                        </a:spcBef>
+                        <a:spcAft>
+                          <a:spcPts val="0"/>
+                        </a:spcAft>
+                      </a:pPr>
+                      <a:r>
+                        <a:rPr lang="en-US" sz="900" dirty="0">
+                          <a:effectLst/>
+                        </a:rPr>
+                        <a:t>Plain</a:t>
+                      </a:r>
+                      <a:endParaRPr lang="en-US" sz="1000" dirty="0">
+                        <a:effectLst/>
+                        <a:latin typeface="Times" panose="02020603050405020304" pitchFamily="18" charset="0"/>
+                        <a:ea typeface="Times New Roman" panose="02020603050405020304" pitchFamily="18" charset="0"/>
+                        <a:cs typeface="Times New Roman" panose="02020603050405020304" pitchFamily="18" charset="0"/>
+                      </a:endParaRPr>
+                    </a:p>
+                  </a:txBody>
+                  <a:tcPr marL="44450" marR="44450" marT="0" marB="0"/>
+                </a:tc>
+                <a:tc>
+                  <a:txBody>
+                    <a:bodyPr/>
+                    <a:lstStyle/>
+                    <a:p>
+                      <a:pPr marL="0" marR="0" indent="0" algn="ctr">
+                        <a:spcBef>
+                          <a:spcPts val="0"/>
+                        </a:spcBef>
+                        <a:spcAft>
+                          <a:spcPts val="0"/>
+                        </a:spcAft>
+                      </a:pPr>
+                      <a:r>
+                        <a:rPr lang="en-US" sz="900" dirty="0">
+                          <a:effectLst/>
+                        </a:rPr>
+                        <a:t>6</a:t>
+                      </a:r>
+                      <a:endParaRPr lang="en-US" sz="1000" dirty="0">
+                        <a:effectLst/>
+                        <a:latin typeface="Times" panose="02020603050405020304" pitchFamily="18" charset="0"/>
+                        <a:ea typeface="Times New Roman" panose="02020603050405020304" pitchFamily="18" charset="0"/>
+                        <a:cs typeface="Times New Roman" panose="02020603050405020304" pitchFamily="18" charset="0"/>
+                      </a:endParaRPr>
+                    </a:p>
+                  </a:txBody>
+                  <a:tcPr marL="44450" marR="44450" marT="0" marB="0"/>
+                </a:tc>
+                <a:tc>
+                  <a:txBody>
+                    <a:bodyPr/>
+                    <a:lstStyle/>
+                    <a:p>
+                      <a:pPr marL="0" marR="0" indent="0" algn="ctr">
+                        <a:spcBef>
+                          <a:spcPts val="0"/>
+                        </a:spcBef>
+                        <a:spcAft>
+                          <a:spcPts val="0"/>
+                        </a:spcAft>
+                      </a:pPr>
+                      <a:r>
+                        <a:rPr lang="en-US" sz="900" dirty="0" smtClean="0">
+                          <a:effectLst/>
+                        </a:rPr>
+                        <a:t>7.00</a:t>
+                      </a:r>
+                      <a:endParaRPr lang="en-US" sz="1000" dirty="0">
+                        <a:effectLst/>
+                        <a:latin typeface="Times" panose="02020603050405020304" pitchFamily="18" charset="0"/>
+                        <a:ea typeface="Times New Roman" panose="02020603050405020304" pitchFamily="18" charset="0"/>
+                        <a:cs typeface="Times New Roman" panose="02020603050405020304" pitchFamily="18" charset="0"/>
+                      </a:endParaRPr>
+                    </a:p>
+                  </a:txBody>
+                  <a:tcPr marL="44450" marR="44450" marT="0" marB="0"/>
+                </a:tc>
+              </a:tr>
+              <a:tr h="0">
+                <a:tc>
+                  <a:txBody>
+                    <a:bodyPr/>
+                    <a:lstStyle/>
+                    <a:p>
+                      <a:pPr marL="0" marR="0" indent="0" algn="just">
+                        <a:spcBef>
+                          <a:spcPts val="0"/>
+                        </a:spcBef>
+                        <a:spcAft>
+                          <a:spcPts val="0"/>
+                        </a:spcAft>
+                      </a:pPr>
+                      <a:r>
+                        <a:rPr lang="en-US" sz="900">
+                          <a:effectLst/>
+                        </a:rPr>
+                        <a:t> </a:t>
+                      </a:r>
+                      <a:endParaRPr lang="en-US" sz="1000">
+                        <a:effectLst/>
+                        <a:latin typeface="Times" panose="02020603050405020304" pitchFamily="18" charset="0"/>
+                        <a:ea typeface="Times New Roman" panose="02020603050405020304" pitchFamily="18" charset="0"/>
+                        <a:cs typeface="Times New Roman" panose="02020603050405020304" pitchFamily="18" charset="0"/>
+                      </a:endParaRPr>
+                    </a:p>
+                  </a:txBody>
+                  <a:tcPr marL="44450" marR="44450" marT="0" marB="0"/>
+                </a:tc>
+                <a:tc>
+                  <a:txBody>
+                    <a:bodyPr/>
+                    <a:lstStyle/>
+                    <a:p>
+                      <a:pPr marL="0" marR="0" indent="0" algn="ctr">
+                        <a:spcBef>
+                          <a:spcPts val="0"/>
+                        </a:spcBef>
+                        <a:spcAft>
+                          <a:spcPts val="0"/>
+                        </a:spcAft>
+                      </a:pPr>
+                      <a:r>
+                        <a:rPr lang="en-US" sz="900">
+                          <a:effectLst/>
+                        </a:rPr>
+                        <a:t> </a:t>
+                      </a:r>
+                      <a:endParaRPr lang="en-US" sz="1000">
+                        <a:effectLst/>
+                        <a:latin typeface="Times" panose="02020603050405020304" pitchFamily="18" charset="0"/>
+                        <a:ea typeface="Times New Roman" panose="02020603050405020304" pitchFamily="18" charset="0"/>
+                        <a:cs typeface="Times New Roman" panose="02020603050405020304" pitchFamily="18" charset="0"/>
+                      </a:endParaRPr>
+                    </a:p>
+                  </a:txBody>
+                  <a:tcPr marL="44450" marR="44450" marT="0" marB="0"/>
+                </a:tc>
+                <a:tc>
+                  <a:txBody>
+                    <a:bodyPr/>
+                    <a:lstStyle/>
+                    <a:p>
+                      <a:pPr marL="0" marR="0" indent="0" algn="ctr">
+                        <a:spcBef>
+                          <a:spcPts val="0"/>
+                        </a:spcBef>
+                        <a:spcAft>
+                          <a:spcPts val="0"/>
+                        </a:spcAft>
+                      </a:pPr>
+                      <a:r>
+                        <a:rPr lang="en-US" sz="900">
+                          <a:effectLst/>
+                        </a:rPr>
+                        <a:t>Markup</a:t>
+                      </a:r>
+                      <a:endParaRPr lang="en-US" sz="1000">
+                        <a:effectLst/>
+                        <a:latin typeface="Times" panose="02020603050405020304" pitchFamily="18" charset="0"/>
+                        <a:ea typeface="Times New Roman" panose="02020603050405020304" pitchFamily="18" charset="0"/>
+                        <a:cs typeface="Times New Roman" panose="02020603050405020304" pitchFamily="18" charset="0"/>
+                      </a:endParaRPr>
+                    </a:p>
+                  </a:txBody>
+                  <a:tcPr marL="44450" marR="44450" marT="0" marB="0"/>
+                </a:tc>
+                <a:tc>
+                  <a:txBody>
+                    <a:bodyPr/>
+                    <a:lstStyle/>
+                    <a:p>
+                      <a:pPr marL="0" marR="0" indent="0" algn="ctr">
+                        <a:spcBef>
+                          <a:spcPts val="0"/>
+                        </a:spcBef>
+                        <a:spcAft>
+                          <a:spcPts val="0"/>
+                        </a:spcAft>
+                      </a:pPr>
+                      <a:r>
+                        <a:rPr lang="en-US" sz="900" dirty="0" smtClean="0">
+                          <a:effectLst/>
+                        </a:rPr>
+                        <a:t>5</a:t>
+                      </a:r>
+                      <a:endParaRPr lang="en-US" sz="1000" dirty="0">
+                        <a:effectLst/>
+                        <a:latin typeface="Times" panose="02020603050405020304" pitchFamily="18" charset="0"/>
+                        <a:ea typeface="Times New Roman" panose="02020603050405020304" pitchFamily="18" charset="0"/>
+                        <a:cs typeface="Times New Roman" panose="02020603050405020304" pitchFamily="18" charset="0"/>
+                      </a:endParaRPr>
+                    </a:p>
+                  </a:txBody>
+                  <a:tcPr marL="44450" marR="44450" marT="0" marB="0"/>
+                </a:tc>
+                <a:tc>
+                  <a:txBody>
+                    <a:bodyPr/>
+                    <a:lstStyle/>
+                    <a:p>
+                      <a:pPr marL="0" marR="0" indent="0" algn="ctr">
+                        <a:spcBef>
+                          <a:spcPts val="0"/>
+                        </a:spcBef>
+                        <a:spcAft>
+                          <a:spcPts val="0"/>
+                        </a:spcAft>
+                      </a:pPr>
+                      <a:r>
+                        <a:rPr lang="en-US" sz="900" dirty="0" smtClean="0">
+                          <a:effectLst/>
+                        </a:rPr>
+                        <a:t>8.11</a:t>
+                      </a:r>
+                      <a:endParaRPr lang="en-US" sz="1000" dirty="0">
+                        <a:effectLst/>
+                        <a:latin typeface="Times" panose="02020603050405020304" pitchFamily="18" charset="0"/>
+                        <a:ea typeface="Times New Roman" panose="02020603050405020304" pitchFamily="18" charset="0"/>
+                        <a:cs typeface="Times New Roman" panose="02020603050405020304" pitchFamily="18" charset="0"/>
+                      </a:endParaRPr>
+                    </a:p>
+                  </a:txBody>
+                  <a:tcPr marL="44450" marR="44450" marT="0" marB="0"/>
+                </a:tc>
+              </a:tr>
+              <a:tr h="0">
+                <a:tc>
+                  <a:txBody>
+                    <a:bodyPr/>
+                    <a:lstStyle/>
+                    <a:p>
+                      <a:pPr marL="0" marR="0" indent="0" algn="just">
+                        <a:spcBef>
+                          <a:spcPts val="0"/>
+                        </a:spcBef>
+                        <a:spcAft>
+                          <a:spcPts val="0"/>
+                        </a:spcAft>
+                      </a:pPr>
+                      <a:r>
+                        <a:rPr lang="en-US" sz="900" dirty="0" smtClean="0">
+                          <a:effectLst/>
+                        </a:rPr>
+                        <a:t>Markup</a:t>
+                      </a:r>
+                      <a:endParaRPr lang="en-US" sz="1000" dirty="0">
+                        <a:effectLst/>
+                        <a:latin typeface="Times" panose="02020603050405020304" pitchFamily="18" charset="0"/>
+                        <a:ea typeface="Times New Roman" panose="02020603050405020304" pitchFamily="18" charset="0"/>
+                        <a:cs typeface="Times New Roman" panose="02020603050405020304" pitchFamily="18" charset="0"/>
+                      </a:endParaRPr>
+                    </a:p>
+                  </a:txBody>
+                  <a:tcPr marL="44450" marR="44450" marT="0" marB="0"/>
+                </a:tc>
+                <a:tc>
+                  <a:txBody>
+                    <a:bodyPr/>
+                    <a:lstStyle/>
+                    <a:p>
+                      <a:pPr marL="0" marR="0" indent="0" algn="ctr">
+                        <a:spcBef>
+                          <a:spcPts val="0"/>
+                        </a:spcBef>
+                        <a:spcAft>
+                          <a:spcPts val="0"/>
+                        </a:spcAft>
+                      </a:pPr>
+                      <a:r>
+                        <a:rPr lang="en-US" sz="900" dirty="0" smtClean="0">
+                          <a:effectLst/>
+                        </a:rPr>
+                        <a:t>178</a:t>
+                      </a:r>
+                      <a:endParaRPr lang="en-US" sz="1000" dirty="0">
+                        <a:effectLst/>
+                        <a:latin typeface="Times" panose="02020603050405020304" pitchFamily="18" charset="0"/>
+                        <a:ea typeface="Times New Roman" panose="02020603050405020304" pitchFamily="18" charset="0"/>
+                        <a:cs typeface="Times New Roman" panose="02020603050405020304" pitchFamily="18" charset="0"/>
+                      </a:endParaRPr>
+                    </a:p>
+                  </a:txBody>
+                  <a:tcPr marL="44450" marR="44450" marT="0" marB="0"/>
+                </a:tc>
+                <a:tc>
+                  <a:txBody>
+                    <a:bodyPr/>
+                    <a:lstStyle/>
+                    <a:p>
+                      <a:pPr marL="0" marR="0" indent="0" algn="ctr">
+                        <a:spcBef>
+                          <a:spcPts val="0"/>
+                        </a:spcBef>
+                        <a:spcAft>
+                          <a:spcPts val="0"/>
+                        </a:spcAft>
+                      </a:pPr>
+                      <a:r>
+                        <a:rPr lang="en-US" sz="900">
+                          <a:effectLst/>
+                        </a:rPr>
+                        <a:t>Plain</a:t>
+                      </a:r>
+                      <a:endParaRPr lang="en-US" sz="1000">
+                        <a:effectLst/>
+                        <a:latin typeface="Times" panose="02020603050405020304" pitchFamily="18" charset="0"/>
+                        <a:ea typeface="Times New Roman" panose="02020603050405020304" pitchFamily="18" charset="0"/>
+                        <a:cs typeface="Times New Roman" panose="02020603050405020304" pitchFamily="18" charset="0"/>
+                      </a:endParaRPr>
+                    </a:p>
+                  </a:txBody>
+                  <a:tcPr marL="44450" marR="44450" marT="0" marB="0"/>
+                </a:tc>
+                <a:tc>
+                  <a:txBody>
+                    <a:bodyPr/>
+                    <a:lstStyle/>
+                    <a:p>
+                      <a:pPr marL="0" marR="0" indent="0" algn="ctr">
+                        <a:spcBef>
+                          <a:spcPts val="0"/>
+                        </a:spcBef>
+                        <a:spcAft>
+                          <a:spcPts val="0"/>
+                        </a:spcAft>
+                      </a:pPr>
+                      <a:r>
+                        <a:rPr lang="en-US" sz="900" dirty="0" smtClean="0">
+                          <a:effectLst/>
+                        </a:rPr>
+                        <a:t>5</a:t>
+                      </a:r>
+                      <a:endParaRPr lang="en-US" sz="1000" dirty="0">
+                        <a:effectLst/>
+                        <a:latin typeface="Times" panose="02020603050405020304" pitchFamily="18" charset="0"/>
+                        <a:ea typeface="Times New Roman" panose="02020603050405020304" pitchFamily="18" charset="0"/>
+                        <a:cs typeface="Times New Roman" panose="02020603050405020304" pitchFamily="18" charset="0"/>
+                      </a:endParaRPr>
+                    </a:p>
+                  </a:txBody>
+                  <a:tcPr marL="44450" marR="44450" marT="0" marB="0"/>
+                </a:tc>
+                <a:tc>
+                  <a:txBody>
+                    <a:bodyPr/>
+                    <a:lstStyle/>
+                    <a:p>
+                      <a:pPr marL="0" marR="0" indent="0" algn="ctr">
+                        <a:spcBef>
+                          <a:spcPts val="0"/>
+                        </a:spcBef>
+                        <a:spcAft>
+                          <a:spcPts val="0"/>
+                        </a:spcAft>
+                      </a:pPr>
+                      <a:r>
+                        <a:rPr lang="en-US" sz="900" dirty="0" smtClean="0">
+                          <a:effectLst/>
+                        </a:rPr>
+                        <a:t>4.89</a:t>
+                      </a:r>
+                      <a:endParaRPr lang="en-US" sz="1000" dirty="0">
+                        <a:effectLst/>
+                        <a:latin typeface="Times" panose="02020603050405020304" pitchFamily="18" charset="0"/>
+                        <a:ea typeface="Times New Roman" panose="02020603050405020304" pitchFamily="18" charset="0"/>
+                        <a:cs typeface="Times New Roman" panose="02020603050405020304" pitchFamily="18" charset="0"/>
+                      </a:endParaRPr>
+                    </a:p>
+                  </a:txBody>
+                  <a:tcPr marL="44450" marR="44450" marT="0" marB="0"/>
+                </a:tc>
+              </a:tr>
+              <a:tr h="0">
+                <a:tc>
+                  <a:txBody>
+                    <a:bodyPr/>
+                    <a:lstStyle/>
+                    <a:p>
+                      <a:pPr marL="0" marR="0" indent="0" algn="just">
+                        <a:spcBef>
+                          <a:spcPts val="0"/>
+                        </a:spcBef>
+                        <a:spcAft>
+                          <a:spcPts val="0"/>
+                        </a:spcAft>
+                      </a:pPr>
+                      <a:r>
+                        <a:rPr lang="en-US" sz="900">
+                          <a:effectLst/>
+                        </a:rPr>
+                        <a:t> </a:t>
+                      </a:r>
+                      <a:endParaRPr lang="en-US" sz="1000">
+                        <a:effectLst/>
+                        <a:latin typeface="Times" panose="02020603050405020304" pitchFamily="18" charset="0"/>
+                        <a:ea typeface="Times New Roman" panose="02020603050405020304" pitchFamily="18" charset="0"/>
+                        <a:cs typeface="Times New Roman" panose="02020603050405020304" pitchFamily="18" charset="0"/>
+                      </a:endParaRPr>
+                    </a:p>
+                  </a:txBody>
+                  <a:tcPr marL="44450" marR="44450" marT="0" marB="0"/>
+                </a:tc>
+                <a:tc>
+                  <a:txBody>
+                    <a:bodyPr/>
+                    <a:lstStyle/>
+                    <a:p>
+                      <a:pPr marL="0" marR="0" indent="0" algn="ctr">
+                        <a:spcBef>
+                          <a:spcPts val="0"/>
+                        </a:spcBef>
+                        <a:spcAft>
+                          <a:spcPts val="0"/>
+                        </a:spcAft>
+                      </a:pPr>
+                      <a:r>
+                        <a:rPr lang="en-US" sz="900">
+                          <a:effectLst/>
+                        </a:rPr>
+                        <a:t> </a:t>
+                      </a:r>
+                      <a:endParaRPr lang="en-US" sz="1000">
+                        <a:effectLst/>
+                        <a:latin typeface="Times" panose="02020603050405020304" pitchFamily="18" charset="0"/>
+                        <a:ea typeface="Times New Roman" panose="02020603050405020304" pitchFamily="18" charset="0"/>
+                        <a:cs typeface="Times New Roman" panose="02020603050405020304" pitchFamily="18" charset="0"/>
+                      </a:endParaRPr>
+                    </a:p>
+                  </a:txBody>
+                  <a:tcPr marL="44450" marR="44450" marT="0" marB="0"/>
+                </a:tc>
+                <a:tc>
+                  <a:txBody>
+                    <a:bodyPr/>
+                    <a:lstStyle/>
+                    <a:p>
+                      <a:pPr marL="0" marR="0" indent="0" algn="ctr">
+                        <a:spcBef>
+                          <a:spcPts val="0"/>
+                        </a:spcBef>
+                        <a:spcAft>
+                          <a:spcPts val="0"/>
+                        </a:spcAft>
+                      </a:pPr>
+                      <a:r>
+                        <a:rPr lang="en-US" sz="900">
+                          <a:effectLst/>
+                        </a:rPr>
+                        <a:t>Markup</a:t>
+                      </a:r>
+                      <a:endParaRPr lang="en-US" sz="1000">
+                        <a:effectLst/>
+                        <a:latin typeface="Times" panose="02020603050405020304" pitchFamily="18" charset="0"/>
+                        <a:ea typeface="Times New Roman" panose="02020603050405020304" pitchFamily="18" charset="0"/>
+                        <a:cs typeface="Times New Roman" panose="02020603050405020304" pitchFamily="18" charset="0"/>
+                      </a:endParaRPr>
+                    </a:p>
+                  </a:txBody>
+                  <a:tcPr marL="44450" marR="44450" marT="0" marB="0"/>
+                </a:tc>
+                <a:tc>
+                  <a:txBody>
+                    <a:bodyPr/>
+                    <a:lstStyle/>
+                    <a:p>
+                      <a:pPr marL="0" marR="0" indent="0" algn="ctr">
+                        <a:spcBef>
+                          <a:spcPts val="0"/>
+                        </a:spcBef>
+                        <a:spcAft>
+                          <a:spcPts val="0"/>
+                        </a:spcAft>
+                      </a:pPr>
+                      <a:r>
+                        <a:rPr lang="en-US" sz="900" dirty="0" smtClean="0">
+                          <a:effectLst/>
+                        </a:rPr>
+                        <a:t>6</a:t>
+                      </a:r>
+                      <a:endParaRPr lang="en-US" sz="1000" dirty="0">
+                        <a:effectLst/>
+                        <a:latin typeface="Times" panose="02020603050405020304" pitchFamily="18" charset="0"/>
+                        <a:ea typeface="Times New Roman" panose="02020603050405020304" pitchFamily="18" charset="0"/>
+                        <a:cs typeface="Times New Roman" panose="02020603050405020304" pitchFamily="18" charset="0"/>
+                      </a:endParaRPr>
+                    </a:p>
+                  </a:txBody>
+                  <a:tcPr marL="44450" marR="44450" marT="0" marB="0"/>
+                </a:tc>
+                <a:tc>
+                  <a:txBody>
+                    <a:bodyPr/>
+                    <a:lstStyle/>
+                    <a:p>
+                      <a:pPr marL="0" marR="0" indent="0" algn="ctr">
+                        <a:spcBef>
+                          <a:spcPts val="0"/>
+                        </a:spcBef>
+                        <a:spcAft>
+                          <a:spcPts val="0"/>
+                        </a:spcAft>
+                      </a:pPr>
+                      <a:r>
+                        <a:rPr lang="en-US" sz="900" dirty="0" smtClean="0">
+                          <a:effectLst/>
+                        </a:rPr>
+                        <a:t>6.39</a:t>
+                      </a:r>
+                      <a:endParaRPr lang="en-US" sz="1000" dirty="0">
+                        <a:effectLst/>
+                        <a:latin typeface="Times" panose="02020603050405020304" pitchFamily="18" charset="0"/>
+                        <a:ea typeface="Times New Roman" panose="02020603050405020304" pitchFamily="18" charset="0"/>
+                        <a:cs typeface="Times New Roman" panose="02020603050405020304" pitchFamily="18" charset="0"/>
+                      </a:endParaRPr>
+                    </a:p>
+                  </a:txBody>
+                  <a:tcPr marL="44450" marR="44450" marT="0" marB="0"/>
+                </a:tc>
+              </a:tr>
+            </a:tbl>
+          </a:graphicData>
+        </a:graphic>
+      </p:graphicFrame>
+      <p:sp>
+        <p:nvSpPr>
+          <p:cNvPr id="5" name="TextBox 4"/>
+          <p:cNvSpPr txBox="1"/>
+          <p:nvPr/>
+        </p:nvSpPr>
+        <p:spPr>
+          <a:xfrm>
+            <a:off x="5384173" y="2479962"/>
+            <a:ext cx="1999265" cy="461665"/>
+          </a:xfrm>
+          <a:prstGeom prst="rect">
+            <a:avLst/>
+          </a:prstGeom>
+          <a:noFill/>
+        </p:spPr>
+        <p:txBody>
+          <a:bodyPr wrap="none" rtlCol="0">
+            <a:spAutoFit/>
+          </a:bodyPr>
+          <a:lstStyle/>
+          <a:p>
+            <a:r>
+              <a:rPr lang="en-US" dirty="0" smtClean="0"/>
+              <a:t>Experiment 2</a:t>
+            </a:r>
+            <a:endParaRPr lang="en-US" dirty="0"/>
+          </a:p>
+        </p:txBody>
+      </p:sp>
+      <p:sp>
+        <p:nvSpPr>
+          <p:cNvPr id="6" name="TextBox 5"/>
+          <p:cNvSpPr txBox="1"/>
+          <p:nvPr/>
+        </p:nvSpPr>
+        <p:spPr>
+          <a:xfrm>
+            <a:off x="1442419" y="2479961"/>
+            <a:ext cx="1999265" cy="461665"/>
+          </a:xfrm>
+          <a:prstGeom prst="rect">
+            <a:avLst/>
+          </a:prstGeom>
+          <a:noFill/>
+        </p:spPr>
+        <p:txBody>
+          <a:bodyPr wrap="none" rtlCol="0">
+            <a:spAutoFit/>
+          </a:bodyPr>
+          <a:lstStyle/>
+          <a:p>
+            <a:r>
+              <a:rPr lang="en-US" dirty="0" smtClean="0"/>
+              <a:t>Experiment 1</a:t>
+            </a:r>
+            <a:endParaRPr lang="en-US" dirty="0"/>
+          </a:p>
+        </p:txBody>
+      </p:sp>
+      <p:graphicFrame>
+        <p:nvGraphicFramePr>
+          <p:cNvPr id="7" name="Table 6"/>
+          <p:cNvGraphicFramePr>
+            <a:graphicFrameLocks noGrp="1"/>
+          </p:cNvGraphicFramePr>
+          <p:nvPr>
+            <p:extLst>
+              <p:ext uri="{D42A27DB-BD31-4B8C-83A1-F6EECF244321}">
+                <p14:modId xmlns:p14="http://schemas.microsoft.com/office/powerpoint/2010/main" val="833800786"/>
+              </p:ext>
+            </p:extLst>
+          </p:nvPr>
+        </p:nvGraphicFramePr>
+        <p:xfrm>
+          <a:off x="898048" y="3507379"/>
+          <a:ext cx="3088005" cy="960120"/>
+        </p:xfrm>
+        <a:graphic>
+          <a:graphicData uri="http://schemas.openxmlformats.org/drawingml/2006/table">
+            <a:tbl>
+              <a:tblPr>
+                <a:tableStyleId>{9D7B26C5-4107-4FEC-AEDC-1716B250A1EF}</a:tableStyleId>
+              </a:tblPr>
+              <a:tblGrid>
+                <a:gridCol w="722630"/>
+                <a:gridCol w="420370"/>
+                <a:gridCol w="571500"/>
+                <a:gridCol w="548005"/>
+                <a:gridCol w="825500"/>
+              </a:tblGrid>
+              <a:tr h="0">
+                <a:tc>
+                  <a:txBody>
+                    <a:bodyPr/>
+                    <a:lstStyle/>
+                    <a:p>
+                      <a:pPr marL="0" marR="0" indent="0" algn="just">
+                        <a:spcBef>
+                          <a:spcPts val="0"/>
+                        </a:spcBef>
+                        <a:spcAft>
+                          <a:spcPts val="0"/>
+                        </a:spcAft>
+                      </a:pPr>
+                      <a:r>
+                        <a:rPr lang="en-US" sz="900" dirty="0">
+                          <a:effectLst/>
+                        </a:rPr>
+                        <a:t>Preference</a:t>
+                      </a:r>
+                      <a:endParaRPr lang="en-US" sz="1000" dirty="0">
+                        <a:effectLst/>
+                        <a:latin typeface="Times" panose="02020603050405020304" pitchFamily="18" charset="0"/>
+                        <a:ea typeface="Times New Roman" panose="02020603050405020304" pitchFamily="18" charset="0"/>
+                        <a:cs typeface="Times New Roman" panose="02020603050405020304" pitchFamily="18" charset="0"/>
+                      </a:endParaRPr>
+                    </a:p>
+                  </a:txBody>
+                  <a:tcPr marL="44450" marR="44450" marT="0" marB="0"/>
+                </a:tc>
+                <a:tc>
+                  <a:txBody>
+                    <a:bodyPr/>
+                    <a:lstStyle/>
+                    <a:p>
+                      <a:pPr marL="0" marR="0" indent="0" algn="ctr">
+                        <a:spcBef>
+                          <a:spcPts val="0"/>
+                        </a:spcBef>
+                        <a:spcAft>
+                          <a:spcPts val="0"/>
+                        </a:spcAft>
+                      </a:pPr>
+                      <a:r>
+                        <a:rPr lang="en-US" sz="900">
+                          <a:effectLst/>
+                        </a:rPr>
+                        <a:t>N</a:t>
+                      </a:r>
+                      <a:endParaRPr lang="en-US" sz="1000">
+                        <a:effectLst/>
+                        <a:latin typeface="Times" panose="02020603050405020304" pitchFamily="18" charset="0"/>
+                        <a:ea typeface="Times New Roman" panose="02020603050405020304" pitchFamily="18" charset="0"/>
+                        <a:cs typeface="Times New Roman" panose="02020603050405020304" pitchFamily="18" charset="0"/>
+                      </a:endParaRPr>
+                    </a:p>
+                  </a:txBody>
+                  <a:tcPr marL="44450" marR="44450" marT="0" marB="0"/>
+                </a:tc>
+                <a:tc>
+                  <a:txBody>
+                    <a:bodyPr/>
+                    <a:lstStyle/>
+                    <a:p>
+                      <a:pPr marL="0" marR="0" indent="0" algn="ctr">
+                        <a:spcBef>
+                          <a:spcPts val="0"/>
+                        </a:spcBef>
+                        <a:spcAft>
+                          <a:spcPts val="0"/>
+                        </a:spcAft>
+                      </a:pPr>
+                      <a:r>
+                        <a:rPr lang="en-US" sz="900">
+                          <a:effectLst/>
+                        </a:rPr>
+                        <a:t>Condition</a:t>
+                      </a:r>
+                      <a:endParaRPr lang="en-US" sz="1000">
+                        <a:effectLst/>
+                        <a:latin typeface="Times" panose="02020603050405020304" pitchFamily="18" charset="0"/>
+                        <a:ea typeface="Times New Roman" panose="02020603050405020304" pitchFamily="18" charset="0"/>
+                        <a:cs typeface="Times New Roman" panose="02020603050405020304" pitchFamily="18" charset="0"/>
+                      </a:endParaRPr>
+                    </a:p>
+                  </a:txBody>
+                  <a:tcPr marL="44450" marR="44450" marT="0" marB="0"/>
+                </a:tc>
+                <a:tc>
+                  <a:txBody>
+                    <a:bodyPr/>
+                    <a:lstStyle/>
+                    <a:p>
+                      <a:pPr marL="0" marR="0" indent="0" algn="ctr">
+                        <a:spcBef>
+                          <a:spcPts val="0"/>
+                        </a:spcBef>
+                        <a:spcAft>
+                          <a:spcPts val="0"/>
+                        </a:spcAft>
+                      </a:pPr>
+                      <a:r>
+                        <a:rPr lang="en-US" sz="900">
+                          <a:effectLst/>
+                        </a:rPr>
+                        <a:t>Median accuracy count</a:t>
+                      </a:r>
+                      <a:endParaRPr lang="en-US" sz="1000">
+                        <a:effectLst/>
+                        <a:latin typeface="Times" panose="02020603050405020304" pitchFamily="18" charset="0"/>
+                        <a:ea typeface="Times New Roman" panose="02020603050405020304" pitchFamily="18" charset="0"/>
+                        <a:cs typeface="Times New Roman" panose="02020603050405020304" pitchFamily="18" charset="0"/>
+                      </a:endParaRPr>
+                    </a:p>
+                  </a:txBody>
+                  <a:tcPr marL="44450" marR="44450" marT="0" marB="0"/>
+                </a:tc>
+                <a:tc>
+                  <a:txBody>
+                    <a:bodyPr/>
+                    <a:lstStyle/>
+                    <a:p>
+                      <a:pPr marL="0" marR="0" indent="0" algn="ctr">
+                        <a:spcBef>
+                          <a:spcPts val="0"/>
+                        </a:spcBef>
+                        <a:spcAft>
+                          <a:spcPts val="0"/>
+                        </a:spcAft>
+                      </a:pPr>
+                      <a:r>
+                        <a:rPr lang="en-US" sz="900">
+                          <a:effectLst/>
+                        </a:rPr>
+                        <a:t>Median response time (min)</a:t>
+                      </a:r>
+                      <a:endParaRPr lang="en-US" sz="1000">
+                        <a:effectLst/>
+                        <a:latin typeface="Times" panose="02020603050405020304" pitchFamily="18" charset="0"/>
+                        <a:ea typeface="Times New Roman" panose="02020603050405020304" pitchFamily="18" charset="0"/>
+                        <a:cs typeface="Times New Roman" panose="02020603050405020304" pitchFamily="18" charset="0"/>
+                      </a:endParaRPr>
+                    </a:p>
+                  </a:txBody>
+                  <a:tcPr marL="44450" marR="44450" marT="0" marB="0"/>
+                </a:tc>
+              </a:tr>
+              <a:tr h="0">
+                <a:tc>
+                  <a:txBody>
+                    <a:bodyPr/>
+                    <a:lstStyle/>
+                    <a:p>
+                      <a:pPr marL="0" marR="0" indent="0" algn="just">
+                        <a:spcBef>
+                          <a:spcPts val="0"/>
+                        </a:spcBef>
+                        <a:spcAft>
+                          <a:spcPts val="0"/>
+                        </a:spcAft>
+                      </a:pPr>
+                      <a:r>
+                        <a:rPr lang="en-US" sz="900">
+                          <a:effectLst/>
+                        </a:rPr>
+                        <a:t>Plain</a:t>
+                      </a:r>
+                      <a:endParaRPr lang="en-US" sz="1000">
+                        <a:effectLst/>
+                        <a:latin typeface="Times" panose="02020603050405020304" pitchFamily="18" charset="0"/>
+                        <a:ea typeface="Times New Roman" panose="02020603050405020304" pitchFamily="18" charset="0"/>
+                        <a:cs typeface="Times New Roman" panose="02020603050405020304" pitchFamily="18" charset="0"/>
+                      </a:endParaRPr>
+                    </a:p>
+                  </a:txBody>
+                  <a:tcPr marL="44450" marR="44450" marT="0" marB="0"/>
+                </a:tc>
+                <a:tc>
+                  <a:txBody>
+                    <a:bodyPr/>
+                    <a:lstStyle/>
+                    <a:p>
+                      <a:pPr marL="0" marR="0" indent="0" algn="ctr">
+                        <a:spcBef>
+                          <a:spcPts val="0"/>
+                        </a:spcBef>
+                        <a:spcAft>
+                          <a:spcPts val="0"/>
+                        </a:spcAft>
+                      </a:pPr>
+                      <a:r>
+                        <a:rPr lang="en-US" sz="900">
+                          <a:effectLst/>
+                        </a:rPr>
+                        <a:t>66</a:t>
+                      </a:r>
+                      <a:endParaRPr lang="en-US" sz="1000">
+                        <a:effectLst/>
+                        <a:latin typeface="Times" panose="02020603050405020304" pitchFamily="18" charset="0"/>
+                        <a:ea typeface="Times New Roman" panose="02020603050405020304" pitchFamily="18" charset="0"/>
+                        <a:cs typeface="Times New Roman" panose="02020603050405020304" pitchFamily="18" charset="0"/>
+                      </a:endParaRPr>
+                    </a:p>
+                  </a:txBody>
+                  <a:tcPr marL="44450" marR="44450" marT="0" marB="0"/>
+                </a:tc>
+                <a:tc>
+                  <a:txBody>
+                    <a:bodyPr/>
+                    <a:lstStyle/>
+                    <a:p>
+                      <a:pPr marL="0" marR="0" indent="0" algn="ctr">
+                        <a:spcBef>
+                          <a:spcPts val="0"/>
+                        </a:spcBef>
+                        <a:spcAft>
+                          <a:spcPts val="0"/>
+                        </a:spcAft>
+                      </a:pPr>
+                      <a:r>
+                        <a:rPr lang="en-US" sz="900">
+                          <a:effectLst/>
+                        </a:rPr>
+                        <a:t>Plain</a:t>
+                      </a:r>
+                      <a:endParaRPr lang="en-US" sz="1000">
+                        <a:effectLst/>
+                        <a:latin typeface="Times" panose="02020603050405020304" pitchFamily="18" charset="0"/>
+                        <a:ea typeface="Times New Roman" panose="02020603050405020304" pitchFamily="18" charset="0"/>
+                        <a:cs typeface="Times New Roman" panose="02020603050405020304" pitchFamily="18" charset="0"/>
+                      </a:endParaRPr>
+                    </a:p>
+                  </a:txBody>
+                  <a:tcPr marL="44450" marR="44450" marT="0" marB="0"/>
+                </a:tc>
+                <a:tc>
+                  <a:txBody>
+                    <a:bodyPr/>
+                    <a:lstStyle/>
+                    <a:p>
+                      <a:pPr marL="0" marR="0" indent="0" algn="ctr">
+                        <a:spcBef>
+                          <a:spcPts val="0"/>
+                        </a:spcBef>
+                        <a:spcAft>
+                          <a:spcPts val="0"/>
+                        </a:spcAft>
+                      </a:pPr>
+                      <a:r>
+                        <a:rPr lang="en-US" sz="900">
+                          <a:effectLst/>
+                        </a:rPr>
+                        <a:t>6</a:t>
+                      </a:r>
+                      <a:endParaRPr lang="en-US" sz="1000">
+                        <a:effectLst/>
+                        <a:latin typeface="Times" panose="02020603050405020304" pitchFamily="18" charset="0"/>
+                        <a:ea typeface="Times New Roman" panose="02020603050405020304" pitchFamily="18" charset="0"/>
+                        <a:cs typeface="Times New Roman" panose="02020603050405020304" pitchFamily="18" charset="0"/>
+                      </a:endParaRPr>
+                    </a:p>
+                  </a:txBody>
+                  <a:tcPr marL="44450" marR="44450" marT="0" marB="0"/>
+                </a:tc>
+                <a:tc>
+                  <a:txBody>
+                    <a:bodyPr/>
+                    <a:lstStyle/>
+                    <a:p>
+                      <a:pPr marL="0" marR="0" indent="0" algn="ctr">
+                        <a:spcBef>
+                          <a:spcPts val="0"/>
+                        </a:spcBef>
+                        <a:spcAft>
+                          <a:spcPts val="0"/>
+                        </a:spcAft>
+                      </a:pPr>
+                      <a:r>
+                        <a:rPr lang="en-US" sz="900">
+                          <a:effectLst/>
+                        </a:rPr>
+                        <a:t>6.82</a:t>
+                      </a:r>
+                      <a:endParaRPr lang="en-US" sz="1000">
+                        <a:effectLst/>
+                        <a:latin typeface="Times" panose="02020603050405020304" pitchFamily="18" charset="0"/>
+                        <a:ea typeface="Times New Roman" panose="02020603050405020304" pitchFamily="18" charset="0"/>
+                        <a:cs typeface="Times New Roman" panose="02020603050405020304" pitchFamily="18" charset="0"/>
+                      </a:endParaRPr>
+                    </a:p>
+                  </a:txBody>
+                  <a:tcPr marL="44450" marR="44450" marT="0" marB="0"/>
+                </a:tc>
+              </a:tr>
+              <a:tr h="0">
+                <a:tc>
+                  <a:txBody>
+                    <a:bodyPr/>
+                    <a:lstStyle/>
+                    <a:p>
+                      <a:pPr marL="0" marR="0" indent="0" algn="just">
+                        <a:spcBef>
+                          <a:spcPts val="0"/>
+                        </a:spcBef>
+                        <a:spcAft>
+                          <a:spcPts val="0"/>
+                        </a:spcAft>
+                      </a:pPr>
+                      <a:r>
+                        <a:rPr lang="en-US" sz="900">
+                          <a:effectLst/>
+                        </a:rPr>
+                        <a:t> </a:t>
+                      </a:r>
+                      <a:endParaRPr lang="en-US" sz="1000">
+                        <a:effectLst/>
+                        <a:latin typeface="Times" panose="02020603050405020304" pitchFamily="18" charset="0"/>
+                        <a:ea typeface="Times New Roman" panose="02020603050405020304" pitchFamily="18" charset="0"/>
+                        <a:cs typeface="Times New Roman" panose="02020603050405020304" pitchFamily="18" charset="0"/>
+                      </a:endParaRPr>
+                    </a:p>
+                  </a:txBody>
+                  <a:tcPr marL="44450" marR="44450" marT="0" marB="0"/>
+                </a:tc>
+                <a:tc>
+                  <a:txBody>
+                    <a:bodyPr/>
+                    <a:lstStyle/>
+                    <a:p>
+                      <a:pPr marL="0" marR="0" indent="0" algn="ctr">
+                        <a:spcBef>
+                          <a:spcPts val="0"/>
+                        </a:spcBef>
+                        <a:spcAft>
+                          <a:spcPts val="0"/>
+                        </a:spcAft>
+                      </a:pPr>
+                      <a:r>
+                        <a:rPr lang="en-US" sz="900">
+                          <a:effectLst/>
+                        </a:rPr>
+                        <a:t> </a:t>
+                      </a:r>
+                      <a:endParaRPr lang="en-US" sz="1000">
+                        <a:effectLst/>
+                        <a:latin typeface="Times" panose="02020603050405020304" pitchFamily="18" charset="0"/>
+                        <a:ea typeface="Times New Roman" panose="02020603050405020304" pitchFamily="18" charset="0"/>
+                        <a:cs typeface="Times New Roman" panose="02020603050405020304" pitchFamily="18" charset="0"/>
+                      </a:endParaRPr>
+                    </a:p>
+                  </a:txBody>
+                  <a:tcPr marL="44450" marR="44450" marT="0" marB="0"/>
+                </a:tc>
+                <a:tc>
+                  <a:txBody>
+                    <a:bodyPr/>
+                    <a:lstStyle/>
+                    <a:p>
+                      <a:pPr marL="0" marR="0" indent="0" algn="ctr">
+                        <a:spcBef>
+                          <a:spcPts val="0"/>
+                        </a:spcBef>
+                        <a:spcAft>
+                          <a:spcPts val="0"/>
+                        </a:spcAft>
+                      </a:pPr>
+                      <a:r>
+                        <a:rPr lang="en-US" sz="900">
+                          <a:effectLst/>
+                        </a:rPr>
+                        <a:t>Markup</a:t>
+                      </a:r>
+                      <a:endParaRPr lang="en-US" sz="1000">
+                        <a:effectLst/>
+                        <a:latin typeface="Times" panose="02020603050405020304" pitchFamily="18" charset="0"/>
+                        <a:ea typeface="Times New Roman" panose="02020603050405020304" pitchFamily="18" charset="0"/>
+                        <a:cs typeface="Times New Roman" panose="02020603050405020304" pitchFamily="18" charset="0"/>
+                      </a:endParaRPr>
+                    </a:p>
+                  </a:txBody>
+                  <a:tcPr marL="44450" marR="44450" marT="0" marB="0"/>
+                </a:tc>
+                <a:tc>
+                  <a:txBody>
+                    <a:bodyPr/>
+                    <a:lstStyle/>
+                    <a:p>
+                      <a:pPr marL="0" marR="0" indent="0" algn="ctr">
+                        <a:spcBef>
+                          <a:spcPts val="0"/>
+                        </a:spcBef>
+                        <a:spcAft>
+                          <a:spcPts val="0"/>
+                        </a:spcAft>
+                      </a:pPr>
+                      <a:r>
+                        <a:rPr lang="en-US" sz="900">
+                          <a:effectLst/>
+                        </a:rPr>
+                        <a:t>4</a:t>
+                      </a:r>
+                      <a:endParaRPr lang="en-US" sz="1000">
+                        <a:effectLst/>
+                        <a:latin typeface="Times" panose="02020603050405020304" pitchFamily="18" charset="0"/>
+                        <a:ea typeface="Times New Roman" panose="02020603050405020304" pitchFamily="18" charset="0"/>
+                        <a:cs typeface="Times New Roman" panose="02020603050405020304" pitchFamily="18" charset="0"/>
+                      </a:endParaRPr>
+                    </a:p>
+                  </a:txBody>
+                  <a:tcPr marL="44450" marR="44450" marT="0" marB="0"/>
+                </a:tc>
+                <a:tc>
+                  <a:txBody>
+                    <a:bodyPr/>
+                    <a:lstStyle/>
+                    <a:p>
+                      <a:pPr marL="0" marR="0" indent="0" algn="ctr">
+                        <a:spcBef>
+                          <a:spcPts val="0"/>
+                        </a:spcBef>
+                        <a:spcAft>
+                          <a:spcPts val="0"/>
+                        </a:spcAft>
+                      </a:pPr>
+                      <a:r>
+                        <a:rPr lang="en-US" sz="900">
+                          <a:effectLst/>
+                        </a:rPr>
+                        <a:t>7.15</a:t>
+                      </a:r>
+                      <a:endParaRPr lang="en-US" sz="1000">
+                        <a:effectLst/>
+                        <a:latin typeface="Times" panose="02020603050405020304" pitchFamily="18" charset="0"/>
+                        <a:ea typeface="Times New Roman" panose="02020603050405020304" pitchFamily="18" charset="0"/>
+                        <a:cs typeface="Times New Roman" panose="02020603050405020304" pitchFamily="18" charset="0"/>
+                      </a:endParaRPr>
+                    </a:p>
+                  </a:txBody>
+                  <a:tcPr marL="44450" marR="44450" marT="0" marB="0"/>
+                </a:tc>
+              </a:tr>
+              <a:tr h="0">
+                <a:tc>
+                  <a:txBody>
+                    <a:bodyPr/>
+                    <a:lstStyle/>
+                    <a:p>
+                      <a:pPr marL="0" marR="0" indent="0" algn="just">
+                        <a:spcBef>
+                          <a:spcPts val="0"/>
+                        </a:spcBef>
+                        <a:spcAft>
+                          <a:spcPts val="0"/>
+                        </a:spcAft>
+                      </a:pPr>
+                      <a:r>
+                        <a:rPr lang="en-US" sz="900">
+                          <a:effectLst/>
+                        </a:rPr>
+                        <a:t>Markup</a:t>
+                      </a:r>
+                      <a:endParaRPr lang="en-US" sz="1000">
+                        <a:effectLst/>
+                        <a:latin typeface="Times" panose="02020603050405020304" pitchFamily="18" charset="0"/>
+                        <a:ea typeface="Times New Roman" panose="02020603050405020304" pitchFamily="18" charset="0"/>
+                        <a:cs typeface="Times New Roman" panose="02020603050405020304" pitchFamily="18" charset="0"/>
+                      </a:endParaRPr>
+                    </a:p>
+                  </a:txBody>
+                  <a:tcPr marL="44450" marR="44450" marT="0" marB="0"/>
+                </a:tc>
+                <a:tc>
+                  <a:txBody>
+                    <a:bodyPr/>
+                    <a:lstStyle/>
+                    <a:p>
+                      <a:pPr marL="0" marR="0" indent="0" algn="ctr">
+                        <a:spcBef>
+                          <a:spcPts val="0"/>
+                        </a:spcBef>
+                        <a:spcAft>
+                          <a:spcPts val="0"/>
+                        </a:spcAft>
+                      </a:pPr>
+                      <a:r>
+                        <a:rPr lang="en-US" sz="900">
+                          <a:effectLst/>
+                        </a:rPr>
+                        <a:t>30</a:t>
+                      </a:r>
+                      <a:endParaRPr lang="en-US" sz="1000">
+                        <a:effectLst/>
+                        <a:latin typeface="Times" panose="02020603050405020304" pitchFamily="18" charset="0"/>
+                        <a:ea typeface="Times New Roman" panose="02020603050405020304" pitchFamily="18" charset="0"/>
+                        <a:cs typeface="Times New Roman" panose="02020603050405020304" pitchFamily="18" charset="0"/>
+                      </a:endParaRPr>
+                    </a:p>
+                  </a:txBody>
+                  <a:tcPr marL="44450" marR="44450" marT="0" marB="0"/>
+                </a:tc>
+                <a:tc>
+                  <a:txBody>
+                    <a:bodyPr/>
+                    <a:lstStyle/>
+                    <a:p>
+                      <a:pPr marL="0" marR="0" indent="0" algn="ctr">
+                        <a:spcBef>
+                          <a:spcPts val="0"/>
+                        </a:spcBef>
+                        <a:spcAft>
+                          <a:spcPts val="0"/>
+                        </a:spcAft>
+                      </a:pPr>
+                      <a:r>
+                        <a:rPr lang="en-US" sz="900">
+                          <a:effectLst/>
+                        </a:rPr>
+                        <a:t>Plain</a:t>
+                      </a:r>
+                      <a:endParaRPr lang="en-US" sz="1000">
+                        <a:effectLst/>
+                        <a:latin typeface="Times" panose="02020603050405020304" pitchFamily="18" charset="0"/>
+                        <a:ea typeface="Times New Roman" panose="02020603050405020304" pitchFamily="18" charset="0"/>
+                        <a:cs typeface="Times New Roman" panose="02020603050405020304" pitchFamily="18" charset="0"/>
+                      </a:endParaRPr>
+                    </a:p>
+                  </a:txBody>
+                  <a:tcPr marL="44450" marR="44450" marT="0" marB="0"/>
+                </a:tc>
+                <a:tc>
+                  <a:txBody>
+                    <a:bodyPr/>
+                    <a:lstStyle/>
+                    <a:p>
+                      <a:pPr marL="0" marR="0" indent="0" algn="ctr">
+                        <a:spcBef>
+                          <a:spcPts val="0"/>
+                        </a:spcBef>
+                        <a:spcAft>
+                          <a:spcPts val="0"/>
+                        </a:spcAft>
+                      </a:pPr>
+                      <a:r>
+                        <a:rPr lang="en-US" sz="900">
+                          <a:effectLst/>
+                        </a:rPr>
+                        <a:t>4</a:t>
+                      </a:r>
+                      <a:endParaRPr lang="en-US" sz="1000">
+                        <a:effectLst/>
+                        <a:latin typeface="Times" panose="02020603050405020304" pitchFamily="18" charset="0"/>
+                        <a:ea typeface="Times New Roman" panose="02020603050405020304" pitchFamily="18" charset="0"/>
+                        <a:cs typeface="Times New Roman" panose="02020603050405020304" pitchFamily="18" charset="0"/>
+                      </a:endParaRPr>
+                    </a:p>
+                  </a:txBody>
+                  <a:tcPr marL="44450" marR="44450" marT="0" marB="0"/>
+                </a:tc>
+                <a:tc>
+                  <a:txBody>
+                    <a:bodyPr/>
+                    <a:lstStyle/>
+                    <a:p>
+                      <a:pPr marL="0" marR="0" indent="0" algn="ctr">
+                        <a:spcBef>
+                          <a:spcPts val="0"/>
+                        </a:spcBef>
+                        <a:spcAft>
+                          <a:spcPts val="0"/>
+                        </a:spcAft>
+                      </a:pPr>
+                      <a:r>
+                        <a:rPr lang="en-US" sz="900">
+                          <a:effectLst/>
+                        </a:rPr>
+                        <a:t>4.10</a:t>
+                      </a:r>
+                      <a:endParaRPr lang="en-US" sz="1000">
+                        <a:effectLst/>
+                        <a:latin typeface="Times" panose="02020603050405020304" pitchFamily="18" charset="0"/>
+                        <a:ea typeface="Times New Roman" panose="02020603050405020304" pitchFamily="18" charset="0"/>
+                        <a:cs typeface="Times New Roman" panose="02020603050405020304" pitchFamily="18" charset="0"/>
+                      </a:endParaRPr>
+                    </a:p>
+                  </a:txBody>
+                  <a:tcPr marL="44450" marR="44450" marT="0" marB="0"/>
+                </a:tc>
+              </a:tr>
+              <a:tr h="0">
+                <a:tc>
+                  <a:txBody>
+                    <a:bodyPr/>
+                    <a:lstStyle/>
+                    <a:p>
+                      <a:pPr marL="0" marR="0" indent="0" algn="just">
+                        <a:spcBef>
+                          <a:spcPts val="0"/>
+                        </a:spcBef>
+                        <a:spcAft>
+                          <a:spcPts val="0"/>
+                        </a:spcAft>
+                      </a:pPr>
+                      <a:r>
+                        <a:rPr lang="en-US" sz="900">
+                          <a:effectLst/>
+                        </a:rPr>
+                        <a:t> </a:t>
+                      </a:r>
+                      <a:endParaRPr lang="en-US" sz="1000">
+                        <a:effectLst/>
+                        <a:latin typeface="Times" panose="02020603050405020304" pitchFamily="18" charset="0"/>
+                        <a:ea typeface="Times New Roman" panose="02020603050405020304" pitchFamily="18" charset="0"/>
+                        <a:cs typeface="Times New Roman" panose="02020603050405020304" pitchFamily="18" charset="0"/>
+                      </a:endParaRPr>
+                    </a:p>
+                  </a:txBody>
+                  <a:tcPr marL="44450" marR="44450" marT="0" marB="0"/>
+                </a:tc>
+                <a:tc>
+                  <a:txBody>
+                    <a:bodyPr/>
+                    <a:lstStyle/>
+                    <a:p>
+                      <a:pPr marL="0" marR="0" indent="0" algn="ctr">
+                        <a:spcBef>
+                          <a:spcPts val="0"/>
+                        </a:spcBef>
+                        <a:spcAft>
+                          <a:spcPts val="0"/>
+                        </a:spcAft>
+                      </a:pPr>
+                      <a:r>
+                        <a:rPr lang="en-US" sz="900" dirty="0">
+                          <a:effectLst/>
+                        </a:rPr>
+                        <a:t> </a:t>
+                      </a:r>
+                      <a:endParaRPr lang="en-US" sz="1000" dirty="0">
+                        <a:effectLst/>
+                        <a:latin typeface="Times" panose="02020603050405020304" pitchFamily="18" charset="0"/>
+                        <a:ea typeface="Times New Roman" panose="02020603050405020304" pitchFamily="18" charset="0"/>
+                        <a:cs typeface="Times New Roman" panose="02020603050405020304" pitchFamily="18" charset="0"/>
+                      </a:endParaRPr>
+                    </a:p>
+                  </a:txBody>
+                  <a:tcPr marL="44450" marR="44450" marT="0" marB="0"/>
+                </a:tc>
+                <a:tc>
+                  <a:txBody>
+                    <a:bodyPr/>
+                    <a:lstStyle/>
+                    <a:p>
+                      <a:pPr marL="0" marR="0" indent="0" algn="ctr">
+                        <a:spcBef>
+                          <a:spcPts val="0"/>
+                        </a:spcBef>
+                        <a:spcAft>
+                          <a:spcPts val="0"/>
+                        </a:spcAft>
+                      </a:pPr>
+                      <a:r>
+                        <a:rPr lang="en-US" sz="900">
+                          <a:effectLst/>
+                        </a:rPr>
+                        <a:t>Markup</a:t>
+                      </a:r>
+                      <a:endParaRPr lang="en-US" sz="1000">
+                        <a:effectLst/>
+                        <a:latin typeface="Times" panose="02020603050405020304" pitchFamily="18" charset="0"/>
+                        <a:ea typeface="Times New Roman" panose="02020603050405020304" pitchFamily="18" charset="0"/>
+                        <a:cs typeface="Times New Roman" panose="02020603050405020304" pitchFamily="18" charset="0"/>
+                      </a:endParaRPr>
+                    </a:p>
+                  </a:txBody>
+                  <a:tcPr marL="44450" marR="44450" marT="0" marB="0"/>
+                </a:tc>
+                <a:tc>
+                  <a:txBody>
+                    <a:bodyPr/>
+                    <a:lstStyle/>
+                    <a:p>
+                      <a:pPr marL="0" marR="0" indent="0" algn="ctr">
+                        <a:spcBef>
+                          <a:spcPts val="0"/>
+                        </a:spcBef>
+                        <a:spcAft>
+                          <a:spcPts val="0"/>
+                        </a:spcAft>
+                      </a:pPr>
+                      <a:r>
+                        <a:rPr lang="en-US" sz="900">
+                          <a:effectLst/>
+                        </a:rPr>
+                        <a:t>5</a:t>
+                      </a:r>
+                      <a:endParaRPr lang="en-US" sz="1000">
+                        <a:effectLst/>
+                        <a:latin typeface="Times" panose="02020603050405020304" pitchFamily="18" charset="0"/>
+                        <a:ea typeface="Times New Roman" panose="02020603050405020304" pitchFamily="18" charset="0"/>
+                        <a:cs typeface="Times New Roman" panose="02020603050405020304" pitchFamily="18" charset="0"/>
+                      </a:endParaRPr>
+                    </a:p>
+                  </a:txBody>
+                  <a:tcPr marL="44450" marR="44450" marT="0" marB="0"/>
+                </a:tc>
+                <a:tc>
+                  <a:txBody>
+                    <a:bodyPr/>
+                    <a:lstStyle/>
+                    <a:p>
+                      <a:pPr marL="0" marR="0" indent="0" algn="ctr">
+                        <a:spcBef>
+                          <a:spcPts val="0"/>
+                        </a:spcBef>
+                        <a:spcAft>
+                          <a:spcPts val="0"/>
+                        </a:spcAft>
+                      </a:pPr>
+                      <a:r>
+                        <a:rPr lang="en-US" sz="900" dirty="0">
+                          <a:effectLst/>
+                        </a:rPr>
+                        <a:t>5.25</a:t>
+                      </a:r>
+                      <a:endParaRPr lang="en-US" sz="1000" dirty="0">
+                        <a:effectLst/>
+                        <a:latin typeface="Times" panose="02020603050405020304" pitchFamily="18" charset="0"/>
+                        <a:ea typeface="Times New Roman" panose="02020603050405020304" pitchFamily="18" charset="0"/>
+                        <a:cs typeface="Times New Roman" panose="02020603050405020304" pitchFamily="18" charset="0"/>
+                      </a:endParaRPr>
+                    </a:p>
+                  </a:txBody>
+                  <a:tcPr marL="44450" marR="44450" marT="0" marB="0"/>
+                </a:tc>
+              </a:tr>
+            </a:tbl>
+          </a:graphicData>
+        </a:graphic>
+      </p:graphicFrame>
+      <p:sp>
+        <p:nvSpPr>
+          <p:cNvPr id="8" name="Content Placeholder 1"/>
+          <p:cNvSpPr>
+            <a:spLocks noGrp="1"/>
+          </p:cNvSpPr>
+          <p:nvPr>
+            <p:ph idx="1"/>
+          </p:nvPr>
+        </p:nvSpPr>
+        <p:spPr>
+          <a:xfrm>
+            <a:off x="442210" y="1228725"/>
+            <a:ext cx="8094688" cy="4714874"/>
+          </a:xfrm>
+        </p:spPr>
+        <p:txBody>
+          <a:bodyPr/>
+          <a:lstStyle/>
+          <a:p>
+            <a:pPr marL="0" indent="0">
+              <a:buNone/>
+            </a:pPr>
+            <a:r>
+              <a:rPr lang="en-US" dirty="0" smtClean="0"/>
+              <a:t>Participants perform qualitatively more accurately in their preferred condition, though Plain is always slower.</a:t>
+            </a:r>
+            <a:endParaRPr lang="en-US" dirty="0" smtClean="0"/>
           </a:p>
         </p:txBody>
       </p:sp>
     </p:spTree>
     <p:extLst>
       <p:ext uri="{BB962C8B-B14F-4D97-AF65-F5344CB8AC3E}">
-        <p14:creationId xmlns:p14="http://schemas.microsoft.com/office/powerpoint/2010/main" val="7909613"/>
+        <p14:creationId xmlns:p14="http://schemas.microsoft.com/office/powerpoint/2010/main" val="2167234976"/>
       </p:ext>
     </p:extLst>
   </p:cSld>
   <p:clrMapOvr>
     <a:masterClrMapping/>
   </p:clrMapOvr>
-  <p:timing>
-    <p:tnLst>
-      <p:par>
-        <p:cTn id="1" dur="indefinite" restart="never" nodeType="tmRoot"/>
-      </p:par>
-    </p:tnLst>
-  </p:timing>
 </p:sld>
 </file>
 
@@ -17258,115 +19149,7 @@
       </p:grpSpPr>
       <p:sp>
         <p:nvSpPr>
-          <p:cNvPr id="4" name="Content Placeholder 3"/>
-          <p:cNvSpPr>
-            <a:spLocks noGrp="1"/>
-          </p:cNvSpPr>
-          <p:nvPr>
-            <p:ph idx="1"/>
-          </p:nvPr>
-        </p:nvSpPr>
-        <p:spPr/>
-        <p:txBody>
-          <a:bodyPr/>
-          <a:lstStyle/>
-          <a:p>
-            <a:r>
-              <a:rPr lang="en-US" dirty="0" smtClean="0"/>
-              <a:t>From AHFE submissions website </a:t>
-            </a:r>
-          </a:p>
-          <a:p>
-            <a:pPr lvl="1"/>
-            <a:r>
-              <a:rPr lang="en-US" dirty="0" smtClean="0"/>
-              <a:t>In </a:t>
-            </a:r>
-            <a:r>
-              <a:rPr lang="en-US" dirty="0"/>
-              <a:t>general, the duration of each presentation should last </a:t>
-            </a:r>
-            <a:r>
-              <a:rPr lang="en-US" b="1" dirty="0"/>
-              <a:t>15 min </a:t>
-            </a:r>
-            <a:r>
-              <a:rPr lang="en-US" dirty="0"/>
-              <a:t>with 2 min for discussion. The session chairs may, at their discretion, increase the time allocation to each presenter. Prepare and bring your presentation file saved in Microsoft PowerPoint (.</a:t>
-            </a:r>
-            <a:r>
-              <a:rPr lang="en-US" dirty="0" err="1"/>
-              <a:t>ppt</a:t>
-            </a:r>
-            <a:r>
-              <a:rPr lang="en-US" dirty="0"/>
-              <a:t>), (.</a:t>
-            </a:r>
-            <a:r>
-              <a:rPr lang="en-US" dirty="0" err="1"/>
-              <a:t>pptx</a:t>
-            </a:r>
-            <a:r>
-              <a:rPr lang="en-US" dirty="0"/>
-              <a:t>) file format. Internet access will NOT be available in the meeting rooms</a:t>
-            </a:r>
-            <a:r>
-              <a:rPr lang="en-US" dirty="0" smtClean="0"/>
-              <a:t>.</a:t>
-            </a:r>
-            <a:endParaRPr lang="en-US" dirty="0"/>
-          </a:p>
-          <a:p>
-            <a:pPr lvl="1"/>
-            <a:r>
-              <a:rPr lang="en-US" dirty="0" smtClean="0"/>
-              <a:t>Check </a:t>
-            </a:r>
-            <a:r>
-              <a:rPr lang="en-US" dirty="0"/>
-              <a:t>in at the Session Room, preferably 30-45 minutes before your session, to submit/upload your files and to preview your presentation. If checking in the day of your session, please arrive by at least 4 hours prior to the start of your session (this refers to the session start time, not the presentation start time). Each room is equipped with a laptop PC and a projection system</a:t>
-            </a:r>
-            <a:r>
-              <a:rPr lang="en-US" dirty="0" smtClean="0"/>
-              <a:t>.</a:t>
-            </a:r>
-            <a:endParaRPr lang="en-US" dirty="0"/>
-          </a:p>
-          <a:p>
-            <a:pPr lvl="1"/>
-            <a:r>
-              <a:rPr lang="en-US" dirty="0" smtClean="0"/>
-              <a:t>Session </a:t>
-            </a:r>
-            <a:r>
-              <a:rPr lang="en-US" dirty="0"/>
-              <a:t>chairs or support team will be available to assist with the upload of your files and provide the opportunity to preview and/or edit the presentation, as necessary</a:t>
-            </a:r>
-            <a:r>
-              <a:rPr lang="en-US" dirty="0" smtClean="0"/>
-              <a:t>.</a:t>
-            </a:r>
-            <a:endParaRPr lang="en-US" dirty="0"/>
-          </a:p>
-          <a:p>
-            <a:pPr lvl="1"/>
-            <a:r>
-              <a:rPr lang="en-US" dirty="0" smtClean="0"/>
-              <a:t>Bring </a:t>
-            </a:r>
-            <a:r>
-              <a:rPr lang="en-US" dirty="0"/>
-              <a:t>a Backup: Be sure to bring a backup copy of your presentation with you to the meeting. Please note, the Final Program may be changed due to speakers attendance, etc.</a:t>
-            </a:r>
-          </a:p>
-          <a:p>
-            <a:endParaRPr lang="en-US" dirty="0"/>
-          </a:p>
-        </p:txBody>
-      </p:sp>
-      <p:sp>
-        <p:nvSpPr>
-          <p:cNvPr id="3" name="Title 2"/>
+          <p:cNvPr id="2" name="Title 1"/>
           <p:cNvSpPr>
             <a:spLocks noGrp="1"/>
           </p:cNvSpPr>
@@ -17374,27 +19157,159 @@
             <p:ph type="title"/>
           </p:nvPr>
         </p:nvSpPr>
-        <p:spPr/>
+        <p:spPr>
+          <a:prstGeom prst="rect">
+            <a:avLst/>
+          </a:prstGeom>
+        </p:spPr>
         <p:txBody>
           <a:bodyPr/>
           <a:lstStyle/>
           <a:p>
             <a:r>
-              <a:rPr lang="en-US" dirty="0"/>
-              <a:t>SLIDE TITLE GOES </a:t>
-            </a:r>
-            <a:r>
               <a:rPr lang="en-US" dirty="0" smtClean="0"/>
-              <a:t>HERE</a:t>
+              <a:t>Correlations</a:t>
             </a:r>
             <a:endParaRPr lang="en-US" dirty="0"/>
           </a:p>
         </p:txBody>
       </p:sp>
+      <p:pic>
+        <p:nvPicPr>
+          <p:cNvPr id="3" name="Image3"/>
+          <p:cNvPicPr/>
+          <p:nvPr/>
+        </p:nvPicPr>
+        <p:blipFill>
+          <a:blip r:embed="rId2"/>
+          <a:stretch>
+            <a:fillRect/>
+          </a:stretch>
+        </p:blipFill>
+        <p:spPr bwMode="auto">
+          <a:xfrm>
+            <a:off x="680806" y="4825525"/>
+            <a:ext cx="2958465" cy="1826260"/>
+          </a:xfrm>
+          <a:prstGeom prst="rect">
+            <a:avLst/>
+          </a:prstGeom>
+        </p:spPr>
+      </p:pic>
+      <p:pic>
+        <p:nvPicPr>
+          <p:cNvPr id="4" name="Image1"/>
+          <p:cNvPicPr/>
+          <p:nvPr/>
+        </p:nvPicPr>
+        <p:blipFill>
+          <a:blip r:embed="rId3"/>
+          <a:stretch>
+            <a:fillRect/>
+          </a:stretch>
+        </p:blipFill>
+        <p:spPr bwMode="auto">
+          <a:xfrm>
+            <a:off x="682076" y="1174275"/>
+            <a:ext cx="2957195" cy="1825625"/>
+          </a:xfrm>
+          <a:prstGeom prst="rect">
+            <a:avLst/>
+          </a:prstGeom>
+        </p:spPr>
+      </p:pic>
+      <p:pic>
+        <p:nvPicPr>
+          <p:cNvPr id="5" name="Image2"/>
+          <p:cNvPicPr/>
+          <p:nvPr/>
+        </p:nvPicPr>
+        <p:blipFill>
+          <a:blip r:embed="rId4"/>
+          <a:stretch>
+            <a:fillRect/>
+          </a:stretch>
+        </p:blipFill>
+        <p:spPr bwMode="auto">
+          <a:xfrm>
+            <a:off x="685759" y="2999900"/>
+            <a:ext cx="2953512" cy="1828800"/>
+          </a:xfrm>
+          <a:prstGeom prst="rect">
+            <a:avLst/>
+          </a:prstGeom>
+        </p:spPr>
+      </p:pic>
+      <p:pic>
+        <p:nvPicPr>
+          <p:cNvPr id="7" name="Image4"/>
+          <p:cNvPicPr/>
+          <p:nvPr/>
+        </p:nvPicPr>
+        <p:blipFill>
+          <a:blip r:embed="rId5"/>
+          <a:stretch>
+            <a:fillRect/>
+          </a:stretch>
+        </p:blipFill>
+        <p:spPr bwMode="auto">
+          <a:xfrm>
+            <a:off x="5570509" y="1174275"/>
+            <a:ext cx="2926080" cy="1828800"/>
+          </a:xfrm>
+          <a:prstGeom prst="rect">
+            <a:avLst/>
+          </a:prstGeom>
+        </p:spPr>
+      </p:pic>
+      <p:pic>
+        <p:nvPicPr>
+          <p:cNvPr id="8" name="Image5"/>
+          <p:cNvPicPr/>
+          <p:nvPr/>
+        </p:nvPicPr>
+        <p:blipFill>
+          <a:blip r:embed="rId6"/>
+          <a:stretch>
+            <a:fillRect/>
+          </a:stretch>
+        </p:blipFill>
+        <p:spPr bwMode="auto">
+          <a:xfrm>
+            <a:off x="5570509" y="2999900"/>
+            <a:ext cx="2926080" cy="1828800"/>
+          </a:xfrm>
+          <a:prstGeom prst="rect">
+            <a:avLst/>
+          </a:prstGeom>
+        </p:spPr>
+      </p:pic>
+      <p:pic>
+        <p:nvPicPr>
+          <p:cNvPr id="9" name="Image6"/>
+          <p:cNvPicPr/>
+          <p:nvPr/>
+        </p:nvPicPr>
+        <p:blipFill>
+          <a:blip r:embed="rId7"/>
+          <a:stretch>
+            <a:fillRect/>
+          </a:stretch>
+        </p:blipFill>
+        <p:spPr bwMode="auto">
+          <a:xfrm>
+            <a:off x="5570509" y="4822985"/>
+            <a:ext cx="2926080" cy="1828800"/>
+          </a:xfrm>
+          <a:prstGeom prst="rect">
+            <a:avLst/>
+          </a:prstGeom>
+        </p:spPr>
+      </p:pic>
     </p:spTree>
     <p:extLst>
       <p:ext uri="{BB962C8B-B14F-4D97-AF65-F5344CB8AC3E}">
-        <p14:creationId xmlns:p14="http://schemas.microsoft.com/office/powerpoint/2010/main" val="3534031518"/>
+        <p14:creationId xmlns:p14="http://schemas.microsoft.com/office/powerpoint/2010/main" val="3722983382"/>
       </p:ext>
     </p:extLst>
   </p:cSld>
@@ -17438,31 +19353,155 @@
             <p:ph type="title"/>
           </p:nvPr>
         </p:nvSpPr>
-        <p:spPr>
+        <p:spPr/>
+        <p:txBody>
+          <a:bodyPr/>
+          <a:lstStyle/>
+          <a:p>
+            <a:r>
+              <a:rPr lang="en-US" dirty="0" smtClean="0"/>
+              <a:t>Correlations</a:t>
+            </a:r>
+            <a:endParaRPr lang="en-US" dirty="0"/>
+          </a:p>
+        </p:txBody>
+      </p:sp>
+      <p:pic>
+        <p:nvPicPr>
+          <p:cNvPr id="3" name="Image7"/>
+          <p:cNvPicPr/>
+          <p:nvPr/>
+        </p:nvPicPr>
+        <p:blipFill>
+          <a:blip r:embed="rId2"/>
+          <a:stretch>
+            <a:fillRect/>
+          </a:stretch>
+        </p:blipFill>
+        <p:spPr bwMode="auto">
+          <a:xfrm>
+            <a:off x="441452" y="1074462"/>
+            <a:ext cx="2926080" cy="1828800"/>
+          </a:xfrm>
           <a:prstGeom prst="rect">
             <a:avLst/>
           </a:prstGeom>
         </p:spPr>
-        <p:txBody>
-          <a:bodyPr/>
-          <a:lstStyle/>
-          <a:p>
-            <a:r>
-              <a:rPr lang="en-US" dirty="0"/>
-              <a:t>SLIDE TITLE GOES </a:t>
-            </a:r>
-            <a:r>
-              <a:rPr lang="en-US" dirty="0" smtClean="0"/>
-              <a:t>HERE </a:t>
-            </a:r>
-            <a:endParaRPr lang="en-US" dirty="0"/>
-          </a:p>
-        </p:txBody>
-      </p:sp>
+      </p:pic>
+      <p:pic>
+        <p:nvPicPr>
+          <p:cNvPr id="4" name="Image8"/>
+          <p:cNvPicPr/>
+          <p:nvPr/>
+        </p:nvPicPr>
+        <p:blipFill>
+          <a:blip r:embed="rId3"/>
+          <a:stretch>
+            <a:fillRect/>
+          </a:stretch>
+        </p:blipFill>
+        <p:spPr bwMode="auto">
+          <a:xfrm>
+            <a:off x="441452" y="2903262"/>
+            <a:ext cx="2926080" cy="1828800"/>
+          </a:xfrm>
+          <a:prstGeom prst="rect">
+            <a:avLst/>
+          </a:prstGeom>
+        </p:spPr>
+      </p:pic>
+      <p:pic>
+        <p:nvPicPr>
+          <p:cNvPr id="5" name="Image9"/>
+          <p:cNvPicPr/>
+          <p:nvPr/>
+        </p:nvPicPr>
+        <p:blipFill>
+          <a:blip r:embed="rId4"/>
+          <a:stretch>
+            <a:fillRect/>
+          </a:stretch>
+        </p:blipFill>
+        <p:spPr bwMode="auto">
+          <a:xfrm>
+            <a:off x="441452" y="4732062"/>
+            <a:ext cx="2926080" cy="1828800"/>
+          </a:xfrm>
+          <a:prstGeom prst="rect">
+            <a:avLst/>
+          </a:prstGeom>
+        </p:spPr>
+      </p:pic>
+      <p:pic>
+        <p:nvPicPr>
+          <p:cNvPr id="6" name="Image10"/>
+          <p:cNvPicPr/>
+          <p:nvPr/>
+        </p:nvPicPr>
+        <p:blipFill>
+          <a:blip r:embed="rId5"/>
+          <a:stretch>
+            <a:fillRect/>
+          </a:stretch>
+        </p:blipFill>
+        <p:spPr bwMode="auto">
+          <a:xfrm>
+            <a:off x="5329836" y="1074462"/>
+            <a:ext cx="2926080" cy="1828800"/>
+          </a:xfrm>
+          <a:prstGeom prst="rect">
+            <a:avLst/>
+          </a:prstGeom>
+        </p:spPr>
+      </p:pic>
+      <p:pic>
+        <p:nvPicPr>
+          <p:cNvPr id="7" name="Image11"/>
+          <p:cNvPicPr/>
+          <p:nvPr/>
+        </p:nvPicPr>
+        <p:blipFill>
+          <a:blip r:embed="rId6"/>
+          <a:stretch>
+            <a:fillRect/>
+          </a:stretch>
+        </p:blipFill>
+        <p:spPr bwMode="auto">
+          <a:xfrm>
+            <a:off x="5329836" y="2901951"/>
+            <a:ext cx="2926080" cy="1828800"/>
+          </a:xfrm>
+          <a:prstGeom prst="rect">
+            <a:avLst/>
+          </a:prstGeom>
+        </p:spPr>
+      </p:pic>
+      <p:pic>
+        <p:nvPicPr>
+          <p:cNvPr id="8" name="Image12"/>
+          <p:cNvPicPr/>
+          <p:nvPr/>
+        </p:nvPicPr>
+        <p:blipFill>
+          <a:blip r:embed="rId7"/>
+          <a:stretch>
+            <a:fillRect/>
+          </a:stretch>
+        </p:blipFill>
+        <p:spPr bwMode="auto">
+          <a:xfrm>
+            <a:off x="5329836" y="4729440"/>
+            <a:ext cx="2926080" cy="1828800"/>
+          </a:xfrm>
+          <a:prstGeom prst="rect">
+            <a:avLst/>
+          </a:prstGeom>
+        </p:spPr>
+      </p:pic>
     </p:spTree>
     <p:extLst>
       <p:ext uri="{BB962C8B-B14F-4D97-AF65-F5344CB8AC3E}">
-        <p14:creationId xmlns:p14="http://schemas.microsoft.com/office/powerpoint/2010/main" val="3722983382"/>
+        <p14:creationId xmlns:p14="http://schemas.microsoft.com/office/powerpoint/2010/main" val="863939319"/>
       </p:ext>
     </p:extLst>
   </p:cSld>
@@ -17496,1004 +19535,6 @@
           <a:chExt cx="0" cy="0"/>
         </a:xfrm>
       </p:grpSpPr>
-      <p:sp>
-        <p:nvSpPr>
-          <p:cNvPr id="2" name="Content Placeholder 1"/>
-          <p:cNvSpPr>
-            <a:spLocks noGrp="1"/>
-          </p:cNvSpPr>
-          <p:nvPr>
-            <p:ph idx="1"/>
-          </p:nvPr>
-        </p:nvSpPr>
-        <p:spPr/>
-        <p:txBody>
-          <a:bodyPr/>
-          <a:lstStyle/>
-          <a:p>
-            <a:r>
-              <a:rPr lang="en-US" b="0" dirty="0"/>
-              <a:t>Information Extraction (IE) research has made remarkable progress </a:t>
-            </a:r>
-            <a:r>
-              <a:rPr lang="en-US" b="0" dirty="0" smtClean="0"/>
-              <a:t>in Natural </a:t>
-            </a:r>
-            <a:r>
-              <a:rPr lang="en-US" b="0" dirty="0"/>
-              <a:t>Language Processing using intrinsic measures, but little attention </a:t>
-            </a:r>
-            <a:r>
-              <a:rPr lang="en-US" b="0" dirty="0" smtClean="0"/>
-              <a:t>has been </a:t>
-            </a:r>
-            <a:r>
-              <a:rPr lang="en-US" b="0" dirty="0"/>
-              <a:t>paid to human analysts as downstream processors. In one experiment, </a:t>
-            </a:r>
-            <a:r>
-              <a:rPr lang="en-US" b="0" dirty="0" smtClean="0"/>
-              <a:t>when participants </a:t>
-            </a:r>
-            <a:r>
-              <a:rPr lang="en-US" b="0" dirty="0"/>
-              <a:t>were presented text with or without markup from an IE pipeline, </a:t>
-            </a:r>
-            <a:r>
-              <a:rPr lang="en-US" b="0" dirty="0" smtClean="0"/>
-              <a:t>they showed </a:t>
-            </a:r>
-            <a:r>
-              <a:rPr lang="en-US" b="0" dirty="0"/>
-              <a:t>better text comprehension without markup. In a second experiment, </a:t>
-            </a:r>
-            <a:r>
-              <a:rPr lang="en-US" b="0" dirty="0" smtClean="0"/>
-              <a:t>the markup </a:t>
-            </a:r>
-            <a:r>
-              <a:rPr lang="en-US" b="0" dirty="0"/>
-              <a:t>was hand-generated to be as relevant and accurate as possible to </a:t>
-            </a:r>
-            <a:r>
-              <a:rPr lang="en-US" b="0" dirty="0" smtClean="0"/>
-              <a:t>find conditions </a:t>
-            </a:r>
-            <a:r>
-              <a:rPr lang="en-US" b="0" dirty="0"/>
-              <a:t>under which markup improves performance. This experiment </a:t>
-            </a:r>
-            <a:r>
-              <a:rPr lang="en-US" b="0" dirty="0" smtClean="0"/>
-              <a:t>showed no </a:t>
-            </a:r>
-            <a:r>
-              <a:rPr lang="en-US" b="0" dirty="0"/>
-              <a:t>significant difference between performance with and without markup, but </a:t>
-            </a:r>
-            <a:r>
-              <a:rPr lang="en-US" b="0" dirty="0" smtClean="0"/>
-              <a:t>a significant </a:t>
-            </a:r>
-            <a:r>
-              <a:rPr lang="en-US" b="0" dirty="0"/>
-              <a:t>majority of participants preferred working with markup to </a:t>
-            </a:r>
-            <a:r>
-              <a:rPr lang="en-US" b="0" dirty="0" smtClean="0"/>
-              <a:t>without. Further</a:t>
-            </a:r>
-            <a:r>
-              <a:rPr lang="en-US" b="0" dirty="0"/>
-              <a:t>, preference for markup showed a </a:t>
-            </a:r>
-            <a:r>
-              <a:rPr lang="en-US" dirty="0"/>
-              <a:t>fairly strong correlation with </a:t>
-            </a:r>
-            <a:r>
-              <a:rPr lang="en-US" dirty="0" smtClean="0"/>
-              <a:t>participants’ ratings </a:t>
-            </a:r>
-            <a:r>
-              <a:rPr lang="en-US" dirty="0"/>
-              <a:t>of their own trust in automation</a:t>
-            </a:r>
-            <a:r>
-              <a:rPr lang="en-US" b="0" dirty="0"/>
-              <a:t>. These results emphasize the </a:t>
-            </a:r>
-            <a:r>
-              <a:rPr lang="en-US" b="0" dirty="0" smtClean="0"/>
-              <a:t>importance of </a:t>
-            </a:r>
-            <a:r>
-              <a:rPr lang="en-US" b="0" dirty="0"/>
-              <a:t>testing IE systems with actual users and the importance of trust </a:t>
-            </a:r>
-            <a:r>
-              <a:rPr lang="en-US" b="0" dirty="0" smtClean="0"/>
-              <a:t>in automation</a:t>
-            </a:r>
-            <a:r>
-              <a:rPr lang="en-US" b="0" dirty="0"/>
-              <a:t>.</a:t>
-            </a:r>
-          </a:p>
-        </p:txBody>
-      </p:sp>
-      <p:sp>
-        <p:nvSpPr>
-          <p:cNvPr id="3" name="Title 2"/>
-          <p:cNvSpPr>
-            <a:spLocks noGrp="1"/>
-          </p:cNvSpPr>
-          <p:nvPr>
-            <p:ph type="title"/>
-          </p:nvPr>
-        </p:nvSpPr>
-        <p:spPr/>
-        <p:txBody>
-          <a:bodyPr/>
-          <a:lstStyle/>
-          <a:p>
-            <a:r>
-              <a:rPr lang="en-US" dirty="0" err="1" smtClean="0"/>
-              <a:t>OVerview</a:t>
-            </a:r>
-            <a:endParaRPr lang="en-US" dirty="0"/>
-          </a:p>
-        </p:txBody>
-      </p:sp>
-    </p:spTree>
-    <p:extLst>
-      <p:ext uri="{BB962C8B-B14F-4D97-AF65-F5344CB8AC3E}">
-        <p14:creationId xmlns:p14="http://schemas.microsoft.com/office/powerpoint/2010/main" val="1160544037"/>
-      </p:ext>
-    </p:extLst>
-  </p:cSld>
-  <p:clrMapOvr>
-    <a:masterClrMapping/>
-  </p:clrMapOvr>
-</p:sld>
-</file>
-
-<file path=ppt/slides/slide20.xml><?xml version="1.0" encoding="utf-8"?>
-<p:sld xmlns:a="http://schemas.openxmlformats.org/drawingml/2006/main" xmlns:r="http://schemas.openxmlformats.org/officeDocument/2006/relationships" xmlns:p="http://schemas.openxmlformats.org/presentationml/2006/main">
-  <p:cSld>
-    <p:spTree>
-      <p:nvGrpSpPr>
-        <p:cNvPr id="1" name=""/>
-        <p:cNvGrpSpPr/>
-        <p:nvPr/>
-      </p:nvGrpSpPr>
-      <p:grpSpPr>
-        <a:xfrm>
-          <a:off x="0" y="0"/>
-          <a:ext cx="0" cy="0"/>
-          <a:chOff x="0" y="0"/>
-          <a:chExt cx="0" cy="0"/>
-        </a:xfrm>
-      </p:grpSpPr>
-      <p:sp>
-        <p:nvSpPr>
-          <p:cNvPr id="28674" name="Content Placeholder 4"/>
-          <p:cNvSpPr txBox="1">
-            <a:spLocks/>
-          </p:cNvSpPr>
-          <p:nvPr/>
-        </p:nvSpPr>
-        <p:spPr bwMode="auto">
-          <a:xfrm>
-            <a:off x="327025" y="1704975"/>
-            <a:ext cx="3152775" cy="3498850"/>
-          </a:xfrm>
-          <a:prstGeom prst="rect">
-            <a:avLst/>
-          </a:prstGeom>
-          <a:noFill/>
-          <a:ln>
-            <a:noFill/>
-          </a:ln>
-          <a:extLst>
-            <a:ext uri="{909E8E84-426E-40DD-AFC4-6F175D3DCCD1}">
-              <a14:hiddenFill xmlns:a14="http://schemas.microsoft.com/office/drawing/2010/main">
-                <a:solidFill>
-                  <a:srgbClr val="FFFFFF"/>
-                </a:solidFill>
-              </a14:hiddenFill>
-            </a:ext>
-            <a:ext uri="{91240B29-F687-4F45-9708-019B960494DF}">
-              <a14:hiddenLine xmlns:a14="http://schemas.microsoft.com/office/drawing/2010/main" w="9525">
-                <a:solidFill>
-                  <a:srgbClr val="000000"/>
-                </a:solidFill>
-                <a:miter lim="800000"/>
-                <a:headEnd/>
-                <a:tailEnd/>
-              </a14:hiddenLine>
-            </a:ext>
-          </a:extLst>
-        </p:spPr>
-        <p:txBody>
-          <a:bodyPr/>
-          <a:lstStyle>
-            <a:lvl1pPr eaLnBrk="0" hangingPunct="0">
-              <a:defRPr sz="2400">
-                <a:solidFill>
-                  <a:schemeClr val="tx1"/>
-                </a:solidFill>
-                <a:latin typeface="Arial" charset="0"/>
-                <a:ea typeface="ＭＳ Ｐゴシック" charset="-128"/>
-              </a:defRPr>
-            </a:lvl1pPr>
-            <a:lvl2pPr marL="742950" indent="-285750" eaLnBrk="0" hangingPunct="0">
-              <a:defRPr sz="2400">
-                <a:solidFill>
-                  <a:schemeClr val="tx1"/>
-                </a:solidFill>
-                <a:latin typeface="Arial" charset="0"/>
-                <a:ea typeface="ＭＳ Ｐゴシック" charset="-128"/>
-              </a:defRPr>
-            </a:lvl2pPr>
-            <a:lvl3pPr marL="1143000" indent="-228600" eaLnBrk="0" hangingPunct="0">
-              <a:defRPr sz="2400">
-                <a:solidFill>
-                  <a:schemeClr val="tx1"/>
-                </a:solidFill>
-                <a:latin typeface="Arial" charset="0"/>
-                <a:ea typeface="ＭＳ Ｐゴシック" charset="-128"/>
-              </a:defRPr>
-            </a:lvl3pPr>
-            <a:lvl4pPr marL="1600200" indent="-228600" eaLnBrk="0" hangingPunct="0">
-              <a:defRPr sz="2400">
-                <a:solidFill>
-                  <a:schemeClr val="tx1"/>
-                </a:solidFill>
-                <a:latin typeface="Arial" charset="0"/>
-                <a:ea typeface="ＭＳ Ｐゴシック" charset="-128"/>
-              </a:defRPr>
-            </a:lvl4pPr>
-            <a:lvl5pPr marL="2057400" indent="-228600" eaLnBrk="0" hangingPunct="0">
-              <a:defRPr sz="2400">
-                <a:solidFill>
-                  <a:schemeClr val="tx1"/>
-                </a:solidFill>
-                <a:latin typeface="Arial" charset="0"/>
-                <a:ea typeface="ＭＳ Ｐゴシック" charset="-128"/>
-              </a:defRPr>
-            </a:lvl5pPr>
-            <a:lvl6pPr marL="2514600" indent="-228600" eaLnBrk="0" fontAlgn="base" hangingPunct="0">
-              <a:spcBef>
-                <a:spcPct val="0"/>
-              </a:spcBef>
-              <a:spcAft>
-                <a:spcPct val="0"/>
-              </a:spcAft>
-              <a:defRPr sz="2400">
-                <a:solidFill>
-                  <a:schemeClr val="tx1"/>
-                </a:solidFill>
-                <a:latin typeface="Arial" charset="0"/>
-                <a:ea typeface="ＭＳ Ｐゴシック" charset="-128"/>
-              </a:defRPr>
-            </a:lvl6pPr>
-            <a:lvl7pPr marL="2971800" indent="-228600" eaLnBrk="0" fontAlgn="base" hangingPunct="0">
-              <a:spcBef>
-                <a:spcPct val="0"/>
-              </a:spcBef>
-              <a:spcAft>
-                <a:spcPct val="0"/>
-              </a:spcAft>
-              <a:defRPr sz="2400">
-                <a:solidFill>
-                  <a:schemeClr val="tx1"/>
-                </a:solidFill>
-                <a:latin typeface="Arial" charset="0"/>
-                <a:ea typeface="ＭＳ Ｐゴシック" charset="-128"/>
-              </a:defRPr>
-            </a:lvl7pPr>
-            <a:lvl8pPr marL="3429000" indent="-228600" eaLnBrk="0" fontAlgn="base" hangingPunct="0">
-              <a:spcBef>
-                <a:spcPct val="0"/>
-              </a:spcBef>
-              <a:spcAft>
-                <a:spcPct val="0"/>
-              </a:spcAft>
-              <a:defRPr sz="2400">
-                <a:solidFill>
-                  <a:schemeClr val="tx1"/>
-                </a:solidFill>
-                <a:latin typeface="Arial" charset="0"/>
-                <a:ea typeface="ＭＳ Ｐゴシック" charset="-128"/>
-              </a:defRPr>
-            </a:lvl8pPr>
-            <a:lvl9pPr marL="3886200" indent="-228600" eaLnBrk="0" fontAlgn="base" hangingPunct="0">
-              <a:spcBef>
-                <a:spcPct val="0"/>
-              </a:spcBef>
-              <a:spcAft>
-                <a:spcPct val="0"/>
-              </a:spcAft>
-              <a:defRPr sz="2400">
-                <a:solidFill>
-                  <a:schemeClr val="tx1"/>
-                </a:solidFill>
-                <a:latin typeface="Arial" charset="0"/>
-                <a:ea typeface="ＭＳ Ｐゴシック" charset="-128"/>
-              </a:defRPr>
-            </a:lvl9pPr>
-          </a:lstStyle>
-          <a:p>
-            <a:pPr eaLnBrk="1" hangingPunct="1">
-              <a:spcBef>
-                <a:spcPct val="20000"/>
-              </a:spcBef>
-              <a:buFont typeface="Arial" charset="0"/>
-              <a:buNone/>
-            </a:pPr>
-            <a:r>
-              <a:rPr lang="en-US" altLang="en-US" sz="2200" dirty="0"/>
-              <a:t>Each template has </a:t>
-            </a:r>
-            <a:r>
-              <a:rPr lang="en-US" altLang="en-US" sz="2200" dirty="0" smtClean="0"/>
-              <a:t>it</a:t>
-            </a:r>
-            <a:r>
-              <a:rPr lang="en-US" altLang="ja-JP" sz="2200" dirty="0" smtClean="0"/>
-              <a:t>s </a:t>
-            </a:r>
-            <a:r>
-              <a:rPr lang="en-US" altLang="ja-JP" sz="2200" dirty="0"/>
-              <a:t>own color palette. It is the top row of colors under the </a:t>
-            </a:r>
-            <a:r>
-              <a:rPr lang="ja-JP" altLang="en-US" sz="2200" dirty="0"/>
-              <a:t>“</a:t>
-            </a:r>
-            <a:r>
-              <a:rPr lang="en-US" altLang="ja-JP" sz="2200" dirty="0"/>
-              <a:t>Font Color,</a:t>
-            </a:r>
-            <a:r>
-              <a:rPr lang="ja-JP" altLang="en-US" sz="2200" dirty="0"/>
-              <a:t>”</a:t>
-            </a:r>
-            <a:r>
-              <a:rPr lang="en-US" altLang="ja-JP" sz="2200" dirty="0"/>
-              <a:t> </a:t>
-            </a:r>
-            <a:r>
-              <a:rPr lang="ja-JP" altLang="en-US" sz="2200" dirty="0"/>
-              <a:t>“</a:t>
-            </a:r>
-            <a:r>
-              <a:rPr lang="en-US" altLang="ja-JP" sz="2200" dirty="0"/>
-              <a:t>Shape Fill</a:t>
-            </a:r>
-            <a:r>
-              <a:rPr lang="ja-JP" altLang="en-US" sz="2200" dirty="0"/>
-              <a:t>”</a:t>
-            </a:r>
-            <a:r>
-              <a:rPr lang="en-US" altLang="ja-JP" sz="2200" dirty="0"/>
-              <a:t> and </a:t>
-            </a:r>
-            <a:r>
-              <a:rPr lang="ja-JP" altLang="en-US" sz="2200" dirty="0"/>
-              <a:t>“</a:t>
-            </a:r>
-            <a:r>
-              <a:rPr lang="en-US" altLang="ja-JP" sz="2200" dirty="0"/>
-              <a:t>Shape Outline</a:t>
-            </a:r>
-            <a:r>
-              <a:rPr lang="ja-JP" altLang="en-US" sz="2200" dirty="0" smtClean="0"/>
-              <a:t>”</a:t>
-            </a:r>
-            <a:r>
-              <a:rPr lang="en-US" altLang="ja-JP" sz="2200" dirty="0"/>
-              <a:t> </a:t>
-            </a:r>
-            <a:r>
-              <a:rPr lang="en-US" altLang="ja-JP" sz="2200" dirty="0" smtClean="0"/>
-              <a:t>menus</a:t>
-            </a:r>
-            <a:endParaRPr lang="en-US" altLang="en-US" sz="2200" dirty="0"/>
-          </a:p>
-        </p:txBody>
-      </p:sp>
-      <p:sp>
-        <p:nvSpPr>
-          <p:cNvPr id="2" name="Title 1"/>
-          <p:cNvSpPr>
-            <a:spLocks noGrp="1"/>
-          </p:cNvSpPr>
-          <p:nvPr>
-            <p:ph type="title"/>
-          </p:nvPr>
-        </p:nvSpPr>
-        <p:spPr/>
-        <p:txBody>
-          <a:bodyPr/>
-          <a:lstStyle/>
-          <a:p>
-            <a:r>
-              <a:rPr lang="en-US" dirty="0"/>
-              <a:t>Color Palette</a:t>
-            </a:r>
-          </a:p>
-        </p:txBody>
-      </p:sp>
-      <p:sp>
-        <p:nvSpPr>
-          <p:cNvPr id="18" name="Rectangle 17"/>
-          <p:cNvSpPr/>
-          <p:nvPr/>
-        </p:nvSpPr>
-        <p:spPr>
-          <a:xfrm>
-            <a:off x="568325" y="4494213"/>
-            <a:ext cx="557213" cy="558800"/>
-          </a:xfrm>
-          <a:prstGeom prst="rect">
-            <a:avLst/>
-          </a:prstGeom>
-          <a:solidFill>
-            <a:schemeClr val="bg1"/>
-          </a:solidFill>
-        </p:spPr>
-        <p:style>
-          <a:lnRef idx="2">
-            <a:schemeClr val="accent1">
-              <a:shade val="50000"/>
-            </a:schemeClr>
-          </a:lnRef>
-          <a:fillRef idx="1">
-            <a:schemeClr val="accent1"/>
-          </a:fillRef>
-          <a:effectRef idx="0">
-            <a:schemeClr val="accent1"/>
-          </a:effectRef>
-          <a:fontRef idx="minor">
-            <a:schemeClr val="lt1"/>
-          </a:fontRef>
-        </p:style>
-        <p:txBody>
-          <a:bodyPr anchor="ctr"/>
-          <a:lstStyle/>
-          <a:p>
-            <a:pPr algn="ctr">
-              <a:defRPr/>
-            </a:pPr>
-            <a:endParaRPr lang="en-US" sz="1800" dirty="0"/>
-          </a:p>
-        </p:txBody>
-      </p:sp>
-      <p:sp>
-        <p:nvSpPr>
-          <p:cNvPr id="19" name="Rectangle 18"/>
-          <p:cNvSpPr/>
-          <p:nvPr/>
-        </p:nvSpPr>
-        <p:spPr>
-          <a:xfrm>
-            <a:off x="1289050" y="4494213"/>
-            <a:ext cx="557213" cy="558800"/>
-          </a:xfrm>
-          <a:prstGeom prst="rect">
-            <a:avLst/>
-          </a:prstGeom>
-          <a:solidFill>
-            <a:schemeClr val="tx1"/>
-          </a:solidFill>
-          <a:ln>
-            <a:noFill/>
-          </a:ln>
-        </p:spPr>
-        <p:style>
-          <a:lnRef idx="2">
-            <a:schemeClr val="accent1">
-              <a:shade val="50000"/>
-            </a:schemeClr>
-          </a:lnRef>
-          <a:fillRef idx="1">
-            <a:schemeClr val="accent1"/>
-          </a:fillRef>
-          <a:effectRef idx="0">
-            <a:schemeClr val="accent1"/>
-          </a:effectRef>
-          <a:fontRef idx="minor">
-            <a:schemeClr val="lt1"/>
-          </a:fontRef>
-        </p:style>
-        <p:txBody>
-          <a:bodyPr anchor="ctr"/>
-          <a:lstStyle/>
-          <a:p>
-            <a:pPr algn="ctr">
-              <a:defRPr/>
-            </a:pPr>
-            <a:endParaRPr lang="en-US" sz="1800" dirty="0"/>
-          </a:p>
-        </p:txBody>
-      </p:sp>
-      <p:sp>
-        <p:nvSpPr>
-          <p:cNvPr id="20" name="Rectangle 19"/>
-          <p:cNvSpPr/>
-          <p:nvPr/>
-        </p:nvSpPr>
-        <p:spPr>
-          <a:xfrm>
-            <a:off x="2009775" y="4494213"/>
-            <a:ext cx="558800" cy="558800"/>
-          </a:xfrm>
-          <a:prstGeom prst="rect">
-            <a:avLst/>
-          </a:prstGeom>
-          <a:solidFill>
-            <a:schemeClr val="bg2"/>
-          </a:solidFill>
-          <a:ln>
-            <a:noFill/>
-          </a:ln>
-        </p:spPr>
-        <p:style>
-          <a:lnRef idx="2">
-            <a:schemeClr val="accent1">
-              <a:shade val="50000"/>
-            </a:schemeClr>
-          </a:lnRef>
-          <a:fillRef idx="1">
-            <a:schemeClr val="accent1"/>
-          </a:fillRef>
-          <a:effectRef idx="0">
-            <a:schemeClr val="accent1"/>
-          </a:effectRef>
-          <a:fontRef idx="minor">
-            <a:schemeClr val="lt1"/>
-          </a:fontRef>
-        </p:style>
-        <p:txBody>
-          <a:bodyPr anchor="ctr"/>
-          <a:lstStyle/>
-          <a:p>
-            <a:pPr algn="ctr">
-              <a:defRPr/>
-            </a:pPr>
-            <a:endParaRPr lang="en-US" sz="1800" dirty="0"/>
-          </a:p>
-        </p:txBody>
-      </p:sp>
-      <p:sp>
-        <p:nvSpPr>
-          <p:cNvPr id="21" name="Rectangle 20"/>
-          <p:cNvSpPr/>
-          <p:nvPr/>
-        </p:nvSpPr>
-        <p:spPr>
-          <a:xfrm>
-            <a:off x="2730500" y="4494213"/>
-            <a:ext cx="558800" cy="558800"/>
-          </a:xfrm>
-          <a:prstGeom prst="rect">
-            <a:avLst/>
-          </a:prstGeom>
-          <a:solidFill>
-            <a:schemeClr val="tx2"/>
-          </a:solidFill>
-          <a:ln>
-            <a:noFill/>
-          </a:ln>
-        </p:spPr>
-        <p:style>
-          <a:lnRef idx="2">
-            <a:schemeClr val="accent1">
-              <a:shade val="50000"/>
-            </a:schemeClr>
-          </a:lnRef>
-          <a:fillRef idx="1">
-            <a:schemeClr val="accent1"/>
-          </a:fillRef>
-          <a:effectRef idx="0">
-            <a:schemeClr val="accent1"/>
-          </a:effectRef>
-          <a:fontRef idx="minor">
-            <a:schemeClr val="lt1"/>
-          </a:fontRef>
-        </p:style>
-        <p:txBody>
-          <a:bodyPr anchor="ctr"/>
-          <a:lstStyle/>
-          <a:p>
-            <a:pPr algn="ctr">
-              <a:defRPr/>
-            </a:pPr>
-            <a:endParaRPr lang="en-US" sz="1800" dirty="0"/>
-          </a:p>
-        </p:txBody>
-      </p:sp>
-      <p:sp>
-        <p:nvSpPr>
-          <p:cNvPr id="22" name="Rectangle 21"/>
-          <p:cNvSpPr/>
-          <p:nvPr/>
-        </p:nvSpPr>
-        <p:spPr>
-          <a:xfrm>
-            <a:off x="3451225" y="4494213"/>
-            <a:ext cx="558800" cy="558800"/>
-          </a:xfrm>
-          <a:prstGeom prst="rect">
-            <a:avLst/>
-          </a:prstGeom>
-          <a:ln>
-            <a:noFill/>
-          </a:ln>
-        </p:spPr>
-        <p:style>
-          <a:lnRef idx="2">
-            <a:schemeClr val="accent1">
-              <a:shade val="50000"/>
-            </a:schemeClr>
-          </a:lnRef>
-          <a:fillRef idx="1">
-            <a:schemeClr val="accent1"/>
-          </a:fillRef>
-          <a:effectRef idx="0">
-            <a:schemeClr val="accent1"/>
-          </a:effectRef>
-          <a:fontRef idx="minor">
-            <a:schemeClr val="lt1"/>
-          </a:fontRef>
-        </p:style>
-        <p:txBody>
-          <a:bodyPr anchor="ctr"/>
-          <a:lstStyle/>
-          <a:p>
-            <a:pPr algn="ctr">
-              <a:defRPr/>
-            </a:pPr>
-            <a:endParaRPr lang="en-US" sz="1800" dirty="0"/>
-          </a:p>
-        </p:txBody>
-      </p:sp>
-      <p:sp>
-        <p:nvSpPr>
-          <p:cNvPr id="23" name="Rectangle 22"/>
-          <p:cNvSpPr/>
-          <p:nvPr/>
-        </p:nvSpPr>
-        <p:spPr>
-          <a:xfrm>
-            <a:off x="4171950" y="4494213"/>
-            <a:ext cx="558800" cy="558800"/>
-          </a:xfrm>
-          <a:prstGeom prst="rect">
-            <a:avLst/>
-          </a:prstGeom>
-          <a:solidFill>
-            <a:schemeClr val="accent2"/>
-          </a:solidFill>
-          <a:ln>
-            <a:noFill/>
-          </a:ln>
-        </p:spPr>
-        <p:style>
-          <a:lnRef idx="2">
-            <a:schemeClr val="accent1">
-              <a:shade val="50000"/>
-            </a:schemeClr>
-          </a:lnRef>
-          <a:fillRef idx="1">
-            <a:schemeClr val="accent1"/>
-          </a:fillRef>
-          <a:effectRef idx="0">
-            <a:schemeClr val="accent1"/>
-          </a:effectRef>
-          <a:fontRef idx="minor">
-            <a:schemeClr val="lt1"/>
-          </a:fontRef>
-        </p:style>
-        <p:txBody>
-          <a:bodyPr anchor="ctr"/>
-          <a:lstStyle/>
-          <a:p>
-            <a:pPr algn="ctr">
-              <a:defRPr/>
-            </a:pPr>
-            <a:endParaRPr lang="en-US" sz="1800" dirty="0"/>
-          </a:p>
-        </p:txBody>
-      </p:sp>
-      <p:sp>
-        <p:nvSpPr>
-          <p:cNvPr id="24" name="Rectangle 23"/>
-          <p:cNvSpPr/>
-          <p:nvPr/>
-        </p:nvSpPr>
-        <p:spPr>
-          <a:xfrm>
-            <a:off x="4892675" y="4494213"/>
-            <a:ext cx="558800" cy="558800"/>
-          </a:xfrm>
-          <a:prstGeom prst="rect">
-            <a:avLst/>
-          </a:prstGeom>
-          <a:solidFill>
-            <a:schemeClr val="accent3"/>
-          </a:solidFill>
-          <a:ln>
-            <a:noFill/>
-          </a:ln>
-        </p:spPr>
-        <p:style>
-          <a:lnRef idx="2">
-            <a:schemeClr val="accent1">
-              <a:shade val="50000"/>
-            </a:schemeClr>
-          </a:lnRef>
-          <a:fillRef idx="1">
-            <a:schemeClr val="accent1"/>
-          </a:fillRef>
-          <a:effectRef idx="0">
-            <a:schemeClr val="accent1"/>
-          </a:effectRef>
-          <a:fontRef idx="minor">
-            <a:schemeClr val="lt1"/>
-          </a:fontRef>
-        </p:style>
-        <p:txBody>
-          <a:bodyPr anchor="ctr"/>
-          <a:lstStyle/>
-          <a:p>
-            <a:pPr algn="ctr">
-              <a:defRPr/>
-            </a:pPr>
-            <a:endParaRPr lang="en-US" sz="1800" dirty="0"/>
-          </a:p>
-        </p:txBody>
-      </p:sp>
-      <p:sp>
-        <p:nvSpPr>
-          <p:cNvPr id="25" name="Rectangle 24"/>
-          <p:cNvSpPr/>
-          <p:nvPr/>
-        </p:nvSpPr>
-        <p:spPr>
-          <a:xfrm>
-            <a:off x="5613400" y="4494213"/>
-            <a:ext cx="558800" cy="558800"/>
-          </a:xfrm>
-          <a:prstGeom prst="rect">
-            <a:avLst/>
-          </a:prstGeom>
-          <a:solidFill>
-            <a:schemeClr val="accent4"/>
-          </a:solidFill>
-          <a:ln>
-            <a:noFill/>
-          </a:ln>
-        </p:spPr>
-        <p:style>
-          <a:lnRef idx="2">
-            <a:schemeClr val="accent1">
-              <a:shade val="50000"/>
-            </a:schemeClr>
-          </a:lnRef>
-          <a:fillRef idx="1">
-            <a:schemeClr val="accent1"/>
-          </a:fillRef>
-          <a:effectRef idx="0">
-            <a:schemeClr val="accent1"/>
-          </a:effectRef>
-          <a:fontRef idx="minor">
-            <a:schemeClr val="lt1"/>
-          </a:fontRef>
-        </p:style>
-        <p:txBody>
-          <a:bodyPr anchor="ctr"/>
-          <a:lstStyle/>
-          <a:p>
-            <a:pPr algn="ctr">
-              <a:defRPr/>
-            </a:pPr>
-            <a:endParaRPr lang="en-US" sz="1800" dirty="0"/>
-          </a:p>
-        </p:txBody>
-      </p:sp>
-      <p:sp>
-        <p:nvSpPr>
-          <p:cNvPr id="26" name="Rectangle 25"/>
-          <p:cNvSpPr/>
-          <p:nvPr/>
-        </p:nvSpPr>
-        <p:spPr>
-          <a:xfrm>
-            <a:off x="6334125" y="4494213"/>
-            <a:ext cx="558800" cy="558800"/>
-          </a:xfrm>
-          <a:prstGeom prst="rect">
-            <a:avLst/>
-          </a:prstGeom>
-          <a:solidFill>
-            <a:schemeClr val="accent5"/>
-          </a:solidFill>
-          <a:ln>
-            <a:noFill/>
-          </a:ln>
-        </p:spPr>
-        <p:style>
-          <a:lnRef idx="2">
-            <a:schemeClr val="accent1">
-              <a:shade val="50000"/>
-            </a:schemeClr>
-          </a:lnRef>
-          <a:fillRef idx="1">
-            <a:schemeClr val="accent1"/>
-          </a:fillRef>
-          <a:effectRef idx="0">
-            <a:schemeClr val="accent1"/>
-          </a:effectRef>
-          <a:fontRef idx="minor">
-            <a:schemeClr val="lt1"/>
-          </a:fontRef>
-        </p:style>
-        <p:txBody>
-          <a:bodyPr anchor="ctr"/>
-          <a:lstStyle/>
-          <a:p>
-            <a:pPr algn="ctr">
-              <a:defRPr/>
-            </a:pPr>
-            <a:endParaRPr lang="en-US" sz="1800" dirty="0"/>
-          </a:p>
-        </p:txBody>
-      </p:sp>
-      <p:sp>
-        <p:nvSpPr>
-          <p:cNvPr id="27" name="Rectangle 26"/>
-          <p:cNvSpPr/>
-          <p:nvPr/>
-        </p:nvSpPr>
-        <p:spPr>
-          <a:xfrm>
-            <a:off x="7054850" y="4494213"/>
-            <a:ext cx="558800" cy="558800"/>
-          </a:xfrm>
-          <a:prstGeom prst="rect">
-            <a:avLst/>
-          </a:prstGeom>
-          <a:solidFill>
-            <a:schemeClr val="accent6"/>
-          </a:solidFill>
-          <a:ln>
-            <a:noFill/>
-          </a:ln>
-        </p:spPr>
-        <p:style>
-          <a:lnRef idx="2">
-            <a:schemeClr val="accent1">
-              <a:shade val="50000"/>
-            </a:schemeClr>
-          </a:lnRef>
-          <a:fillRef idx="1">
-            <a:schemeClr val="accent1"/>
-          </a:fillRef>
-          <a:effectRef idx="0">
-            <a:schemeClr val="accent1"/>
-          </a:effectRef>
-          <a:fontRef idx="minor">
-            <a:schemeClr val="lt1"/>
-          </a:fontRef>
-        </p:style>
-        <p:txBody>
-          <a:bodyPr anchor="ctr"/>
-          <a:lstStyle/>
-          <a:p>
-            <a:pPr algn="ctr">
-              <a:defRPr/>
-            </a:pPr>
-            <a:endParaRPr lang="en-US" sz="1800" dirty="0"/>
-          </a:p>
-        </p:txBody>
-      </p:sp>
-      <p:pic>
-        <p:nvPicPr>
-          <p:cNvPr id="28686" name="Picture 14" descr="x.jpg"/>
-          <p:cNvPicPr>
-            <a:picLocks noChangeAspect="1"/>
-          </p:cNvPicPr>
-          <p:nvPr/>
-        </p:nvPicPr>
-        <p:blipFill>
-          <a:blip r:embed="rId2">
-            <a:extLst>
-              <a:ext uri="{28A0092B-C50C-407E-A947-70E740481C1C}">
-                <a14:useLocalDpi xmlns:a14="http://schemas.microsoft.com/office/drawing/2010/main" val="0"/>
-              </a:ext>
-            </a:extLst>
-          </a:blip>
-          <a:srcRect/>
-          <a:stretch>
-            <a:fillRect/>
-          </a:stretch>
-        </p:blipFill>
-        <p:spPr bwMode="auto">
-          <a:xfrm>
-            <a:off x="3484563" y="1587500"/>
-            <a:ext cx="4565650" cy="2565400"/>
-          </a:xfrm>
-          <a:prstGeom prst="rect">
-            <a:avLst/>
-          </a:prstGeom>
-          <a:noFill/>
-          <a:ln>
-            <a:noFill/>
-          </a:ln>
-          <a:extLst>
-            <a:ext uri="{909E8E84-426E-40DD-AFC4-6F175D3DCCD1}">
-              <a14:hiddenFill xmlns:a14="http://schemas.microsoft.com/office/drawing/2010/main">
-                <a:solidFill>
-                  <a:srgbClr val="FFFFFF"/>
-                </a:solidFill>
-              </a14:hiddenFill>
-            </a:ext>
-            <a:ext uri="{91240B29-F687-4F45-9708-019B960494DF}">
-              <a14:hiddenLine xmlns:a14="http://schemas.microsoft.com/office/drawing/2010/main" w="9525">
-                <a:solidFill>
-                  <a:srgbClr val="000000"/>
-                </a:solidFill>
-                <a:miter lim="800000"/>
-                <a:headEnd/>
-                <a:tailEnd/>
-              </a14:hiddenLine>
-            </a:ext>
-          </a:extLst>
-        </p:spPr>
-      </p:pic>
-    </p:spTree>
-  </p:cSld>
-  <p:clrMapOvr>
-    <a:masterClrMapping/>
-  </p:clrMapOvr>
-  <mc:AlternateContent xmlns:mc="http://schemas.openxmlformats.org/markup-compatibility/2006" xmlns:p14="http://schemas.microsoft.com/office/powerpoint/2010/main">
-    <mc:Choice Requires="p14">
-      <p:transition p14:dur="0"/>
-    </mc:Choice>
-    <mc:Fallback xmlns="">
-      <p:transition/>
-    </mc:Fallback>
-  </mc:AlternateContent>
-  <p:timing>
-    <p:tnLst>
-      <p:par>
-        <p:cTn id="1" dur="indefinite" restart="never" nodeType="tmRoot"/>
-      </p:par>
-    </p:tnLst>
-  </p:timing>
-</p:sld>
-</file>
-
-<file path=ppt/slides/slide3.xml><?xml version="1.0" encoding="utf-8"?>
-<p:sld xmlns:a="http://schemas.openxmlformats.org/drawingml/2006/main" xmlns:r="http://schemas.openxmlformats.org/officeDocument/2006/relationships" xmlns:p="http://schemas.openxmlformats.org/presentationml/2006/main">
-  <p:cSld>
-    <p:spTree>
-      <p:nvGrpSpPr>
-        <p:cNvPr id="1" name=""/>
-        <p:cNvGrpSpPr/>
-        <p:nvPr/>
-      </p:nvGrpSpPr>
-      <p:grpSpPr>
-        <a:xfrm>
-          <a:off x="0" y="0"/>
-          <a:ext cx="0" cy="0"/>
-          <a:chOff x="0" y="0"/>
-          <a:chExt cx="0" cy="0"/>
-        </a:xfrm>
-      </p:grpSpPr>
       <p:pic>
         <p:nvPicPr>
           <p:cNvPr id="7" name="Content Placeholder 6"/>
@@ -18505,7 +19546,7 @@
           </p:nvPr>
         </p:nvPicPr>
         <p:blipFill>
-          <a:blip r:embed="rId2">
+          <a:blip r:embed="rId3">
             <a:extLst>
               <a:ext uri="{28A0092B-C50C-407E-A947-70E740481C1C}">
                 <a14:useLocalDpi xmlns:a14="http://schemas.microsoft.com/office/drawing/2010/main" val="0"/>
@@ -18838,10 +19879,315 @@
   <p:clrMapOvr>
     <a:masterClrMapping/>
   </p:clrMapOvr>
+  <p:timing>
+    <p:tnLst>
+      <p:par>
+        <p:cTn id="1" dur="indefinite" restart="never" nodeType="tmRoot"/>
+      </p:par>
+    </p:tnLst>
+  </p:timing>
 </p:sld>
 </file>
 
-<file path=ppt/slides/slide4.xml><?xml version="1.0" encoding="utf-8"?>
+<file path=ppt/slides/slide20.xml><?xml version="1.0" encoding="utf-8"?>
+<p:sld xmlns:a="http://schemas.openxmlformats.org/drawingml/2006/main" xmlns:r="http://schemas.openxmlformats.org/officeDocument/2006/relationships" xmlns:p="http://schemas.openxmlformats.org/presentationml/2006/main">
+  <p:cSld>
+    <p:spTree>
+      <p:nvGrpSpPr>
+        <p:cNvPr id="1" name=""/>
+        <p:cNvGrpSpPr/>
+        <p:nvPr/>
+      </p:nvGrpSpPr>
+      <p:grpSpPr>
+        <a:xfrm>
+          <a:off x="0" y="0"/>
+          <a:ext cx="0" cy="0"/>
+          <a:chOff x="0" y="0"/>
+          <a:chExt cx="0" cy="0"/>
+        </a:xfrm>
+      </p:grpSpPr>
+      <p:sp>
+        <p:nvSpPr>
+          <p:cNvPr id="2" name="Title 1"/>
+          <p:cNvSpPr>
+            <a:spLocks noGrp="1"/>
+          </p:cNvSpPr>
+          <p:nvPr>
+            <p:ph type="title"/>
+          </p:nvPr>
+        </p:nvSpPr>
+        <p:spPr/>
+        <p:txBody>
+          <a:bodyPr/>
+          <a:lstStyle/>
+          <a:p>
+            <a:r>
+              <a:rPr lang="en-US" dirty="0" smtClean="0"/>
+              <a:t>Correlations</a:t>
+            </a:r>
+            <a:endParaRPr lang="en-US" dirty="0"/>
+          </a:p>
+        </p:txBody>
+      </p:sp>
+      <p:pic>
+        <p:nvPicPr>
+          <p:cNvPr id="3" name="Image13"/>
+          <p:cNvPicPr/>
+          <p:nvPr/>
+        </p:nvPicPr>
+        <p:blipFill>
+          <a:blip r:embed="rId2"/>
+          <a:stretch>
+            <a:fillRect/>
+          </a:stretch>
+        </p:blipFill>
+        <p:spPr bwMode="auto">
+          <a:xfrm>
+            <a:off x="2949888" y="1133698"/>
+            <a:ext cx="2926080" cy="1828800"/>
+          </a:xfrm>
+          <a:prstGeom prst="rect">
+            <a:avLst/>
+          </a:prstGeom>
+        </p:spPr>
+      </p:pic>
+      <p:pic>
+        <p:nvPicPr>
+          <p:cNvPr id="4" name="Image14"/>
+          <p:cNvPicPr/>
+          <p:nvPr/>
+        </p:nvPicPr>
+        <p:blipFill>
+          <a:blip r:embed="rId3"/>
+          <a:stretch>
+            <a:fillRect/>
+          </a:stretch>
+        </p:blipFill>
+        <p:spPr bwMode="auto">
+          <a:xfrm>
+            <a:off x="2949888" y="2962498"/>
+            <a:ext cx="2926080" cy="1828800"/>
+          </a:xfrm>
+          <a:prstGeom prst="rect">
+            <a:avLst/>
+          </a:prstGeom>
+        </p:spPr>
+      </p:pic>
+      <p:pic>
+        <p:nvPicPr>
+          <p:cNvPr id="6" name="Image15"/>
+          <p:cNvPicPr/>
+          <p:nvPr/>
+        </p:nvPicPr>
+        <p:blipFill>
+          <a:blip r:embed="rId4"/>
+          <a:stretch>
+            <a:fillRect/>
+          </a:stretch>
+        </p:blipFill>
+        <p:spPr bwMode="auto">
+          <a:xfrm>
+            <a:off x="2949888" y="4791298"/>
+            <a:ext cx="2926080" cy="1828800"/>
+          </a:xfrm>
+          <a:prstGeom prst="rect">
+            <a:avLst/>
+          </a:prstGeom>
+        </p:spPr>
+      </p:pic>
+    </p:spTree>
+    <p:extLst>
+      <p:ext uri="{BB962C8B-B14F-4D97-AF65-F5344CB8AC3E}">
+        <p14:creationId xmlns:p14="http://schemas.microsoft.com/office/powerpoint/2010/main" val="2983151766"/>
+      </p:ext>
+    </p:extLst>
+  </p:cSld>
+  <p:clrMapOvr>
+    <a:masterClrMapping/>
+  </p:clrMapOvr>
+  <p:timing>
+    <p:tnLst>
+      <p:par>
+        <p:cTn id="1" dur="indefinite" restart="never" nodeType="tmRoot"/>
+      </p:par>
+    </p:tnLst>
+  </p:timing>
+</p:sld>
+</file>
+
+<file path=ppt/slides/slide21.xml><?xml version="1.0" encoding="utf-8"?>
+<p:sld xmlns:a="http://schemas.openxmlformats.org/drawingml/2006/main" xmlns:r="http://schemas.openxmlformats.org/officeDocument/2006/relationships" xmlns:p="http://schemas.openxmlformats.org/presentationml/2006/main">
+  <p:cSld>
+    <p:spTree>
+      <p:nvGrpSpPr>
+        <p:cNvPr id="1" name=""/>
+        <p:cNvGrpSpPr/>
+        <p:nvPr/>
+      </p:nvGrpSpPr>
+      <p:grpSpPr>
+        <a:xfrm>
+          <a:off x="0" y="0"/>
+          <a:ext cx="0" cy="0"/>
+          <a:chOff x="0" y="0"/>
+          <a:chExt cx="0" cy="0"/>
+        </a:xfrm>
+      </p:grpSpPr>
+      <p:sp>
+        <p:nvSpPr>
+          <p:cNvPr id="4" name="Content Placeholder 3"/>
+          <p:cNvSpPr>
+            <a:spLocks noGrp="1"/>
+          </p:cNvSpPr>
+          <p:nvPr>
+            <p:ph idx="1"/>
+          </p:nvPr>
+        </p:nvSpPr>
+        <p:spPr/>
+        <p:txBody>
+          <a:bodyPr/>
+          <a:lstStyle/>
+          <a:p>
+            <a:r>
+              <a:rPr lang="en-US" dirty="0" smtClean="0"/>
+              <a:t>From AHFE submissions website </a:t>
+            </a:r>
+          </a:p>
+          <a:p>
+            <a:pPr lvl="1"/>
+            <a:r>
+              <a:rPr lang="en-US" dirty="0" smtClean="0"/>
+              <a:t>In </a:t>
+            </a:r>
+            <a:r>
+              <a:rPr lang="en-US" dirty="0"/>
+              <a:t>general, the duration of each presentation should last </a:t>
+            </a:r>
+            <a:r>
+              <a:rPr lang="en-US" b="1" dirty="0"/>
+              <a:t>15 min </a:t>
+            </a:r>
+            <a:r>
+              <a:rPr lang="en-US" dirty="0"/>
+              <a:t>with 2 min for discussion. The session chairs may, at their discretion, increase the time allocation to each presenter. Prepare and bring your presentation file saved in Microsoft PowerPoint (.</a:t>
+            </a:r>
+            <a:r>
+              <a:rPr lang="en-US" dirty="0" err="1"/>
+              <a:t>ppt</a:t>
+            </a:r>
+            <a:r>
+              <a:rPr lang="en-US" dirty="0"/>
+              <a:t>), (.</a:t>
+            </a:r>
+            <a:r>
+              <a:rPr lang="en-US" dirty="0" err="1"/>
+              <a:t>pptx</a:t>
+            </a:r>
+            <a:r>
+              <a:rPr lang="en-US" dirty="0"/>
+              <a:t>) file format. Internet access will NOT be available in the meeting rooms</a:t>
+            </a:r>
+            <a:r>
+              <a:rPr lang="en-US" dirty="0" smtClean="0"/>
+              <a:t>.</a:t>
+            </a:r>
+            <a:endParaRPr lang="en-US" dirty="0"/>
+          </a:p>
+          <a:p>
+            <a:pPr lvl="1"/>
+            <a:r>
+              <a:rPr lang="en-US" dirty="0" smtClean="0"/>
+              <a:t>Check </a:t>
+            </a:r>
+            <a:r>
+              <a:rPr lang="en-US" dirty="0"/>
+              <a:t>in at the Session Room, preferably 30-45 minutes before your session, to submit/upload your files and to preview your presentation. If checking in the day of your session, please arrive by at least 4 hours prior to the start of your session (this refers to the session start time, not the presentation start time). Each room is equipped with a laptop PC and a projection system</a:t>
+            </a:r>
+            <a:r>
+              <a:rPr lang="en-US" dirty="0" smtClean="0"/>
+              <a:t>.</a:t>
+            </a:r>
+            <a:endParaRPr lang="en-US" dirty="0"/>
+          </a:p>
+          <a:p>
+            <a:pPr lvl="1"/>
+            <a:r>
+              <a:rPr lang="en-US" dirty="0" smtClean="0"/>
+              <a:t>Session </a:t>
+            </a:r>
+            <a:r>
+              <a:rPr lang="en-US" dirty="0"/>
+              <a:t>chairs or support team will be available to assist with the upload of your files and provide the opportunity to preview and/or edit the presentation, as necessary</a:t>
+            </a:r>
+            <a:r>
+              <a:rPr lang="en-US" dirty="0" smtClean="0"/>
+              <a:t>.</a:t>
+            </a:r>
+            <a:endParaRPr lang="en-US" dirty="0"/>
+          </a:p>
+          <a:p>
+            <a:pPr lvl="1"/>
+            <a:r>
+              <a:rPr lang="en-US" dirty="0" smtClean="0"/>
+              <a:t>Bring </a:t>
+            </a:r>
+            <a:r>
+              <a:rPr lang="en-US" dirty="0"/>
+              <a:t>a Backup: Be sure to bring a backup copy of your presentation with you to the meeting. Please note, the Final Program may be changed due to speakers attendance, etc.</a:t>
+            </a:r>
+          </a:p>
+          <a:p>
+            <a:endParaRPr lang="en-US" dirty="0"/>
+          </a:p>
+        </p:txBody>
+      </p:sp>
+      <p:sp>
+        <p:nvSpPr>
+          <p:cNvPr id="3" name="Title 2"/>
+          <p:cNvSpPr>
+            <a:spLocks noGrp="1"/>
+          </p:cNvSpPr>
+          <p:nvPr>
+            <p:ph type="title"/>
+          </p:nvPr>
+        </p:nvSpPr>
+        <p:spPr/>
+        <p:txBody>
+          <a:bodyPr/>
+          <a:lstStyle/>
+          <a:p>
+            <a:r>
+              <a:rPr lang="en-US" dirty="0"/>
+              <a:t>SLIDE TITLE GOES </a:t>
+            </a:r>
+            <a:r>
+              <a:rPr lang="en-US" dirty="0" smtClean="0"/>
+              <a:t>HERE</a:t>
+            </a:r>
+            <a:endParaRPr lang="en-US" dirty="0"/>
+          </a:p>
+        </p:txBody>
+      </p:sp>
+    </p:spTree>
+    <p:extLst>
+      <p:ext uri="{BB962C8B-B14F-4D97-AF65-F5344CB8AC3E}">
+        <p14:creationId xmlns:p14="http://schemas.microsoft.com/office/powerpoint/2010/main" val="3534031518"/>
+      </p:ext>
+    </p:extLst>
+  </p:cSld>
+  <p:clrMapOvr>
+    <a:masterClrMapping/>
+  </p:clrMapOvr>
+  <p:timing>
+    <p:tnLst>
+      <p:par>
+        <p:cTn id="1" dur="indefinite" restart="never" nodeType="tmRoot"/>
+      </p:par>
+    </p:tnLst>
+  </p:timing>
+</p:sld>
+</file>
+
+<file path=ppt/slides/slide3.xml><?xml version="1.0" encoding="utf-8"?>
 <p:sld xmlns:a="http://schemas.openxmlformats.org/drawingml/2006/main" xmlns:r="http://schemas.openxmlformats.org/officeDocument/2006/relationships" xmlns:p="http://schemas.openxmlformats.org/presentationml/2006/main">
   <p:cSld>
     <p:spTree>
@@ -18954,7 +20300,7 @@
 </p:sld>
 </file>
 
-<file path=ppt/slides/slide5.xml><?xml version="1.0" encoding="utf-8"?>
+<file path=ppt/slides/slide4.xml><?xml version="1.0" encoding="utf-8"?>
 <p:sld xmlns:a="http://schemas.openxmlformats.org/drawingml/2006/main" xmlns:r="http://schemas.openxmlformats.org/officeDocument/2006/relationships" xmlns:p="http://schemas.openxmlformats.org/presentationml/2006/main">
   <p:cSld>
     <p:spTree>
@@ -19056,10 +20402,17 @@
   <p:clrMapOvr>
     <a:masterClrMapping/>
   </p:clrMapOvr>
+  <p:timing>
+    <p:tnLst>
+      <p:par>
+        <p:cTn id="1" dur="indefinite" restart="never" nodeType="tmRoot"/>
+      </p:par>
+    </p:tnLst>
+  </p:timing>
 </p:sld>
 </file>
 
-<file path=ppt/slides/slide6.xml><?xml version="1.0" encoding="utf-8"?>
+<file path=ppt/slides/slide5.xml><?xml version="1.0" encoding="utf-8"?>
 <p:sld xmlns:a="http://schemas.openxmlformats.org/drawingml/2006/main" xmlns:r="http://schemas.openxmlformats.org/officeDocument/2006/relationships" xmlns:p="http://schemas.openxmlformats.org/presentationml/2006/main">
   <p:cSld>
     <p:spTree>
@@ -19368,10 +20721,17 @@
   <p:clrMapOvr>
     <a:masterClrMapping/>
   </p:clrMapOvr>
+  <p:timing>
+    <p:tnLst>
+      <p:par>
+        <p:cTn id="1" dur="indefinite" restart="never" nodeType="tmRoot"/>
+      </p:par>
+    </p:tnLst>
+  </p:timing>
 </p:sld>
 </file>
 
-<file path=ppt/slides/slide7.xml><?xml version="1.0" encoding="utf-8"?>
+<file path=ppt/slides/slide6.xml><?xml version="1.0" encoding="utf-8"?>
 <p:sld xmlns:a="http://schemas.openxmlformats.org/drawingml/2006/main" xmlns:r="http://schemas.openxmlformats.org/officeDocument/2006/relationships" xmlns:p="http://schemas.openxmlformats.org/presentationml/2006/main">
   <p:cSld>
     <p:spTree>
@@ -19470,10 +20830,17 @@
   <p:clrMapOvr>
     <a:masterClrMapping/>
   </p:clrMapOvr>
+  <p:timing>
+    <p:tnLst>
+      <p:par>
+        <p:cTn id="1" dur="indefinite" restart="never" nodeType="tmRoot"/>
+      </p:par>
+    </p:tnLst>
+  </p:timing>
 </p:sld>
 </file>
 
-<file path=ppt/slides/slide8.xml><?xml version="1.0" encoding="utf-8"?>
+<file path=ppt/slides/slide7.xml><?xml version="1.0" encoding="utf-8"?>
 <p:sld xmlns:a="http://schemas.openxmlformats.org/drawingml/2006/main" xmlns:r="http://schemas.openxmlformats.org/officeDocument/2006/relationships" xmlns:p="http://schemas.openxmlformats.org/presentationml/2006/main">
   <p:cSld>
     <p:spTree>
@@ -19512,8 +20879,24 @@
           <a:p>
             <a:r>
               <a:rPr lang="en-US" dirty="0" smtClean="0"/>
-              <a:t>Plain more accurate, faster</a:t>
-            </a:r>
+              <a:t>Plain more accurate, </a:t>
+            </a:r>
+            <a:r>
+              <a:rPr lang="en-US" dirty="0" smtClean="0"/>
+              <a:t>faster</a:t>
+            </a:r>
+          </a:p>
+          <a:p>
+            <a:pPr lvl="1"/>
+            <a:r>
+              <a:rPr lang="en-US" dirty="0"/>
+              <a:t>Note – sizable minority of participants prefer markup, perform better with </a:t>
+            </a:r>
+            <a:r>
+              <a:rPr lang="en-US" dirty="0" smtClean="0"/>
+              <a:t>markup</a:t>
+            </a:r>
+            <a:endParaRPr lang="en-US" dirty="0" smtClean="0"/>
           </a:p>
           <a:p>
             <a:r>
@@ -19587,10 +20970,17 @@
   <p:clrMapOvr>
     <a:masterClrMapping/>
   </p:clrMapOvr>
+  <p:timing>
+    <p:tnLst>
+      <p:par>
+        <p:cTn id="1" dur="indefinite" restart="never" nodeType="tmRoot"/>
+      </p:par>
+    </p:tnLst>
+  </p:timing>
 </p:sld>
 </file>
 
-<file path=ppt/slides/slide9.xml><?xml version="1.0" encoding="utf-8"?>
+<file path=ppt/slides/slide8.xml><?xml version="1.0" encoding="utf-8"?>
 <p:sld xmlns:a="http://schemas.openxmlformats.org/drawingml/2006/main" xmlns:r="http://schemas.openxmlformats.org/officeDocument/2006/relationships" xmlns:p="http://schemas.openxmlformats.org/presentationml/2006/main">
   <p:cSld>
     <p:spTree>
@@ -19668,8 +21058,8 @@
         </p:blipFill>
         <p:spPr>
           <a:xfrm>
-            <a:off x="5531292" y="4096987"/>
-            <a:ext cx="3148013" cy="2066306"/>
+            <a:off x="5021705" y="3655451"/>
+            <a:ext cx="3657600" cy="2400792"/>
           </a:xfrm>
           <a:prstGeom prst="rect">
             <a:avLst/>
@@ -19680,6 +21070,139 @@
     <p:extLst>
       <p:ext uri="{BB962C8B-B14F-4D97-AF65-F5344CB8AC3E}">
         <p14:creationId xmlns:p14="http://schemas.microsoft.com/office/powerpoint/2010/main" val="189557537"/>
+      </p:ext>
+    </p:extLst>
+  </p:cSld>
+  <p:clrMapOvr>
+    <a:masterClrMapping/>
+  </p:clrMapOvr>
+  <p:timing>
+    <p:tnLst>
+      <p:par>
+        <p:cTn id="1" dur="indefinite" restart="never" nodeType="tmRoot"/>
+      </p:par>
+    </p:tnLst>
+  </p:timing>
+</p:sld>
+</file>
+
+<file path=ppt/slides/slide9.xml><?xml version="1.0" encoding="utf-8"?>
+<p:sld xmlns:a="http://schemas.openxmlformats.org/drawingml/2006/main" xmlns:r="http://schemas.openxmlformats.org/officeDocument/2006/relationships" xmlns:p="http://schemas.openxmlformats.org/presentationml/2006/main">
+  <p:cSld>
+    <p:spTree>
+      <p:nvGrpSpPr>
+        <p:cNvPr id="1" name=""/>
+        <p:cNvGrpSpPr/>
+        <p:nvPr/>
+      </p:nvGrpSpPr>
+      <p:grpSpPr>
+        <a:xfrm>
+          <a:off x="0" y="0"/>
+          <a:ext cx="0" cy="0"/>
+          <a:chOff x="0" y="0"/>
+          <a:chExt cx="0" cy="0"/>
+        </a:xfrm>
+      </p:grpSpPr>
+      <p:sp>
+        <p:nvSpPr>
+          <p:cNvPr id="2" name="Content Placeholder 1"/>
+          <p:cNvSpPr>
+            <a:spLocks noGrp="1"/>
+          </p:cNvSpPr>
+          <p:nvPr>
+            <p:ph idx="1"/>
+          </p:nvPr>
+        </p:nvSpPr>
+        <p:spPr/>
+        <p:txBody>
+          <a:bodyPr/>
+          <a:lstStyle/>
+          <a:p>
+            <a:pPr marL="0" indent="0">
+              <a:buNone/>
+            </a:pPr>
+            <a:r>
+              <a:rPr lang="en-US" dirty="0" smtClean="0"/>
+              <a:t>Demographics</a:t>
+            </a:r>
+          </a:p>
+        </p:txBody>
+      </p:sp>
+      <p:sp>
+        <p:nvSpPr>
+          <p:cNvPr id="3" name="Title 2"/>
+          <p:cNvSpPr>
+            <a:spLocks noGrp="1"/>
+          </p:cNvSpPr>
+          <p:nvPr>
+            <p:ph type="title"/>
+          </p:nvPr>
+        </p:nvSpPr>
+        <p:spPr/>
+        <p:txBody>
+          <a:bodyPr/>
+          <a:lstStyle/>
+          <a:p>
+            <a:r>
+              <a:rPr lang="en-US" dirty="0" smtClean="0"/>
+              <a:t>Experiment 2 - Procedure</a:t>
+            </a:r>
+            <a:endParaRPr lang="en-US" dirty="0"/>
+          </a:p>
+        </p:txBody>
+      </p:sp>
+      <p:pic>
+        <p:nvPicPr>
+          <p:cNvPr id="4" name="Picture 3"/>
+          <p:cNvPicPr>
+            <a:picLocks noChangeAspect="1"/>
+          </p:cNvPicPr>
+          <p:nvPr/>
+        </p:nvPicPr>
+        <p:blipFill>
+          <a:blip r:embed="rId2"/>
+          <a:stretch>
+            <a:fillRect/>
+          </a:stretch>
+        </p:blipFill>
+        <p:spPr>
+          <a:xfrm>
+            <a:off x="508104" y="1685924"/>
+            <a:ext cx="3981450" cy="4257675"/>
+          </a:xfrm>
+          <a:prstGeom prst="rect">
+            <a:avLst/>
+          </a:prstGeom>
+        </p:spPr>
+      </p:pic>
+      <p:pic>
+        <p:nvPicPr>
+          <p:cNvPr id="5" name="Picture 4"/>
+          <p:cNvPicPr>
+            <a:picLocks noChangeAspect="1"/>
+          </p:cNvPicPr>
+          <p:nvPr/>
+        </p:nvPicPr>
+        <p:blipFill>
+          <a:blip r:embed="rId3"/>
+          <a:stretch>
+            <a:fillRect/>
+          </a:stretch>
+        </p:blipFill>
+        <p:spPr>
+          <a:xfrm>
+            <a:off x="4555448" y="3270786"/>
+            <a:ext cx="4410075" cy="2952750"/>
+          </a:xfrm>
+          <a:prstGeom prst="rect">
+            <a:avLst/>
+          </a:prstGeom>
+        </p:spPr>
+      </p:pic>
+    </p:spTree>
+    <p:extLst>
+      <p:ext uri="{BB962C8B-B14F-4D97-AF65-F5344CB8AC3E}">
+        <p14:creationId xmlns:p14="http://schemas.microsoft.com/office/powerpoint/2010/main" val="3648005767"/>
       </p:ext>
     </p:extLst>
   </p:cSld>
@@ -21751,11 +23274,17 @@
 <file path=customXml/itemProps2.xml><?xml version="1.0" encoding="utf-8"?>
 <ds:datastoreItem xmlns:ds="http://schemas.openxmlformats.org/officeDocument/2006/customXml" ds:itemID="{18FEFD74-9FBC-4157-8802-AFD8EC757C9F}">
   <ds:schemaRefs>
+    <ds:schemaRef ds:uri="http://schemas.microsoft.com/sharepoint/v3"/>
+    <ds:schemaRef ds:uri="http://purl.org/dc/terms/"/>
+    <ds:schemaRef ds:uri="http://purl.org/dc/elements/1.1/"/>
+    <ds:schemaRef ds:uri="2c061caa-ac96-4ed1-b74a-abb1169dd94c"/>
+    <ds:schemaRef ds:uri="http://purl.org/dc/dcmitype/"/>
+    <ds:schemaRef ds:uri="http://schemas.microsoft.com/office/infopath/2007/PartnerControls"/>
+    <ds:schemaRef ds:uri="8acc76ce-4927-4c10-947a-54b615abcc3a"/>
     <ds:schemaRef ds:uri="http://schemas.microsoft.com/office/2006/metadata/properties"/>
-    <ds:schemaRef ds:uri="http://schemas.microsoft.com/office/infopath/2007/PartnerControls"/>
-    <ds:schemaRef ds:uri="http://schemas.microsoft.com/sharepoint/v3"/>
-    <ds:schemaRef ds:uri="8acc76ce-4927-4c10-947a-54b615abcc3a"/>
-    <ds:schemaRef ds:uri="2c061caa-ac96-4ed1-b74a-abb1169dd94c"/>
+    <ds:schemaRef ds:uri="http://schemas.microsoft.com/office/2006/documentManagement/types"/>
+    <ds:schemaRef ds:uri="http://schemas.openxmlformats.org/package/2006/metadata/core-properties"/>
+    <ds:schemaRef ds:uri="http://www.w3.org/XML/1998/namespace"/>
   </ds:schemaRefs>
 </ds:datastoreItem>
 </file>
